--- a/doc/presentation.pptx
+++ b/doc/presentation.pptx
@@ -15,8 +15,8 @@
     <p:sldId id="385" r:id="rId3"/>
     <p:sldId id="376" r:id="rId4"/>
     <p:sldId id="391" r:id="rId5"/>
-    <p:sldId id="390" r:id="rId6"/>
-    <p:sldId id="392" r:id="rId7"/>
+    <p:sldId id="392" r:id="rId6"/>
+    <p:sldId id="390" r:id="rId7"/>
     <p:sldId id="389" r:id="rId8"/>
   </p:sldIdLst>
   <p:sldSz cx="13439775" cy="7559675"/>
@@ -557,30 +557,6 @@
     </pc:docChg>
   </pc:docChgLst>
   <pc:docChgLst>
-    <pc:chgData name="Агзамов Вадим" userId="8ee164391527404c" providerId="Windows Live" clId="Web-{17BFA42C-CF71-4111-8459-96D44A9E8DBC}"/>
-    <pc:docChg chg="modSld">
-      <pc:chgData name="Агзамов Вадим" userId="8ee164391527404c" providerId="Windows Live" clId="Web-{17BFA42C-CF71-4111-8459-96D44A9E8DBC}" dt="2023-12-12T10:08:21.699" v="129" actId="20577"/>
-      <pc:docMkLst>
-        <pc:docMk/>
-      </pc:docMkLst>
-      <pc:sldChg chg="modSp">
-        <pc:chgData name="Агзамов Вадим" userId="8ee164391527404c" providerId="Windows Live" clId="Web-{17BFA42C-CF71-4111-8459-96D44A9E8DBC}" dt="2023-12-12T10:08:21.699" v="129" actId="20577"/>
-        <pc:sldMkLst>
-          <pc:docMk/>
-          <pc:sldMk cId="2689251442" sldId="389"/>
-        </pc:sldMkLst>
-        <pc:spChg chg="mod">
-          <ac:chgData name="Агзамов Вадим" userId="8ee164391527404c" providerId="Windows Live" clId="Web-{17BFA42C-CF71-4111-8459-96D44A9E8DBC}" dt="2023-12-12T10:08:21.699" v="129" actId="20577"/>
-          <ac:spMkLst>
-            <pc:docMk/>
-            <pc:sldMk cId="2689251442" sldId="389"/>
-            <ac:spMk id="3" creationId="{8C6E6E4E-121D-3122-944C-A29B888D893B}"/>
-          </ac:spMkLst>
-        </pc:spChg>
-      </pc:sldChg>
-    </pc:docChg>
-  </pc:docChgLst>
-  <pc:docChgLst>
     <pc:chgData name="Агзамов Вадим" userId="8ee164391527404c" providerId="Windows Live" clId="Web-{8F570F50-9512-47C4-A23A-AC0AA76F6CAF}"/>
     <pc:docChg chg="modSld">
       <pc:chgData name="Агзамов Вадим" userId="8ee164391527404c" providerId="Windows Live" clId="Web-{8F570F50-9512-47C4-A23A-AC0AA76F6CAF}" dt="2023-12-12T08:29:31.155" v="4"/>
@@ -617,6 +593,30 @@
             <ac:picMk id="7" creationId="{5D00B365-5D34-4A4A-91F7-22D64D042DDC}"/>
           </ac:picMkLst>
         </pc:picChg>
+      </pc:sldChg>
+    </pc:docChg>
+  </pc:docChgLst>
+  <pc:docChgLst>
+    <pc:chgData name="Агзамов Вадим" userId="8ee164391527404c" providerId="Windows Live" clId="Web-{17BFA42C-CF71-4111-8459-96D44A9E8DBC}"/>
+    <pc:docChg chg="modSld">
+      <pc:chgData name="Агзамов Вадим" userId="8ee164391527404c" providerId="Windows Live" clId="Web-{17BFA42C-CF71-4111-8459-96D44A9E8DBC}" dt="2023-12-12T10:08:21.699" v="129" actId="20577"/>
+      <pc:docMkLst>
+        <pc:docMk/>
+      </pc:docMkLst>
+      <pc:sldChg chg="modSp">
+        <pc:chgData name="Агзамов Вадим" userId="8ee164391527404c" providerId="Windows Live" clId="Web-{17BFA42C-CF71-4111-8459-96D44A9E8DBC}" dt="2023-12-12T10:08:21.699" v="129" actId="20577"/>
+        <pc:sldMkLst>
+          <pc:docMk/>
+          <pc:sldMk cId="2689251442" sldId="389"/>
+        </pc:sldMkLst>
+        <pc:spChg chg="mod">
+          <ac:chgData name="Агзамов Вадим" userId="8ee164391527404c" providerId="Windows Live" clId="Web-{17BFA42C-CF71-4111-8459-96D44A9E8DBC}" dt="2023-12-12T10:08:21.699" v="129" actId="20577"/>
+          <ac:spMkLst>
+            <pc:docMk/>
+            <pc:sldMk cId="2689251442" sldId="389"/>
+            <ac:spMk id="3" creationId="{8C6E6E4E-121D-3122-944C-A29B888D893B}"/>
+          </ac:spMkLst>
+        </pc:spChg>
       </pc:sldChg>
     </pc:docChg>
   </pc:docChgLst>
@@ -5030,7 +5030,7 @@
           <a:p>
             <a:fld id="{2C672EA6-DC15-4194-8DFA-EEE47966C982}" type="datetime4">
               <a:rPr lang="ru-RU" smtClean="0"/>
-              <a:t>18 февраля 2024 г.</a:t>
+              <a:t>19 февраля 2024 г.</a:t>
             </a:fld>
             <a:endParaRPr lang="ru-RU" dirty="0"/>
           </a:p>
@@ -9018,7 +9018,7 @@
           <a:p>
             <a:fld id="{81E6E44E-6EA8-4798-B6AF-B19B8CD07069}" type="datetime4">
               <a:rPr lang="ru-RU" smtClean="0"/>
-              <a:t>18 февраля 2024 г.</a:t>
+              <a:t>19 февраля 2024 г.</a:t>
             </a:fld>
             <a:endParaRPr lang="ru-RU"/>
           </a:p>
@@ -9546,7 +9546,7 @@
             <a:fld id="{650F6079-1E0A-42DC-885C-B4635C0C35B8}" type="datetime4">
               <a:rPr lang="ru-RU" smtClean="0"/>
               <a:pPr/>
-              <a:t>18 февраля 2024 г.</a:t>
+              <a:t>19 февраля 2024 г.</a:t>
             </a:fld>
             <a:endParaRPr lang="ru-RU" dirty="0"/>
           </a:p>
@@ -9847,38 +9847,611 @@
                   </a:spcAft>
                 </a:pPr>
                 <a:r>
-                  <a:rPr lang="ru-RU" sz="1800" dirty="0">
+                  <a:rPr lang="ru-RU" sz="2400" dirty="0">
                     <a:effectLst/>
-                    <a:latin typeface="Times New Roman" panose="02020603050405020304" pitchFamily="18" charset="0"/>
                     <a:ea typeface="Times New Roman" panose="02020603050405020304" pitchFamily="18" charset="0"/>
                     <a:cs typeface="Times New Roman" panose="02020603050405020304" pitchFamily="18" charset="0"/>
                   </a:rPr>
-                  <a:t>Модельные (или экспериментально полученные) показания приборов являются нам заданы и являются функциями, представленными в виде </a:t>
+                  <a:t>На вход подается вектор-значений </a:t>
                 </a:r>
+                <a14:m>
+                  <m:oMath xmlns:m="http://schemas.openxmlformats.org/officeDocument/2006/math">
+                    <m:r>
+                      <a:rPr lang="ru-RU" sz="2400" i="1">
+                        <a:effectLst/>
+                        <a:ea typeface="Times New Roman" panose="02020603050405020304" pitchFamily="18" charset="0"/>
+                        <a:cs typeface="Times New Roman" panose="02020603050405020304" pitchFamily="18" charset="0"/>
+                      </a:rPr>
+                      <m:t>𝑦</m:t>
+                    </m:r>
+                    <m:r>
+                      <a:rPr lang="ru-RU" sz="2400" i="1">
+                        <a:effectLst/>
+                        <a:ea typeface="Times New Roman" panose="02020603050405020304" pitchFamily="18" charset="0"/>
+                        <a:cs typeface="Times New Roman" panose="02020603050405020304" pitchFamily="18" charset="0"/>
+                      </a:rPr>
+                      <m:t>=</m:t>
+                    </m:r>
+                    <m:sSup>
+                      <m:sSupPr>
+                        <m:ctrlPr>
+                          <a:rPr lang="ru-RU" sz="2400" i="1">
+                            <a:effectLst/>
+                            <a:ea typeface="Times New Roman" panose="02020603050405020304" pitchFamily="18" charset="0"/>
+                            <a:cs typeface="Times New Roman" panose="02020603050405020304" pitchFamily="18" charset="0"/>
+                          </a:rPr>
+                        </m:ctrlPr>
+                      </m:sSupPr>
+                      <m:e>
+                        <m:d>
+                          <m:dPr>
+                            <m:begChr m:val="["/>
+                            <m:endChr m:val="]"/>
+                            <m:ctrlPr>
+                              <a:rPr lang="ru-RU" sz="2400" i="1">
+                                <a:effectLst/>
+                                <a:ea typeface="Times New Roman" panose="02020603050405020304" pitchFamily="18" charset="0"/>
+                                <a:cs typeface="Times New Roman" panose="02020603050405020304" pitchFamily="18" charset="0"/>
+                              </a:rPr>
+                            </m:ctrlPr>
+                          </m:dPr>
+                          <m:e>
+                            <m:sSub>
+                              <m:sSubPr>
+                                <m:ctrlPr>
+                                  <a:rPr lang="ru-RU" sz="2400" i="1">
+                                    <a:effectLst/>
+                                    <a:ea typeface="Times New Roman" panose="02020603050405020304" pitchFamily="18" charset="0"/>
+                                    <a:cs typeface="Times New Roman" panose="02020603050405020304" pitchFamily="18" charset="0"/>
+                                  </a:rPr>
+                                </m:ctrlPr>
+                              </m:sSubPr>
+                              <m:e>
+                                <m:r>
+                                  <a:rPr lang="ru-RU" sz="2400" i="1">
+                                    <a:effectLst/>
+                                    <a:ea typeface="Times New Roman" panose="02020603050405020304" pitchFamily="18" charset="0"/>
+                                    <a:cs typeface="Times New Roman" panose="02020603050405020304" pitchFamily="18" charset="0"/>
+                                  </a:rPr>
+                                  <m:t>𝑦</m:t>
+                                </m:r>
+                              </m:e>
+                              <m:sub>
+                                <m:r>
+                                  <a:rPr lang="ru-RU" sz="2400" i="1">
+                                    <a:effectLst/>
+                                    <a:ea typeface="Times New Roman" panose="02020603050405020304" pitchFamily="18" charset="0"/>
+                                    <a:cs typeface="Times New Roman" panose="02020603050405020304" pitchFamily="18" charset="0"/>
+                                  </a:rPr>
+                                  <m:t>1</m:t>
+                                </m:r>
+                              </m:sub>
+                            </m:sSub>
+                            <m:r>
+                              <a:rPr lang="ru-RU" sz="2400" i="1">
+                                <a:effectLst/>
+                                <a:ea typeface="Times New Roman" panose="02020603050405020304" pitchFamily="18" charset="0"/>
+                                <a:cs typeface="Times New Roman" panose="02020603050405020304" pitchFamily="18" charset="0"/>
+                              </a:rPr>
+                              <m:t>,</m:t>
+                            </m:r>
+                            <m:sSub>
+                              <m:sSubPr>
+                                <m:ctrlPr>
+                                  <a:rPr lang="ru-RU" sz="2400" i="1">
+                                    <a:effectLst/>
+                                    <a:ea typeface="Times New Roman" panose="02020603050405020304" pitchFamily="18" charset="0"/>
+                                    <a:cs typeface="Times New Roman" panose="02020603050405020304" pitchFamily="18" charset="0"/>
+                                  </a:rPr>
+                                </m:ctrlPr>
+                              </m:sSubPr>
+                              <m:e>
+                                <m:r>
+                                  <a:rPr lang="ru-RU" sz="2400" i="1">
+                                    <a:effectLst/>
+                                    <a:ea typeface="Times New Roman" panose="02020603050405020304" pitchFamily="18" charset="0"/>
+                                    <a:cs typeface="Times New Roman" panose="02020603050405020304" pitchFamily="18" charset="0"/>
+                                  </a:rPr>
+                                  <m:t>𝑦</m:t>
+                                </m:r>
+                              </m:e>
+                              <m:sub>
+                                <m:r>
+                                  <a:rPr lang="ru-RU" sz="2400" i="1">
+                                    <a:effectLst/>
+                                    <a:ea typeface="Times New Roman" panose="02020603050405020304" pitchFamily="18" charset="0"/>
+                                    <a:cs typeface="Times New Roman" panose="02020603050405020304" pitchFamily="18" charset="0"/>
+                                  </a:rPr>
+                                  <m:t>2</m:t>
+                                </m:r>
+                              </m:sub>
+                            </m:sSub>
+                            <m:r>
+                              <a:rPr lang="ru-RU" sz="2400" i="1">
+                                <a:effectLst/>
+                                <a:ea typeface="Times New Roman" panose="02020603050405020304" pitchFamily="18" charset="0"/>
+                                <a:cs typeface="Times New Roman" panose="02020603050405020304" pitchFamily="18" charset="0"/>
+                              </a:rPr>
+                              <m:t>,…,</m:t>
+                            </m:r>
+                            <m:sSub>
+                              <m:sSubPr>
+                                <m:ctrlPr>
+                                  <a:rPr lang="ru-RU" sz="2400" i="1">
+                                    <a:effectLst/>
+                                    <a:ea typeface="Times New Roman" panose="02020603050405020304" pitchFamily="18" charset="0"/>
+                                    <a:cs typeface="Times New Roman" panose="02020603050405020304" pitchFamily="18" charset="0"/>
+                                  </a:rPr>
+                                </m:ctrlPr>
+                              </m:sSubPr>
+                              <m:e>
+                                <m:r>
+                                  <a:rPr lang="ru-RU" sz="2400" i="1">
+                                    <a:effectLst/>
+                                    <a:ea typeface="Times New Roman" panose="02020603050405020304" pitchFamily="18" charset="0"/>
+                                    <a:cs typeface="Times New Roman" panose="02020603050405020304" pitchFamily="18" charset="0"/>
+                                  </a:rPr>
+                                  <m:t>𝑦</m:t>
+                                </m:r>
+                              </m:e>
+                              <m:sub>
+                                <m:r>
+                                  <a:rPr lang="ru-RU" sz="2400" i="1">
+                                    <a:effectLst/>
+                                    <a:ea typeface="Times New Roman" panose="02020603050405020304" pitchFamily="18" charset="0"/>
+                                    <a:cs typeface="Times New Roman" panose="02020603050405020304" pitchFamily="18" charset="0"/>
+                                  </a:rPr>
+                                  <m:t>𝑛</m:t>
+                                </m:r>
+                              </m:sub>
+                            </m:sSub>
+                          </m:e>
+                        </m:d>
+                      </m:e>
+                      <m:sup>
+                        <m:r>
+                          <a:rPr lang="ru-RU" sz="2400" i="1">
+                            <a:effectLst/>
+                            <a:ea typeface="Times New Roman" panose="02020603050405020304" pitchFamily="18" charset="0"/>
+                            <a:cs typeface="Times New Roman" panose="02020603050405020304" pitchFamily="18" charset="0"/>
+                          </a:rPr>
+                          <m:t>𝑇</m:t>
+                        </m:r>
+                      </m:sup>
+                    </m:sSup>
+                  </m:oMath>
+                </a14:m>
                 <a:r>
-                  <a:rPr lang="en-US" sz="1800" dirty="0">
+                  <a:rPr lang="ru-RU" sz="2400" dirty="0">
                     <a:effectLst/>
-                    <a:latin typeface="Times New Roman" panose="02020603050405020304" pitchFamily="18" charset="0"/>
                     <a:ea typeface="Times New Roman" panose="02020603050405020304" pitchFamily="18" charset="0"/>
                     <a:cs typeface="Times New Roman" panose="02020603050405020304" pitchFamily="18" charset="0"/>
                   </a:rPr>
-                  <a:t>RBF</a:t>
+                  <a:t> и вектор-функция </a:t>
                 </a:r>
+                <a14:m>
+                  <m:oMath xmlns:m="http://schemas.openxmlformats.org/officeDocument/2006/math">
+                    <m:r>
+                      <a:rPr lang="en-US" sz="2400" i="1">
+                        <a:effectLst/>
+                        <a:ea typeface="Times New Roman" panose="02020603050405020304" pitchFamily="18" charset="0"/>
+                        <a:cs typeface="Times New Roman" panose="02020603050405020304" pitchFamily="18" charset="0"/>
+                      </a:rPr>
+                      <m:t>𝐹</m:t>
+                    </m:r>
+                    <m:d>
+                      <m:dPr>
+                        <m:ctrlPr>
+                          <a:rPr lang="ru-RU" sz="2400" i="1">
+                            <a:effectLst/>
+                            <a:ea typeface="Times New Roman" panose="02020603050405020304" pitchFamily="18" charset="0"/>
+                            <a:cs typeface="Times New Roman" panose="02020603050405020304" pitchFamily="18" charset="0"/>
+                          </a:rPr>
+                        </m:ctrlPr>
+                      </m:dPr>
+                      <m:e>
+                        <m:r>
+                          <a:rPr lang="ru-RU" sz="2400" i="1">
+                            <a:effectLst/>
+                            <a:ea typeface="Times New Roman" panose="02020603050405020304" pitchFamily="18" charset="0"/>
+                            <a:cs typeface="Times New Roman" panose="02020603050405020304" pitchFamily="18" charset="0"/>
+                          </a:rPr>
+                          <m:t>𝑥</m:t>
+                        </m:r>
+                      </m:e>
+                    </m:d>
+                    <m:r>
+                      <a:rPr lang="ru-RU" sz="2400" i="1">
+                        <a:effectLst/>
+                        <a:ea typeface="Times New Roman" panose="02020603050405020304" pitchFamily="18" charset="0"/>
+                        <a:cs typeface="Times New Roman" panose="02020603050405020304" pitchFamily="18" charset="0"/>
+                      </a:rPr>
+                      <m:t>=</m:t>
+                    </m:r>
+                    <m:sSup>
+                      <m:sSupPr>
+                        <m:ctrlPr>
+                          <a:rPr lang="ru-RU" sz="2400" i="1">
+                            <a:effectLst/>
+                            <a:ea typeface="Times New Roman" panose="02020603050405020304" pitchFamily="18" charset="0"/>
+                            <a:cs typeface="Times New Roman" panose="02020603050405020304" pitchFamily="18" charset="0"/>
+                          </a:rPr>
+                        </m:ctrlPr>
+                      </m:sSupPr>
+                      <m:e>
+                        <m:d>
+                          <m:dPr>
+                            <m:begChr m:val="["/>
+                            <m:endChr m:val="]"/>
+                            <m:ctrlPr>
+                              <a:rPr lang="ru-RU" sz="2400" i="1">
+                                <a:effectLst/>
+                                <a:ea typeface="Times New Roman" panose="02020603050405020304" pitchFamily="18" charset="0"/>
+                                <a:cs typeface="Times New Roman" panose="02020603050405020304" pitchFamily="18" charset="0"/>
+                              </a:rPr>
+                            </m:ctrlPr>
+                          </m:dPr>
+                          <m:e>
+                            <m:sSub>
+                              <m:sSubPr>
+                                <m:ctrlPr>
+                                  <a:rPr lang="ru-RU" sz="2400" i="1">
+                                    <a:effectLst/>
+                                    <a:ea typeface="Times New Roman" panose="02020603050405020304" pitchFamily="18" charset="0"/>
+                                    <a:cs typeface="Times New Roman" panose="02020603050405020304" pitchFamily="18" charset="0"/>
+                                  </a:rPr>
+                                </m:ctrlPr>
+                              </m:sSubPr>
+                              <m:e>
+                                <m:r>
+                                  <a:rPr lang="ru-RU" sz="2400" i="1">
+                                    <a:effectLst/>
+                                    <a:ea typeface="Times New Roman" panose="02020603050405020304" pitchFamily="18" charset="0"/>
+                                    <a:cs typeface="Times New Roman" panose="02020603050405020304" pitchFamily="18" charset="0"/>
+                                  </a:rPr>
+                                  <m:t>𝐹</m:t>
+                                </m:r>
+                              </m:e>
+                              <m:sub>
+                                <m:r>
+                                  <a:rPr lang="ru-RU" sz="2400" i="1">
+                                    <a:effectLst/>
+                                    <a:ea typeface="Times New Roman" panose="02020603050405020304" pitchFamily="18" charset="0"/>
+                                    <a:cs typeface="Times New Roman" panose="02020603050405020304" pitchFamily="18" charset="0"/>
+                                  </a:rPr>
+                                  <m:t>1</m:t>
+                                </m:r>
+                              </m:sub>
+                            </m:sSub>
+                            <m:d>
+                              <m:dPr>
+                                <m:ctrlPr>
+                                  <a:rPr lang="ru-RU" sz="2400" i="1">
+                                    <a:effectLst/>
+                                    <a:ea typeface="Times New Roman" panose="02020603050405020304" pitchFamily="18" charset="0"/>
+                                    <a:cs typeface="Times New Roman" panose="02020603050405020304" pitchFamily="18" charset="0"/>
+                                  </a:rPr>
+                                </m:ctrlPr>
+                              </m:dPr>
+                              <m:e>
+                                <m:r>
+                                  <a:rPr lang="en-US" sz="2400" i="1">
+                                    <a:effectLst/>
+                                    <a:ea typeface="Times New Roman" panose="02020603050405020304" pitchFamily="18" charset="0"/>
+                                    <a:cs typeface="Times New Roman" panose="02020603050405020304" pitchFamily="18" charset="0"/>
+                                  </a:rPr>
+                                  <m:t>𝑥</m:t>
+                                </m:r>
+                              </m:e>
+                            </m:d>
+                            <m:r>
+                              <a:rPr lang="ru-RU" sz="2400" i="1">
+                                <a:effectLst/>
+                                <a:ea typeface="Times New Roman" panose="02020603050405020304" pitchFamily="18" charset="0"/>
+                                <a:cs typeface="Times New Roman" panose="02020603050405020304" pitchFamily="18" charset="0"/>
+                              </a:rPr>
+                              <m:t>,</m:t>
+                            </m:r>
+                            <m:sSub>
+                              <m:sSubPr>
+                                <m:ctrlPr>
+                                  <a:rPr lang="ru-RU" sz="2400" i="1">
+                                    <a:effectLst/>
+                                    <a:ea typeface="Times New Roman" panose="02020603050405020304" pitchFamily="18" charset="0"/>
+                                    <a:cs typeface="Times New Roman" panose="02020603050405020304" pitchFamily="18" charset="0"/>
+                                  </a:rPr>
+                                </m:ctrlPr>
+                              </m:sSubPr>
+                              <m:e>
+                                <m:r>
+                                  <a:rPr lang="en-US" sz="2400" i="1">
+                                    <a:effectLst/>
+                                    <a:ea typeface="Times New Roman" panose="02020603050405020304" pitchFamily="18" charset="0"/>
+                                    <a:cs typeface="Times New Roman" panose="02020603050405020304" pitchFamily="18" charset="0"/>
+                                  </a:rPr>
+                                  <m:t>𝐹</m:t>
+                                </m:r>
+                              </m:e>
+                              <m:sub>
+                                <m:r>
+                                  <a:rPr lang="ru-RU" sz="2400" i="1">
+                                    <a:effectLst/>
+                                    <a:ea typeface="Times New Roman" panose="02020603050405020304" pitchFamily="18" charset="0"/>
+                                    <a:cs typeface="Times New Roman" panose="02020603050405020304" pitchFamily="18" charset="0"/>
+                                  </a:rPr>
+                                  <m:t>2</m:t>
+                                </m:r>
+                              </m:sub>
+                            </m:sSub>
+                            <m:d>
+                              <m:dPr>
+                                <m:ctrlPr>
+                                  <a:rPr lang="ru-RU" sz="2400" i="1">
+                                    <a:effectLst/>
+                                    <a:ea typeface="Times New Roman" panose="02020603050405020304" pitchFamily="18" charset="0"/>
+                                    <a:cs typeface="Times New Roman" panose="02020603050405020304" pitchFamily="18" charset="0"/>
+                                  </a:rPr>
+                                </m:ctrlPr>
+                              </m:dPr>
+                              <m:e>
+                                <m:r>
+                                  <a:rPr lang="en-US" sz="2400" i="1">
+                                    <a:effectLst/>
+                                    <a:ea typeface="Times New Roman" panose="02020603050405020304" pitchFamily="18" charset="0"/>
+                                    <a:cs typeface="Times New Roman" panose="02020603050405020304" pitchFamily="18" charset="0"/>
+                                  </a:rPr>
+                                  <m:t>𝑥</m:t>
+                                </m:r>
+                              </m:e>
+                            </m:d>
+                            <m:r>
+                              <a:rPr lang="ru-RU" sz="2400" i="1">
+                                <a:effectLst/>
+                                <a:ea typeface="Times New Roman" panose="02020603050405020304" pitchFamily="18" charset="0"/>
+                                <a:cs typeface="Times New Roman" panose="02020603050405020304" pitchFamily="18" charset="0"/>
+                              </a:rPr>
+                              <m:t>,…,</m:t>
+                            </m:r>
+                            <m:sSub>
+                              <m:sSubPr>
+                                <m:ctrlPr>
+                                  <a:rPr lang="ru-RU" sz="2400" i="1">
+                                    <a:effectLst/>
+                                    <a:ea typeface="Times New Roman" panose="02020603050405020304" pitchFamily="18" charset="0"/>
+                                    <a:cs typeface="Times New Roman" panose="02020603050405020304" pitchFamily="18" charset="0"/>
+                                  </a:rPr>
+                                </m:ctrlPr>
+                              </m:sSubPr>
+                              <m:e>
+                                <m:r>
+                                  <a:rPr lang="en-US" sz="2400" i="1">
+                                    <a:effectLst/>
+                                    <a:ea typeface="Times New Roman" panose="02020603050405020304" pitchFamily="18" charset="0"/>
+                                    <a:cs typeface="Times New Roman" panose="02020603050405020304" pitchFamily="18" charset="0"/>
+                                  </a:rPr>
+                                  <m:t>𝐹</m:t>
+                                </m:r>
+                              </m:e>
+                              <m:sub>
+                                <m:r>
+                                  <a:rPr lang="en-US" sz="2400" i="1">
+                                    <a:effectLst/>
+                                    <a:ea typeface="Times New Roman" panose="02020603050405020304" pitchFamily="18" charset="0"/>
+                                    <a:cs typeface="Times New Roman" panose="02020603050405020304" pitchFamily="18" charset="0"/>
+                                  </a:rPr>
+                                  <m:t>𝑛</m:t>
+                                </m:r>
+                              </m:sub>
+                            </m:sSub>
+                            <m:d>
+                              <m:dPr>
+                                <m:ctrlPr>
+                                  <a:rPr lang="ru-RU" sz="2400" i="1">
+                                    <a:effectLst/>
+                                    <a:ea typeface="Times New Roman" panose="02020603050405020304" pitchFamily="18" charset="0"/>
+                                    <a:cs typeface="Times New Roman" panose="02020603050405020304" pitchFamily="18" charset="0"/>
+                                  </a:rPr>
+                                </m:ctrlPr>
+                              </m:dPr>
+                              <m:e>
+                                <m:r>
+                                  <a:rPr lang="en-US" sz="2400" i="1">
+                                    <a:effectLst/>
+                                    <a:ea typeface="Times New Roman" panose="02020603050405020304" pitchFamily="18" charset="0"/>
+                                    <a:cs typeface="Times New Roman" panose="02020603050405020304" pitchFamily="18" charset="0"/>
+                                  </a:rPr>
+                                  <m:t>𝑥</m:t>
+                                </m:r>
+                              </m:e>
+                            </m:d>
+                          </m:e>
+                        </m:d>
+                      </m:e>
+                      <m:sup>
+                        <m:r>
+                          <a:rPr lang="en-US" sz="2400" i="1">
+                            <a:effectLst/>
+                            <a:ea typeface="Times New Roman" panose="02020603050405020304" pitchFamily="18" charset="0"/>
+                            <a:cs typeface="Times New Roman" panose="02020603050405020304" pitchFamily="18" charset="0"/>
+                          </a:rPr>
+                          <m:t>𝑇</m:t>
+                        </m:r>
+                      </m:sup>
+                    </m:sSup>
+                    <m:r>
+                      <a:rPr lang="ru-RU" sz="2400" i="1">
+                        <a:effectLst/>
+                        <a:ea typeface="Times New Roman" panose="02020603050405020304" pitchFamily="18" charset="0"/>
+                        <a:cs typeface="Times New Roman" panose="02020603050405020304" pitchFamily="18" charset="0"/>
+                      </a:rPr>
+                      <m:t>,где </m:t>
+                    </m:r>
+                    <m:r>
+                      <a:rPr lang="en-US" sz="2400" i="1">
+                        <a:effectLst/>
+                        <a:ea typeface="Times New Roman" panose="02020603050405020304" pitchFamily="18" charset="0"/>
+                        <a:cs typeface="Times New Roman" panose="02020603050405020304" pitchFamily="18" charset="0"/>
+                      </a:rPr>
+                      <m:t>𝑥</m:t>
+                    </m:r>
+                    <m:r>
+                      <a:rPr lang="ru-RU" sz="2400" i="1">
+                        <a:effectLst/>
+                        <a:ea typeface="Times New Roman" panose="02020603050405020304" pitchFamily="18" charset="0"/>
+                        <a:cs typeface="Times New Roman" panose="02020603050405020304" pitchFamily="18" charset="0"/>
+                      </a:rPr>
+                      <m:t>∈</m:t>
+                    </m:r>
+                    <m:sSup>
+                      <m:sSupPr>
+                        <m:ctrlPr>
+                          <a:rPr lang="ru-RU" sz="2400" i="1">
+                            <a:effectLst/>
+                            <a:ea typeface="Times New Roman" panose="02020603050405020304" pitchFamily="18" charset="0"/>
+                            <a:cs typeface="Times New Roman" panose="02020603050405020304" pitchFamily="18" charset="0"/>
+                          </a:rPr>
+                        </m:ctrlPr>
+                      </m:sSupPr>
+                      <m:e>
+                        <m:r>
+                          <a:rPr lang="en-US" sz="2400" i="1">
+                            <a:effectLst/>
+                            <a:ea typeface="Times New Roman" panose="02020603050405020304" pitchFamily="18" charset="0"/>
+                            <a:cs typeface="Times New Roman" panose="02020603050405020304" pitchFamily="18" charset="0"/>
+                          </a:rPr>
+                          <m:t>𝑅</m:t>
+                        </m:r>
+                      </m:e>
+                      <m:sup>
+                        <m:r>
+                          <a:rPr lang="en-US" sz="2400" i="1">
+                            <a:effectLst/>
+                            <a:ea typeface="Times New Roman" panose="02020603050405020304" pitchFamily="18" charset="0"/>
+                            <a:cs typeface="Times New Roman" panose="02020603050405020304" pitchFamily="18" charset="0"/>
+                          </a:rPr>
+                          <m:t>𝑚</m:t>
+                        </m:r>
+                      </m:sup>
+                    </m:sSup>
+                    <m:r>
+                      <a:rPr lang="ru-RU" sz="2400" i="1">
+                        <a:effectLst/>
+                        <a:ea typeface="Times New Roman" panose="02020603050405020304" pitchFamily="18" charset="0"/>
+                        <a:cs typeface="Times New Roman" panose="02020603050405020304" pitchFamily="18" charset="0"/>
+                      </a:rPr>
+                      <m:t>, причем  </m:t>
+                    </m:r>
+                    <m:r>
+                      <a:rPr lang="en-US" sz="2400" i="1">
+                        <a:effectLst/>
+                        <a:ea typeface="Times New Roman" panose="02020603050405020304" pitchFamily="18" charset="0"/>
+                        <a:cs typeface="Times New Roman" panose="02020603050405020304" pitchFamily="18" charset="0"/>
+                      </a:rPr>
+                      <m:t>𝑚</m:t>
+                    </m:r>
+                    <m:r>
+                      <a:rPr lang="ru-RU" sz="2400" i="1">
+                        <a:effectLst/>
+                        <a:ea typeface="Times New Roman" panose="02020603050405020304" pitchFamily="18" charset="0"/>
+                        <a:cs typeface="Times New Roman" panose="02020603050405020304" pitchFamily="18" charset="0"/>
+                      </a:rPr>
+                      <m:t>≤</m:t>
+                    </m:r>
+                    <m:r>
+                      <a:rPr lang="en-US" sz="2400" i="1">
+                        <a:effectLst/>
+                        <a:ea typeface="Times New Roman" panose="02020603050405020304" pitchFamily="18" charset="0"/>
+                        <a:cs typeface="Times New Roman" panose="02020603050405020304" pitchFamily="18" charset="0"/>
+                      </a:rPr>
+                      <m:t>𝑛</m:t>
+                    </m:r>
+                  </m:oMath>
+                </a14:m>
                 <a:r>
-                  <a:rPr lang="ru-RU" sz="1800" dirty="0">
+                  <a:rPr lang="ru-RU" sz="2400" dirty="0">
                     <a:effectLst/>
-                    <a:latin typeface="Times New Roman" panose="02020603050405020304" pitchFamily="18" charset="0"/>
                     <a:ea typeface="Times New Roman" panose="02020603050405020304" pitchFamily="18" charset="0"/>
                     <a:cs typeface="Times New Roman" panose="02020603050405020304" pitchFamily="18" charset="0"/>
                   </a:rPr>
-                  <a:t>-интерполяции </a:t>
+                  <a:t>.</a:t>
                 </a:r>
-                <a:endParaRPr lang="ru-RU" sz="1800" dirty="0">
-                  <a:effectLst/>
-                  <a:latin typeface="Calibri" panose="020F0502020204030204" pitchFamily="34" charset="0"/>
-                  <a:ea typeface="Times New Roman" panose="02020603050405020304" pitchFamily="18" charset="0"/>
-                  <a:cs typeface="Times New Roman" panose="02020603050405020304" pitchFamily="18" charset="0"/>
-                </a:endParaRPr>
+              </a:p>
+              <a:p>
+                <a:pPr indent="450215" algn="just">
+                  <a:lnSpc>
+                    <a:spcPct val="115000"/>
+                  </a:lnSpc>
+                  <a:spcAft>
+                    <a:spcPts val="1000"/>
+                  </a:spcAft>
+                </a:pPr>
+                <a:r>
+                  <a:rPr lang="ru-RU" sz="2400" dirty="0">
+                    <a:effectLst/>
+                    <a:ea typeface="Times New Roman" panose="02020603050405020304" pitchFamily="18" charset="0"/>
+                    <a:cs typeface="Times New Roman" panose="02020603050405020304" pitchFamily="18" charset="0"/>
+                  </a:rPr>
+                  <a:t>Нужно найти такой </a:t>
+                </a:r>
+                <a14:m>
+                  <m:oMath xmlns:m="http://schemas.openxmlformats.org/officeDocument/2006/math">
+                    <m:r>
+                      <a:rPr lang="ru-RU" sz="2400" i="1">
+                        <a:effectLst/>
+                        <a:ea typeface="Times New Roman" panose="02020603050405020304" pitchFamily="18" charset="0"/>
+                        <a:cs typeface="Times New Roman" panose="02020603050405020304" pitchFamily="18" charset="0"/>
+                      </a:rPr>
+                      <m:t>𝑥</m:t>
+                    </m:r>
+                    <m:r>
+                      <a:rPr lang="ru-RU" sz="2400" i="1">
+                        <a:effectLst/>
+                        <a:ea typeface="Times New Roman" panose="02020603050405020304" pitchFamily="18" charset="0"/>
+                        <a:cs typeface="Times New Roman" panose="02020603050405020304" pitchFamily="18" charset="0"/>
+                      </a:rPr>
+                      <m:t>∈</m:t>
+                    </m:r>
+                    <m:sSup>
+                      <m:sSupPr>
+                        <m:ctrlPr>
+                          <a:rPr lang="ru-RU" sz="2400" i="1">
+                            <a:effectLst/>
+                            <a:ea typeface="Times New Roman" panose="02020603050405020304" pitchFamily="18" charset="0"/>
+                            <a:cs typeface="Times New Roman" panose="02020603050405020304" pitchFamily="18" charset="0"/>
+                          </a:rPr>
+                        </m:ctrlPr>
+                      </m:sSupPr>
+                      <m:e>
+                        <m:r>
+                          <a:rPr lang="ru-RU" sz="2400" i="1">
+                            <a:effectLst/>
+                            <a:ea typeface="Times New Roman" panose="02020603050405020304" pitchFamily="18" charset="0"/>
+                            <a:cs typeface="Times New Roman" panose="02020603050405020304" pitchFamily="18" charset="0"/>
+                          </a:rPr>
+                          <m:t>𝑅</m:t>
+                        </m:r>
+                      </m:e>
+                      <m:sup>
+                        <m:r>
+                          <a:rPr lang="ru-RU" sz="2400" i="1">
+                            <a:effectLst/>
+                            <a:ea typeface="Times New Roman" panose="02020603050405020304" pitchFamily="18" charset="0"/>
+                            <a:cs typeface="Times New Roman" panose="02020603050405020304" pitchFamily="18" charset="0"/>
+                          </a:rPr>
+                          <m:t>𝑚</m:t>
+                        </m:r>
+                      </m:sup>
+                    </m:sSup>
+                  </m:oMath>
+                </a14:m>
+                <a:r>
+                  <a:rPr lang="ru-RU" sz="2400" dirty="0">
+                    <a:effectLst/>
+                    <a:ea typeface="Times New Roman" panose="02020603050405020304" pitchFamily="18" charset="0"/>
+                    <a:cs typeface="Times New Roman" panose="02020603050405020304" pitchFamily="18" charset="0"/>
+                  </a:rPr>
+                  <a:t> при котором:</a:t>
+                </a:r>
               </a:p>
               <a:p>
                 <a:pPr indent="450215" algn="just">
@@ -9895,200 +10468,30 @@
                       <m:jc m:val="centerGroup"/>
                     </m:oMathParaPr>
                     <m:oMath xmlns:m="http://schemas.openxmlformats.org/officeDocument/2006/math">
-                      <m:sSub>
-                        <m:sSubPr>
+                      <m:eqArr>
+                        <m:eqArrPr>
                           <m:ctrlPr>
-                            <a:rPr lang="ru-RU" sz="1800" i="1">
+                            <a:rPr lang="ru-RU" sz="2400" i="1" smtClean="0">
                               <a:effectLst/>
-                              <a:latin typeface="Cambria Math" panose="02040503050406030204" pitchFamily="18" charset="0"/>
                               <a:ea typeface="Times New Roman" panose="02020603050405020304" pitchFamily="18" charset="0"/>
                               <a:cs typeface="Times New Roman" panose="02020603050405020304" pitchFamily="18" charset="0"/>
                             </a:rPr>
                           </m:ctrlPr>
-                        </m:sSubPr>
+                        </m:eqArrPr>
                         <m:e>
                           <m:r>
-                            <a:rPr lang="ru-RU" sz="1800" i="1">
+                            <a:rPr lang="en-US" sz="2400" i="1">
                               <a:effectLst/>
-                              <a:latin typeface="Cambria Math" panose="02040503050406030204" pitchFamily="18" charset="0"/>
                               <a:ea typeface="Times New Roman" panose="02020603050405020304" pitchFamily="18" charset="0"/>
                               <a:cs typeface="Times New Roman" panose="02020603050405020304" pitchFamily="18" charset="0"/>
                             </a:rPr>
-                            <m:t>𝐹</m:t>
+                            <m:t>𝑆</m:t>
                           </m:r>
-                        </m:e>
-                        <m:sub>
-                          <m:r>
-                            <a:rPr lang="ru-RU" sz="1800" i="1">
-                              <a:effectLst/>
-                              <a:latin typeface="Cambria Math" panose="02040503050406030204" pitchFamily="18" charset="0"/>
-                              <a:ea typeface="Times New Roman" panose="02020603050405020304" pitchFamily="18" charset="0"/>
-                              <a:cs typeface="Times New Roman" panose="02020603050405020304" pitchFamily="18" charset="0"/>
-                            </a:rPr>
-                            <m:t>𝑖</m:t>
-                          </m:r>
-                        </m:sub>
-                      </m:sSub>
-                      <m:d>
-                        <m:dPr>
-                          <m:ctrlPr>
-                            <a:rPr lang="ru-RU" sz="1800" i="1">
-                              <a:effectLst/>
-                              <a:latin typeface="Cambria Math" panose="02040503050406030204" pitchFamily="18" charset="0"/>
-                              <a:ea typeface="Times New Roman" panose="02020603050405020304" pitchFamily="18" charset="0"/>
-                              <a:cs typeface="Times New Roman" panose="02020603050405020304" pitchFamily="18" charset="0"/>
-                            </a:rPr>
-                          </m:ctrlPr>
-                        </m:dPr>
-                        <m:e>
-                          <m:r>
-                            <a:rPr lang="ru-RU" sz="1800" b="1" i="1">
-                              <a:effectLst/>
-                              <a:latin typeface="Cambria Math" panose="02040503050406030204" pitchFamily="18" charset="0"/>
-                              <a:ea typeface="Times New Roman" panose="02020603050405020304" pitchFamily="18" charset="0"/>
-                              <a:cs typeface="Times New Roman" panose="02020603050405020304" pitchFamily="18" charset="0"/>
-                            </a:rPr>
-                            <m:t>𝒙</m:t>
-                          </m:r>
-                        </m:e>
-                      </m:d>
-                      <m:r>
-                        <a:rPr lang="ru-RU" sz="1800" i="1">
-                          <a:effectLst/>
-                          <a:latin typeface="Cambria Math" panose="02040503050406030204" pitchFamily="18" charset="0"/>
-                          <a:ea typeface="Times New Roman" panose="02020603050405020304" pitchFamily="18" charset="0"/>
-                          <a:cs typeface="Times New Roman" panose="02020603050405020304" pitchFamily="18" charset="0"/>
-                        </a:rPr>
-                        <m:t>=</m:t>
-                      </m:r>
-                      <m:nary>
-                        <m:naryPr>
-                          <m:chr m:val="∑"/>
-                          <m:limLoc m:val="undOvr"/>
-                          <m:ctrlPr>
-                            <a:rPr lang="ru-RU" sz="1800" i="1">
-                              <a:effectLst/>
-                              <a:latin typeface="Cambria Math" panose="02040503050406030204" pitchFamily="18" charset="0"/>
-                              <a:ea typeface="Times New Roman" panose="02020603050405020304" pitchFamily="18" charset="0"/>
-                              <a:cs typeface="Times New Roman" panose="02020603050405020304" pitchFamily="18" charset="0"/>
-                            </a:rPr>
-                          </m:ctrlPr>
-                        </m:naryPr>
-                        <m:sub>
-                          <m:r>
-                            <a:rPr lang="ru-RU" sz="1800" i="1">
-                              <a:effectLst/>
-                              <a:latin typeface="Cambria Math" panose="02040503050406030204" pitchFamily="18" charset="0"/>
-                              <a:ea typeface="Times New Roman" panose="02020603050405020304" pitchFamily="18" charset="0"/>
-                              <a:cs typeface="Times New Roman" panose="02020603050405020304" pitchFamily="18" charset="0"/>
-                            </a:rPr>
-                            <m:t>𝑘</m:t>
-                          </m:r>
-                          <m:r>
-                            <a:rPr lang="ru-RU" sz="1800" i="1">
-                              <a:effectLst/>
-                              <a:latin typeface="Cambria Math" panose="02040503050406030204" pitchFamily="18" charset="0"/>
-                              <a:ea typeface="Times New Roman" panose="02020603050405020304" pitchFamily="18" charset="0"/>
-                              <a:cs typeface="Times New Roman" panose="02020603050405020304" pitchFamily="18" charset="0"/>
-                            </a:rPr>
-                            <m:t>=1</m:t>
-                          </m:r>
-                        </m:sub>
-                        <m:sup>
-                          <m:r>
-                            <a:rPr lang="ru-RU" sz="1800" i="1">
-                              <a:effectLst/>
-                              <a:latin typeface="Cambria Math" panose="02040503050406030204" pitchFamily="18" charset="0"/>
-                              <a:ea typeface="Times New Roman" panose="02020603050405020304" pitchFamily="18" charset="0"/>
-                              <a:cs typeface="Times New Roman" panose="02020603050405020304" pitchFamily="18" charset="0"/>
-                            </a:rPr>
-                            <m:t>𝑛</m:t>
-                          </m:r>
-                        </m:sup>
-                        <m:e>
-                          <m:sSub>
-                            <m:sSubPr>
-                              <m:ctrlPr>
-                                <a:rPr lang="ru-RU" sz="1800" i="1">
-                                  <a:effectLst/>
-                                  <a:latin typeface="Cambria Math" panose="02040503050406030204" pitchFamily="18" charset="0"/>
-                                  <a:ea typeface="Times New Roman" panose="02020603050405020304" pitchFamily="18" charset="0"/>
-                                  <a:cs typeface="Times New Roman" panose="02020603050405020304" pitchFamily="18" charset="0"/>
-                                </a:rPr>
-                              </m:ctrlPr>
-                            </m:sSubPr>
-                            <m:e>
-                              <m:r>
-                                <a:rPr lang="ru-RU" sz="1800" i="1">
-                                  <a:effectLst/>
-                                  <a:latin typeface="Cambria Math" panose="02040503050406030204" pitchFamily="18" charset="0"/>
-                                  <a:ea typeface="Times New Roman" panose="02020603050405020304" pitchFamily="18" charset="0"/>
-                                  <a:cs typeface="Times New Roman" panose="02020603050405020304" pitchFamily="18" charset="0"/>
-                                </a:rPr>
-                                <m:t>𝑤</m:t>
-                              </m:r>
-                            </m:e>
-                            <m:sub>
-                              <m:r>
-                                <a:rPr lang="ru-RU" sz="1800" i="1">
-                                  <a:effectLst/>
-                                  <a:latin typeface="Cambria Math" panose="02040503050406030204" pitchFamily="18" charset="0"/>
-                                  <a:ea typeface="Times New Roman" panose="02020603050405020304" pitchFamily="18" charset="0"/>
-                                  <a:cs typeface="Times New Roman" panose="02020603050405020304" pitchFamily="18" charset="0"/>
-                                </a:rPr>
-                                <m:t>𝑖</m:t>
-                              </m:r>
-                              <m:r>
-                                <a:rPr lang="ru-RU" sz="1800" i="1">
-                                  <a:effectLst/>
-                                  <a:latin typeface="Cambria Math" panose="02040503050406030204" pitchFamily="18" charset="0"/>
-                                  <a:ea typeface="Times New Roman" panose="02020603050405020304" pitchFamily="18" charset="0"/>
-                                  <a:cs typeface="Times New Roman" panose="02020603050405020304" pitchFamily="18" charset="0"/>
-                                </a:rPr>
-                                <m:t>,</m:t>
-                              </m:r>
-                              <m:r>
-                                <a:rPr lang="ru-RU" sz="1800" i="1">
-                                  <a:effectLst/>
-                                  <a:latin typeface="Cambria Math" panose="02040503050406030204" pitchFamily="18" charset="0"/>
-                                  <a:ea typeface="Times New Roman" panose="02020603050405020304" pitchFamily="18" charset="0"/>
-                                  <a:cs typeface="Times New Roman" panose="02020603050405020304" pitchFamily="18" charset="0"/>
-                                </a:rPr>
-                                <m:t>𝑘</m:t>
-                              </m:r>
-                            </m:sub>
-                          </m:sSub>
-                        </m:e>
-                      </m:nary>
-                      <m:r>
-                        <a:rPr lang="ru-RU" sz="1800" i="1">
-                          <a:effectLst/>
-                          <a:latin typeface="Cambria Math" panose="02040503050406030204" pitchFamily="18" charset="0"/>
-                          <a:ea typeface="Times New Roman" panose="02020603050405020304" pitchFamily="18" charset="0"/>
-                          <a:cs typeface="Times New Roman" panose="02020603050405020304" pitchFamily="18" charset="0"/>
-                        </a:rPr>
-                        <m:t>𝑓</m:t>
-                      </m:r>
-                      <m:d>
-                        <m:dPr>
-                          <m:ctrlPr>
-                            <a:rPr lang="ru-RU" sz="1800" i="1">
-                              <a:effectLst/>
-                              <a:latin typeface="Cambria Math" panose="02040503050406030204" pitchFamily="18" charset="0"/>
-                              <a:ea typeface="Times New Roman" panose="02020603050405020304" pitchFamily="18" charset="0"/>
-                              <a:cs typeface="Times New Roman" panose="02020603050405020304" pitchFamily="18" charset="0"/>
-                            </a:rPr>
-                          </m:ctrlPr>
-                        </m:dPr>
-                        <m:e>
                           <m:d>
                             <m:dPr>
-                              <m:begChr m:val="‖"/>
-                              <m:endChr m:val="‖"/>
                               <m:ctrlPr>
-                                <a:rPr lang="ru-RU" sz="1800" i="1">
+                                <a:rPr lang="ru-RU" sz="2400" i="1">
                                   <a:effectLst/>
-                                  <a:latin typeface="Cambria Math" panose="02040503050406030204" pitchFamily="18" charset="0"/>
                                   <a:ea typeface="Times New Roman" panose="02020603050405020304" pitchFamily="18" charset="0"/>
                                   <a:cs typeface="Times New Roman" panose="02020603050405020304" pitchFamily="18" charset="0"/>
                                 </a:rPr>
@@ -10096,18 +10499,105 @@
                             </m:dPr>
                             <m:e>
                               <m:r>
-                                <a:rPr lang="en-US" sz="1800" b="1" i="1">
+                                <a:rPr lang="en-US" sz="2400" i="1">
                                   <a:effectLst/>
-                                  <a:latin typeface="Cambria Math" panose="02040503050406030204" pitchFamily="18" charset="0"/>
                                   <a:ea typeface="Times New Roman" panose="02020603050405020304" pitchFamily="18" charset="0"/>
                                   <a:cs typeface="Times New Roman" panose="02020603050405020304" pitchFamily="18" charset="0"/>
                                 </a:rPr>
-                                <m:t>𝒙</m:t>
+                                <m:t>𝑥</m:t>
+                              </m:r>
+                            </m:e>
+                          </m:d>
+                          <m:r>
+                            <a:rPr lang="en-US" sz="2400" i="1">
+                              <a:effectLst/>
+                              <a:ea typeface="Times New Roman" panose="02020603050405020304" pitchFamily="18" charset="0"/>
+                              <a:cs typeface="Times New Roman" panose="02020603050405020304" pitchFamily="18" charset="0"/>
+                            </a:rPr>
+                            <m:t>=</m:t>
+                          </m:r>
+                          <m:nary>
+                            <m:naryPr>
+                              <m:chr m:val="∑"/>
+                              <m:ctrlPr>
+                                <a:rPr lang="ru-RU" sz="2400" i="1">
+                                  <a:effectLst/>
+                                  <a:ea typeface="Times New Roman" panose="02020603050405020304" pitchFamily="18" charset="0"/>
+                                  <a:cs typeface="Times New Roman" panose="02020603050405020304" pitchFamily="18" charset="0"/>
+                                </a:rPr>
+                              </m:ctrlPr>
+                            </m:naryPr>
+                            <m:sub>
+                              <m:r>
+                                <a:rPr lang="en-US" sz="2400" i="1">
+                                  <a:effectLst/>
+                                  <a:ea typeface="Times New Roman" panose="02020603050405020304" pitchFamily="18" charset="0"/>
+                                  <a:cs typeface="Times New Roman" panose="02020603050405020304" pitchFamily="18" charset="0"/>
+                                </a:rPr>
+                                <m:t>𝑖</m:t>
                               </m:r>
                               <m:r>
-                                <a:rPr lang="en-US" sz="1800" i="1">
+                                <a:rPr lang="en-US" sz="2400" i="1">
                                   <a:effectLst/>
-                                  <a:latin typeface="Cambria Math" panose="02040503050406030204" pitchFamily="18" charset="0"/>
+                                  <a:ea typeface="Times New Roman" panose="02020603050405020304" pitchFamily="18" charset="0"/>
+                                  <a:cs typeface="Times New Roman" panose="02020603050405020304" pitchFamily="18" charset="0"/>
+                                </a:rPr>
+                                <m:t>=1</m:t>
+                              </m:r>
+                            </m:sub>
+                            <m:sup>
+                              <m:r>
+                                <a:rPr lang="en-US" sz="2400" i="1">
+                                  <a:effectLst/>
+                                  <a:ea typeface="Times New Roman" panose="02020603050405020304" pitchFamily="18" charset="0"/>
+                                  <a:cs typeface="Times New Roman" panose="02020603050405020304" pitchFamily="18" charset="0"/>
+                                </a:rPr>
+                                <m:t>𝑛</m:t>
+                              </m:r>
+                            </m:sup>
+                            <m:e>
+                              <m:r>
+                                <a:rPr lang="en-US" sz="2400" i="1">
+                                  <a:effectLst/>
+                                  <a:ea typeface="Times New Roman" panose="02020603050405020304" pitchFamily="18" charset="0"/>
+                                  <a:cs typeface="Times New Roman" panose="02020603050405020304" pitchFamily="18" charset="0"/>
+                                </a:rPr>
+                                <m:t>(</m:t>
+                              </m:r>
+                              <m:sSub>
+                                <m:sSubPr>
+                                  <m:ctrlPr>
+                                    <a:rPr lang="ru-RU" sz="2400" i="1">
+                                      <a:effectLst/>
+                                      <a:ea typeface="Times New Roman" panose="02020603050405020304" pitchFamily="18" charset="0"/>
+                                      <a:cs typeface="Times New Roman" panose="02020603050405020304" pitchFamily="18" charset="0"/>
+                                    </a:rPr>
+                                  </m:ctrlPr>
+                                </m:sSubPr>
+                                <m:e>
+                                  <m:r>
+                                    <a:rPr lang="en-US" sz="2400" i="1">
+                                      <a:effectLst/>
+                                      <a:ea typeface="Times New Roman" panose="02020603050405020304" pitchFamily="18" charset="0"/>
+                                      <a:cs typeface="Times New Roman" panose="02020603050405020304" pitchFamily="18" charset="0"/>
+                                    </a:rPr>
+                                    <m:t>𝑦</m:t>
+                                  </m:r>
+                                </m:e>
+                                <m:sub>
+                                  <m:r>
+                                    <a:rPr lang="en-US" sz="2400" i="1">
+                                      <a:effectLst/>
+                                      <a:ea typeface="Times New Roman" panose="02020603050405020304" pitchFamily="18" charset="0"/>
+                                      <a:cs typeface="Times New Roman" panose="02020603050405020304" pitchFamily="18" charset="0"/>
+                                    </a:rPr>
+                                    <m:t>𝑖</m:t>
+                                  </m:r>
+                                </m:sub>
+                              </m:sSub>
+                              <m:r>
+                                <a:rPr lang="en-US" sz="2400" i="1">
+                                  <a:effectLst/>
                                   <a:ea typeface="Times New Roman" panose="02020603050405020304" pitchFamily="18" charset="0"/>
                                   <a:cs typeface="Times New Roman" panose="02020603050405020304" pitchFamily="18" charset="0"/>
                                 </a:rPr>
@@ -10116,9 +10606,8 @@
                               <m:sSub>
                                 <m:sSubPr>
                                   <m:ctrlPr>
-                                    <a:rPr lang="ru-RU" sz="1800" b="1" i="1">
+                                    <a:rPr lang="ru-RU" sz="2400" i="1">
                                       <a:effectLst/>
-                                      <a:latin typeface="Cambria Math" panose="02040503050406030204" pitchFamily="18" charset="0"/>
                                       <a:ea typeface="Times New Roman" panose="02020603050405020304" pitchFamily="18" charset="0"/>
                                       <a:cs typeface="Times New Roman" panose="02020603050405020304" pitchFamily="18" charset="0"/>
                                     </a:rPr>
@@ -10126,88 +10615,111 @@
                                 </m:sSubPr>
                                 <m:e>
                                   <m:r>
-                                    <a:rPr lang="en-US" sz="1800" b="1" i="1">
+                                    <a:rPr lang="en-US" sz="2400" i="1">
                                       <a:effectLst/>
-                                      <a:latin typeface="Cambria Math" panose="02040503050406030204" pitchFamily="18" charset="0"/>
                                       <a:ea typeface="Times New Roman" panose="02020603050405020304" pitchFamily="18" charset="0"/>
                                       <a:cs typeface="Times New Roman" panose="02020603050405020304" pitchFamily="18" charset="0"/>
                                     </a:rPr>
-                                    <m:t>𝒙</m:t>
+                                    <m:t>𝐹</m:t>
                                   </m:r>
                                 </m:e>
                                 <m:sub>
                                   <m:r>
-                                    <a:rPr lang="en-US" sz="1800" b="1" i="1">
+                                    <a:rPr lang="en-US" sz="2400" i="1">
                                       <a:effectLst/>
-                                      <a:latin typeface="Cambria Math" panose="02040503050406030204" pitchFamily="18" charset="0"/>
                                       <a:ea typeface="Times New Roman" panose="02020603050405020304" pitchFamily="18" charset="0"/>
                                       <a:cs typeface="Times New Roman" panose="02020603050405020304" pitchFamily="18" charset="0"/>
                                     </a:rPr>
-                                    <m:t>𝒌</m:t>
+                                    <m:t>𝑖</m:t>
                                   </m:r>
                                 </m:sub>
                               </m:sSub>
+                              <m:sSup>
+                                <m:sSupPr>
+                                  <m:ctrlPr>
+                                    <a:rPr lang="ru-RU" sz="2400" i="1">
+                                      <a:effectLst/>
+                                      <a:ea typeface="Times New Roman" panose="02020603050405020304" pitchFamily="18" charset="0"/>
+                                      <a:cs typeface="Times New Roman" panose="02020603050405020304" pitchFamily="18" charset="0"/>
+                                    </a:rPr>
+                                  </m:ctrlPr>
+                                </m:sSupPr>
+                                <m:e>
+                                  <m:d>
+                                    <m:dPr>
+                                      <m:ctrlPr>
+                                        <a:rPr lang="ru-RU" sz="2400" i="1">
+                                          <a:effectLst/>
+                                          <a:ea typeface="Times New Roman" panose="02020603050405020304" pitchFamily="18" charset="0"/>
+                                          <a:cs typeface="Times New Roman" panose="02020603050405020304" pitchFamily="18" charset="0"/>
+                                        </a:rPr>
+                                      </m:ctrlPr>
+                                    </m:dPr>
+                                    <m:e>
+                                      <m:r>
+                                        <a:rPr lang="en-US" sz="2400" i="1">
+                                          <a:effectLst/>
+                                          <a:ea typeface="Times New Roman" panose="02020603050405020304" pitchFamily="18" charset="0"/>
+                                          <a:cs typeface="Times New Roman" panose="02020603050405020304" pitchFamily="18" charset="0"/>
+                                        </a:rPr>
+                                        <m:t>𝑥</m:t>
+                                      </m:r>
+                                    </m:e>
+                                  </m:d>
+                                  <m:r>
+                                    <a:rPr lang="en-US" sz="2400" i="1">
+                                      <a:effectLst/>
+                                      <a:ea typeface="Times New Roman" panose="02020603050405020304" pitchFamily="18" charset="0"/>
+                                      <a:cs typeface="Times New Roman" panose="02020603050405020304" pitchFamily="18" charset="0"/>
+                                    </a:rPr>
+                                    <m:t>)</m:t>
+                                  </m:r>
+                                </m:e>
+                                <m:sup>
+                                  <m:r>
+                                    <a:rPr lang="en-US" sz="2400" i="1">
+                                      <a:effectLst/>
+                                      <a:ea typeface="Times New Roman" panose="02020603050405020304" pitchFamily="18" charset="0"/>
+                                      <a:cs typeface="Times New Roman" panose="02020603050405020304" pitchFamily="18" charset="0"/>
+                                    </a:rPr>
+                                    <m:t>2</m:t>
+                                  </m:r>
+                                </m:sup>
+                              </m:sSup>
+                              <m:r>
+                                <a:rPr lang="en-US" sz="2400" i="1">
+                                  <a:effectLst/>
+                                  <a:ea typeface="Times New Roman" panose="02020603050405020304" pitchFamily="18" charset="0"/>
+                                  <a:cs typeface="Times New Roman" panose="02020603050405020304" pitchFamily="18" charset="0"/>
+                                </a:rPr>
+                                <m:t>→</m:t>
+                              </m:r>
+                              <m:r>
+                                <m:rPr>
+                                  <m:sty m:val="p"/>
+                                </m:rPr>
+                                <a:rPr lang="en-US" sz="2400">
+                                  <a:effectLst/>
+                                  <a:ea typeface="Times New Roman" panose="02020603050405020304" pitchFamily="18" charset="0"/>
+                                  <a:cs typeface="Times New Roman" panose="02020603050405020304" pitchFamily="18" charset="0"/>
+                                </a:rPr>
+                                <m:t>min</m:t>
+                              </m:r>
                             </m:e>
-                          </m:d>
+                          </m:nary>
                         </m:e>
-                      </m:d>
-                      <m:r>
-                        <a:rPr lang="en-US" sz="1800" i="1">
-                          <a:effectLst/>
-                          <a:latin typeface="Cambria Math" panose="02040503050406030204" pitchFamily="18" charset="0"/>
-                          <a:ea typeface="Times New Roman" panose="02020603050405020304" pitchFamily="18" charset="0"/>
-                          <a:cs typeface="Times New Roman" panose="02020603050405020304" pitchFamily="18" charset="0"/>
-                        </a:rPr>
-                        <m:t>,  </m:t>
-                      </m:r>
-                      <m:r>
-                        <a:rPr lang="en-US" sz="1800" i="1">
-                          <a:effectLst/>
-                          <a:latin typeface="Cambria Math" panose="02040503050406030204" pitchFamily="18" charset="0"/>
-                          <a:ea typeface="Times New Roman" panose="02020603050405020304" pitchFamily="18" charset="0"/>
-                          <a:cs typeface="Times New Roman" panose="02020603050405020304" pitchFamily="18" charset="0"/>
-                        </a:rPr>
-                        <m:t>𝑖</m:t>
-                      </m:r>
-                      <m:r>
-                        <a:rPr lang="en-US" sz="1800" i="1">
-                          <a:effectLst/>
-                          <a:latin typeface="Cambria Math" panose="02040503050406030204" pitchFamily="18" charset="0"/>
-                          <a:ea typeface="Times New Roman" panose="02020603050405020304" pitchFamily="18" charset="0"/>
-                          <a:cs typeface="Times New Roman" panose="02020603050405020304" pitchFamily="18" charset="0"/>
-                        </a:rPr>
-                        <m:t>=1,…,</m:t>
-                      </m:r>
-                      <m:r>
-                        <a:rPr lang="en-US" sz="1800" i="1">
-                          <a:effectLst/>
-                          <a:latin typeface="Cambria Math" panose="02040503050406030204" pitchFamily="18" charset="0"/>
-                          <a:ea typeface="Times New Roman" panose="02020603050405020304" pitchFamily="18" charset="0"/>
-                          <a:cs typeface="Times New Roman" panose="02020603050405020304" pitchFamily="18" charset="0"/>
-                        </a:rPr>
-                        <m:t>𝑚</m:t>
-                      </m:r>
-                      <m:r>
-                        <a:rPr lang="en-US" sz="1800" i="1">
-                          <a:effectLst/>
-                          <a:latin typeface="Cambria Math" panose="02040503050406030204" pitchFamily="18" charset="0"/>
-                          <a:ea typeface="Times New Roman" panose="02020603050405020304" pitchFamily="18" charset="0"/>
-                          <a:cs typeface="Times New Roman" panose="02020603050405020304" pitchFamily="18" charset="0"/>
-                        </a:rPr>
-                        <m:t>. </m:t>
-                      </m:r>
+                      </m:eqArr>
                     </m:oMath>
                   </m:oMathPara>
                 </a14:m>
-                <a:endParaRPr lang="ru-RU" sz="1800" dirty="0">
+                <a:endParaRPr lang="ru-RU" sz="2400" dirty="0">
                   <a:effectLst/>
-                  <a:latin typeface="Calibri" panose="020F0502020204030204" pitchFamily="34" charset="0"/>
                   <a:ea typeface="Times New Roman" panose="02020603050405020304" pitchFamily="18" charset="0"/>
                   <a:cs typeface="Times New Roman" panose="02020603050405020304" pitchFamily="18" charset="0"/>
                 </a:endParaRPr>
               </a:p>
               <a:p>
-                <a:pPr indent="450215" algn="just">
+                <a:pPr algn="just">
                   <a:lnSpc>
                     <a:spcPct val="115000"/>
                   </a:lnSpc>
@@ -10216,290 +10728,28 @@
                   </a:spcAft>
                 </a:pPr>
                 <a:r>
-                  <a:rPr lang="ru-RU" sz="1800" dirty="0">
+                  <a:rPr lang="ru-RU" sz="2400" dirty="0">
                     <a:effectLst/>
-                    <a:latin typeface="Times New Roman" panose="02020603050405020304" pitchFamily="18" charset="0"/>
                     <a:ea typeface="Times New Roman" panose="02020603050405020304" pitchFamily="18" charset="0"/>
                     <a:cs typeface="Times New Roman" panose="02020603050405020304" pitchFamily="18" charset="0"/>
                   </a:rPr>
-                  <a:t>с узловыми точками </a:t>
-                </a:r>
-                <a14:m>
-                  <m:oMath xmlns:m="http://schemas.openxmlformats.org/officeDocument/2006/math">
-                    <m:sSub>
-                      <m:sSubPr>
-                        <m:ctrlPr>
-                          <a:rPr lang="ru-RU" sz="1800" b="1" i="1">
-                            <a:effectLst/>
-                            <a:latin typeface="Cambria Math" panose="02040503050406030204" pitchFamily="18" charset="0"/>
-                            <a:ea typeface="Times New Roman" panose="02020603050405020304" pitchFamily="18" charset="0"/>
-                            <a:cs typeface="Times New Roman" panose="02020603050405020304" pitchFamily="18" charset="0"/>
-                          </a:rPr>
-                        </m:ctrlPr>
-                      </m:sSubPr>
-                      <m:e>
-                        <m:r>
-                          <a:rPr lang="en-US" sz="1800" b="1" i="1">
-                            <a:effectLst/>
-                            <a:latin typeface="Cambria Math" panose="02040503050406030204" pitchFamily="18" charset="0"/>
-                            <a:ea typeface="Times New Roman" panose="02020603050405020304" pitchFamily="18" charset="0"/>
-                            <a:cs typeface="Times New Roman" panose="02020603050405020304" pitchFamily="18" charset="0"/>
-                          </a:rPr>
-                          <m:t>𝒙</m:t>
-                        </m:r>
-                      </m:e>
-                      <m:sub>
-                        <m:r>
-                          <a:rPr lang="en-US" sz="1800" b="1" i="1">
-                            <a:effectLst/>
-                            <a:latin typeface="Cambria Math" panose="02040503050406030204" pitchFamily="18" charset="0"/>
-                            <a:ea typeface="Times New Roman" panose="02020603050405020304" pitchFamily="18" charset="0"/>
-                            <a:cs typeface="Times New Roman" panose="02020603050405020304" pitchFamily="18" charset="0"/>
-                          </a:rPr>
-                          <m:t>𝒌</m:t>
-                        </m:r>
-                      </m:sub>
-                    </m:sSub>
-                    <m:r>
-                      <a:rPr lang="ru-RU" sz="1800" b="1" i="1">
-                        <a:effectLst/>
-                        <a:latin typeface="Cambria Math" panose="02040503050406030204" pitchFamily="18" charset="0"/>
-                        <a:ea typeface="Times New Roman" panose="02020603050405020304" pitchFamily="18" charset="0"/>
-                        <a:cs typeface="Times New Roman" panose="02020603050405020304" pitchFamily="18" charset="0"/>
-                      </a:rPr>
-                      <m:t>={</m:t>
-                    </m:r>
-                    <m:sSub>
-                      <m:sSubPr>
-                        <m:ctrlPr>
-                          <a:rPr lang="ru-RU" sz="1800" i="1">
-                            <a:effectLst/>
-                            <a:latin typeface="Cambria Math" panose="02040503050406030204" pitchFamily="18" charset="0"/>
-                            <a:ea typeface="Times New Roman" panose="02020603050405020304" pitchFamily="18" charset="0"/>
-                            <a:cs typeface="Times New Roman" panose="02020603050405020304" pitchFamily="18" charset="0"/>
-                          </a:rPr>
-                        </m:ctrlPr>
-                      </m:sSubPr>
-                      <m:e>
-                        <m:r>
-                          <a:rPr lang="en-US" sz="1800" i="1">
-                            <a:effectLst/>
-                            <a:latin typeface="Cambria Math" panose="02040503050406030204" pitchFamily="18" charset="0"/>
-                            <a:ea typeface="Times New Roman" panose="02020603050405020304" pitchFamily="18" charset="0"/>
-                            <a:cs typeface="Times New Roman" panose="02020603050405020304" pitchFamily="18" charset="0"/>
-                          </a:rPr>
-                          <m:t>𝑥</m:t>
-                        </m:r>
-                      </m:e>
-                      <m:sub>
-                        <m:r>
-                          <a:rPr lang="en-US" sz="1800" i="1">
-                            <a:effectLst/>
-                            <a:latin typeface="Cambria Math" panose="02040503050406030204" pitchFamily="18" charset="0"/>
-                            <a:ea typeface="Times New Roman" panose="02020603050405020304" pitchFamily="18" charset="0"/>
-                            <a:cs typeface="Times New Roman" panose="02020603050405020304" pitchFamily="18" charset="0"/>
-                          </a:rPr>
-                          <m:t>𝑘</m:t>
-                        </m:r>
-                      </m:sub>
-                    </m:sSub>
-                    <m:r>
-                      <a:rPr lang="ru-RU" sz="1800" b="1" i="1">
-                        <a:effectLst/>
-                        <a:latin typeface="Cambria Math" panose="02040503050406030204" pitchFamily="18" charset="0"/>
-                        <a:ea typeface="Times New Roman" panose="02020603050405020304" pitchFamily="18" charset="0"/>
-                        <a:cs typeface="Times New Roman" panose="02020603050405020304" pitchFamily="18" charset="0"/>
-                      </a:rPr>
-                      <m:t>,</m:t>
-                    </m:r>
-                    <m:sSub>
-                      <m:sSubPr>
-                        <m:ctrlPr>
-                          <a:rPr lang="ru-RU" sz="1800" i="1">
-                            <a:effectLst/>
-                            <a:latin typeface="Cambria Math" panose="02040503050406030204" pitchFamily="18" charset="0"/>
-                            <a:ea typeface="Times New Roman" panose="02020603050405020304" pitchFamily="18" charset="0"/>
-                            <a:cs typeface="Times New Roman" panose="02020603050405020304" pitchFamily="18" charset="0"/>
-                          </a:rPr>
-                        </m:ctrlPr>
-                      </m:sSubPr>
-                      <m:e>
-                        <m:r>
-                          <a:rPr lang="en-US" sz="1800" i="1">
-                            <a:effectLst/>
-                            <a:latin typeface="Cambria Math" panose="02040503050406030204" pitchFamily="18" charset="0"/>
-                            <a:ea typeface="Times New Roman" panose="02020603050405020304" pitchFamily="18" charset="0"/>
-                            <a:cs typeface="Times New Roman" panose="02020603050405020304" pitchFamily="18" charset="0"/>
-                          </a:rPr>
-                          <m:t>𝑦</m:t>
-                        </m:r>
-                      </m:e>
-                      <m:sub>
-                        <m:r>
-                          <a:rPr lang="en-US" sz="1800" i="1">
-                            <a:effectLst/>
-                            <a:latin typeface="Cambria Math" panose="02040503050406030204" pitchFamily="18" charset="0"/>
-                            <a:ea typeface="Times New Roman" panose="02020603050405020304" pitchFamily="18" charset="0"/>
-                            <a:cs typeface="Times New Roman" panose="02020603050405020304" pitchFamily="18" charset="0"/>
-                          </a:rPr>
-                          <m:t>𝑘</m:t>
-                        </m:r>
-                      </m:sub>
-                    </m:sSub>
-                    <m:r>
-                      <a:rPr lang="ru-RU" sz="1800" i="1">
-                        <a:effectLst/>
-                        <a:latin typeface="Cambria Math" panose="02040503050406030204" pitchFamily="18" charset="0"/>
-                        <a:ea typeface="Times New Roman" panose="02020603050405020304" pitchFamily="18" charset="0"/>
-                        <a:cs typeface="Times New Roman" panose="02020603050405020304" pitchFamily="18" charset="0"/>
-                      </a:rPr>
-                      <m:t>,</m:t>
-                    </m:r>
-                    <m:sSub>
-                      <m:sSubPr>
-                        <m:ctrlPr>
-                          <a:rPr lang="ru-RU" sz="1800" i="1">
-                            <a:effectLst/>
-                            <a:latin typeface="Cambria Math" panose="02040503050406030204" pitchFamily="18" charset="0"/>
-                            <a:ea typeface="Times New Roman" panose="02020603050405020304" pitchFamily="18" charset="0"/>
-                            <a:cs typeface="Times New Roman" panose="02020603050405020304" pitchFamily="18" charset="0"/>
-                          </a:rPr>
-                        </m:ctrlPr>
-                      </m:sSubPr>
-                      <m:e>
-                        <m:r>
-                          <a:rPr lang="en-US" sz="1800" i="1">
-                            <a:effectLst/>
-                            <a:latin typeface="Cambria Math" panose="02040503050406030204" pitchFamily="18" charset="0"/>
-                            <a:ea typeface="Times New Roman" panose="02020603050405020304" pitchFamily="18" charset="0"/>
-                            <a:cs typeface="Times New Roman" panose="02020603050405020304" pitchFamily="18" charset="0"/>
-                          </a:rPr>
-                          <m:t>𝑧</m:t>
-                        </m:r>
-                      </m:e>
-                      <m:sub>
-                        <m:r>
-                          <a:rPr lang="en-US" sz="1800" i="1">
-                            <a:effectLst/>
-                            <a:latin typeface="Cambria Math" panose="02040503050406030204" pitchFamily="18" charset="0"/>
-                            <a:ea typeface="Times New Roman" panose="02020603050405020304" pitchFamily="18" charset="0"/>
-                            <a:cs typeface="Times New Roman" panose="02020603050405020304" pitchFamily="18" charset="0"/>
-                          </a:rPr>
-                          <m:t>𝑘</m:t>
-                        </m:r>
-                      </m:sub>
-                    </m:sSub>
-                    <m:r>
-                      <a:rPr lang="ru-RU" sz="1800" b="1" i="1">
-                        <a:effectLst/>
-                        <a:latin typeface="Cambria Math" panose="02040503050406030204" pitchFamily="18" charset="0"/>
-                        <a:ea typeface="Times New Roman" panose="02020603050405020304" pitchFamily="18" charset="0"/>
-                        <a:cs typeface="Times New Roman" panose="02020603050405020304" pitchFamily="18" charset="0"/>
-                      </a:rPr>
-                      <m:t>}</m:t>
-                    </m:r>
-                  </m:oMath>
-                </a14:m>
-                <a:r>
-                  <a:rPr lang="ru-RU" sz="1800" b="1" dirty="0">
-                    <a:effectLst/>
-                    <a:latin typeface="Times New Roman" panose="02020603050405020304" pitchFamily="18" charset="0"/>
-                    <a:ea typeface="Times New Roman" panose="02020603050405020304" pitchFamily="18" charset="0"/>
-                    <a:cs typeface="Times New Roman" panose="02020603050405020304" pitchFamily="18" charset="0"/>
-                  </a:rPr>
-                  <a:t> </a:t>
-                </a:r>
-                <a:r>
-                  <a:rPr lang="ru-RU" sz="1800" dirty="0">
-                    <a:effectLst/>
-                    <a:latin typeface="Times New Roman" panose="02020603050405020304" pitchFamily="18" charset="0"/>
-                    <a:ea typeface="Times New Roman" panose="02020603050405020304" pitchFamily="18" charset="0"/>
-                    <a:cs typeface="Times New Roman" panose="02020603050405020304" pitchFamily="18" charset="0"/>
-                  </a:rPr>
-                  <a:t>и весами </a:t>
-                </a:r>
-                <a14:m>
-                  <m:oMath xmlns:m="http://schemas.openxmlformats.org/officeDocument/2006/math">
-                    <m:sSub>
-                      <m:sSubPr>
-                        <m:ctrlPr>
-                          <a:rPr lang="ru-RU" sz="1800" i="1">
-                            <a:effectLst/>
-                            <a:latin typeface="Cambria Math" panose="02040503050406030204" pitchFamily="18" charset="0"/>
-                            <a:ea typeface="Times New Roman" panose="02020603050405020304" pitchFamily="18" charset="0"/>
-                            <a:cs typeface="Times New Roman" panose="02020603050405020304" pitchFamily="18" charset="0"/>
-                          </a:rPr>
-                        </m:ctrlPr>
-                      </m:sSubPr>
-                      <m:e>
-                        <m:r>
-                          <a:rPr lang="ru-RU" sz="1800" i="1">
-                            <a:effectLst/>
-                            <a:latin typeface="Cambria Math" panose="02040503050406030204" pitchFamily="18" charset="0"/>
-                            <a:ea typeface="Times New Roman" panose="02020603050405020304" pitchFamily="18" charset="0"/>
-                            <a:cs typeface="Times New Roman" panose="02020603050405020304" pitchFamily="18" charset="0"/>
-                          </a:rPr>
-                          <m:t>𝑤</m:t>
-                        </m:r>
-                      </m:e>
-                      <m:sub>
-                        <m:r>
-                          <a:rPr lang="ru-RU" sz="1800" i="1">
-                            <a:effectLst/>
-                            <a:latin typeface="Cambria Math" panose="02040503050406030204" pitchFamily="18" charset="0"/>
-                            <a:ea typeface="Times New Roman" panose="02020603050405020304" pitchFamily="18" charset="0"/>
-                            <a:cs typeface="Times New Roman" panose="02020603050405020304" pitchFamily="18" charset="0"/>
-                          </a:rPr>
-                          <m:t>𝑖</m:t>
-                        </m:r>
-                        <m:r>
-                          <a:rPr lang="ru-RU" sz="1800" i="1">
-                            <a:effectLst/>
-                            <a:latin typeface="Cambria Math" panose="02040503050406030204" pitchFamily="18" charset="0"/>
-                            <a:ea typeface="Times New Roman" panose="02020603050405020304" pitchFamily="18" charset="0"/>
-                            <a:cs typeface="Times New Roman" panose="02020603050405020304" pitchFamily="18" charset="0"/>
-                          </a:rPr>
-                          <m:t>,</m:t>
-                        </m:r>
-                        <m:r>
-                          <a:rPr lang="ru-RU" sz="1800" i="1">
-                            <a:effectLst/>
-                            <a:latin typeface="Cambria Math" panose="02040503050406030204" pitchFamily="18" charset="0"/>
-                            <a:ea typeface="Times New Roman" panose="02020603050405020304" pitchFamily="18" charset="0"/>
-                            <a:cs typeface="Times New Roman" panose="02020603050405020304" pitchFamily="18" charset="0"/>
-                          </a:rPr>
-                          <m:t>𝑘</m:t>
-                        </m:r>
-                      </m:sub>
-                    </m:sSub>
-                  </m:oMath>
-                </a14:m>
-                <a:r>
-                  <a:rPr lang="ru-RU" sz="1800" dirty="0">
-                    <a:effectLst/>
-                    <a:latin typeface="Times New Roman" panose="02020603050405020304" pitchFamily="18" charset="0"/>
-                    <a:ea typeface="Times New Roman" panose="02020603050405020304" pitchFamily="18" charset="0"/>
-                    <a:cs typeface="Times New Roman" panose="02020603050405020304" pitchFamily="18" charset="0"/>
-                  </a:rPr>
-                  <a:t>.В нашем случае ядро радиально-базисной функции имеет вид  </a:t>
+                  <a:t>где </a:t>
                 </a:r>
                 <a14:m>
                   <m:oMath xmlns:m="http://schemas.openxmlformats.org/officeDocument/2006/math">
                     <m:r>
-                      <a:rPr lang="ru-RU" sz="1800" i="1">
+                      <a:rPr lang="ru-RU" sz="2400" i="1">
                         <a:effectLst/>
-                        <a:latin typeface="Cambria Math" panose="02040503050406030204" pitchFamily="18" charset="0"/>
                         <a:ea typeface="Times New Roman" panose="02020603050405020304" pitchFamily="18" charset="0"/>
                         <a:cs typeface="Times New Roman" panose="02020603050405020304" pitchFamily="18" charset="0"/>
                       </a:rPr>
-                      <m:t>𝑓</m:t>
+                      <m:t>𝑆</m:t>
                     </m:r>
                     <m:d>
                       <m:dPr>
                         <m:ctrlPr>
-                          <a:rPr lang="ru-RU" sz="1800" i="1">
+                          <a:rPr lang="ru-RU" sz="2400" i="1">
                             <a:effectLst/>
-                            <a:latin typeface="Cambria Math" panose="02040503050406030204" pitchFamily="18" charset="0"/>
                             <a:ea typeface="Times New Roman" panose="02020603050405020304" pitchFamily="18" charset="0"/>
                             <a:cs typeface="Times New Roman" panose="02020603050405020304" pitchFamily="18" charset="0"/>
                           </a:rPr>
@@ -10507,166 +10757,24 @@
                       </m:dPr>
                       <m:e>
                         <m:r>
-                          <a:rPr lang="ru-RU" sz="1800" i="1">
+                          <a:rPr lang="ru-RU" sz="2400" i="1">
                             <a:effectLst/>
-                            <a:latin typeface="Cambria Math" panose="02040503050406030204" pitchFamily="18" charset="0"/>
                             <a:ea typeface="Times New Roman" panose="02020603050405020304" pitchFamily="18" charset="0"/>
                             <a:cs typeface="Times New Roman" panose="02020603050405020304" pitchFamily="18" charset="0"/>
                           </a:rPr>
-                          <m:t>𝑟</m:t>
+                          <m:t>𝑥</m:t>
                         </m:r>
                       </m:e>
                     </m:d>
-                    <m:r>
-                      <a:rPr lang="ru-RU" sz="1800" i="1">
-                        <a:effectLst/>
-                        <a:latin typeface="Cambria Math" panose="02040503050406030204" pitchFamily="18" charset="0"/>
-                        <a:ea typeface="Times New Roman" panose="02020603050405020304" pitchFamily="18" charset="0"/>
-                        <a:cs typeface="Times New Roman" panose="02020603050405020304" pitchFamily="18" charset="0"/>
-                      </a:rPr>
-                      <m:t>=</m:t>
-                    </m:r>
-                    <m:rad>
-                      <m:radPr>
-                        <m:degHide m:val="on"/>
-                        <m:ctrlPr>
-                          <a:rPr lang="ru-RU" sz="1800" i="1">
-                            <a:effectLst/>
-                            <a:latin typeface="Cambria Math" panose="02040503050406030204" pitchFamily="18" charset="0"/>
-                            <a:ea typeface="Times New Roman" panose="02020603050405020304" pitchFamily="18" charset="0"/>
-                            <a:cs typeface="Times New Roman" panose="02020603050405020304" pitchFamily="18" charset="0"/>
-                          </a:rPr>
-                        </m:ctrlPr>
-                      </m:radPr>
-                      <m:deg/>
-                      <m:e>
-                        <m:r>
-                          <a:rPr lang="ru-RU" sz="1800" i="1">
-                            <a:effectLst/>
-                            <a:latin typeface="Cambria Math" panose="02040503050406030204" pitchFamily="18" charset="0"/>
-                            <a:ea typeface="Times New Roman" panose="02020603050405020304" pitchFamily="18" charset="0"/>
-                            <a:cs typeface="Times New Roman" panose="02020603050405020304" pitchFamily="18" charset="0"/>
-                          </a:rPr>
-                          <m:t>1+</m:t>
-                        </m:r>
-                        <m:f>
-                          <m:fPr>
-                            <m:ctrlPr>
-                              <a:rPr lang="ru-RU" sz="1800" i="1">
-                                <a:effectLst/>
-                                <a:latin typeface="Cambria Math" panose="02040503050406030204" pitchFamily="18" charset="0"/>
-                                <a:ea typeface="Times New Roman" panose="02020603050405020304" pitchFamily="18" charset="0"/>
-                                <a:cs typeface="Times New Roman" panose="02020603050405020304" pitchFamily="18" charset="0"/>
-                              </a:rPr>
-                            </m:ctrlPr>
-                          </m:fPr>
-                          <m:num>
-                            <m:sSup>
-                              <m:sSupPr>
-                                <m:ctrlPr>
-                                  <a:rPr lang="ru-RU" sz="1800" i="1">
-                                    <a:effectLst/>
-                                    <a:latin typeface="Cambria Math" panose="02040503050406030204" pitchFamily="18" charset="0"/>
-                                    <a:ea typeface="Times New Roman" panose="02020603050405020304" pitchFamily="18" charset="0"/>
-                                    <a:cs typeface="Times New Roman" panose="02020603050405020304" pitchFamily="18" charset="0"/>
-                                  </a:rPr>
-                                </m:ctrlPr>
-                              </m:sSupPr>
-                              <m:e>
-                                <m:r>
-                                  <a:rPr lang="en-US" sz="1800" i="1">
-                                    <a:effectLst/>
-                                    <a:latin typeface="Cambria Math" panose="02040503050406030204" pitchFamily="18" charset="0"/>
-                                    <a:ea typeface="Times New Roman" panose="02020603050405020304" pitchFamily="18" charset="0"/>
-                                    <a:cs typeface="Times New Roman" panose="02020603050405020304" pitchFamily="18" charset="0"/>
-                                  </a:rPr>
-                                  <m:t>𝑟</m:t>
-                                </m:r>
-                              </m:e>
-                              <m:sup>
-                                <m:r>
-                                  <a:rPr lang="ru-RU" sz="1800" i="1">
-                                    <a:effectLst/>
-                                    <a:latin typeface="Cambria Math" panose="02040503050406030204" pitchFamily="18" charset="0"/>
-                                    <a:ea typeface="Times New Roman" panose="02020603050405020304" pitchFamily="18" charset="0"/>
-                                    <a:cs typeface="Times New Roman" panose="02020603050405020304" pitchFamily="18" charset="0"/>
-                                  </a:rPr>
-                                  <m:t>2</m:t>
-                                </m:r>
-                              </m:sup>
-                            </m:sSup>
-                          </m:num>
-                          <m:den>
-                            <m:sSup>
-                              <m:sSupPr>
-                                <m:ctrlPr>
-                                  <a:rPr lang="ru-RU" sz="1800" i="1">
-                                    <a:effectLst/>
-                                    <a:latin typeface="Cambria Math" panose="02040503050406030204" pitchFamily="18" charset="0"/>
-                                    <a:ea typeface="Times New Roman" panose="02020603050405020304" pitchFamily="18" charset="0"/>
-                                    <a:cs typeface="Times New Roman" panose="02020603050405020304" pitchFamily="18" charset="0"/>
-                                  </a:rPr>
-                                </m:ctrlPr>
-                              </m:sSupPr>
-                              <m:e>
-                                <m:r>
-                                  <a:rPr lang="en-US" sz="1800" i="1">
-                                    <a:effectLst/>
-                                    <a:latin typeface="Cambria Math" panose="02040503050406030204" pitchFamily="18" charset="0"/>
-                                    <a:ea typeface="Times New Roman" panose="02020603050405020304" pitchFamily="18" charset="0"/>
-                                    <a:cs typeface="Times New Roman" panose="02020603050405020304" pitchFamily="18" charset="0"/>
-                                  </a:rPr>
-                                  <m:t>𝜀</m:t>
-                                </m:r>
-                              </m:e>
-                              <m:sup>
-                                <m:r>
-                                  <a:rPr lang="ru-RU" sz="1800" i="1">
-                                    <a:effectLst/>
-                                    <a:latin typeface="Cambria Math" panose="02040503050406030204" pitchFamily="18" charset="0"/>
-                                    <a:ea typeface="Times New Roman" panose="02020603050405020304" pitchFamily="18" charset="0"/>
-                                    <a:cs typeface="Times New Roman" panose="02020603050405020304" pitchFamily="18" charset="0"/>
-                                  </a:rPr>
-                                  <m:t>2</m:t>
-                                </m:r>
-                              </m:sup>
-                            </m:sSup>
-                          </m:den>
-                        </m:f>
-                      </m:e>
-                    </m:rad>
                   </m:oMath>
                 </a14:m>
                 <a:r>
-                  <a:rPr lang="ru-RU" sz="1800" dirty="0">
+                  <a:rPr lang="ru-RU" sz="2400" dirty="0">
                     <a:effectLst/>
-                    <a:latin typeface="Times New Roman" panose="02020603050405020304" pitchFamily="18" charset="0"/>
                     <a:ea typeface="Times New Roman" panose="02020603050405020304" pitchFamily="18" charset="0"/>
                     <a:cs typeface="Times New Roman" panose="02020603050405020304" pitchFamily="18" charset="0"/>
                   </a:rPr>
-                  <a:t> с известным </a:t>
-                </a:r>
-                <a14:m>
-                  <m:oMath xmlns:m="http://schemas.openxmlformats.org/officeDocument/2006/math">
-                    <m:r>
-                      <a:rPr lang="en-US" sz="1800" i="1">
-                        <a:effectLst/>
-                        <a:latin typeface="Cambria Math" panose="02040503050406030204" pitchFamily="18" charset="0"/>
-                        <a:ea typeface="Times New Roman" panose="02020603050405020304" pitchFamily="18" charset="0"/>
-                        <a:cs typeface="Times New Roman" panose="02020603050405020304" pitchFamily="18" charset="0"/>
-                      </a:rPr>
-                      <m:t>𝜀</m:t>
-                    </m:r>
-                  </m:oMath>
-                </a14:m>
-                <a:r>
-                  <a:rPr lang="ru-RU" sz="1800" dirty="0">
-                    <a:effectLst/>
-                    <a:latin typeface="Times New Roman" panose="02020603050405020304" pitchFamily="18" charset="0"/>
-                    <a:ea typeface="Times New Roman" panose="02020603050405020304" pitchFamily="18" charset="0"/>
-                    <a:cs typeface="Times New Roman" panose="02020603050405020304" pitchFamily="18" charset="0"/>
-                  </a:rPr>
-                  <a:t>.</a:t>
+                  <a:t> – функция потерь. </a:t>
                 </a:r>
               </a:p>
               <a:p>
@@ -10715,7 +10823,7 @@
               <a:blipFill>
                 <a:blip r:embed="rId2"/>
                 <a:stretch>
-                  <a:fillRect l="-448" t="-339" r="-398"/>
+                  <a:fillRect l="-797" t="-226"/>
                 </a:stretch>
               </a:blipFill>
             </p:spPr>
@@ -10822,8 +10930,8 @@
           <a:chExt cx="0" cy="0"/>
         </a:xfrm>
       </p:grpSpPr>
-      <mc:AlternateContent xmlns:mc="http://schemas.openxmlformats.org/markup-compatibility/2006" xmlns:a14="http://schemas.microsoft.com/office/drawing/2010/main">
-        <mc:Choice Requires="a14">
+      <mc:AlternateContent xmlns:mc="http://schemas.openxmlformats.org/markup-compatibility/2006">
+        <mc:Choice xmlns:a14="http://schemas.microsoft.com/office/drawing/2010/main" Requires="a14">
           <p:sp>
             <p:nvSpPr>
               <p:cNvPr id="2" name="Подзаголовок 1">
@@ -10842,259 +10950,750 @@
             </p:nvSpPr>
             <p:spPr>
               <a:xfrm>
-                <a:off x="628846" y="143860"/>
-                <a:ext cx="7410643" cy="4939607"/>
+                <a:off x="628845" y="143860"/>
+                <a:ext cx="12643769" cy="4939607"/>
               </a:xfrm>
             </p:spPr>
             <p:txBody>
               <a:bodyPr>
-                <a:normAutofit fontScale="77500" lnSpcReduction="20000"/>
+                <a:normAutofit/>
               </a:bodyPr>
               <a:lstStyle/>
               <a:p>
                 <a:endParaRPr lang="en-US" dirty="0"/>
               </a:p>
               <a:p>
-                <a:endParaRPr lang="en-US" dirty="0"/>
-              </a:p>
-              <a:p>
-                <a:pPr>
+                <a:pPr indent="450215" algn="just">
                   <a:lnSpc>
-                    <a:spcPct val="150000"/>
+                    <a:spcPct val="115000"/>
                   </a:lnSpc>
-                  <a:spcBef>
-                    <a:spcPts val="0"/>
-                  </a:spcBef>
+                  <a:spcAft>
+                    <a:spcPts val="1000"/>
+                  </a:spcAft>
                 </a:pPr>
-                <a:endParaRPr lang="en-US" dirty="0"/>
-              </a:p>
-              <a:p>
-                <a:pPr>
-                  <a:lnSpc>
-                    <a:spcPct val="150000"/>
-                  </a:lnSpc>
-                  <a:spcBef>
-                    <a:spcPts val="0"/>
-                  </a:spcBef>
-                </a:pPr>
-                <a14:m>
-                  <m:oMathPara xmlns:m="http://schemas.openxmlformats.org/officeDocument/2006/math">
-                    <m:oMathParaPr>
-                      <m:jc m:val="centerGroup"/>
-                    </m:oMathParaPr>
-                    <m:oMath xmlns:m="http://schemas.openxmlformats.org/officeDocument/2006/math">
-                      <m:sSub>
-                        <m:sSubPr>
-                          <m:ctrlPr>
-                            <a:rPr lang="ru-RU" sz="5700" i="1">
-                              <a:latin typeface="Cambria Math" panose="02040503050406030204" pitchFamily="18" charset="0"/>
-                            </a:rPr>
-                          </m:ctrlPr>
-                        </m:sSubPr>
-                        <m:e>
-                          <m:r>
-                            <a:rPr lang="en-US" sz="5700" i="1">
-                              <a:latin typeface="Cambria Math" panose="02040503050406030204" pitchFamily="18" charset="0"/>
-                            </a:rPr>
-                            <m:t>𝑋</m:t>
-                          </m:r>
-                        </m:e>
-                        <m:sub>
-                          <m:r>
-                            <a:rPr lang="en-US" sz="5700" i="1">
-                              <a:latin typeface="Cambria Math" panose="02040503050406030204" pitchFamily="18" charset="0"/>
-                            </a:rPr>
-                            <m:t>1</m:t>
-                          </m:r>
-                        </m:sub>
-                      </m:sSub>
-                      <m:r>
-                        <a:rPr lang="en-US" sz="5700" i="1">
-                          <a:latin typeface="Cambria Math" panose="02040503050406030204" pitchFamily="18" charset="0"/>
-                        </a:rPr>
-                        <m:t>=</m:t>
-                      </m:r>
-                      <m:f>
-                        <m:fPr>
-                          <m:ctrlPr>
-                            <a:rPr lang="en-US" sz="5700" i="1">
-                              <a:latin typeface="Cambria Math" panose="02040503050406030204" pitchFamily="18" charset="0"/>
-                            </a:rPr>
-                          </m:ctrlPr>
-                        </m:fPr>
-                        <m:num>
-                          <m:r>
-                            <a:rPr lang="en-US" sz="5700" i="1">
-                              <a:latin typeface="Cambria Math" panose="02040503050406030204" pitchFamily="18" charset="0"/>
-                            </a:rPr>
-                            <m:t>𝜕</m:t>
-                          </m:r>
-                        </m:num>
-                        <m:den>
-                          <m:r>
-                            <a:rPr lang="en-US" sz="5700" i="1">
-                              <a:latin typeface="Cambria Math" panose="02040503050406030204" pitchFamily="18" charset="0"/>
-                            </a:rPr>
-                            <m:t>𝜕</m:t>
-                          </m:r>
-                          <m:r>
-                            <a:rPr lang="en-US" sz="5700" i="1">
-                              <a:latin typeface="Cambria Math" panose="02040503050406030204" pitchFamily="18" charset="0"/>
-                            </a:rPr>
-                            <m:t>𝑥</m:t>
-                          </m:r>
-                        </m:den>
-                      </m:f>
-                      <m:r>
-                        <a:rPr lang="en-US" sz="5700" i="1">
-                          <a:latin typeface="Cambria Math" panose="02040503050406030204" pitchFamily="18" charset="0"/>
-                        </a:rPr>
-                        <m:t>+</m:t>
-                      </m:r>
-                      <m:f>
-                        <m:fPr>
-                          <m:ctrlPr>
-                            <a:rPr lang="en-US" sz="5700" i="1">
-                              <a:latin typeface="Cambria Math" panose="02040503050406030204" pitchFamily="18" charset="0"/>
-                            </a:rPr>
-                          </m:ctrlPr>
-                        </m:fPr>
-                        <m:num>
-                          <m:r>
-                            <a:rPr lang="en-US" sz="5700" i="1">
-                              <a:latin typeface="Cambria Math" panose="02040503050406030204" pitchFamily="18" charset="0"/>
-                            </a:rPr>
-                            <m:t>2</m:t>
-                          </m:r>
-                          <m:r>
-                            <a:rPr lang="en-US" sz="5700" i="1">
-                              <a:latin typeface="Cambria Math" panose="02040503050406030204" pitchFamily="18" charset="0"/>
-                            </a:rPr>
-                            <m:t>𝑈</m:t>
-                          </m:r>
-                          <m:r>
-                            <a:rPr lang="en-US" sz="5700" i="1">
-                              <a:latin typeface="Cambria Math" panose="02040503050406030204" pitchFamily="18" charset="0"/>
-                            </a:rPr>
-                            <m:t>𝜕</m:t>
-                          </m:r>
-                        </m:num>
-                        <m:den>
-                          <m:r>
-                            <a:rPr lang="en-US" sz="5700" i="1">
-                              <a:latin typeface="Cambria Math" panose="02040503050406030204" pitchFamily="18" charset="0"/>
-                            </a:rPr>
-                            <m:t>𝑚</m:t>
-                          </m:r>
-                          <m:r>
-                            <a:rPr lang="en-US" sz="5700" i="1">
-                              <a:latin typeface="Cambria Math" panose="02040503050406030204" pitchFamily="18" charset="0"/>
-                            </a:rPr>
-                            <m:t>𝜕</m:t>
-                          </m:r>
-                          <m:r>
-                            <a:rPr lang="en-US" sz="5700" i="1">
-                              <a:latin typeface="Cambria Math" panose="02040503050406030204" pitchFamily="18" charset="0"/>
-                            </a:rPr>
-                            <m:t>𝑈</m:t>
-                          </m:r>
-                        </m:den>
-                      </m:f>
-                    </m:oMath>
-                  </m:oMathPara>
-                </a14:m>
-                <a:endParaRPr lang="en-US" sz="5700" i="1" dirty="0">
-                  <a:latin typeface="Cambria Math" panose="02040503050406030204" pitchFamily="18" charset="0"/>
+                <a:endParaRPr lang="ru-RU" sz="1800" dirty="0">
+                  <a:effectLst/>
+                  <a:latin typeface="Times New Roman" panose="02020603050405020304" pitchFamily="18" charset="0"/>
+                  <a:ea typeface="Times New Roman" panose="02020603050405020304" pitchFamily="18" charset="0"/>
+                  <a:cs typeface="Times New Roman" panose="02020603050405020304" pitchFamily="18" charset="0"/>
                 </a:endParaRPr>
               </a:p>
               <a:p>
-                <a:pPr>
+                <a:pPr indent="450215" algn="just">
                   <a:lnSpc>
-                    <a:spcPct val="150000"/>
+                    <a:spcPct val="115000"/>
                   </a:lnSpc>
-                  <a:spcBef>
-                    <a:spcPts val="0"/>
-                  </a:spcBef>
+                  <a:spcAft>
+                    <a:spcPts val="1000"/>
+                  </a:spcAft>
                 </a:pPr>
+                <a:r>
+                  <a:rPr lang="ru-RU" sz="2400" dirty="0">
+                    <a:effectLst/>
+                    <a:ea typeface="Times New Roman" panose="02020603050405020304" pitchFamily="18" charset="0"/>
+                    <a:cs typeface="Times New Roman" panose="02020603050405020304" pitchFamily="18" charset="0"/>
+                  </a:rPr>
+                  <a:t>Пусть</a:t>
+                </a:r>
                 <a14:m>
-                  <m:oMathPara xmlns:m="http://schemas.openxmlformats.org/officeDocument/2006/math">
-                    <m:oMathParaPr>
-                      <m:jc m:val="centerGroup"/>
-                    </m:oMathParaPr>
-                    <m:oMath xmlns:m="http://schemas.openxmlformats.org/officeDocument/2006/math">
-                      <m:sSub>
-                        <m:sSubPr>
-                          <m:ctrlPr>
-                            <a:rPr lang="ru-RU" sz="5700" i="1">
-                              <a:latin typeface="Cambria Math" panose="02040503050406030204" pitchFamily="18" charset="0"/>
-                            </a:rPr>
-                          </m:ctrlPr>
-                        </m:sSubPr>
-                        <m:e>
-                          <m:r>
-                            <a:rPr lang="en-US" sz="5700" i="1">
-                              <a:latin typeface="Cambria Math" panose="02040503050406030204" pitchFamily="18" charset="0"/>
-                            </a:rPr>
-                            <m:t>𝑋</m:t>
-                          </m:r>
-                        </m:e>
-                        <m:sub>
-                          <m:r>
-                            <a:rPr lang="en-US" sz="5700" i="1">
-                              <a:latin typeface="Cambria Math" panose="02040503050406030204" pitchFamily="18" charset="0"/>
-                            </a:rPr>
-                            <m:t>2</m:t>
-                          </m:r>
-                        </m:sub>
-                      </m:sSub>
-                      <m:r>
-                        <a:rPr lang="en-US" sz="5700" i="1">
-                          <a:latin typeface="Cambria Math" panose="02040503050406030204" pitchFamily="18" charset="0"/>
-                        </a:rPr>
-                        <m:t>=</m:t>
-                      </m:r>
-                      <m:f>
-                        <m:fPr>
-                          <m:ctrlPr>
-                            <a:rPr lang="en-US" sz="5700" i="1">
-                              <a:latin typeface="Cambria Math" panose="02040503050406030204" pitchFamily="18" charset="0"/>
-                            </a:rPr>
-                          </m:ctrlPr>
-                        </m:fPr>
-                        <m:num>
-                          <m:r>
-                            <a:rPr lang="en-US" sz="5700" i="1">
-                              <a:latin typeface="Cambria Math" panose="02040503050406030204" pitchFamily="18" charset="0"/>
-                            </a:rPr>
-                            <m:t>𝜕</m:t>
-                          </m:r>
-                        </m:num>
-                        <m:den>
-                          <m:r>
-                            <a:rPr lang="en-US" sz="5700" i="1">
-                              <a:latin typeface="Cambria Math" panose="02040503050406030204" pitchFamily="18" charset="0"/>
-                            </a:rPr>
-                            <m:t>𝜕</m:t>
-                          </m:r>
-                          <m:r>
-                            <a:rPr lang="en-US" sz="5700" i="1">
-                              <a:latin typeface="Cambria Math" panose="02040503050406030204" pitchFamily="18" charset="0"/>
-                            </a:rPr>
-                            <m:t>𝑥</m:t>
-                          </m:r>
-                        </m:den>
-                      </m:f>
-                    </m:oMath>
-                  </m:oMathPara>
+                  <m:oMath xmlns:m="http://schemas.openxmlformats.org/officeDocument/2006/math">
+                    <m:r>
+                      <a:rPr lang="ru-RU" sz="2400" i="0">
+                        <a:effectLst/>
+                        <a:ea typeface="Times New Roman" panose="02020603050405020304" pitchFamily="18" charset="0"/>
+                        <a:cs typeface="Times New Roman" panose="02020603050405020304" pitchFamily="18" charset="0"/>
+                      </a:rPr>
+                      <m:t> </m:t>
+                    </m:r>
+                    <m:r>
+                      <m:rPr>
+                        <m:sty m:val="p"/>
+                      </m:rPr>
+                      <a:rPr lang="en-US" sz="2400" i="0">
+                        <a:effectLst/>
+                        <a:ea typeface="Times New Roman" panose="02020603050405020304" pitchFamily="18" charset="0"/>
+                        <a:cs typeface="Times New Roman" panose="02020603050405020304" pitchFamily="18" charset="0"/>
+                      </a:rPr>
+                      <m:t>n</m:t>
+                    </m:r>
+                    <m:r>
+                      <a:rPr lang="ru-RU" sz="2400" i="0">
+                        <a:effectLst/>
+                        <a:ea typeface="Times New Roman" panose="02020603050405020304" pitchFamily="18" charset="0"/>
+                        <a:cs typeface="Times New Roman" panose="02020603050405020304" pitchFamily="18" charset="0"/>
+                      </a:rPr>
+                      <m:t>=</m:t>
+                    </m:r>
+                    <m:r>
+                      <m:rPr>
+                        <m:sty m:val="p"/>
+                      </m:rPr>
+                      <a:rPr lang="en-US" sz="2400" i="0">
+                        <a:effectLst/>
+                        <a:ea typeface="Times New Roman" panose="02020603050405020304" pitchFamily="18" charset="0"/>
+                        <a:cs typeface="Times New Roman" panose="02020603050405020304" pitchFamily="18" charset="0"/>
+                      </a:rPr>
+                      <m:t>m</m:t>
+                    </m:r>
+                    <m:r>
+                      <a:rPr lang="ru-RU" sz="2400" i="0">
+                        <a:effectLst/>
+                        <a:ea typeface="Times New Roman" panose="02020603050405020304" pitchFamily="18" charset="0"/>
+                        <a:cs typeface="Times New Roman" panose="02020603050405020304" pitchFamily="18" charset="0"/>
+                      </a:rPr>
+                      <m:t>=2</m:t>
+                    </m:r>
+                    <m:r>
+                      <a:rPr lang="ru-RU" sz="2400" b="0" i="0" smtClean="0">
+                        <a:effectLst/>
+                        <a:ea typeface="Times New Roman" panose="02020603050405020304" pitchFamily="18" charset="0"/>
+                        <a:cs typeface="Times New Roman" panose="02020603050405020304" pitchFamily="18" charset="0"/>
+                      </a:rPr>
+                      <m:t>. </m:t>
+                    </m:r>
+                    <m:r>
+                      <a:rPr lang="ru-RU" sz="2400" b="0" i="0" smtClean="0">
+                        <a:effectLst/>
+                        <a:latin typeface="Cambria Math" panose="02040503050406030204" pitchFamily="18" charset="0"/>
+                        <a:ea typeface="Times New Roman" panose="02020603050405020304" pitchFamily="18" charset="0"/>
+                        <a:cs typeface="Times New Roman" panose="02020603050405020304" pitchFamily="18" charset="0"/>
+                      </a:rPr>
+                      <m:t> Тогда </m:t>
+                    </m:r>
+                    <m:sSub>
+                      <m:sSubPr>
+                        <m:ctrlPr>
+                          <a:rPr lang="en-US" sz="2400" b="0" i="1" smtClean="0">
+                            <a:effectLst/>
+                            <a:latin typeface="Cambria Math" panose="02040503050406030204" pitchFamily="18" charset="0"/>
+                            <a:ea typeface="Times New Roman" panose="02020603050405020304" pitchFamily="18" charset="0"/>
+                            <a:cs typeface="Times New Roman" panose="02020603050405020304" pitchFamily="18" charset="0"/>
+                          </a:rPr>
+                        </m:ctrlPr>
+                      </m:sSubPr>
+                      <m:e>
+                        <m:r>
+                          <a:rPr lang="en-US" sz="2400" b="0" i="1" smtClean="0">
+                            <a:effectLst/>
+                            <a:latin typeface="Cambria Math" panose="02040503050406030204" pitchFamily="18" charset="0"/>
+                            <a:ea typeface="Times New Roman" panose="02020603050405020304" pitchFamily="18" charset="0"/>
+                            <a:cs typeface="Times New Roman" panose="02020603050405020304" pitchFamily="18" charset="0"/>
+                          </a:rPr>
+                          <m:t>𝐹</m:t>
+                        </m:r>
+                      </m:e>
+                      <m:sub>
+                        <m:r>
+                          <a:rPr lang="en-US" sz="2400" b="0" i="0" smtClean="0">
+                            <a:effectLst/>
+                            <a:latin typeface="Cambria Math" panose="02040503050406030204" pitchFamily="18" charset="0"/>
+                            <a:ea typeface="Times New Roman" panose="02020603050405020304" pitchFamily="18" charset="0"/>
+                            <a:cs typeface="Times New Roman" panose="02020603050405020304" pitchFamily="18" charset="0"/>
+                          </a:rPr>
+                          <m:t>1</m:t>
+                        </m:r>
+                      </m:sub>
+                    </m:sSub>
+                    <m:d>
+                      <m:dPr>
+                        <m:ctrlPr>
+                          <a:rPr lang="en-US" sz="2400" b="0" i="1" smtClean="0">
+                            <a:effectLst/>
+                            <a:latin typeface="Cambria Math" panose="02040503050406030204" pitchFamily="18" charset="0"/>
+                            <a:ea typeface="Times New Roman" panose="02020603050405020304" pitchFamily="18" charset="0"/>
+                            <a:cs typeface="Times New Roman" panose="02020603050405020304" pitchFamily="18" charset="0"/>
+                          </a:rPr>
+                        </m:ctrlPr>
+                      </m:dPr>
+                      <m:e>
+                        <m:r>
+                          <a:rPr lang="en-US" sz="2400" b="0" i="1" smtClean="0">
+                            <a:effectLst/>
+                            <a:latin typeface="Cambria Math" panose="02040503050406030204" pitchFamily="18" charset="0"/>
+                            <a:ea typeface="Times New Roman" panose="02020603050405020304" pitchFamily="18" charset="0"/>
+                            <a:cs typeface="Times New Roman" panose="02020603050405020304" pitchFamily="18" charset="0"/>
+                          </a:rPr>
+                          <m:t>𝑥</m:t>
+                        </m:r>
+                      </m:e>
+                    </m:d>
+                    <m:r>
+                      <a:rPr lang="en-US" sz="2400" b="0" i="1" smtClean="0">
+                        <a:effectLst/>
+                        <a:latin typeface="Cambria Math" panose="02040503050406030204" pitchFamily="18" charset="0"/>
+                        <a:ea typeface="Times New Roman" panose="02020603050405020304" pitchFamily="18" charset="0"/>
+                        <a:cs typeface="Times New Roman" panose="02020603050405020304" pitchFamily="18" charset="0"/>
+                      </a:rPr>
+                      <m:t>=</m:t>
+                    </m:r>
+                    <m:sSup>
+                      <m:sSupPr>
+                        <m:ctrlPr>
+                          <a:rPr lang="en-US" sz="2400" b="0" i="0" smtClean="0">
+                            <a:effectLst/>
+                            <a:latin typeface="Cambria Math" panose="02040503050406030204" pitchFamily="18" charset="0"/>
+                            <a:ea typeface="Times New Roman" panose="02020603050405020304" pitchFamily="18" charset="0"/>
+                            <a:cs typeface="Times New Roman" panose="02020603050405020304" pitchFamily="18" charset="0"/>
+                          </a:rPr>
+                        </m:ctrlPr>
+                      </m:sSupPr>
+                      <m:e>
+                        <m:r>
+                          <m:rPr>
+                            <m:sty m:val="p"/>
+                          </m:rPr>
+                          <a:rPr lang="en-US" sz="2400" b="0" i="0" smtClean="0">
+                            <a:effectLst/>
+                            <a:latin typeface="Cambria Math" panose="02040503050406030204" pitchFamily="18" charset="0"/>
+                            <a:ea typeface="Times New Roman" panose="02020603050405020304" pitchFamily="18" charset="0"/>
+                            <a:cs typeface="Times New Roman" panose="02020603050405020304" pitchFamily="18" charset="0"/>
+                          </a:rPr>
+                          <m:t>e</m:t>
+                        </m:r>
+                      </m:e>
+                      <m:sup>
+                        <m:sSubSup>
+                          <m:sSubSupPr>
+                            <m:ctrlPr>
+                              <a:rPr lang="en-US" sz="2400" b="0" i="0" smtClean="0">
+                                <a:effectLst/>
+                                <a:latin typeface="Cambria Math" panose="02040503050406030204" pitchFamily="18" charset="0"/>
+                                <a:ea typeface="Times New Roman" panose="02020603050405020304" pitchFamily="18" charset="0"/>
+                                <a:cs typeface="Times New Roman" panose="02020603050405020304" pitchFamily="18" charset="0"/>
+                              </a:rPr>
+                            </m:ctrlPr>
+                          </m:sSubSupPr>
+                          <m:e>
+                            <m:r>
+                              <a:rPr lang="en-US" sz="2400" b="0" i="0" smtClean="0">
+                                <a:effectLst/>
+                                <a:latin typeface="Cambria Math" panose="02040503050406030204" pitchFamily="18" charset="0"/>
+                                <a:ea typeface="Times New Roman" panose="02020603050405020304" pitchFamily="18" charset="0"/>
+                                <a:cs typeface="Times New Roman" panose="02020603050405020304" pitchFamily="18" charset="0"/>
+                              </a:rPr>
+                              <m:t>−</m:t>
+                            </m:r>
+                            <m:r>
+                              <m:rPr>
+                                <m:sty m:val="p"/>
+                              </m:rPr>
+                              <a:rPr lang="en-US" sz="2400" b="0" i="0" smtClean="0">
+                                <a:effectLst/>
+                                <a:latin typeface="Cambria Math" panose="02040503050406030204" pitchFamily="18" charset="0"/>
+                                <a:ea typeface="Times New Roman" panose="02020603050405020304" pitchFamily="18" charset="0"/>
+                                <a:cs typeface="Times New Roman" panose="02020603050405020304" pitchFamily="18" charset="0"/>
+                              </a:rPr>
+                              <m:t>x</m:t>
+                            </m:r>
+                          </m:e>
+                          <m:sub>
+                            <m:r>
+                              <a:rPr lang="en-US" sz="2400" b="0" i="0" smtClean="0">
+                                <a:effectLst/>
+                                <a:latin typeface="Cambria Math" panose="02040503050406030204" pitchFamily="18" charset="0"/>
+                                <a:ea typeface="Times New Roman" panose="02020603050405020304" pitchFamily="18" charset="0"/>
+                                <a:cs typeface="Times New Roman" panose="02020603050405020304" pitchFamily="18" charset="0"/>
+                              </a:rPr>
+                              <m:t>1</m:t>
+                            </m:r>
+                          </m:sub>
+                          <m:sup>
+                            <m:r>
+                              <a:rPr lang="en-US" sz="2400" b="0" i="0" smtClean="0">
+                                <a:effectLst/>
+                                <a:latin typeface="Cambria Math" panose="02040503050406030204" pitchFamily="18" charset="0"/>
+                                <a:ea typeface="Times New Roman" panose="02020603050405020304" pitchFamily="18" charset="0"/>
+                                <a:cs typeface="Times New Roman" panose="02020603050405020304" pitchFamily="18" charset="0"/>
+                              </a:rPr>
+                              <m:t>2</m:t>
+                            </m:r>
+                          </m:sup>
+                        </m:sSubSup>
+                        <m:r>
+                          <a:rPr lang="en-US" sz="2400" b="0" i="0" smtClean="0">
+                            <a:effectLst/>
+                            <a:latin typeface="Cambria Math" panose="02040503050406030204" pitchFamily="18" charset="0"/>
+                            <a:ea typeface="Times New Roman" panose="02020603050405020304" pitchFamily="18" charset="0"/>
+                            <a:cs typeface="Times New Roman" panose="02020603050405020304" pitchFamily="18" charset="0"/>
+                          </a:rPr>
+                          <m:t>−</m:t>
+                        </m:r>
+                        <m:sSubSup>
+                          <m:sSubSupPr>
+                            <m:ctrlPr>
+                              <a:rPr lang="en-US" sz="2400" b="0" i="0" smtClean="0">
+                                <a:effectLst/>
+                                <a:latin typeface="Cambria Math" panose="02040503050406030204" pitchFamily="18" charset="0"/>
+                                <a:ea typeface="Times New Roman" panose="02020603050405020304" pitchFamily="18" charset="0"/>
+                                <a:cs typeface="Times New Roman" panose="02020603050405020304" pitchFamily="18" charset="0"/>
+                              </a:rPr>
+                            </m:ctrlPr>
+                          </m:sSubSupPr>
+                          <m:e>
+                            <m:r>
+                              <m:rPr>
+                                <m:sty m:val="p"/>
+                              </m:rPr>
+                              <a:rPr lang="en-US" sz="2400" b="0" i="0" smtClean="0">
+                                <a:effectLst/>
+                                <a:latin typeface="Cambria Math" panose="02040503050406030204" pitchFamily="18" charset="0"/>
+                                <a:ea typeface="Times New Roman" panose="02020603050405020304" pitchFamily="18" charset="0"/>
+                                <a:cs typeface="Times New Roman" panose="02020603050405020304" pitchFamily="18" charset="0"/>
+                              </a:rPr>
+                              <m:t>x</m:t>
+                            </m:r>
+                          </m:e>
+                          <m:sub>
+                            <m:r>
+                              <a:rPr lang="en-US" sz="2400" b="0" i="0" smtClean="0">
+                                <a:effectLst/>
+                                <a:latin typeface="Cambria Math" panose="02040503050406030204" pitchFamily="18" charset="0"/>
+                                <a:ea typeface="Times New Roman" panose="02020603050405020304" pitchFamily="18" charset="0"/>
+                                <a:cs typeface="Times New Roman" panose="02020603050405020304" pitchFamily="18" charset="0"/>
+                              </a:rPr>
+                              <m:t>2</m:t>
+                            </m:r>
+                          </m:sub>
+                          <m:sup>
+                            <m:r>
+                              <a:rPr lang="en-US" sz="2400" b="0" i="0" smtClean="0">
+                                <a:effectLst/>
+                                <a:latin typeface="Cambria Math" panose="02040503050406030204" pitchFamily="18" charset="0"/>
+                                <a:ea typeface="Times New Roman" panose="02020603050405020304" pitchFamily="18" charset="0"/>
+                                <a:cs typeface="Times New Roman" panose="02020603050405020304" pitchFamily="18" charset="0"/>
+                              </a:rPr>
+                              <m:t>2</m:t>
+                            </m:r>
+                          </m:sup>
+                        </m:sSubSup>
+                      </m:sup>
+                    </m:sSup>
+                    <m:r>
+                      <a:rPr lang="en-US" sz="2400" b="0" i="0" smtClean="0">
+                        <a:effectLst/>
+                        <a:latin typeface="Cambria Math" panose="02040503050406030204" pitchFamily="18" charset="0"/>
+                        <a:ea typeface="Times New Roman" panose="02020603050405020304" pitchFamily="18" charset="0"/>
+                        <a:cs typeface="Times New Roman" panose="02020603050405020304" pitchFamily="18" charset="0"/>
+                      </a:rPr>
+                      <m:t>,</m:t>
+                    </m:r>
+                    <m:sSub>
+                      <m:sSubPr>
+                        <m:ctrlPr>
+                          <a:rPr lang="en-US" sz="2400" b="0" i="0" smtClean="0">
+                            <a:effectLst/>
+                            <a:latin typeface="Cambria Math" panose="02040503050406030204" pitchFamily="18" charset="0"/>
+                            <a:ea typeface="Times New Roman" panose="02020603050405020304" pitchFamily="18" charset="0"/>
+                            <a:cs typeface="Times New Roman" panose="02020603050405020304" pitchFamily="18" charset="0"/>
+                          </a:rPr>
+                        </m:ctrlPr>
+                      </m:sSubPr>
+                      <m:e>
+                        <m:r>
+                          <m:rPr>
+                            <m:sty m:val="p"/>
+                          </m:rPr>
+                          <a:rPr lang="en-US" sz="2400" b="0" i="0" smtClean="0">
+                            <a:effectLst/>
+                            <a:latin typeface="Cambria Math" panose="02040503050406030204" pitchFamily="18" charset="0"/>
+                            <a:ea typeface="Times New Roman" panose="02020603050405020304" pitchFamily="18" charset="0"/>
+                            <a:cs typeface="Times New Roman" panose="02020603050405020304" pitchFamily="18" charset="0"/>
+                          </a:rPr>
+                          <m:t>F</m:t>
+                        </m:r>
+                      </m:e>
+                      <m:sub>
+                        <m:r>
+                          <a:rPr lang="en-US" sz="2400" b="0" i="0" smtClean="0">
+                            <a:effectLst/>
+                            <a:latin typeface="Cambria Math" panose="02040503050406030204" pitchFamily="18" charset="0"/>
+                            <a:ea typeface="Times New Roman" panose="02020603050405020304" pitchFamily="18" charset="0"/>
+                            <a:cs typeface="Times New Roman" panose="02020603050405020304" pitchFamily="18" charset="0"/>
+                          </a:rPr>
+                          <m:t>2</m:t>
+                        </m:r>
+                      </m:sub>
+                    </m:sSub>
+                    <m:d>
+                      <m:dPr>
+                        <m:ctrlPr>
+                          <a:rPr lang="en-US" sz="2400" b="0" i="0" smtClean="0">
+                            <a:effectLst/>
+                            <a:latin typeface="Cambria Math" panose="02040503050406030204" pitchFamily="18" charset="0"/>
+                            <a:ea typeface="Times New Roman" panose="02020603050405020304" pitchFamily="18" charset="0"/>
+                            <a:cs typeface="Times New Roman" panose="02020603050405020304" pitchFamily="18" charset="0"/>
+                          </a:rPr>
+                        </m:ctrlPr>
+                      </m:dPr>
+                      <m:e>
+                        <m:r>
+                          <m:rPr>
+                            <m:sty m:val="p"/>
+                          </m:rPr>
+                          <a:rPr lang="en-US" sz="2400" b="0" i="0" smtClean="0">
+                            <a:effectLst/>
+                            <a:latin typeface="Cambria Math" panose="02040503050406030204" pitchFamily="18" charset="0"/>
+                            <a:ea typeface="Times New Roman" panose="02020603050405020304" pitchFamily="18" charset="0"/>
+                            <a:cs typeface="Times New Roman" panose="02020603050405020304" pitchFamily="18" charset="0"/>
+                          </a:rPr>
+                          <m:t>x</m:t>
+                        </m:r>
+                      </m:e>
+                    </m:d>
+                    <m:r>
+                      <a:rPr lang="en-US" sz="2400" b="0" i="0" smtClean="0">
+                        <a:effectLst/>
+                        <a:latin typeface="Cambria Math" panose="02040503050406030204" pitchFamily="18" charset="0"/>
+                        <a:ea typeface="Times New Roman" panose="02020603050405020304" pitchFamily="18" charset="0"/>
+                        <a:cs typeface="Times New Roman" panose="02020603050405020304" pitchFamily="18" charset="0"/>
+                      </a:rPr>
+                      <m:t>=</m:t>
+                    </m:r>
+                    <m:sSup>
+                      <m:sSupPr>
+                        <m:ctrlPr>
+                          <a:rPr lang="en-US" sz="2400" b="0" i="0" smtClean="0">
+                            <a:effectLst/>
+                            <a:latin typeface="Cambria Math" panose="02040503050406030204" pitchFamily="18" charset="0"/>
+                            <a:ea typeface="Times New Roman" panose="02020603050405020304" pitchFamily="18" charset="0"/>
+                            <a:cs typeface="Times New Roman" panose="02020603050405020304" pitchFamily="18" charset="0"/>
+                          </a:rPr>
+                        </m:ctrlPr>
+                      </m:sSupPr>
+                      <m:e>
+                        <m:r>
+                          <m:rPr>
+                            <m:sty m:val="p"/>
+                          </m:rPr>
+                          <a:rPr lang="en-US" sz="2400" b="0" i="0" smtClean="0">
+                            <a:effectLst/>
+                            <a:latin typeface="Cambria Math" panose="02040503050406030204" pitchFamily="18" charset="0"/>
+                            <a:ea typeface="Times New Roman" panose="02020603050405020304" pitchFamily="18" charset="0"/>
+                            <a:cs typeface="Times New Roman" panose="02020603050405020304" pitchFamily="18" charset="0"/>
+                          </a:rPr>
+                          <m:t>e</m:t>
+                        </m:r>
+                      </m:e>
+                      <m:sup>
+                        <m:sSub>
+                          <m:sSubPr>
+                            <m:ctrlPr>
+                              <a:rPr lang="en-US" sz="2400" b="0" i="0" smtClean="0">
+                                <a:effectLst/>
+                                <a:latin typeface="Cambria Math" panose="02040503050406030204" pitchFamily="18" charset="0"/>
+                                <a:ea typeface="Times New Roman" panose="02020603050405020304" pitchFamily="18" charset="0"/>
+                                <a:cs typeface="Times New Roman" panose="02020603050405020304" pitchFamily="18" charset="0"/>
+                              </a:rPr>
+                            </m:ctrlPr>
+                          </m:sSubPr>
+                          <m:e>
+                            <m:r>
+                              <m:rPr>
+                                <m:sty m:val="p"/>
+                              </m:rPr>
+                              <a:rPr lang="en-US" sz="2400" b="0" i="0" smtClean="0">
+                                <a:effectLst/>
+                                <a:latin typeface="Cambria Math" panose="02040503050406030204" pitchFamily="18" charset="0"/>
+                                <a:ea typeface="Times New Roman" panose="02020603050405020304" pitchFamily="18" charset="0"/>
+                                <a:cs typeface="Times New Roman" panose="02020603050405020304" pitchFamily="18" charset="0"/>
+                              </a:rPr>
+                              <m:t>x</m:t>
+                            </m:r>
+                          </m:e>
+                          <m:sub>
+                            <m:r>
+                              <a:rPr lang="en-US" sz="2400" b="0" i="0" smtClean="0">
+                                <a:effectLst/>
+                                <a:latin typeface="Cambria Math" panose="02040503050406030204" pitchFamily="18" charset="0"/>
+                                <a:ea typeface="Times New Roman" panose="02020603050405020304" pitchFamily="18" charset="0"/>
+                                <a:cs typeface="Times New Roman" panose="02020603050405020304" pitchFamily="18" charset="0"/>
+                              </a:rPr>
+                              <m:t>1</m:t>
+                            </m:r>
+                          </m:sub>
+                        </m:sSub>
+                        <m:sSub>
+                          <m:sSubPr>
+                            <m:ctrlPr>
+                              <a:rPr lang="en-US" sz="2400" b="0" i="0" smtClean="0">
+                                <a:effectLst/>
+                                <a:latin typeface="Cambria Math" panose="02040503050406030204" pitchFamily="18" charset="0"/>
+                                <a:ea typeface="Times New Roman" panose="02020603050405020304" pitchFamily="18" charset="0"/>
+                                <a:cs typeface="Times New Roman" panose="02020603050405020304" pitchFamily="18" charset="0"/>
+                              </a:rPr>
+                            </m:ctrlPr>
+                          </m:sSubPr>
+                          <m:e>
+                            <m:r>
+                              <m:rPr>
+                                <m:sty m:val="p"/>
+                              </m:rPr>
+                              <a:rPr lang="en-US" sz="2400" b="0" i="0" smtClean="0">
+                                <a:effectLst/>
+                                <a:latin typeface="Cambria Math" panose="02040503050406030204" pitchFamily="18" charset="0"/>
+                                <a:ea typeface="Times New Roman" panose="02020603050405020304" pitchFamily="18" charset="0"/>
+                                <a:cs typeface="Times New Roman" panose="02020603050405020304" pitchFamily="18" charset="0"/>
+                              </a:rPr>
+                              <m:t>x</m:t>
+                            </m:r>
+                          </m:e>
+                          <m:sub>
+                            <m:r>
+                              <a:rPr lang="en-US" sz="2400" b="0" i="0" smtClean="0">
+                                <a:effectLst/>
+                                <a:latin typeface="Cambria Math" panose="02040503050406030204" pitchFamily="18" charset="0"/>
+                                <a:ea typeface="Times New Roman" panose="02020603050405020304" pitchFamily="18" charset="0"/>
+                                <a:cs typeface="Times New Roman" panose="02020603050405020304" pitchFamily="18" charset="0"/>
+                              </a:rPr>
+                              <m:t>2</m:t>
+                            </m:r>
+                          </m:sub>
+                        </m:sSub>
+                      </m:sup>
+                    </m:sSup>
+                    <m:r>
+                      <a:rPr lang="en-US" sz="2400" b="0" i="0" smtClean="0">
+                        <a:effectLst/>
+                        <a:ea typeface="Times New Roman" panose="02020603050405020304" pitchFamily="18" charset="0"/>
+                        <a:cs typeface="Times New Roman" panose="02020603050405020304" pitchFamily="18" charset="0"/>
+                      </a:rPr>
+                      <m:t>, </m:t>
+                    </m:r>
+                  </m:oMath>
                 </a14:m>
-                <a:endParaRPr lang="en-US" sz="5700" i="1" dirty="0">
-                  <a:latin typeface="Cambria Math" panose="02040503050406030204" pitchFamily="18" charset="0"/>
-                </a:endParaRPr>
+                <a:r>
+                  <a:rPr lang="ru-RU" sz="2400" dirty="0">
+                    <a:effectLst/>
+                    <a:ea typeface="Times New Roman" panose="02020603050405020304" pitchFamily="18" charset="0"/>
+                  </a:rPr>
+                  <a:t>где </a:t>
+                </a:r>
+                <a14:m>
+                  <m:oMath xmlns:m="http://schemas.openxmlformats.org/officeDocument/2006/math">
+                    <m:r>
+                      <m:rPr>
+                        <m:sty m:val="p"/>
+                      </m:rPr>
+                      <a:rPr lang="ru-RU" sz="2400" i="0">
+                        <a:effectLst/>
+                        <a:ea typeface="Times New Roman" panose="02020603050405020304" pitchFamily="18" charset="0"/>
+                        <a:cs typeface="Times New Roman" panose="02020603050405020304" pitchFamily="18" charset="0"/>
+                      </a:rPr>
+                      <m:t>x</m:t>
+                    </m:r>
+                    <m:r>
+                      <a:rPr lang="ru-RU" sz="2400" i="0">
+                        <a:effectLst/>
+                        <a:ea typeface="Times New Roman" panose="02020603050405020304" pitchFamily="18" charset="0"/>
+                        <a:cs typeface="Times New Roman" panose="02020603050405020304" pitchFamily="18" charset="0"/>
+                      </a:rPr>
+                      <m:t>∈</m:t>
+                    </m:r>
+                    <m:sSup>
+                      <m:sSupPr>
+                        <m:ctrlPr>
+                          <a:rPr lang="ru-RU" sz="2400">
+                            <a:effectLst/>
+                          </a:rPr>
+                        </m:ctrlPr>
+                      </m:sSupPr>
+                      <m:e>
+                        <m:r>
+                          <m:rPr>
+                            <m:sty m:val="p"/>
+                          </m:rPr>
+                          <a:rPr lang="ru-RU" sz="2400" i="0">
+                            <a:effectLst/>
+                            <a:ea typeface="Times New Roman" panose="02020603050405020304" pitchFamily="18" charset="0"/>
+                            <a:cs typeface="Times New Roman" panose="02020603050405020304" pitchFamily="18" charset="0"/>
+                          </a:rPr>
+                          <m:t>R</m:t>
+                        </m:r>
+                      </m:e>
+                      <m:sup>
+                        <m:r>
+                          <a:rPr lang="ru-RU" sz="2400" i="0">
+                            <a:effectLst/>
+                            <a:ea typeface="Times New Roman" panose="02020603050405020304" pitchFamily="18" charset="0"/>
+                            <a:cs typeface="Times New Roman" panose="02020603050405020304" pitchFamily="18" charset="0"/>
+                          </a:rPr>
+                          <m:t>2</m:t>
+                        </m:r>
+                      </m:sup>
+                    </m:sSup>
+                    <m:r>
+                      <a:rPr lang="en-US" sz="2400" b="0" i="0" smtClean="0">
+                        <a:effectLst/>
+                        <a:ea typeface="Times New Roman" panose="02020603050405020304" pitchFamily="18" charset="0"/>
+                        <a:cs typeface="Times New Roman" panose="02020603050405020304" pitchFamily="18" charset="0"/>
+                      </a:rPr>
+                      <m:t>. </m:t>
+                    </m:r>
+                    <m:r>
+                      <a:rPr lang="ru-RU" sz="2400" b="0" i="0" smtClean="0">
+                        <a:effectLst/>
+                        <a:ea typeface="Times New Roman" panose="02020603050405020304" pitchFamily="18" charset="0"/>
+                        <a:cs typeface="Times New Roman" panose="02020603050405020304" pitchFamily="18" charset="0"/>
+                      </a:rPr>
+                      <m:t>Нач. приближение </m:t>
+                    </m:r>
+                  </m:oMath>
+                </a14:m>
+                <a:r>
+                  <a:rPr lang="en-US" sz="2400" dirty="0"/>
+                  <a:t> </a:t>
+                </a:r>
+                <a14:m>
+                  <m:oMath xmlns:m="http://schemas.openxmlformats.org/officeDocument/2006/math">
+                    <m:sSub>
+                      <m:sSubPr>
+                        <m:ctrlPr>
+                          <a:rPr lang="ru-RU" sz="2400"/>
+                        </m:ctrlPr>
+                      </m:sSubPr>
+                      <m:e>
+                        <m:r>
+                          <m:rPr>
+                            <m:sty m:val="p"/>
+                          </m:rPr>
+                          <a:rPr lang="ru-RU" sz="2400" i="0"/>
+                          <m:t>x</m:t>
+                        </m:r>
+                      </m:e>
+                      <m:sub>
+                        <m:r>
+                          <a:rPr lang="ru-RU" sz="2400" i="0"/>
+                          <m:t>0</m:t>
+                        </m:r>
+                      </m:sub>
+                    </m:sSub>
+                    <m:r>
+                      <a:rPr lang="ru-RU" sz="2400" b="0" i="0" smtClean="0"/>
+                      <m:t>=</m:t>
+                    </m:r>
+                    <m:sSup>
+                      <m:sSupPr>
+                        <m:ctrlPr>
+                          <a:rPr lang="ru-RU" sz="2400"/>
+                        </m:ctrlPr>
+                      </m:sSupPr>
+                      <m:e>
+                        <m:d>
+                          <m:dPr>
+                            <m:begChr m:val="["/>
+                            <m:endChr m:val="]"/>
+                            <m:ctrlPr>
+                              <a:rPr lang="ru-RU" sz="2400"/>
+                            </m:ctrlPr>
+                          </m:dPr>
+                          <m:e>
+                            <m:r>
+                              <a:rPr lang="ru-RU" sz="2400" i="0"/>
+                              <m:t>−1,1</m:t>
+                            </m:r>
+                          </m:e>
+                        </m:d>
+                      </m:e>
+                      <m:sup>
+                        <m:r>
+                          <m:rPr>
+                            <m:sty m:val="p"/>
+                          </m:rPr>
+                          <a:rPr lang="ru-RU" sz="2400" i="0"/>
+                          <m:t>T</m:t>
+                        </m:r>
+                      </m:sup>
+                    </m:sSup>
+                    <m:r>
+                      <a:rPr lang="ru-RU" sz="2400" b="0" i="0" smtClean="0"/>
+                      <m:t>,</m:t>
+                    </m:r>
+                  </m:oMath>
+                </a14:m>
+                <a:r>
+                  <a:rPr lang="ru-RU" sz="2400" dirty="0"/>
+                  <a:t> эталонная точка </a:t>
+                </a:r>
+                <a14:m>
+                  <m:oMath xmlns:m="http://schemas.openxmlformats.org/officeDocument/2006/math">
+                    <m:sSup>
+                      <m:sSupPr>
+                        <m:ctrlPr>
+                          <a:rPr lang="ru-RU" sz="2400"/>
+                        </m:ctrlPr>
+                      </m:sSupPr>
+                      <m:e>
+                        <m:r>
+                          <m:rPr>
+                            <m:sty m:val="p"/>
+                          </m:rPr>
+                          <a:rPr lang="ru-RU" sz="2400" i="0"/>
+                          <m:t>x</m:t>
+                        </m:r>
+                      </m:e>
+                      <m:sup>
+                        <m:r>
+                          <a:rPr lang="ru-RU" sz="2400" i="0"/>
+                          <m:t>∗</m:t>
+                        </m:r>
+                      </m:sup>
+                    </m:sSup>
+                    <m:r>
+                      <a:rPr lang="ru-RU" sz="2400" i="0"/>
+                      <m:t>=</m:t>
+                    </m:r>
+                    <m:sSup>
+                      <m:sSupPr>
+                        <m:ctrlPr>
+                          <a:rPr lang="ru-RU" sz="2400"/>
+                        </m:ctrlPr>
+                      </m:sSupPr>
+                      <m:e>
+                        <m:d>
+                          <m:dPr>
+                            <m:begChr m:val="["/>
+                            <m:endChr m:val="]"/>
+                            <m:ctrlPr>
+                              <a:rPr lang="ru-RU" sz="2400"/>
+                            </m:ctrlPr>
+                          </m:dPr>
+                          <m:e>
+                            <m:r>
+                              <a:rPr lang="ru-RU" sz="2400" i="0"/>
+                              <m:t>0,0</m:t>
+                            </m:r>
+                          </m:e>
+                        </m:d>
+                      </m:e>
+                      <m:sup>
+                        <m:r>
+                          <m:rPr>
+                            <m:sty m:val="p"/>
+                          </m:rPr>
+                          <a:rPr lang="ru-RU" sz="2400" i="0"/>
+                          <m:t>T</m:t>
+                        </m:r>
+                      </m:sup>
+                    </m:sSup>
+                  </m:oMath>
+                </a14:m>
+                <a:endParaRPr lang="ru-RU" sz="2400" dirty="0"/>
+              </a:p>
+              <a:p>
+                <a:pPr indent="450215">
+                  <a:lnSpc>
+                    <a:spcPct val="115000"/>
+                  </a:lnSpc>
+                  <a:spcAft>
+                    <a:spcPts val="1000"/>
+                  </a:spcAft>
+                </a:pPr>
+                <a:endParaRPr lang="ru-RU" sz="2400" dirty="0"/>
               </a:p>
             </p:txBody>
           </p:sp>
         </mc:Choice>
-        <mc:Fallback xmlns="">
+        <mc:Fallback>
           <p:sp>
             <p:nvSpPr>
               <p:cNvPr id="2" name="Подзаголовок 1">
@@ -11113,8 +11712,8 @@
             </p:nvSpPr>
             <p:spPr>
               <a:xfrm>
-                <a:off x="628846" y="143860"/>
-                <a:ext cx="7410643" cy="4939607"/>
+                <a:off x="628845" y="143860"/>
+                <a:ext cx="12643769" cy="4939607"/>
               </a:xfrm>
               <a:blipFill>
                 <a:blip r:embed="rId2"/>
@@ -11168,561 +11767,144 @@
           </a:p>
         </p:txBody>
       </p:sp>
-      <mc:AlternateContent xmlns:mc="http://schemas.openxmlformats.org/markup-compatibility/2006" xmlns:a14="http://schemas.microsoft.com/office/drawing/2010/main">
-        <mc:Choice Requires="a14">
-          <p:sp>
-            <p:nvSpPr>
-              <p:cNvPr id="4" name="Заголовок 3">
-                <a:extLst>
-                  <a:ext uri="{FF2B5EF4-FFF2-40B4-BE49-F238E27FC236}">
-                    <a16:creationId xmlns:a16="http://schemas.microsoft.com/office/drawing/2014/main" id="{712F56DE-1F79-4480-AC98-BD6DE835098D}"/>
-                  </a:ext>
-                </a:extLst>
-              </p:cNvPr>
-              <p:cNvSpPr>
-                <a:spLocks noGrp="1"/>
-              </p:cNvSpPr>
-              <p:nvPr>
-                <p:ph type="title"/>
-              </p:nvPr>
-            </p:nvSpPr>
-            <p:spPr>
-              <a:xfrm>
-                <a:off x="645044" y="143860"/>
-                <a:ext cx="11591925" cy="527774"/>
-              </a:xfrm>
-            </p:spPr>
-            <p:txBody>
-              <a:bodyPr/>
-              <a:lstStyle/>
-              <a:p>
-                <a:r>
-                  <a:rPr lang="ru-RU" dirty="0"/>
-                  <a:t>Операторы для </a:t>
-                </a:r>
-                <a14:m>
-                  <m:oMath xmlns:m="http://schemas.openxmlformats.org/officeDocument/2006/math">
-                    <m:r>
-                      <a:rPr lang="en-US" i="1" smtClean="0">
-                        <a:effectLst/>
-                        <a:latin typeface="Cambria Math" panose="02040503050406030204" pitchFamily="18" charset="0"/>
-                        <a:ea typeface="Times New Roman" panose="02020603050405020304" pitchFamily="18" charset="0"/>
-                        <a:cs typeface="Times New Roman" panose="02020603050405020304" pitchFamily="18" charset="0"/>
-                      </a:rPr>
-                      <m:t>𝑚</m:t>
-                    </m:r>
-                    <m:r>
-                      <a:rPr lang="en-US" i="1" smtClean="0">
-                        <a:effectLst/>
-                        <a:latin typeface="Cambria Math" panose="02040503050406030204" pitchFamily="18" charset="0"/>
-                        <a:ea typeface="Times New Roman" panose="02020603050405020304" pitchFamily="18" charset="0"/>
-                        <a:cs typeface="Times New Roman" panose="02020603050405020304" pitchFamily="18" charset="0"/>
-                      </a:rPr>
-                      <m:t>=∀;</m:t>
-                    </m:r>
-                    <m:r>
-                      <a:rPr lang="ru-RU" i="1">
-                        <a:effectLst/>
-                        <a:latin typeface="Cambria Math" panose="02040503050406030204" pitchFamily="18" charset="0"/>
-                        <a:ea typeface="Times New Roman" panose="02020603050405020304" pitchFamily="18" charset="0"/>
-                        <a:cs typeface="Times New Roman" panose="02020603050405020304" pitchFamily="18" charset="0"/>
-                      </a:rPr>
-                      <m:t>𝑚</m:t>
-                    </m:r>
-                    <m:r>
-                      <a:rPr lang="ru-RU" i="1">
-                        <a:effectLst/>
-                        <a:latin typeface="Cambria Math" panose="02040503050406030204" pitchFamily="18" charset="0"/>
-                        <a:ea typeface="Times New Roman" panose="02020603050405020304" pitchFamily="18" charset="0"/>
-                        <a:cs typeface="Times New Roman" panose="02020603050405020304" pitchFamily="18" charset="0"/>
-                      </a:rPr>
-                      <m:t>≠0;</m:t>
-                    </m:r>
-                    <m:r>
-                      <a:rPr lang="ru-RU" i="1">
-                        <a:effectLst/>
-                        <a:latin typeface="Cambria Math" panose="02040503050406030204" pitchFamily="18" charset="0"/>
-                        <a:ea typeface="Times New Roman" panose="02020603050405020304" pitchFamily="18" charset="0"/>
-                        <a:cs typeface="Times New Roman" panose="02020603050405020304" pitchFamily="18" charset="0"/>
-                      </a:rPr>
-                      <m:t>𝑚</m:t>
-                    </m:r>
-                    <m:r>
-                      <a:rPr lang="ru-RU" i="1">
-                        <a:effectLst/>
-                        <a:latin typeface="Cambria Math" panose="02040503050406030204" pitchFamily="18" charset="0"/>
-                        <a:ea typeface="Times New Roman" panose="02020603050405020304" pitchFamily="18" charset="0"/>
-                        <a:cs typeface="Times New Roman" panose="02020603050405020304" pitchFamily="18" charset="0"/>
-                      </a:rPr>
-                      <m:t>≠−</m:t>
-                    </m:r>
-                    <m:f>
-                      <m:fPr>
-                        <m:ctrlPr>
-                          <a:rPr lang="ru-RU" i="1">
-                            <a:effectLst/>
-                            <a:latin typeface="Cambria Math" panose="02040503050406030204" pitchFamily="18" charset="0"/>
-                          </a:rPr>
-                        </m:ctrlPr>
-                      </m:fPr>
-                      <m:num>
-                        <m:r>
-                          <a:rPr lang="ru-RU" i="1">
-                            <a:effectLst/>
-                            <a:latin typeface="Cambria Math" panose="02040503050406030204" pitchFamily="18" charset="0"/>
-                            <a:ea typeface="Times New Roman" panose="02020603050405020304" pitchFamily="18" charset="0"/>
-                            <a:cs typeface="Times New Roman" panose="02020603050405020304" pitchFamily="18" charset="0"/>
-                          </a:rPr>
-                          <m:t>4</m:t>
-                        </m:r>
-                      </m:num>
-                      <m:den>
-                        <m:r>
-                          <a:rPr lang="ru-RU" i="1">
-                            <a:effectLst/>
-                            <a:latin typeface="Cambria Math" panose="02040503050406030204" pitchFamily="18" charset="0"/>
-                            <a:ea typeface="Times New Roman" panose="02020603050405020304" pitchFamily="18" charset="0"/>
-                            <a:cs typeface="Times New Roman" panose="02020603050405020304" pitchFamily="18" charset="0"/>
-                          </a:rPr>
-                          <m:t>3</m:t>
-                        </m:r>
-                      </m:den>
-                    </m:f>
-                  </m:oMath>
-                </a14:m>
-                <a:endParaRPr lang="ru-RU" dirty="0"/>
-              </a:p>
-            </p:txBody>
-          </p:sp>
-        </mc:Choice>
-        <mc:Fallback xmlns="">
-          <p:sp>
-            <p:nvSpPr>
-              <p:cNvPr id="4" name="Заголовок 3">
-                <a:extLst>
-                  <a:ext uri="{FF2B5EF4-FFF2-40B4-BE49-F238E27FC236}">
-                    <a16:creationId xmlns:a16="http://schemas.microsoft.com/office/drawing/2014/main" id="{712F56DE-1F79-4480-AC98-BD6DE835098D}"/>
-                  </a:ext>
-                </a:extLst>
-              </p:cNvPr>
-              <p:cNvSpPr>
-                <a:spLocks noGrp="1" noRot="1" noChangeAspect="1" noMove="1" noResize="1" noEditPoints="1" noAdjustHandles="1" noChangeArrowheads="1" noChangeShapeType="1" noTextEdit="1"/>
-              </p:cNvSpPr>
-              <p:nvPr>
-                <p:ph type="title"/>
-              </p:nvPr>
-            </p:nvSpPr>
-            <p:spPr>
-              <a:xfrm>
-                <a:off x="645044" y="143860"/>
-                <a:ext cx="11591925" cy="527774"/>
-              </a:xfrm>
-              <a:blipFill>
-                <a:blip r:embed="rId3"/>
-                <a:stretch>
-                  <a:fillRect l="-1210" t="-6977" b="-45349"/>
-                </a:stretch>
-              </a:blipFill>
-            </p:spPr>
-            <p:txBody>
-              <a:bodyPr/>
-              <a:lstStyle/>
-              <a:p>
-                <a:r>
-                  <a:rPr lang="ru-RU">
-                    <a:noFill/>
-                  </a:rPr>
-                  <a:t> </a:t>
-                </a:r>
-              </a:p>
-            </p:txBody>
-          </p:sp>
-        </mc:Fallback>
-      </mc:AlternateContent>
-      <mc:AlternateContent xmlns:mc="http://schemas.openxmlformats.org/markup-compatibility/2006" xmlns:a14="http://schemas.microsoft.com/office/drawing/2010/main">
-        <mc:Choice Requires="a14">
-          <p:sp>
-            <p:nvSpPr>
-              <p:cNvPr id="16" name="TextBox 15">
-                <a:extLst>
-                  <a:ext uri="{FF2B5EF4-FFF2-40B4-BE49-F238E27FC236}">
-                    <a16:creationId xmlns:a16="http://schemas.microsoft.com/office/drawing/2014/main" id="{640601D3-5F87-445D-9DB6-B25B492269E0}"/>
-                  </a:ext>
-                </a:extLst>
-              </p:cNvPr>
-              <p:cNvSpPr txBox="1"/>
-              <p:nvPr/>
-            </p:nvSpPr>
-            <p:spPr>
-              <a:xfrm>
-                <a:off x="6791895" y="1115541"/>
-                <a:ext cx="4824536" cy="4219745"/>
-              </a:xfrm>
-              <a:prstGeom prst="rect">
-                <a:avLst/>
-              </a:prstGeom>
-              <a:noFill/>
-            </p:spPr>
-            <p:txBody>
-              <a:bodyPr wrap="square" rtlCol="0">
-                <a:spAutoFit/>
-              </a:bodyPr>
-              <a:lstStyle/>
-              <a:p>
-                <a:pPr defTabSz="755963">
-                  <a:lnSpc>
-                    <a:spcPct val="150000"/>
-                  </a:lnSpc>
-                </a:pPr>
-                <a14:m>
-                  <m:oMathPara xmlns:m="http://schemas.openxmlformats.org/officeDocument/2006/math">
-                    <m:oMathParaPr>
-                      <m:jc m:val="centerGroup"/>
-                    </m:oMathParaPr>
-                    <m:oMath xmlns:m="http://schemas.openxmlformats.org/officeDocument/2006/math">
-                      <m:sSub>
-                        <m:sSubPr>
-                          <m:ctrlPr>
-                            <a:rPr lang="ru-RU" sz="4000" i="1">
-                              <a:solidFill>
-                                <a:srgbClr val="000000"/>
-                              </a:solidFill>
-                              <a:latin typeface="Cambria Math" panose="02040503050406030204" pitchFamily="18" charset="0"/>
-                            </a:rPr>
-                          </m:ctrlPr>
-                        </m:sSubPr>
-                        <m:e>
-                          <m:r>
-                            <a:rPr lang="en-US" sz="4000" i="1">
-                              <a:solidFill>
-                                <a:srgbClr val="000000"/>
-                              </a:solidFill>
-                              <a:latin typeface="Cambria Math" panose="02040503050406030204" pitchFamily="18" charset="0"/>
-                            </a:rPr>
-                            <m:t>𝑋</m:t>
-                          </m:r>
-                        </m:e>
-                        <m:sub>
-                          <m:r>
-                            <a:rPr lang="en-US" sz="4000" i="1">
-                              <a:solidFill>
-                                <a:srgbClr val="000000"/>
-                              </a:solidFill>
-                              <a:latin typeface="Cambria Math" panose="02040503050406030204" pitchFamily="18" charset="0"/>
-                            </a:rPr>
-                            <m:t>3</m:t>
-                          </m:r>
-                        </m:sub>
-                      </m:sSub>
-                      <m:r>
-                        <a:rPr lang="en-US" sz="4000" i="1">
-                          <a:solidFill>
-                            <a:srgbClr val="000000"/>
-                          </a:solidFill>
-                          <a:latin typeface="Cambria Math" panose="02040503050406030204" pitchFamily="18" charset="0"/>
-                        </a:rPr>
-                        <m:t>=</m:t>
-                      </m:r>
-                      <m:f>
-                        <m:fPr>
-                          <m:ctrlPr>
-                            <a:rPr lang="en-US" sz="4000" i="1">
-                              <a:solidFill>
-                                <a:srgbClr val="000000"/>
-                              </a:solidFill>
-                              <a:latin typeface="Cambria Math" panose="02040503050406030204" pitchFamily="18" charset="0"/>
-                            </a:rPr>
-                          </m:ctrlPr>
-                        </m:fPr>
-                        <m:num>
-                          <m:r>
-                            <a:rPr lang="en-US" sz="4000" i="1">
-                              <a:solidFill>
-                                <a:srgbClr val="000000"/>
-                              </a:solidFill>
-                              <a:latin typeface="Cambria Math" panose="02040503050406030204" pitchFamily="18" charset="0"/>
-                            </a:rPr>
-                            <m:t>𝑡</m:t>
-                          </m:r>
-                          <m:r>
-                            <a:rPr lang="en-US" sz="4000" i="1">
-                              <a:solidFill>
-                                <a:srgbClr val="000000"/>
-                              </a:solidFill>
-                              <a:latin typeface="Cambria Math" panose="02040503050406030204" pitchFamily="18" charset="0"/>
-                            </a:rPr>
-                            <m:t>𝜕</m:t>
-                          </m:r>
-                        </m:num>
-                        <m:den>
-                          <m:r>
-                            <a:rPr lang="en-US" sz="4000" i="1">
-                              <a:solidFill>
-                                <a:srgbClr val="000000"/>
-                              </a:solidFill>
-                              <a:latin typeface="Cambria Math" panose="02040503050406030204" pitchFamily="18" charset="0"/>
-                            </a:rPr>
-                            <m:t>𝜕</m:t>
-                          </m:r>
-                          <m:r>
-                            <a:rPr lang="en-US" sz="4000" i="1">
-                              <a:solidFill>
-                                <a:srgbClr val="000000"/>
-                              </a:solidFill>
-                              <a:latin typeface="Cambria Math" panose="02040503050406030204" pitchFamily="18" charset="0"/>
-                            </a:rPr>
-                            <m:t>𝑡</m:t>
-                          </m:r>
-                        </m:den>
-                      </m:f>
-                      <m:r>
-                        <a:rPr lang="en-US" sz="4000" i="1">
-                          <a:solidFill>
-                            <a:srgbClr val="000000"/>
-                          </a:solidFill>
-                          <a:latin typeface="Cambria Math" panose="02040503050406030204" pitchFamily="18" charset="0"/>
-                        </a:rPr>
-                        <m:t>+</m:t>
-                      </m:r>
-                      <m:f>
-                        <m:fPr>
-                          <m:ctrlPr>
-                            <a:rPr lang="en-US" sz="4000" i="1">
-                              <a:solidFill>
-                                <a:srgbClr val="000000"/>
-                              </a:solidFill>
-                              <a:latin typeface="Cambria Math" panose="02040503050406030204" pitchFamily="18" charset="0"/>
-                            </a:rPr>
-                          </m:ctrlPr>
-                        </m:fPr>
-                        <m:num>
-                          <m:r>
-                            <a:rPr lang="en-US" sz="4000" i="1">
-                              <a:solidFill>
-                                <a:srgbClr val="000000"/>
-                              </a:solidFill>
-                              <a:latin typeface="Cambria Math" panose="02040503050406030204" pitchFamily="18" charset="0"/>
-                            </a:rPr>
-                            <m:t>−</m:t>
-                          </m:r>
-                          <m:r>
-                            <a:rPr lang="en-US" sz="4000" i="1">
-                              <a:solidFill>
-                                <a:srgbClr val="000000"/>
-                              </a:solidFill>
-                              <a:latin typeface="Cambria Math" panose="02040503050406030204" pitchFamily="18" charset="0"/>
-                            </a:rPr>
-                            <m:t>𝑈</m:t>
-                          </m:r>
-                          <m:r>
-                            <a:rPr lang="en-US" sz="4000" i="1">
-                              <a:solidFill>
-                                <a:srgbClr val="000000"/>
-                              </a:solidFill>
-                              <a:latin typeface="Cambria Math" panose="02040503050406030204" pitchFamily="18" charset="0"/>
-                            </a:rPr>
-                            <m:t>𝜕</m:t>
-                          </m:r>
-                        </m:num>
-                        <m:den>
-                          <m:r>
-                            <a:rPr lang="en-US" sz="4000" i="1">
-                              <a:solidFill>
-                                <a:srgbClr val="000000"/>
-                              </a:solidFill>
-                              <a:latin typeface="Cambria Math" panose="02040503050406030204" pitchFamily="18" charset="0"/>
-                            </a:rPr>
-                            <m:t>𝑚</m:t>
-                          </m:r>
-                          <m:r>
-                            <a:rPr lang="en-US" sz="4000" i="1">
-                              <a:solidFill>
-                                <a:srgbClr val="000000"/>
-                              </a:solidFill>
-                              <a:latin typeface="Cambria Math" panose="02040503050406030204" pitchFamily="18" charset="0"/>
-                            </a:rPr>
-                            <m:t>𝜕</m:t>
-                          </m:r>
-                          <m:r>
-                            <a:rPr lang="en-US" sz="4000" i="1">
-                              <a:solidFill>
-                                <a:srgbClr val="000000"/>
-                              </a:solidFill>
-                              <a:latin typeface="Cambria Math" panose="02040503050406030204" pitchFamily="18" charset="0"/>
-                            </a:rPr>
-                            <m:t>𝑈</m:t>
-                          </m:r>
-                        </m:den>
-                      </m:f>
-                    </m:oMath>
-                  </m:oMathPara>
-                </a14:m>
-                <a:endParaRPr lang="en-US" sz="4000" i="1" dirty="0">
-                  <a:solidFill>
-                    <a:srgbClr val="000000"/>
-                  </a:solidFill>
-                  <a:latin typeface="Cambria Math" panose="02040503050406030204" pitchFamily="18" charset="0"/>
-                </a:endParaRPr>
-              </a:p>
-              <a:p>
-                <a:pPr defTabSz="755963">
-                  <a:lnSpc>
-                    <a:spcPct val="150000"/>
-                  </a:lnSpc>
-                </a:pPr>
-                <a14:m>
-                  <m:oMathPara xmlns:m="http://schemas.openxmlformats.org/officeDocument/2006/math">
-                    <m:oMathParaPr>
-                      <m:jc m:val="centerGroup"/>
-                    </m:oMathParaPr>
-                    <m:oMath xmlns:m="http://schemas.openxmlformats.org/officeDocument/2006/math">
-                      <m:sSub>
-                        <m:sSubPr>
-                          <m:ctrlPr>
-                            <a:rPr lang="ru-RU" sz="4000" i="1">
-                              <a:solidFill>
-                                <a:srgbClr val="000000"/>
-                              </a:solidFill>
-                              <a:latin typeface="Cambria Math" panose="02040503050406030204" pitchFamily="18" charset="0"/>
-                            </a:rPr>
-                          </m:ctrlPr>
-                        </m:sSubPr>
-                        <m:e>
-                          <m:r>
-                            <a:rPr lang="en-US" sz="4000" i="1">
-                              <a:solidFill>
-                                <a:srgbClr val="000000"/>
-                              </a:solidFill>
-                              <a:latin typeface="Cambria Math" panose="02040503050406030204" pitchFamily="18" charset="0"/>
-                            </a:rPr>
-                            <m:t>𝑋</m:t>
-                          </m:r>
-                        </m:e>
-                        <m:sub>
-                          <m:r>
-                            <a:rPr lang="en-US" sz="4000" i="1">
-                              <a:solidFill>
-                                <a:srgbClr val="000000"/>
-                              </a:solidFill>
-                              <a:latin typeface="Cambria Math" panose="02040503050406030204" pitchFamily="18" charset="0"/>
-                            </a:rPr>
-                            <m:t>4</m:t>
-                          </m:r>
-                        </m:sub>
-                      </m:sSub>
-                      <m:r>
-                        <a:rPr lang="en-US" sz="4000" i="1">
-                          <a:solidFill>
-                            <a:srgbClr val="000000"/>
-                          </a:solidFill>
-                          <a:latin typeface="Cambria Math" panose="02040503050406030204" pitchFamily="18" charset="0"/>
-                        </a:rPr>
-                        <m:t>=</m:t>
-                      </m:r>
-                      <m:f>
-                        <m:fPr>
-                          <m:ctrlPr>
-                            <a:rPr lang="en-US" sz="4000" i="1">
-                              <a:solidFill>
-                                <a:srgbClr val="000000"/>
-                              </a:solidFill>
-                              <a:latin typeface="Cambria Math" panose="02040503050406030204" pitchFamily="18" charset="0"/>
-                            </a:rPr>
-                          </m:ctrlPr>
-                        </m:fPr>
-                        <m:num>
-                          <m:r>
-                            <a:rPr lang="en-US" sz="4000" i="1">
-                              <a:solidFill>
-                                <a:srgbClr val="000000"/>
-                              </a:solidFill>
-                              <a:latin typeface="Cambria Math" panose="02040503050406030204" pitchFamily="18" charset="0"/>
-                            </a:rPr>
-                            <m:t>𝜕</m:t>
-                          </m:r>
-                        </m:num>
-                        <m:den>
-                          <m:r>
-                            <a:rPr lang="en-US" sz="4000" i="1">
-                              <a:solidFill>
-                                <a:srgbClr val="000000"/>
-                              </a:solidFill>
-                              <a:latin typeface="Cambria Math" panose="02040503050406030204" pitchFamily="18" charset="0"/>
-                            </a:rPr>
-                            <m:t>𝜕</m:t>
-                          </m:r>
-                          <m:r>
-                            <a:rPr lang="en-US" sz="4000" i="1">
-                              <a:solidFill>
-                                <a:srgbClr val="000000"/>
-                              </a:solidFill>
-                              <a:latin typeface="Cambria Math" panose="02040503050406030204" pitchFamily="18" charset="0"/>
-                            </a:rPr>
-                            <m:t>𝑡</m:t>
-                          </m:r>
-                        </m:den>
-                      </m:f>
-                    </m:oMath>
-                  </m:oMathPara>
-                </a14:m>
-                <a:endParaRPr lang="ru-RU" sz="4000" i="1" dirty="0">
-                  <a:solidFill>
-                    <a:srgbClr val="000000"/>
-                  </a:solidFill>
-                  <a:latin typeface="Cambria Math" panose="02040503050406030204" pitchFamily="18" charset="0"/>
-                </a:endParaRPr>
-              </a:p>
-              <a:p>
-                <a:endParaRPr lang="ru-RU" sz="4000" dirty="0"/>
-              </a:p>
-            </p:txBody>
-          </p:sp>
-        </mc:Choice>
-        <mc:Fallback xmlns="">
-          <p:sp>
-            <p:nvSpPr>
-              <p:cNvPr id="16" name="TextBox 15">
-                <a:extLst>
-                  <a:ext uri="{FF2B5EF4-FFF2-40B4-BE49-F238E27FC236}">
-                    <a16:creationId xmlns:a16="http://schemas.microsoft.com/office/drawing/2014/main" id="{640601D3-5F87-445D-9DB6-B25B492269E0}"/>
-                  </a:ext>
-                </a:extLst>
-              </p:cNvPr>
-              <p:cNvSpPr txBox="1">
-                <a:spLocks noRot="1" noChangeAspect="1" noMove="1" noResize="1" noEditPoints="1" noAdjustHandles="1" noChangeArrowheads="1" noChangeShapeType="1" noTextEdit="1"/>
-              </p:cNvSpPr>
-              <p:nvPr/>
-            </p:nvSpPr>
-            <p:spPr>
-              <a:xfrm>
-                <a:off x="6791895" y="1115541"/>
-                <a:ext cx="4824536" cy="4219745"/>
-              </a:xfrm>
-              <a:prstGeom prst="rect">
-                <a:avLst/>
-              </a:prstGeom>
-              <a:blipFill>
-                <a:blip r:embed="rId4"/>
-                <a:stretch>
-                  <a:fillRect/>
-                </a:stretch>
-              </a:blipFill>
-            </p:spPr>
-            <p:txBody>
-              <a:bodyPr/>
-              <a:lstStyle/>
-              <a:p>
-                <a:r>
-                  <a:rPr lang="ru-RU">
-                    <a:noFill/>
-                  </a:rPr>
-                  <a:t> </a:t>
-                </a:r>
-              </a:p>
-            </p:txBody>
-          </p:sp>
-        </mc:Fallback>
-      </mc:AlternateContent>
+      <p:sp>
+        <p:nvSpPr>
+          <p:cNvPr id="4" name="Заголовок 3">
+            <a:extLst>
+              <a:ext uri="{FF2B5EF4-FFF2-40B4-BE49-F238E27FC236}">
+                <a16:creationId xmlns:a16="http://schemas.microsoft.com/office/drawing/2014/main" id="{712F56DE-1F79-4480-AC98-BD6DE835098D}"/>
+              </a:ext>
+            </a:extLst>
+          </p:cNvPr>
+          <p:cNvSpPr>
+            <a:spLocks noGrp="1"/>
+          </p:cNvSpPr>
+          <p:nvPr>
+            <p:ph type="title"/>
+          </p:nvPr>
+        </p:nvSpPr>
+        <p:spPr>
+          <a:xfrm>
+            <a:off x="645044" y="143860"/>
+            <a:ext cx="11591925" cy="527774"/>
+          </a:xfrm>
+        </p:spPr>
+        <p:txBody>
+          <a:bodyPr/>
+          <a:lstStyle/>
+          <a:p>
+            <a:r>
+              <a:rPr lang="ru-RU" dirty="0"/>
+              <a:t>Пример работы на экспериментальных данных </a:t>
+            </a:r>
+          </a:p>
+        </p:txBody>
+      </p:sp>
+      <p:sp>
+        <p:nvSpPr>
+          <p:cNvPr id="16" name="TextBox 15">
+            <a:extLst>
+              <a:ext uri="{FF2B5EF4-FFF2-40B4-BE49-F238E27FC236}">
+                <a16:creationId xmlns:a16="http://schemas.microsoft.com/office/drawing/2014/main" id="{640601D3-5F87-445D-9DB6-B25B492269E0}"/>
+              </a:ext>
+            </a:extLst>
+          </p:cNvPr>
+          <p:cNvSpPr txBox="1"/>
+          <p:nvPr/>
+        </p:nvSpPr>
+        <p:spPr>
+          <a:xfrm>
+            <a:off x="6719887" y="1115541"/>
+            <a:ext cx="4824536" cy="1631216"/>
+          </a:xfrm>
+          <a:prstGeom prst="rect">
+            <a:avLst/>
+          </a:prstGeom>
+          <a:noFill/>
+        </p:spPr>
+        <p:txBody>
+          <a:bodyPr wrap="square" rtlCol="0">
+            <a:spAutoFit/>
+          </a:bodyPr>
+          <a:lstStyle/>
+          <a:p>
+            <a:pPr defTabSz="755963">
+              <a:lnSpc>
+                <a:spcPct val="150000"/>
+              </a:lnSpc>
+            </a:pPr>
+            <a:endParaRPr lang="ru-RU" sz="4000" i="1" dirty="0">
+              <a:solidFill>
+                <a:srgbClr val="000000"/>
+              </a:solidFill>
+              <a:latin typeface="Cambria Math" panose="02040503050406030204" pitchFamily="18" charset="0"/>
+            </a:endParaRPr>
+          </a:p>
+          <a:p>
+            <a:endParaRPr lang="ru-RU" sz="4000" dirty="0"/>
+          </a:p>
+        </p:txBody>
+      </p:sp>
+      <p:pic>
+        <p:nvPicPr>
+          <p:cNvPr id="6" name="Рисунок 5">
+            <a:extLst>
+              <a:ext uri="{FF2B5EF4-FFF2-40B4-BE49-F238E27FC236}">
+                <a16:creationId xmlns:a16="http://schemas.microsoft.com/office/drawing/2014/main" id="{21E88436-E47E-EA88-B87F-67718E08AA5D}"/>
+              </a:ext>
+            </a:extLst>
+          </p:cNvPr>
+          <p:cNvPicPr>
+            <a:picLocks noChangeAspect="1"/>
+          </p:cNvPicPr>
+          <p:nvPr/>
+        </p:nvPicPr>
+        <p:blipFill>
+          <a:blip r:embed="rId3"/>
+          <a:stretch>
+            <a:fillRect/>
+          </a:stretch>
+        </p:blipFill>
+        <p:spPr>
+          <a:xfrm>
+            <a:off x="6719887" y="2029060"/>
+            <a:ext cx="5832649" cy="4365567"/>
+          </a:xfrm>
+          <a:prstGeom prst="rect">
+            <a:avLst/>
+          </a:prstGeom>
+        </p:spPr>
+      </p:pic>
+      <p:pic>
+        <p:nvPicPr>
+          <p:cNvPr id="7" name="Рисунок 6">
+            <a:extLst>
+              <a:ext uri="{FF2B5EF4-FFF2-40B4-BE49-F238E27FC236}">
+                <a16:creationId xmlns:a16="http://schemas.microsoft.com/office/drawing/2014/main" id="{6167C71A-53DD-BD27-79DB-06DDAFCD6BE8}"/>
+              </a:ext>
+            </a:extLst>
+          </p:cNvPr>
+          <p:cNvPicPr>
+            <a:picLocks noChangeAspect="1"/>
+          </p:cNvPicPr>
+          <p:nvPr/>
+        </p:nvPicPr>
+        <p:blipFill>
+          <a:blip r:embed="rId4"/>
+          <a:stretch>
+            <a:fillRect/>
+          </a:stretch>
+        </p:blipFill>
+        <p:spPr>
+          <a:xfrm>
+            <a:off x="628845" y="2195661"/>
+            <a:ext cx="4578874" cy="3991046"/>
+          </a:xfrm>
+          <a:prstGeom prst="rect">
+            <a:avLst/>
+          </a:prstGeom>
+        </p:spPr>
+      </p:pic>
     </p:spTree>
     <p:extLst>
       <p:ext uri="{BB962C8B-B14F-4D97-AF65-F5344CB8AC3E}">
@@ -11753,1289 +11935,14 @@
           <a:chExt cx="0" cy="0"/>
         </a:xfrm>
       </p:grpSpPr>
-      <p:sp>
-        <p:nvSpPr>
-          <p:cNvPr id="2" name="Подзаголовок 1">
-            <a:extLst>
-              <a:ext uri="{FF2B5EF4-FFF2-40B4-BE49-F238E27FC236}">
-                <a16:creationId xmlns:a16="http://schemas.microsoft.com/office/drawing/2014/main" id="{EC6CA0C4-50EF-47D4-AA35-9F0186FAC7E9}"/>
-              </a:ext>
-            </a:extLst>
-          </p:cNvPr>
-          <p:cNvSpPr>
-            <a:spLocks noGrp="1"/>
-          </p:cNvSpPr>
-          <p:nvPr>
-            <p:ph type="subTitle" idx="1"/>
-          </p:nvPr>
-        </p:nvSpPr>
-        <p:spPr/>
-        <p:txBody>
-          <a:bodyPr/>
-          <a:lstStyle/>
-          <a:p>
-            <a:endParaRPr lang="en-US" dirty="0"/>
-          </a:p>
-          <a:p>
-            <a:endParaRPr lang="en-US" dirty="0"/>
-          </a:p>
-          <a:p>
-            <a:endParaRPr lang="en-US" dirty="0"/>
-          </a:p>
-          <a:p>
-            <a:endParaRPr lang="en-US" dirty="0"/>
-          </a:p>
-          <a:p>
-            <a:endParaRPr lang="en-US" dirty="0"/>
-          </a:p>
-          <a:p>
-            <a:endParaRPr lang="ru-RU" dirty="0"/>
-          </a:p>
-        </p:txBody>
-      </p:sp>
-      <p:sp>
-        <p:nvSpPr>
-          <p:cNvPr id="3" name="Номер слайда 2">
-            <a:extLst>
-              <a:ext uri="{FF2B5EF4-FFF2-40B4-BE49-F238E27FC236}">
-                <a16:creationId xmlns:a16="http://schemas.microsoft.com/office/drawing/2014/main" id="{26FF9370-9694-4819-934C-CA2292E291FB}"/>
-              </a:ext>
-            </a:extLst>
-          </p:cNvPr>
-          <p:cNvSpPr>
-            <a:spLocks noGrp="1"/>
-          </p:cNvSpPr>
-          <p:nvPr>
-            <p:ph type="sldNum" sz="quarter" idx="12"/>
-          </p:nvPr>
-        </p:nvSpPr>
-        <p:spPr/>
-        <p:txBody>
-          <a:bodyPr/>
-          <a:lstStyle/>
-          <a:p>
-            <a:fld id="{CB07D4DF-2351-4A60-A90B-60ED82532F73}" type="slidenum">
-              <a:rPr lang="ru-RU" smtClean="0"/>
-              <a:pPr/>
-              <a:t>5</a:t>
-            </a:fld>
-            <a:endParaRPr lang="ru-RU" dirty="0"/>
-          </a:p>
-        </p:txBody>
-      </p:sp>
-      <mc:AlternateContent xmlns:mc="http://schemas.openxmlformats.org/markup-compatibility/2006" xmlns:a14="http://schemas.microsoft.com/office/drawing/2010/main">
-        <mc:Choice Requires="a14">
-          <p:sp>
-            <p:nvSpPr>
-              <p:cNvPr id="4" name="Заголовок 3">
-                <a:extLst>
-                  <a:ext uri="{FF2B5EF4-FFF2-40B4-BE49-F238E27FC236}">
-                    <a16:creationId xmlns:a16="http://schemas.microsoft.com/office/drawing/2014/main" id="{69395A8B-25A6-423F-AC11-911D80846724}"/>
-                  </a:ext>
-                </a:extLst>
-              </p:cNvPr>
-              <p:cNvSpPr>
-                <a:spLocks noGrp="1"/>
-              </p:cNvSpPr>
-              <p:nvPr>
-                <p:ph type="title"/>
-              </p:nvPr>
-            </p:nvSpPr>
-            <p:spPr>
-              <a:xfrm>
-                <a:off x="651940" y="107429"/>
-                <a:ext cx="11591925" cy="527774"/>
-              </a:xfrm>
-            </p:spPr>
-            <p:txBody>
-              <a:bodyPr/>
-              <a:lstStyle/>
-              <a:p>
-                <a:r>
-                  <a:rPr lang="ru-RU" dirty="0"/>
-                  <a:t>Группа для</a:t>
-                </a:r>
-                <a:r>
-                  <a:rPr lang="en-US" dirty="0"/>
-                  <a:t> </a:t>
-                </a:r>
-                <a14:m>
-                  <m:oMath xmlns:m="http://schemas.openxmlformats.org/officeDocument/2006/math">
-                    <m:r>
-                      <a:rPr lang="ru-RU" i="1">
-                        <a:effectLst/>
-                        <a:latin typeface="Cambria Math" panose="02040503050406030204" pitchFamily="18" charset="0"/>
-                        <a:ea typeface="Times New Roman" panose="02020603050405020304" pitchFamily="18" charset="0"/>
-                        <a:cs typeface="Times New Roman" panose="02020603050405020304" pitchFamily="18" charset="0"/>
-                      </a:rPr>
-                      <m:t>𝑚</m:t>
-                    </m:r>
-                    <m:r>
-                      <a:rPr lang="en-US" b="0" i="1" smtClean="0">
-                        <a:effectLst/>
-                        <a:latin typeface="Cambria Math" panose="02040503050406030204" pitchFamily="18" charset="0"/>
-                        <a:ea typeface="Times New Roman" panose="02020603050405020304" pitchFamily="18" charset="0"/>
-                        <a:cs typeface="Times New Roman" panose="02020603050405020304" pitchFamily="18" charset="0"/>
-                      </a:rPr>
-                      <m:t>=</m:t>
-                    </m:r>
-                    <m:r>
-                      <a:rPr lang="ru-RU" i="1">
-                        <a:effectLst/>
-                        <a:latin typeface="Cambria Math" panose="02040503050406030204" pitchFamily="18" charset="0"/>
-                        <a:ea typeface="Times New Roman" panose="02020603050405020304" pitchFamily="18" charset="0"/>
-                        <a:cs typeface="Times New Roman" panose="02020603050405020304" pitchFamily="18" charset="0"/>
-                      </a:rPr>
-                      <m:t>−</m:t>
-                    </m:r>
-                    <m:f>
-                      <m:fPr>
-                        <m:ctrlPr>
-                          <a:rPr lang="ru-RU" i="1">
-                            <a:effectLst/>
-                            <a:latin typeface="Cambria Math" panose="02040503050406030204" pitchFamily="18" charset="0"/>
-                          </a:rPr>
-                        </m:ctrlPr>
-                      </m:fPr>
-                      <m:num>
-                        <m:r>
-                          <a:rPr lang="ru-RU" i="1">
-                            <a:effectLst/>
-                            <a:latin typeface="Cambria Math" panose="02040503050406030204" pitchFamily="18" charset="0"/>
-                            <a:ea typeface="Times New Roman" panose="02020603050405020304" pitchFamily="18" charset="0"/>
-                            <a:cs typeface="Times New Roman" panose="02020603050405020304" pitchFamily="18" charset="0"/>
-                          </a:rPr>
-                          <m:t>4</m:t>
-                        </m:r>
-                      </m:num>
-                      <m:den>
-                        <m:r>
-                          <a:rPr lang="ru-RU" i="1">
-                            <a:effectLst/>
-                            <a:latin typeface="Cambria Math" panose="02040503050406030204" pitchFamily="18" charset="0"/>
-                            <a:ea typeface="Times New Roman" panose="02020603050405020304" pitchFamily="18" charset="0"/>
-                            <a:cs typeface="Times New Roman" panose="02020603050405020304" pitchFamily="18" charset="0"/>
-                          </a:rPr>
-                          <m:t>3</m:t>
-                        </m:r>
-                      </m:den>
-                    </m:f>
-                  </m:oMath>
-                </a14:m>
-                <a:endParaRPr lang="ru-RU" dirty="0"/>
-              </a:p>
-            </p:txBody>
-          </p:sp>
-        </mc:Choice>
-        <mc:Fallback xmlns="">
-          <p:sp>
-            <p:nvSpPr>
-              <p:cNvPr id="4" name="Заголовок 3">
-                <a:extLst>
-                  <a:ext uri="{FF2B5EF4-FFF2-40B4-BE49-F238E27FC236}">
-                    <a16:creationId xmlns:a16="http://schemas.microsoft.com/office/drawing/2014/main" id="{69395A8B-25A6-423F-AC11-911D80846724}"/>
-                  </a:ext>
-                </a:extLst>
-              </p:cNvPr>
-              <p:cNvSpPr>
-                <a:spLocks noGrp="1" noRot="1" noChangeAspect="1" noMove="1" noResize="1" noEditPoints="1" noAdjustHandles="1" noChangeArrowheads="1" noChangeShapeType="1" noTextEdit="1"/>
-              </p:cNvSpPr>
-              <p:nvPr>
-                <p:ph type="title"/>
-              </p:nvPr>
-            </p:nvSpPr>
-            <p:spPr>
-              <a:xfrm>
-                <a:off x="651940" y="107429"/>
-                <a:ext cx="11591925" cy="527774"/>
-              </a:xfrm>
-              <a:blipFill>
-                <a:blip r:embed="rId2"/>
-                <a:stretch>
-                  <a:fillRect l="-1209" t="-3488" b="-48837"/>
-                </a:stretch>
-              </a:blipFill>
-            </p:spPr>
-            <p:txBody>
-              <a:bodyPr/>
-              <a:lstStyle/>
-              <a:p>
-                <a:r>
-                  <a:rPr lang="ru-RU">
-                    <a:noFill/>
-                  </a:rPr>
-                  <a:t> </a:t>
-                </a:r>
-              </a:p>
-            </p:txBody>
-          </p:sp>
-        </mc:Fallback>
-      </mc:AlternateContent>
-      <mc:AlternateContent xmlns:mc="http://schemas.openxmlformats.org/markup-compatibility/2006" xmlns:a14="http://schemas.microsoft.com/office/drawing/2010/main">
-        <mc:Choice Requires="a14">
-          <p:sp>
-            <p:nvSpPr>
-              <p:cNvPr id="8" name="TextBox 7">
-                <a:extLst>
-                  <a:ext uri="{FF2B5EF4-FFF2-40B4-BE49-F238E27FC236}">
-                    <a16:creationId xmlns:a16="http://schemas.microsoft.com/office/drawing/2014/main" id="{73692189-8C31-4B7C-81B5-9A8F5CE9E8C3}"/>
-                  </a:ext>
-                </a:extLst>
-              </p:cNvPr>
-              <p:cNvSpPr txBox="1"/>
-              <p:nvPr/>
-            </p:nvSpPr>
-            <p:spPr>
-              <a:xfrm>
-                <a:off x="0" y="1759679"/>
-                <a:ext cx="6408712" cy="3018903"/>
-              </a:xfrm>
-              <a:prstGeom prst="rect">
-                <a:avLst/>
-              </a:prstGeom>
-              <a:noFill/>
-            </p:spPr>
-            <p:txBody>
-              <a:bodyPr wrap="square">
-                <a:spAutoFit/>
-              </a:bodyPr>
-              <a:lstStyle/>
-              <a:p>
-                <a:pPr defTabSz="755963">
-                  <a:lnSpc>
-                    <a:spcPct val="125000"/>
-                  </a:lnSpc>
-                </a:pPr>
-                <a14:m>
-                  <m:oMathPara xmlns:m="http://schemas.openxmlformats.org/officeDocument/2006/math">
-                    <m:oMathParaPr>
-                      <m:jc m:val="centerGroup"/>
-                    </m:oMathParaPr>
-                    <m:oMath xmlns:m="http://schemas.openxmlformats.org/officeDocument/2006/math">
-                      <m:sSub>
-                        <m:sSubPr>
-                          <m:ctrlPr>
-                            <a:rPr lang="ru-RU" sz="4000" i="1" smtClean="0">
-                              <a:solidFill>
-                                <a:srgbClr val="000000"/>
-                              </a:solidFill>
-                              <a:latin typeface="Cambria Math" panose="02040503050406030204" pitchFamily="18" charset="0"/>
-                            </a:rPr>
-                          </m:ctrlPr>
-                        </m:sSubPr>
-                        <m:e>
-                          <m:r>
-                            <a:rPr lang="en-US" sz="4000" i="1">
-                              <a:solidFill>
-                                <a:srgbClr val="000000"/>
-                              </a:solidFill>
-                              <a:latin typeface="Cambria Math" panose="02040503050406030204" pitchFamily="18" charset="0"/>
-                            </a:rPr>
-                            <m:t>𝑋</m:t>
-                          </m:r>
-                        </m:e>
-                        <m:sub>
-                          <m:r>
-                            <a:rPr lang="en-US" sz="4000" i="1">
-                              <a:solidFill>
-                                <a:srgbClr val="000000"/>
-                              </a:solidFill>
-                              <a:latin typeface="Cambria Math" panose="02040503050406030204" pitchFamily="18" charset="0"/>
-                            </a:rPr>
-                            <m:t>1</m:t>
-                          </m:r>
-                        </m:sub>
-                      </m:sSub>
-                      <m:r>
-                        <a:rPr lang="en-US" sz="4000" i="1">
-                          <a:solidFill>
-                            <a:srgbClr val="000000"/>
-                          </a:solidFill>
-                          <a:latin typeface="Cambria Math" panose="02040503050406030204" pitchFamily="18" charset="0"/>
-                        </a:rPr>
-                        <m:t>=</m:t>
-                      </m:r>
-                      <m:f>
-                        <m:fPr>
-                          <m:ctrlPr>
-                            <a:rPr lang="en-US" sz="4000" i="1">
-                              <a:solidFill>
-                                <a:srgbClr val="000000"/>
-                              </a:solidFill>
-                              <a:latin typeface="Cambria Math" panose="02040503050406030204" pitchFamily="18" charset="0"/>
-                            </a:rPr>
-                          </m:ctrlPr>
-                        </m:fPr>
-                        <m:num>
-                          <m:r>
-                            <a:rPr lang="en-US" sz="4000" i="1">
-                              <a:solidFill>
-                                <a:srgbClr val="000000"/>
-                              </a:solidFill>
-                              <a:latin typeface="Cambria Math" panose="02040503050406030204" pitchFamily="18" charset="0"/>
-                            </a:rPr>
-                            <m:t>𝑡</m:t>
-                          </m:r>
-                          <m:r>
-                            <a:rPr lang="en-US" sz="4000" i="1">
-                              <a:solidFill>
-                                <a:srgbClr val="000000"/>
-                              </a:solidFill>
-                              <a:latin typeface="Cambria Math" panose="02040503050406030204" pitchFamily="18" charset="0"/>
-                            </a:rPr>
-                            <m:t>𝜕</m:t>
-                          </m:r>
-                        </m:num>
-                        <m:den>
-                          <m:r>
-                            <a:rPr lang="en-US" sz="4000" i="1">
-                              <a:solidFill>
-                                <a:srgbClr val="000000"/>
-                              </a:solidFill>
-                              <a:latin typeface="Cambria Math" panose="02040503050406030204" pitchFamily="18" charset="0"/>
-                            </a:rPr>
-                            <m:t>𝜕</m:t>
-                          </m:r>
-                          <m:r>
-                            <a:rPr lang="en-US" sz="4000" i="1">
-                              <a:solidFill>
-                                <a:srgbClr val="000000"/>
-                              </a:solidFill>
-                              <a:latin typeface="Cambria Math" panose="02040503050406030204" pitchFamily="18" charset="0"/>
-                            </a:rPr>
-                            <m:t>𝑡</m:t>
-                          </m:r>
-                        </m:den>
-                      </m:f>
-                      <m:r>
-                        <a:rPr lang="en-US" sz="4000" i="1">
-                          <a:solidFill>
-                            <a:srgbClr val="000000"/>
-                          </a:solidFill>
-                          <a:latin typeface="Cambria Math" panose="02040503050406030204" pitchFamily="18" charset="0"/>
-                        </a:rPr>
-                        <m:t>+</m:t>
-                      </m:r>
-                      <m:f>
-                        <m:fPr>
-                          <m:ctrlPr>
-                            <a:rPr lang="en-US" sz="4000" i="1">
-                              <a:solidFill>
-                                <a:srgbClr val="000000"/>
-                              </a:solidFill>
-                              <a:latin typeface="Cambria Math" panose="02040503050406030204" pitchFamily="18" charset="0"/>
-                            </a:rPr>
-                          </m:ctrlPr>
-                        </m:fPr>
-                        <m:num>
-                          <m:r>
-                            <a:rPr lang="en-US" sz="4000" i="1">
-                              <a:solidFill>
-                                <a:srgbClr val="000000"/>
-                              </a:solidFill>
-                              <a:latin typeface="Cambria Math" panose="02040503050406030204" pitchFamily="18" charset="0"/>
-                            </a:rPr>
-                            <m:t>3</m:t>
-                          </m:r>
-                          <m:r>
-                            <a:rPr lang="en-US" sz="4000" i="1">
-                              <a:solidFill>
-                                <a:srgbClr val="000000"/>
-                              </a:solidFill>
-                              <a:latin typeface="Cambria Math" panose="02040503050406030204" pitchFamily="18" charset="0"/>
-                            </a:rPr>
-                            <m:t>𝜕</m:t>
-                          </m:r>
-                        </m:num>
-                        <m:den>
-                          <m:r>
-                            <a:rPr lang="en-US" sz="4000" i="1">
-                              <a:solidFill>
-                                <a:srgbClr val="000000"/>
-                              </a:solidFill>
-                              <a:latin typeface="Cambria Math" panose="02040503050406030204" pitchFamily="18" charset="0"/>
-                            </a:rPr>
-                            <m:t>4</m:t>
-                          </m:r>
-                          <m:r>
-                            <a:rPr lang="en-US" sz="4000" i="1">
-                              <a:solidFill>
-                                <a:srgbClr val="000000"/>
-                              </a:solidFill>
-                              <a:latin typeface="Cambria Math" panose="02040503050406030204" pitchFamily="18" charset="0"/>
-                            </a:rPr>
-                            <m:t>𝜕</m:t>
-                          </m:r>
-                          <m:r>
-                            <a:rPr lang="en-US" sz="4000" i="1">
-                              <a:solidFill>
-                                <a:srgbClr val="000000"/>
-                              </a:solidFill>
-                              <a:latin typeface="Cambria Math" panose="02040503050406030204" pitchFamily="18" charset="0"/>
-                            </a:rPr>
-                            <m:t>𝑈</m:t>
-                          </m:r>
-                        </m:den>
-                      </m:f>
-                    </m:oMath>
-                  </m:oMathPara>
-                </a14:m>
-                <a:endParaRPr lang="en-US" sz="4000" i="1" dirty="0">
-                  <a:solidFill>
-                    <a:srgbClr val="000000"/>
-                  </a:solidFill>
-                  <a:latin typeface="Cambria Math" panose="02040503050406030204" pitchFamily="18" charset="0"/>
-                </a:endParaRPr>
-              </a:p>
-              <a:p>
-                <a:pPr defTabSz="755963">
-                  <a:lnSpc>
-                    <a:spcPct val="125000"/>
-                  </a:lnSpc>
-                </a:pPr>
-                <a14:m>
-                  <m:oMathPara xmlns:m="http://schemas.openxmlformats.org/officeDocument/2006/math">
-                    <m:oMathParaPr>
-                      <m:jc m:val="centerGroup"/>
-                    </m:oMathParaPr>
-                    <m:oMath xmlns:m="http://schemas.openxmlformats.org/officeDocument/2006/math">
-                      <m:sSub>
-                        <m:sSubPr>
-                          <m:ctrlPr>
-                            <a:rPr lang="ru-RU" sz="4000" i="1" smtClean="0">
-                              <a:solidFill>
-                                <a:srgbClr val="000000"/>
-                              </a:solidFill>
-                              <a:latin typeface="Cambria Math" panose="02040503050406030204" pitchFamily="18" charset="0"/>
-                            </a:rPr>
-                          </m:ctrlPr>
-                        </m:sSubPr>
-                        <m:e>
-                          <m:r>
-                            <a:rPr lang="en-US" sz="4000" i="1">
-                              <a:solidFill>
-                                <a:srgbClr val="000000"/>
-                              </a:solidFill>
-                              <a:latin typeface="Cambria Math" panose="02040503050406030204" pitchFamily="18" charset="0"/>
-                            </a:rPr>
-                            <m:t>𝑋</m:t>
-                          </m:r>
-                        </m:e>
-                        <m:sub>
-                          <m:r>
-                            <a:rPr lang="en-US" sz="4000" i="1">
-                              <a:solidFill>
-                                <a:srgbClr val="000000"/>
-                              </a:solidFill>
-                              <a:latin typeface="Cambria Math" panose="02040503050406030204" pitchFamily="18" charset="0"/>
-                            </a:rPr>
-                            <m:t>2</m:t>
-                          </m:r>
-                        </m:sub>
-                      </m:sSub>
-                      <m:r>
-                        <a:rPr lang="en-US" sz="4000" i="1">
-                          <a:solidFill>
-                            <a:srgbClr val="000000"/>
-                          </a:solidFill>
-                          <a:latin typeface="Cambria Math" panose="02040503050406030204" pitchFamily="18" charset="0"/>
-                        </a:rPr>
-                        <m:t>=</m:t>
-                      </m:r>
-                      <m:f>
-                        <m:fPr>
-                          <m:ctrlPr>
-                            <a:rPr lang="en-US" sz="4000" i="1">
-                              <a:solidFill>
-                                <a:srgbClr val="000000"/>
-                              </a:solidFill>
-                              <a:latin typeface="Cambria Math" panose="02040503050406030204" pitchFamily="18" charset="0"/>
-                            </a:rPr>
-                          </m:ctrlPr>
-                        </m:fPr>
-                        <m:num>
-                          <m:r>
-                            <a:rPr lang="en-US" sz="4000" i="1">
-                              <a:solidFill>
-                                <a:srgbClr val="000000"/>
-                              </a:solidFill>
-                              <a:latin typeface="Cambria Math" panose="02040503050406030204" pitchFamily="18" charset="0"/>
-                            </a:rPr>
-                            <m:t>𝜕</m:t>
-                          </m:r>
-                        </m:num>
-                        <m:den>
-                          <m:r>
-                            <a:rPr lang="en-US" sz="4000" i="1">
-                              <a:solidFill>
-                                <a:srgbClr val="000000"/>
-                              </a:solidFill>
-                              <a:latin typeface="Cambria Math" panose="02040503050406030204" pitchFamily="18" charset="0"/>
-                            </a:rPr>
-                            <m:t>𝜕</m:t>
-                          </m:r>
-                          <m:r>
-                            <a:rPr lang="en-US" sz="4000" i="1">
-                              <a:solidFill>
-                                <a:srgbClr val="000000"/>
-                              </a:solidFill>
-                              <a:latin typeface="Cambria Math" panose="02040503050406030204" pitchFamily="18" charset="0"/>
-                            </a:rPr>
-                            <m:t>𝑡</m:t>
-                          </m:r>
-                        </m:den>
-                      </m:f>
-                    </m:oMath>
-                  </m:oMathPara>
-                </a14:m>
-                <a:endParaRPr lang="en-US" sz="4000" i="1" dirty="0">
-                  <a:solidFill>
-                    <a:srgbClr val="000000"/>
-                  </a:solidFill>
-                  <a:latin typeface="Cambria Math" panose="02040503050406030204" pitchFamily="18" charset="0"/>
-                </a:endParaRPr>
-              </a:p>
-            </p:txBody>
-          </p:sp>
-        </mc:Choice>
-        <mc:Fallback xmlns="">
-          <p:sp>
-            <p:nvSpPr>
-              <p:cNvPr id="8" name="TextBox 7">
-                <a:extLst>
-                  <a:ext uri="{FF2B5EF4-FFF2-40B4-BE49-F238E27FC236}">
-                    <a16:creationId xmlns:a16="http://schemas.microsoft.com/office/drawing/2014/main" id="{73692189-8C31-4B7C-81B5-9A8F5CE9E8C3}"/>
-                  </a:ext>
-                </a:extLst>
-              </p:cNvPr>
-              <p:cNvSpPr txBox="1">
-                <a:spLocks noRot="1" noChangeAspect="1" noMove="1" noResize="1" noEditPoints="1" noAdjustHandles="1" noChangeArrowheads="1" noChangeShapeType="1" noTextEdit="1"/>
-              </p:cNvSpPr>
-              <p:nvPr/>
-            </p:nvSpPr>
-            <p:spPr>
-              <a:xfrm>
-                <a:off x="0" y="1759679"/>
-                <a:ext cx="6408712" cy="3018903"/>
-              </a:xfrm>
-              <a:prstGeom prst="rect">
-                <a:avLst/>
-              </a:prstGeom>
-              <a:blipFill>
-                <a:blip r:embed="rId3"/>
-                <a:stretch>
-                  <a:fillRect/>
-                </a:stretch>
-              </a:blipFill>
-            </p:spPr>
-            <p:txBody>
-              <a:bodyPr/>
-              <a:lstStyle/>
-              <a:p>
-                <a:r>
-                  <a:rPr lang="ru-RU">
-                    <a:noFill/>
-                  </a:rPr>
-                  <a:t> </a:t>
-                </a:r>
-              </a:p>
-            </p:txBody>
-          </p:sp>
-        </mc:Fallback>
-      </mc:AlternateContent>
-      <mc:AlternateContent xmlns:mc="http://schemas.openxmlformats.org/markup-compatibility/2006" xmlns:a14="http://schemas.microsoft.com/office/drawing/2010/main">
-        <mc:Choice Requires="a14">
-          <p:sp>
-            <p:nvSpPr>
-              <p:cNvPr id="9" name="TextBox 8">
-                <a:extLst>
-                  <a:ext uri="{FF2B5EF4-FFF2-40B4-BE49-F238E27FC236}">
-                    <a16:creationId xmlns:a16="http://schemas.microsoft.com/office/drawing/2014/main" id="{7BB5FEE6-8871-43E1-9371-E46E5E83DD3B}"/>
-                  </a:ext>
-                </a:extLst>
-              </p:cNvPr>
-              <p:cNvSpPr txBox="1"/>
-              <p:nvPr/>
-            </p:nvSpPr>
-            <p:spPr>
-              <a:xfrm>
-                <a:off x="4892251" y="1783615"/>
-                <a:ext cx="4334900" cy="3100079"/>
-              </a:xfrm>
-              <a:prstGeom prst="rect">
-                <a:avLst/>
-              </a:prstGeom>
-              <a:noFill/>
-            </p:spPr>
-            <p:txBody>
-              <a:bodyPr wrap="square" rtlCol="0">
-                <a:spAutoFit/>
-              </a:bodyPr>
-              <a:lstStyle/>
-              <a:p>
-                <a:pPr defTabSz="755963">
-                  <a:lnSpc>
-                    <a:spcPct val="125000"/>
-                  </a:lnSpc>
-                </a:pPr>
-                <a14:m>
-                  <m:oMathPara xmlns:m="http://schemas.openxmlformats.org/officeDocument/2006/math">
-                    <m:oMathParaPr>
-                      <m:jc m:val="centerGroup"/>
-                    </m:oMathParaPr>
-                    <m:oMath xmlns:m="http://schemas.openxmlformats.org/officeDocument/2006/math">
-                      <m:sSub>
-                        <m:sSubPr>
-                          <m:ctrlPr>
-                            <a:rPr lang="ru-RU" sz="4000" i="1" smtClean="0">
-                              <a:solidFill>
-                                <a:srgbClr val="000000"/>
-                              </a:solidFill>
-                              <a:latin typeface="Cambria Math" panose="02040503050406030204" pitchFamily="18" charset="0"/>
-                            </a:rPr>
-                          </m:ctrlPr>
-                        </m:sSubPr>
-                        <m:e>
-                          <m:r>
-                            <a:rPr lang="en-US" sz="4000" i="1">
-                              <a:solidFill>
-                                <a:srgbClr val="000000"/>
-                              </a:solidFill>
-                              <a:latin typeface="Cambria Math" panose="02040503050406030204" pitchFamily="18" charset="0"/>
-                            </a:rPr>
-                            <m:t>𝑋</m:t>
-                          </m:r>
-                        </m:e>
-                        <m:sub>
-                          <m:r>
-                            <a:rPr lang="en-US" sz="4000" i="1">
-                              <a:solidFill>
-                                <a:srgbClr val="000000"/>
-                              </a:solidFill>
-                              <a:latin typeface="Cambria Math" panose="02040503050406030204" pitchFamily="18" charset="0"/>
-                            </a:rPr>
-                            <m:t>3</m:t>
-                          </m:r>
-                        </m:sub>
-                      </m:sSub>
-                      <m:r>
-                        <a:rPr lang="en-US" sz="4000" i="1">
-                          <a:solidFill>
-                            <a:srgbClr val="000000"/>
-                          </a:solidFill>
-                          <a:latin typeface="Cambria Math" panose="02040503050406030204" pitchFamily="18" charset="0"/>
-                        </a:rPr>
-                        <m:t>=</m:t>
-                      </m:r>
-                      <m:f>
-                        <m:fPr>
-                          <m:ctrlPr>
-                            <a:rPr lang="en-US" sz="4000" i="1">
-                              <a:solidFill>
-                                <a:srgbClr val="000000"/>
-                              </a:solidFill>
-                              <a:latin typeface="Cambria Math" panose="02040503050406030204" pitchFamily="18" charset="0"/>
-                            </a:rPr>
-                          </m:ctrlPr>
-                        </m:fPr>
-                        <m:num>
-                          <m:sSup>
-                            <m:sSupPr>
-                              <m:ctrlPr>
-                                <a:rPr lang="en-US" sz="4000" i="1">
-                                  <a:solidFill>
-                                    <a:srgbClr val="000000"/>
-                                  </a:solidFill>
-                                  <a:latin typeface="Cambria Math" panose="02040503050406030204" pitchFamily="18" charset="0"/>
-                                </a:rPr>
-                              </m:ctrlPr>
-                            </m:sSupPr>
-                            <m:e>
-                              <m:r>
-                                <a:rPr lang="en-US" sz="4000" i="1">
-                                  <a:solidFill>
-                                    <a:srgbClr val="000000"/>
-                                  </a:solidFill>
-                                  <a:latin typeface="Cambria Math" panose="02040503050406030204" pitchFamily="18" charset="0"/>
-                                </a:rPr>
-                                <m:t>𝑥</m:t>
-                              </m:r>
-                            </m:e>
-                            <m:sup>
-                              <m:r>
-                                <a:rPr lang="en-US" sz="4000" i="1">
-                                  <a:solidFill>
-                                    <a:srgbClr val="000000"/>
-                                  </a:solidFill>
-                                  <a:latin typeface="Cambria Math" panose="02040503050406030204" pitchFamily="18" charset="0"/>
-                                </a:rPr>
-                                <m:t>2</m:t>
-                              </m:r>
-                            </m:sup>
-                          </m:sSup>
-                          <m:r>
-                            <a:rPr lang="en-US" sz="4000" i="1">
-                              <a:solidFill>
-                                <a:srgbClr val="000000"/>
-                              </a:solidFill>
-                              <a:latin typeface="Cambria Math" panose="02040503050406030204" pitchFamily="18" charset="0"/>
-                            </a:rPr>
-                            <m:t>𝜕</m:t>
-                          </m:r>
-                        </m:num>
-                        <m:den>
-                          <m:r>
-                            <a:rPr lang="en-US" sz="4000" i="1">
-                              <a:solidFill>
-                                <a:srgbClr val="000000"/>
-                              </a:solidFill>
-                              <a:latin typeface="Cambria Math" panose="02040503050406030204" pitchFamily="18" charset="0"/>
-                            </a:rPr>
-                            <m:t>2</m:t>
-                          </m:r>
-                          <m:r>
-                            <a:rPr lang="en-US" sz="4000" i="1">
-                              <a:solidFill>
-                                <a:srgbClr val="000000"/>
-                              </a:solidFill>
-                              <a:latin typeface="Cambria Math" panose="02040503050406030204" pitchFamily="18" charset="0"/>
-                            </a:rPr>
-                            <m:t>𝜕</m:t>
-                          </m:r>
-                          <m:r>
-                            <a:rPr lang="en-US" sz="4000" i="1">
-                              <a:solidFill>
-                                <a:srgbClr val="000000"/>
-                              </a:solidFill>
-                              <a:latin typeface="Cambria Math" panose="02040503050406030204" pitchFamily="18" charset="0"/>
-                            </a:rPr>
-                            <m:t>𝑥</m:t>
-                          </m:r>
-                        </m:den>
-                      </m:f>
-                      <m:r>
-                        <a:rPr lang="en-US" sz="4000" i="1">
-                          <a:solidFill>
-                            <a:srgbClr val="000000"/>
-                          </a:solidFill>
-                          <a:latin typeface="Cambria Math" panose="02040503050406030204" pitchFamily="18" charset="0"/>
-                        </a:rPr>
-                        <m:t>+</m:t>
-                      </m:r>
-                      <m:f>
-                        <m:fPr>
-                          <m:ctrlPr>
-                            <a:rPr lang="en-US" sz="4000" i="1">
-                              <a:solidFill>
-                                <a:srgbClr val="000000"/>
-                              </a:solidFill>
-                              <a:latin typeface="Cambria Math" panose="02040503050406030204" pitchFamily="18" charset="0"/>
-                            </a:rPr>
-                          </m:ctrlPr>
-                        </m:fPr>
-                        <m:num>
-                          <m:r>
-                            <a:rPr lang="en-US" sz="4000" b="0" i="1" smtClean="0">
-                              <a:solidFill>
-                                <a:srgbClr val="000000"/>
-                              </a:solidFill>
-                              <a:latin typeface="Cambria Math" panose="02040503050406030204" pitchFamily="18" charset="0"/>
-                            </a:rPr>
-                            <m:t>2</m:t>
-                          </m:r>
-                          <m:r>
-                            <a:rPr lang="en-US" sz="4000" b="0" i="1" smtClean="0">
-                              <a:solidFill>
-                                <a:srgbClr val="000000"/>
-                              </a:solidFill>
-                              <a:latin typeface="Cambria Math" panose="02040503050406030204" pitchFamily="18" charset="0"/>
-                            </a:rPr>
-                            <m:t>𝑥</m:t>
-                          </m:r>
-                          <m:r>
-                            <a:rPr lang="en-US" sz="4000" i="1">
-                              <a:solidFill>
-                                <a:srgbClr val="000000"/>
-                              </a:solidFill>
-                              <a:latin typeface="Cambria Math" panose="02040503050406030204" pitchFamily="18" charset="0"/>
-                            </a:rPr>
-                            <m:t>𝜕</m:t>
-                          </m:r>
-                        </m:num>
-                        <m:den>
-                          <m:r>
-                            <a:rPr lang="en-US" sz="4000" i="1">
-                              <a:solidFill>
-                                <a:srgbClr val="000000"/>
-                              </a:solidFill>
-                              <a:latin typeface="Cambria Math" panose="02040503050406030204" pitchFamily="18" charset="0"/>
-                            </a:rPr>
-                            <m:t>𝜕</m:t>
-                          </m:r>
-                          <m:r>
-                            <a:rPr lang="en-US" sz="4000" i="1">
-                              <a:solidFill>
-                                <a:srgbClr val="000000"/>
-                              </a:solidFill>
-                              <a:latin typeface="Cambria Math" panose="02040503050406030204" pitchFamily="18" charset="0"/>
-                            </a:rPr>
-                            <m:t>𝑈</m:t>
-                          </m:r>
-                        </m:den>
-                      </m:f>
-                    </m:oMath>
-                  </m:oMathPara>
-                </a14:m>
-                <a:endParaRPr lang="en-US" sz="4000" i="1" dirty="0">
-                  <a:solidFill>
-                    <a:srgbClr val="000000"/>
-                  </a:solidFill>
-                  <a:latin typeface="Cambria Math" panose="02040503050406030204" pitchFamily="18" charset="0"/>
-                </a:endParaRPr>
-              </a:p>
-              <a:p>
-                <a:pPr defTabSz="755963">
-                  <a:lnSpc>
-                    <a:spcPct val="125000"/>
-                  </a:lnSpc>
-                </a:pPr>
-                <a14:m>
-                  <m:oMathPara xmlns:m="http://schemas.openxmlformats.org/officeDocument/2006/math">
-                    <m:oMathParaPr>
-                      <m:jc m:val="centerGroup"/>
-                    </m:oMathParaPr>
-                    <m:oMath xmlns:m="http://schemas.openxmlformats.org/officeDocument/2006/math">
-                      <m:sSub>
-                        <m:sSubPr>
-                          <m:ctrlPr>
-                            <a:rPr lang="ru-RU" sz="4000" i="1">
-                              <a:solidFill>
-                                <a:srgbClr val="000000"/>
-                              </a:solidFill>
-                              <a:latin typeface="Cambria Math" panose="02040503050406030204" pitchFamily="18" charset="0"/>
-                            </a:rPr>
-                          </m:ctrlPr>
-                        </m:sSubPr>
-                        <m:e>
-                          <m:r>
-                            <a:rPr lang="en-US" sz="4000" i="1">
-                              <a:solidFill>
-                                <a:srgbClr val="000000"/>
-                              </a:solidFill>
-                              <a:latin typeface="Cambria Math" panose="02040503050406030204" pitchFamily="18" charset="0"/>
-                            </a:rPr>
-                            <m:t>𝑋</m:t>
-                          </m:r>
-                        </m:e>
-                        <m:sub>
-                          <m:r>
-                            <a:rPr lang="en-US" sz="4000" i="1">
-                              <a:solidFill>
-                                <a:srgbClr val="000000"/>
-                              </a:solidFill>
-                              <a:latin typeface="Cambria Math" panose="02040503050406030204" pitchFamily="18" charset="0"/>
-                            </a:rPr>
-                            <m:t>4</m:t>
-                          </m:r>
-                        </m:sub>
-                      </m:sSub>
-                      <m:r>
-                        <a:rPr lang="en-US" sz="4000" i="1">
-                          <a:solidFill>
-                            <a:srgbClr val="000000"/>
-                          </a:solidFill>
-                          <a:latin typeface="Cambria Math" panose="02040503050406030204" pitchFamily="18" charset="0"/>
-                        </a:rPr>
-                        <m:t>=</m:t>
-                      </m:r>
-                      <m:f>
-                        <m:fPr>
-                          <m:ctrlPr>
-                            <a:rPr lang="en-US" sz="4000" i="1">
-                              <a:solidFill>
-                                <a:srgbClr val="000000"/>
-                              </a:solidFill>
-                              <a:latin typeface="Cambria Math" panose="02040503050406030204" pitchFamily="18" charset="0"/>
-                            </a:rPr>
-                          </m:ctrlPr>
-                        </m:fPr>
-                        <m:num>
-                          <m:r>
-                            <a:rPr lang="en-US" sz="4000" i="1">
-                              <a:solidFill>
-                                <a:srgbClr val="000000"/>
-                              </a:solidFill>
-                              <a:latin typeface="Cambria Math" panose="02040503050406030204" pitchFamily="18" charset="0"/>
-                            </a:rPr>
-                            <m:t>𝑥</m:t>
-                          </m:r>
-                          <m:r>
-                            <a:rPr lang="en-US" sz="4000" i="1">
-                              <a:solidFill>
-                                <a:srgbClr val="000000"/>
-                              </a:solidFill>
-                              <a:latin typeface="Cambria Math" panose="02040503050406030204" pitchFamily="18" charset="0"/>
-                            </a:rPr>
-                            <m:t>𝜕</m:t>
-                          </m:r>
-                        </m:num>
-                        <m:den>
-                          <m:r>
-                            <a:rPr lang="en-US" sz="4000" i="1">
-                              <a:solidFill>
-                                <a:srgbClr val="000000"/>
-                              </a:solidFill>
-                              <a:latin typeface="Cambria Math" panose="02040503050406030204" pitchFamily="18" charset="0"/>
-                            </a:rPr>
-                            <m:t>𝜕</m:t>
-                          </m:r>
-                          <m:r>
-                            <a:rPr lang="en-US" sz="4000" i="1">
-                              <a:solidFill>
-                                <a:srgbClr val="000000"/>
-                              </a:solidFill>
-                              <a:latin typeface="Cambria Math" panose="02040503050406030204" pitchFamily="18" charset="0"/>
-                            </a:rPr>
-                            <m:t>𝑥</m:t>
-                          </m:r>
-                        </m:den>
-                      </m:f>
-                      <m:r>
-                        <a:rPr lang="en-US" sz="4000" i="1">
-                          <a:solidFill>
-                            <a:srgbClr val="000000"/>
-                          </a:solidFill>
-                          <a:latin typeface="Cambria Math" panose="02040503050406030204" pitchFamily="18" charset="0"/>
-                        </a:rPr>
-                        <m:t>+</m:t>
-                      </m:r>
-                      <m:f>
-                        <m:fPr>
-                          <m:ctrlPr>
-                            <a:rPr lang="en-US" sz="4000" i="1">
-                              <a:solidFill>
-                                <a:srgbClr val="000000"/>
-                              </a:solidFill>
-                              <a:latin typeface="Cambria Math" panose="02040503050406030204" pitchFamily="18" charset="0"/>
-                            </a:rPr>
-                          </m:ctrlPr>
-                        </m:fPr>
-                        <m:num>
-                          <m:r>
-                            <a:rPr lang="en-US" sz="4000" b="0" i="1" smtClean="0">
-                              <a:solidFill>
-                                <a:srgbClr val="000000"/>
-                              </a:solidFill>
-                              <a:latin typeface="Cambria Math" panose="02040503050406030204" pitchFamily="18" charset="0"/>
-                            </a:rPr>
-                            <m:t>2</m:t>
-                          </m:r>
-                          <m:r>
-                            <a:rPr lang="en-US" sz="4000" i="1">
-                              <a:solidFill>
-                                <a:srgbClr val="000000"/>
-                              </a:solidFill>
-                              <a:latin typeface="Cambria Math" panose="02040503050406030204" pitchFamily="18" charset="0"/>
-                            </a:rPr>
-                            <m:t>𝜕</m:t>
-                          </m:r>
-                        </m:num>
-                        <m:den>
-                          <m:r>
-                            <a:rPr lang="en-US" sz="4000" i="1">
-                              <a:solidFill>
-                                <a:srgbClr val="000000"/>
-                              </a:solidFill>
-                              <a:latin typeface="Cambria Math" panose="02040503050406030204" pitchFamily="18" charset="0"/>
-                            </a:rPr>
-                            <m:t>𝜕</m:t>
-                          </m:r>
-                          <m:r>
-                            <a:rPr lang="en-US" sz="4000" i="1">
-                              <a:solidFill>
-                                <a:srgbClr val="000000"/>
-                              </a:solidFill>
-                              <a:latin typeface="Cambria Math" panose="02040503050406030204" pitchFamily="18" charset="0"/>
-                            </a:rPr>
-                            <m:t>𝑈</m:t>
-                          </m:r>
-                        </m:den>
-                      </m:f>
-                    </m:oMath>
-                  </m:oMathPara>
-                </a14:m>
-                <a:endParaRPr lang="ru-RU" sz="4000" dirty="0"/>
-              </a:p>
-            </p:txBody>
-          </p:sp>
-        </mc:Choice>
-        <mc:Fallback xmlns="">
-          <p:sp>
-            <p:nvSpPr>
-              <p:cNvPr id="9" name="TextBox 8">
-                <a:extLst>
-                  <a:ext uri="{FF2B5EF4-FFF2-40B4-BE49-F238E27FC236}">
-                    <a16:creationId xmlns:a16="http://schemas.microsoft.com/office/drawing/2014/main" id="{7BB5FEE6-8871-43E1-9371-E46E5E83DD3B}"/>
-                  </a:ext>
-                </a:extLst>
-              </p:cNvPr>
-              <p:cNvSpPr txBox="1">
-                <a:spLocks noRot="1" noChangeAspect="1" noMove="1" noResize="1" noEditPoints="1" noAdjustHandles="1" noChangeArrowheads="1" noChangeShapeType="1" noTextEdit="1"/>
-              </p:cNvSpPr>
-              <p:nvPr/>
-            </p:nvSpPr>
-            <p:spPr>
-              <a:xfrm>
-                <a:off x="4892251" y="1783615"/>
-                <a:ext cx="4334900" cy="3100079"/>
-              </a:xfrm>
-              <a:prstGeom prst="rect">
-                <a:avLst/>
-              </a:prstGeom>
-              <a:blipFill>
-                <a:blip r:embed="rId4"/>
-                <a:stretch>
-                  <a:fillRect/>
-                </a:stretch>
-              </a:blipFill>
-            </p:spPr>
-            <p:txBody>
-              <a:bodyPr/>
-              <a:lstStyle/>
-              <a:p>
-                <a:r>
-                  <a:rPr lang="ru-RU">
-                    <a:noFill/>
-                  </a:rPr>
-                  <a:t> </a:t>
-                </a:r>
-              </a:p>
-            </p:txBody>
-          </p:sp>
-        </mc:Fallback>
-      </mc:AlternateContent>
-      <mc:AlternateContent xmlns:mc="http://schemas.openxmlformats.org/markup-compatibility/2006" xmlns:a14="http://schemas.microsoft.com/office/drawing/2010/main">
-        <mc:Choice Requires="a14">
-          <p:sp>
-            <p:nvSpPr>
-              <p:cNvPr id="10" name="TextBox 9">
-                <a:extLst>
-                  <a:ext uri="{FF2B5EF4-FFF2-40B4-BE49-F238E27FC236}">
-                    <a16:creationId xmlns:a16="http://schemas.microsoft.com/office/drawing/2014/main" id="{8BBACE89-6E48-4DB2-8242-036BBC19CC0C}"/>
-                  </a:ext>
-                </a:extLst>
-              </p:cNvPr>
-              <p:cNvSpPr txBox="1"/>
-              <p:nvPr/>
-            </p:nvSpPr>
-            <p:spPr>
-              <a:xfrm>
-                <a:off x="9227151" y="2871558"/>
-                <a:ext cx="2114627" cy="1878399"/>
-              </a:xfrm>
-              <a:prstGeom prst="rect">
-                <a:avLst/>
-              </a:prstGeom>
-              <a:noFill/>
-            </p:spPr>
-            <p:txBody>
-              <a:bodyPr wrap="square" rtlCol="0">
-                <a:spAutoFit/>
-              </a:bodyPr>
-              <a:lstStyle/>
-              <a:p>
-                <a:pPr/>
-                <a14:m>
-                  <m:oMathPara xmlns:m="http://schemas.openxmlformats.org/officeDocument/2006/math">
-                    <m:oMathParaPr>
-                      <m:jc m:val="centerGroup"/>
-                    </m:oMathParaPr>
-                    <m:oMath xmlns:m="http://schemas.openxmlformats.org/officeDocument/2006/math">
-                      <m:sSub>
-                        <m:sSubPr>
-                          <m:ctrlPr>
-                            <a:rPr lang="ru-RU" sz="4000" i="1" smtClean="0">
-                              <a:solidFill>
-                                <a:srgbClr val="000000"/>
-                              </a:solidFill>
-                              <a:latin typeface="Cambria Math" panose="02040503050406030204" pitchFamily="18" charset="0"/>
-                            </a:rPr>
-                          </m:ctrlPr>
-                        </m:sSubPr>
-                        <m:e>
-                          <m:r>
-                            <a:rPr lang="en-US" sz="4000" i="1">
-                              <a:solidFill>
-                                <a:srgbClr val="000000"/>
-                              </a:solidFill>
-                              <a:latin typeface="Cambria Math" panose="02040503050406030204" pitchFamily="18" charset="0"/>
-                            </a:rPr>
-                            <m:t>𝑋</m:t>
-                          </m:r>
-                        </m:e>
-                        <m:sub>
-                          <m:r>
-                            <a:rPr lang="en-US" sz="4000" i="1">
-                              <a:solidFill>
-                                <a:srgbClr val="000000"/>
-                              </a:solidFill>
-                              <a:latin typeface="Cambria Math" panose="02040503050406030204" pitchFamily="18" charset="0"/>
-                            </a:rPr>
-                            <m:t>5</m:t>
-                          </m:r>
-                        </m:sub>
-                      </m:sSub>
-                      <m:r>
-                        <a:rPr lang="en-US" sz="4000" i="1">
-                          <a:solidFill>
-                            <a:srgbClr val="000000"/>
-                          </a:solidFill>
-                          <a:latin typeface="Cambria Math" panose="02040503050406030204" pitchFamily="18" charset="0"/>
-                        </a:rPr>
-                        <m:t>=</m:t>
-                      </m:r>
-                      <m:f>
-                        <m:fPr>
-                          <m:ctrlPr>
-                            <a:rPr lang="en-US" sz="4000" i="1">
-                              <a:solidFill>
-                                <a:srgbClr val="000000"/>
-                              </a:solidFill>
-                              <a:latin typeface="Cambria Math" panose="02040503050406030204" pitchFamily="18" charset="0"/>
-                            </a:rPr>
-                          </m:ctrlPr>
-                        </m:fPr>
-                        <m:num>
-                          <m:r>
-                            <a:rPr lang="en-US" sz="4000" i="1">
-                              <a:solidFill>
-                                <a:srgbClr val="000000"/>
-                              </a:solidFill>
-                              <a:latin typeface="Cambria Math" panose="02040503050406030204" pitchFamily="18" charset="0"/>
-                            </a:rPr>
-                            <m:t>𝜕</m:t>
-                          </m:r>
-                        </m:num>
-                        <m:den>
-                          <m:r>
-                            <a:rPr lang="en-US" sz="4000" i="1">
-                              <a:solidFill>
-                                <a:srgbClr val="000000"/>
-                              </a:solidFill>
-                              <a:latin typeface="Cambria Math" panose="02040503050406030204" pitchFamily="18" charset="0"/>
-                            </a:rPr>
-                            <m:t>𝜕</m:t>
-                          </m:r>
-                          <m:r>
-                            <a:rPr lang="en-US" sz="4000" i="1">
-                              <a:solidFill>
-                                <a:srgbClr val="000000"/>
-                              </a:solidFill>
-                              <a:latin typeface="Cambria Math" panose="02040503050406030204" pitchFamily="18" charset="0"/>
-                            </a:rPr>
-                            <m:t>𝑥</m:t>
-                          </m:r>
-                        </m:den>
-                      </m:f>
-                    </m:oMath>
-                  </m:oMathPara>
-                </a14:m>
-                <a:endParaRPr lang="ru-RU" sz="4000" i="1" dirty="0">
-                  <a:solidFill>
-                    <a:srgbClr val="000000"/>
-                  </a:solidFill>
-                  <a:latin typeface="Cambria Math" panose="02040503050406030204" pitchFamily="18" charset="0"/>
-                </a:endParaRPr>
-              </a:p>
-              <a:p>
-                <a:endParaRPr lang="ru-RU" sz="4000" dirty="0"/>
-              </a:p>
-            </p:txBody>
-          </p:sp>
-        </mc:Choice>
-        <mc:Fallback xmlns="">
-          <p:sp>
-            <p:nvSpPr>
-              <p:cNvPr id="10" name="TextBox 9">
-                <a:extLst>
-                  <a:ext uri="{FF2B5EF4-FFF2-40B4-BE49-F238E27FC236}">
-                    <a16:creationId xmlns:a16="http://schemas.microsoft.com/office/drawing/2014/main" id="{8BBACE89-6E48-4DB2-8242-036BBC19CC0C}"/>
-                  </a:ext>
-                </a:extLst>
-              </p:cNvPr>
-              <p:cNvSpPr txBox="1">
-                <a:spLocks noRot="1" noChangeAspect="1" noMove="1" noResize="1" noEditPoints="1" noAdjustHandles="1" noChangeArrowheads="1" noChangeShapeType="1" noTextEdit="1"/>
-              </p:cNvSpPr>
-              <p:nvPr/>
-            </p:nvSpPr>
-            <p:spPr>
-              <a:xfrm>
-                <a:off x="9227151" y="2871558"/>
-                <a:ext cx="2114627" cy="1878399"/>
-              </a:xfrm>
-              <a:prstGeom prst="rect">
-                <a:avLst/>
-              </a:prstGeom>
-              <a:blipFill>
-                <a:blip r:embed="rId5"/>
-                <a:stretch>
-                  <a:fillRect/>
-                </a:stretch>
-              </a:blipFill>
-            </p:spPr>
-            <p:txBody>
-              <a:bodyPr/>
-              <a:lstStyle/>
-              <a:p>
-                <a:r>
-                  <a:rPr lang="ru-RU">
-                    <a:noFill/>
-                  </a:rPr>
-                  <a:t> </a:t>
-                </a:r>
-              </a:p>
-            </p:txBody>
-          </p:sp>
-        </mc:Fallback>
-      </mc:AlternateContent>
-    </p:spTree>
-    <p:extLst>
-      <p:ext uri="{BB962C8B-B14F-4D97-AF65-F5344CB8AC3E}">
-        <p14:creationId xmlns:p14="http://schemas.microsoft.com/office/powerpoint/2010/main" val="1141936530"/>
-      </p:ext>
-    </p:extLst>
-  </p:cSld>
-  <p:clrMapOvr>
-    <a:masterClrMapping/>
-  </p:clrMapOvr>
-</p:sld>
-</file>
-
-<file path=ppt/slides/slide6.xml><?xml version="1.0" encoding="utf-8"?>
-<p:sld xmlns:a="http://schemas.openxmlformats.org/drawingml/2006/main" xmlns:r="http://schemas.openxmlformats.org/officeDocument/2006/relationships" xmlns:p="http://schemas.openxmlformats.org/presentationml/2006/main">
-  <p:cSld>
-    <p:spTree>
-      <p:nvGrpSpPr>
-        <p:cNvPr id="1" name=""/>
-        <p:cNvGrpSpPr/>
-        <p:nvPr/>
-      </p:nvGrpSpPr>
-      <p:grpSpPr>
-        <a:xfrm>
-          <a:off x="0" y="0"/>
-          <a:ext cx="0" cy="0"/>
-          <a:chOff x="0" y="0"/>
-          <a:chExt cx="0" cy="0"/>
-        </a:xfrm>
-      </p:grpSpPr>
-      <mc:AlternateContent xmlns:mc="http://schemas.openxmlformats.org/markup-compatibility/2006" xmlns:a14="http://schemas.microsoft.com/office/drawing/2010/main">
-        <mc:Choice Requires="a14">
+      <mc:AlternateContent xmlns:mc="http://schemas.openxmlformats.org/markup-compatibility/2006">
+        <mc:Choice xmlns:a14="http://schemas.microsoft.com/office/drawing/2010/main" Requires="a14">
           <p:sp>
             <p:nvSpPr>
               <p:cNvPr id="2" name="Подзаголовок 1">
                 <a:extLst>
                   <a:ext uri="{FF2B5EF4-FFF2-40B4-BE49-F238E27FC236}">
-                    <a16:creationId xmlns:a16="http://schemas.microsoft.com/office/drawing/2014/main" id="{1ED27E7F-B0F3-4F57-8B5A-5823EECD822E}"/>
+                    <a16:creationId xmlns:a16="http://schemas.microsoft.com/office/drawing/2014/main" id="{E17D8F73-FCC8-BE33-0FC6-FE6C39077123}"/>
                   </a:ext>
                 </a:extLst>
               </p:cNvPr>
@@ -13046,30 +11953,288 @@
                 <p:ph type="subTitle" idx="1"/>
               </p:nvPr>
             </p:nvSpPr>
-            <p:spPr>
-              <a:xfrm>
-                <a:off x="95151" y="1007528"/>
-                <a:ext cx="6048672" cy="4609451"/>
-              </a:xfrm>
-            </p:spPr>
+            <p:spPr/>
             <p:txBody>
-              <a:bodyPr>
-                <a:normAutofit/>
-              </a:bodyPr>
+              <a:bodyPr/>
               <a:lstStyle/>
               <a:p>
-                <a:pPr>
+                <a:pPr indent="450215" algn="just">
                   <a:lnSpc>
-                    <a:spcPct val="125000"/>
+                    <a:spcPct val="115000"/>
                   </a:lnSpc>
+                  <a:spcAft>
+                    <a:spcPts val="1000"/>
+                  </a:spcAft>
                 </a:pPr>
+                <a:r>
+                  <a:rPr lang="ru-RU" sz="2400" dirty="0">
+                    <a:effectLst/>
+                    <a:ea typeface="Times New Roman" panose="02020603050405020304" pitchFamily="18" charset="0"/>
+                    <a:cs typeface="Times New Roman" panose="02020603050405020304" pitchFamily="18" charset="0"/>
+                  </a:rPr>
+                  <a:t>Пусть</a:t>
+                </a:r>
                 <a14:m>
                   <m:oMath xmlns:m="http://schemas.openxmlformats.org/officeDocument/2006/math">
+                    <m:r>
+                      <a:rPr lang="ru-RU" sz="2400" i="0">
+                        <a:effectLst/>
+                        <a:ea typeface="Times New Roman" panose="02020603050405020304" pitchFamily="18" charset="0"/>
+                        <a:cs typeface="Times New Roman" panose="02020603050405020304" pitchFamily="18" charset="0"/>
+                      </a:rPr>
+                      <m:t> </m:t>
+                    </m:r>
+                    <m:r>
+                      <m:rPr>
+                        <m:sty m:val="p"/>
+                      </m:rPr>
+                      <a:rPr lang="en-US" sz="2400" i="0">
+                        <a:effectLst/>
+                        <a:ea typeface="Times New Roman" panose="02020603050405020304" pitchFamily="18" charset="0"/>
+                        <a:cs typeface="Times New Roman" panose="02020603050405020304" pitchFamily="18" charset="0"/>
+                      </a:rPr>
+                      <m:t>n</m:t>
+                    </m:r>
+                    <m:r>
+                      <a:rPr lang="ru-RU" sz="2400" i="0">
+                        <a:effectLst/>
+                        <a:ea typeface="Times New Roman" panose="02020603050405020304" pitchFamily="18" charset="0"/>
+                        <a:cs typeface="Times New Roman" panose="02020603050405020304" pitchFamily="18" charset="0"/>
+                      </a:rPr>
+                      <m:t>=</m:t>
+                    </m:r>
+                    <m:r>
+                      <m:rPr>
+                        <m:sty m:val="p"/>
+                      </m:rPr>
+                      <a:rPr lang="en-US" sz="2400" i="0">
+                        <a:effectLst/>
+                        <a:ea typeface="Times New Roman" panose="02020603050405020304" pitchFamily="18" charset="0"/>
+                        <a:cs typeface="Times New Roman" panose="02020603050405020304" pitchFamily="18" charset="0"/>
+                      </a:rPr>
+                      <m:t>m</m:t>
+                    </m:r>
+                    <m:r>
+                      <a:rPr lang="ru-RU" sz="2400" i="0">
+                        <a:effectLst/>
+                        <a:ea typeface="Times New Roman" panose="02020603050405020304" pitchFamily="18" charset="0"/>
+                        <a:cs typeface="Times New Roman" panose="02020603050405020304" pitchFamily="18" charset="0"/>
+                      </a:rPr>
+                      <m:t>=2</m:t>
+                    </m:r>
+                    <m:r>
+                      <a:rPr lang="ru-RU" sz="2400" b="0" i="0" smtClean="0">
+                        <a:effectLst/>
+                        <a:ea typeface="Times New Roman" panose="02020603050405020304" pitchFamily="18" charset="0"/>
+                        <a:cs typeface="Times New Roman" panose="02020603050405020304" pitchFamily="18" charset="0"/>
+                      </a:rPr>
+                      <m:t>.  Тогда </m:t>
+                    </m:r>
                     <m:sSub>
                       <m:sSubPr>
                         <m:ctrlPr>
-                          <a:rPr lang="ru-RU" sz="4000" i="1" smtClean="0">
-                            <a:latin typeface="Cambria Math" panose="02040503050406030204" pitchFamily="18" charset="0"/>
+                          <a:rPr lang="en-US" sz="2400" b="0" i="1" smtClean="0">
+                            <a:effectLst/>
+                            <a:ea typeface="Times New Roman" panose="02020603050405020304" pitchFamily="18" charset="0"/>
+                            <a:cs typeface="Times New Roman" panose="02020603050405020304" pitchFamily="18" charset="0"/>
+                          </a:rPr>
+                        </m:ctrlPr>
+                      </m:sSubPr>
+                      <m:e>
+                        <m:r>
+                          <a:rPr lang="en-US" sz="2400" b="0" i="1" smtClean="0">
+                            <a:effectLst/>
+                            <a:ea typeface="Times New Roman" panose="02020603050405020304" pitchFamily="18" charset="0"/>
+                            <a:cs typeface="Times New Roman" panose="02020603050405020304" pitchFamily="18" charset="0"/>
+                          </a:rPr>
+                          <m:t>𝐹</m:t>
+                        </m:r>
+                      </m:e>
+                      <m:sub>
+                        <m:r>
+                          <a:rPr lang="en-US" sz="2400" b="0" i="0" smtClean="0">
+                            <a:effectLst/>
+                            <a:ea typeface="Times New Roman" panose="02020603050405020304" pitchFamily="18" charset="0"/>
+                            <a:cs typeface="Times New Roman" panose="02020603050405020304" pitchFamily="18" charset="0"/>
+                          </a:rPr>
+                          <m:t>1</m:t>
+                        </m:r>
+                      </m:sub>
+                    </m:sSub>
+                    <m:d>
+                      <m:dPr>
+                        <m:ctrlPr>
+                          <a:rPr lang="en-US" sz="2400" b="0" i="1" smtClean="0">
+                            <a:effectLst/>
+                            <a:ea typeface="Times New Roman" panose="02020603050405020304" pitchFamily="18" charset="0"/>
+                            <a:cs typeface="Times New Roman" panose="02020603050405020304" pitchFamily="18" charset="0"/>
+                          </a:rPr>
+                        </m:ctrlPr>
+                      </m:dPr>
+                      <m:e>
+                        <m:r>
+                          <a:rPr lang="en-US" sz="2400" b="0" i="1" smtClean="0">
+                            <a:effectLst/>
+                            <a:ea typeface="Times New Roman" panose="02020603050405020304" pitchFamily="18" charset="0"/>
+                            <a:cs typeface="Times New Roman" panose="02020603050405020304" pitchFamily="18" charset="0"/>
+                          </a:rPr>
+                          <m:t>𝑥</m:t>
+                        </m:r>
+                      </m:e>
+                    </m:d>
+                    <m:r>
+                      <a:rPr lang="en-US" sz="2400" b="0" i="1" smtClean="0">
+                        <a:effectLst/>
+                        <a:ea typeface="Times New Roman" panose="02020603050405020304" pitchFamily="18" charset="0"/>
+                        <a:cs typeface="Times New Roman" panose="02020603050405020304" pitchFamily="18" charset="0"/>
+                      </a:rPr>
+                      <m:t>=</m:t>
+                    </m:r>
+                    <m:sSup>
+                      <m:sSupPr>
+                        <m:ctrlPr>
+                          <a:rPr lang="en-US" sz="2400" b="0" i="1" smtClean="0">
+                            <a:effectLst/>
+                            <a:ea typeface="Times New Roman" panose="02020603050405020304" pitchFamily="18" charset="0"/>
+                            <a:cs typeface="Times New Roman" panose="02020603050405020304" pitchFamily="18" charset="0"/>
+                          </a:rPr>
+                        </m:ctrlPr>
+                      </m:sSupPr>
+                      <m:e>
+                        <m:r>
+                          <m:rPr>
+                            <m:sty m:val="p"/>
+                          </m:rPr>
+                          <a:rPr lang="en-US" sz="2400" b="0" i="0" smtClean="0">
+                            <a:effectLst/>
+                            <a:ea typeface="Times New Roman" panose="02020603050405020304" pitchFamily="18" charset="0"/>
+                            <a:cs typeface="Times New Roman" panose="02020603050405020304" pitchFamily="18" charset="0"/>
+                          </a:rPr>
+                          <m:t>e</m:t>
+                        </m:r>
+                      </m:e>
+                      <m:sup>
+                        <m:sSubSup>
+                          <m:sSubSupPr>
+                            <m:ctrlPr>
+                              <a:rPr lang="en-US" sz="2400" b="0" i="1" smtClean="0">
+                                <a:effectLst/>
+                                <a:ea typeface="Times New Roman" panose="02020603050405020304" pitchFamily="18" charset="0"/>
+                                <a:cs typeface="Times New Roman" panose="02020603050405020304" pitchFamily="18" charset="0"/>
+                              </a:rPr>
+                            </m:ctrlPr>
+                          </m:sSubSupPr>
+                          <m:e>
+                            <m:r>
+                              <a:rPr lang="en-US" sz="2400" b="0" i="0" smtClean="0">
+                                <a:effectLst/>
+                                <a:ea typeface="Times New Roman" panose="02020603050405020304" pitchFamily="18" charset="0"/>
+                                <a:cs typeface="Times New Roman" panose="02020603050405020304" pitchFamily="18" charset="0"/>
+                              </a:rPr>
+                              <m:t>−</m:t>
+                            </m:r>
+                            <m:r>
+                              <m:rPr>
+                                <m:sty m:val="p"/>
+                              </m:rPr>
+                              <a:rPr lang="en-US" sz="2400" b="0" i="0" smtClean="0">
+                                <a:effectLst/>
+                                <a:ea typeface="Times New Roman" panose="02020603050405020304" pitchFamily="18" charset="0"/>
+                                <a:cs typeface="Times New Roman" panose="02020603050405020304" pitchFamily="18" charset="0"/>
+                              </a:rPr>
+                              <m:t>x</m:t>
+                            </m:r>
+                          </m:e>
+                          <m:sub>
+                            <m:r>
+                              <a:rPr lang="en-US" sz="2400" b="0" i="0" smtClean="0">
+                                <a:effectLst/>
+                                <a:ea typeface="Times New Roman" panose="02020603050405020304" pitchFamily="18" charset="0"/>
+                                <a:cs typeface="Times New Roman" panose="02020603050405020304" pitchFamily="18" charset="0"/>
+                              </a:rPr>
+                              <m:t>1</m:t>
+                            </m:r>
+                          </m:sub>
+                          <m:sup>
+                            <m:r>
+                              <a:rPr lang="en-US" sz="2400" b="0" i="0" smtClean="0">
+                                <a:effectLst/>
+                                <a:ea typeface="Times New Roman" panose="02020603050405020304" pitchFamily="18" charset="0"/>
+                                <a:cs typeface="Times New Roman" panose="02020603050405020304" pitchFamily="18" charset="0"/>
+                              </a:rPr>
+                              <m:t>2</m:t>
+                            </m:r>
+                          </m:sup>
+                        </m:sSubSup>
+                        <m:r>
+                          <a:rPr lang="en-US" sz="2400" b="0" i="0" smtClean="0">
+                            <a:effectLst/>
+                            <a:ea typeface="Times New Roman" panose="02020603050405020304" pitchFamily="18" charset="0"/>
+                            <a:cs typeface="Times New Roman" panose="02020603050405020304" pitchFamily="18" charset="0"/>
+                          </a:rPr>
+                          <m:t>−</m:t>
+                        </m:r>
+                        <m:sSubSup>
+                          <m:sSubSupPr>
+                            <m:ctrlPr>
+                              <a:rPr lang="en-US" sz="2400" b="0" i="1" smtClean="0">
+                                <a:effectLst/>
+                                <a:ea typeface="Times New Roman" panose="02020603050405020304" pitchFamily="18" charset="0"/>
+                                <a:cs typeface="Times New Roman" panose="02020603050405020304" pitchFamily="18" charset="0"/>
+                              </a:rPr>
+                            </m:ctrlPr>
+                          </m:sSubSupPr>
+                          <m:e>
+                            <m:r>
+                              <m:rPr>
+                                <m:sty m:val="p"/>
+                              </m:rPr>
+                              <a:rPr lang="en-US" sz="2400" b="0" i="0" smtClean="0">
+                                <a:effectLst/>
+                                <a:ea typeface="Times New Roman" panose="02020603050405020304" pitchFamily="18" charset="0"/>
+                                <a:cs typeface="Times New Roman" panose="02020603050405020304" pitchFamily="18" charset="0"/>
+                              </a:rPr>
+                              <m:t>x</m:t>
+                            </m:r>
+                          </m:e>
+                          <m:sub>
+                            <m:r>
+                              <a:rPr lang="en-US" sz="2400" b="0" i="0" smtClean="0">
+                                <a:effectLst/>
+                                <a:ea typeface="Times New Roman" panose="02020603050405020304" pitchFamily="18" charset="0"/>
+                                <a:cs typeface="Times New Roman" panose="02020603050405020304" pitchFamily="18" charset="0"/>
+                              </a:rPr>
+                              <m:t>2</m:t>
+                            </m:r>
+                          </m:sub>
+                          <m:sup>
+                            <m:r>
+                              <a:rPr lang="en-US" sz="2400" b="0" i="0" smtClean="0">
+                                <a:effectLst/>
+                                <a:ea typeface="Times New Roman" panose="02020603050405020304" pitchFamily="18" charset="0"/>
+                                <a:cs typeface="Times New Roman" panose="02020603050405020304" pitchFamily="18" charset="0"/>
+                              </a:rPr>
+                              <m:t>2</m:t>
+                            </m:r>
+                          </m:sup>
+                        </m:sSubSup>
+                      </m:sup>
+                    </m:sSup>
+                    <m:r>
+                      <a:rPr lang="en-US" sz="2400" b="0" i="0" smtClean="0">
+                        <a:effectLst/>
+                        <a:ea typeface="Times New Roman" panose="02020603050405020304" pitchFamily="18" charset="0"/>
+                        <a:cs typeface="Times New Roman" panose="02020603050405020304" pitchFamily="18" charset="0"/>
+                      </a:rPr>
+                      <m:t>,</m:t>
+                    </m:r>
+                    <m:sSub>
+                      <m:sSubPr>
+                        <m:ctrlPr>
+                          <a:rPr lang="en-US" sz="2400" b="0" i="1" smtClean="0">
+                            <a:effectLst/>
+                            <a:ea typeface="Times New Roman" panose="02020603050405020304" pitchFamily="18" charset="0"/>
+                            <a:cs typeface="Times New Roman" panose="02020603050405020304" pitchFamily="18" charset="0"/>
                           </a:rPr>
                         </m:ctrlPr>
                       </m:sSubPr>
@@ -13078,422 +12243,404 @@
                           <m:rPr>
                             <m:sty m:val="p"/>
                           </m:rPr>
-                          <a:rPr lang="en-US" sz="4000" b="0" i="0">
-                            <a:latin typeface="Cambria Math" panose="02040503050406030204" pitchFamily="18" charset="0"/>
+                          <a:rPr lang="en-US" sz="2400" b="0" i="0" smtClean="0">
+                            <a:effectLst/>
+                            <a:ea typeface="Times New Roman" panose="02020603050405020304" pitchFamily="18" charset="0"/>
+                            <a:cs typeface="Times New Roman" panose="02020603050405020304" pitchFamily="18" charset="0"/>
                           </a:rPr>
-                          <m:t>X</m:t>
+                          <m:t>F</m:t>
                         </m:r>
                       </m:e>
                       <m:sub>
                         <m:r>
-                          <a:rPr lang="en-US" sz="4000" b="0" i="0">
-                            <a:latin typeface="Cambria Math" panose="02040503050406030204" pitchFamily="18" charset="0"/>
+                          <a:rPr lang="en-US" sz="2400" b="0" i="0" smtClean="0">
+                            <a:effectLst/>
+                            <a:ea typeface="Times New Roman" panose="02020603050405020304" pitchFamily="18" charset="0"/>
+                            <a:cs typeface="Times New Roman" panose="02020603050405020304" pitchFamily="18" charset="0"/>
                           </a:rPr>
-                          <m:t>1</m:t>
+                          <m:t>2</m:t>
                         </m:r>
                       </m:sub>
                     </m:sSub>
+                    <m:d>
+                      <m:dPr>
+                        <m:ctrlPr>
+                          <a:rPr lang="en-US" sz="2400" b="0" i="1" smtClean="0">
+                            <a:effectLst/>
+                            <a:ea typeface="Times New Roman" panose="02020603050405020304" pitchFamily="18" charset="0"/>
+                            <a:cs typeface="Times New Roman" panose="02020603050405020304" pitchFamily="18" charset="0"/>
+                          </a:rPr>
+                        </m:ctrlPr>
+                      </m:dPr>
+                      <m:e>
+                        <m:r>
+                          <m:rPr>
+                            <m:sty m:val="p"/>
+                          </m:rPr>
+                          <a:rPr lang="en-US" sz="2400" b="0" i="0" smtClean="0">
+                            <a:effectLst/>
+                            <a:ea typeface="Times New Roman" panose="02020603050405020304" pitchFamily="18" charset="0"/>
+                            <a:cs typeface="Times New Roman" panose="02020603050405020304" pitchFamily="18" charset="0"/>
+                          </a:rPr>
+                          <m:t>x</m:t>
+                        </m:r>
+                      </m:e>
+                    </m:d>
                     <m:r>
-                      <a:rPr lang="en-US" sz="4000" b="0" i="0">
-                        <a:latin typeface="Cambria Math" panose="02040503050406030204" pitchFamily="18" charset="0"/>
+                      <a:rPr lang="en-US" sz="2400" b="0" i="0" smtClean="0">
+                        <a:effectLst/>
+                        <a:ea typeface="Times New Roman" panose="02020603050405020304" pitchFamily="18" charset="0"/>
+                        <a:cs typeface="Times New Roman" panose="02020603050405020304" pitchFamily="18" charset="0"/>
                       </a:rPr>
                       <m:t>=</m:t>
                     </m:r>
-                    <m:f>
-                      <m:fPr>
+                    <m:sSup>
+                      <m:sSupPr>
                         <m:ctrlPr>
-                          <a:rPr lang="en-US" sz="4000" i="1">
-                            <a:latin typeface="Cambria Math" panose="02040503050406030204" pitchFamily="18" charset="0"/>
+                          <a:rPr lang="en-US" sz="2400" b="0" i="1" smtClean="0">
+                            <a:effectLst/>
+                            <a:ea typeface="Times New Roman" panose="02020603050405020304" pitchFamily="18" charset="0"/>
+                            <a:cs typeface="Times New Roman" panose="02020603050405020304" pitchFamily="18" charset="0"/>
                           </a:rPr>
                         </m:ctrlPr>
-                      </m:fPr>
-                      <m:num>
-                        <m:sSup>
-                          <m:sSupPr>
+                      </m:sSupPr>
+                      <m:e>
+                        <m:r>
+                          <m:rPr>
+                            <m:sty m:val="p"/>
+                          </m:rPr>
+                          <a:rPr lang="en-US" sz="2400" b="0" i="0" smtClean="0">
+                            <a:effectLst/>
+                            <a:ea typeface="Times New Roman" panose="02020603050405020304" pitchFamily="18" charset="0"/>
+                            <a:cs typeface="Times New Roman" panose="02020603050405020304" pitchFamily="18" charset="0"/>
+                          </a:rPr>
+                          <m:t>e</m:t>
+                        </m:r>
+                      </m:e>
+                      <m:sup>
+                        <m:sSub>
+                          <m:sSubPr>
                             <m:ctrlPr>
-                              <a:rPr lang="en-US" sz="4000" i="1">
-                                <a:latin typeface="Cambria Math" panose="02040503050406030204" pitchFamily="18" charset="0"/>
+                              <a:rPr lang="en-US" sz="2400" b="0" i="1" smtClean="0">
+                                <a:effectLst/>
+                                <a:ea typeface="Times New Roman" panose="02020603050405020304" pitchFamily="18" charset="0"/>
+                                <a:cs typeface="Times New Roman" panose="02020603050405020304" pitchFamily="18" charset="0"/>
                               </a:rPr>
                             </m:ctrlPr>
-                          </m:sSupPr>
+                          </m:sSubPr>
                           <m:e>
                             <m:r>
                               <m:rPr>
                                 <m:sty m:val="p"/>
                               </m:rPr>
-                              <a:rPr lang="en-US" sz="4000" b="0" i="0">
+                              <a:rPr lang="en-US" sz="2400" b="0" i="0" smtClean="0">
+                                <a:effectLst/>
+                                <a:ea typeface="Times New Roman" panose="02020603050405020304" pitchFamily="18" charset="0"/>
+                                <a:cs typeface="Times New Roman" panose="02020603050405020304" pitchFamily="18" charset="0"/>
+                              </a:rPr>
+                              <m:t>x</m:t>
+                            </m:r>
+                          </m:e>
+                          <m:sub>
+                            <m:r>
+                              <a:rPr lang="en-US" sz="2400" b="0" i="0" smtClean="0">
+                                <a:effectLst/>
+                                <a:ea typeface="Times New Roman" panose="02020603050405020304" pitchFamily="18" charset="0"/>
+                                <a:cs typeface="Times New Roman" panose="02020603050405020304" pitchFamily="18" charset="0"/>
+                              </a:rPr>
+                              <m:t>1</m:t>
+                            </m:r>
+                          </m:sub>
+                        </m:sSub>
+                        <m:sSub>
+                          <m:sSubPr>
+                            <m:ctrlPr>
+                              <a:rPr lang="en-US" sz="2400" b="0" i="1" smtClean="0">
+                                <a:effectLst/>
+                                <a:ea typeface="Times New Roman" panose="02020603050405020304" pitchFamily="18" charset="0"/>
+                                <a:cs typeface="Times New Roman" panose="02020603050405020304" pitchFamily="18" charset="0"/>
+                              </a:rPr>
+                            </m:ctrlPr>
+                          </m:sSubPr>
+                          <m:e>
+                            <m:r>
+                              <m:rPr>
+                                <m:sty m:val="p"/>
+                              </m:rPr>
+                              <a:rPr lang="en-US" sz="2400" b="0" i="0" smtClean="0">
+                                <a:effectLst/>
+                                <a:ea typeface="Times New Roman" panose="02020603050405020304" pitchFamily="18" charset="0"/>
+                                <a:cs typeface="Times New Roman" panose="02020603050405020304" pitchFamily="18" charset="0"/>
+                              </a:rPr>
+                              <m:t>x</m:t>
+                            </m:r>
+                          </m:e>
+                          <m:sub>
+                            <m:r>
+                              <a:rPr lang="en-US" sz="2400" b="0" i="0" smtClean="0">
+                                <a:effectLst/>
+                                <a:ea typeface="Times New Roman" panose="02020603050405020304" pitchFamily="18" charset="0"/>
+                                <a:cs typeface="Times New Roman" panose="02020603050405020304" pitchFamily="18" charset="0"/>
+                              </a:rPr>
+                              <m:t>2</m:t>
+                            </m:r>
+                          </m:sub>
+                        </m:sSub>
+                      </m:sup>
+                    </m:sSup>
+                    <m:r>
+                      <a:rPr lang="en-US" sz="2400" b="0" i="0" smtClean="0">
+                        <a:effectLst/>
+                        <a:ea typeface="Times New Roman" panose="02020603050405020304" pitchFamily="18" charset="0"/>
+                        <a:cs typeface="Times New Roman" panose="02020603050405020304" pitchFamily="18" charset="0"/>
+                      </a:rPr>
+                      <m:t>, </m:t>
+                    </m:r>
+                  </m:oMath>
+                </a14:m>
+                <a:r>
+                  <a:rPr lang="ru-RU" sz="2400" dirty="0">
+                    <a:effectLst/>
+                    <a:ea typeface="Times New Roman" panose="02020603050405020304" pitchFamily="18" charset="0"/>
+                  </a:rPr>
+                  <a:t>где </a:t>
+                </a:r>
+                <a14:m>
+                  <m:oMath xmlns:m="http://schemas.openxmlformats.org/officeDocument/2006/math">
+                    <m:r>
+                      <m:rPr>
+                        <m:sty m:val="p"/>
+                      </m:rPr>
+                      <a:rPr lang="ru-RU" sz="2400" i="0">
+                        <a:effectLst/>
+                        <a:ea typeface="Times New Roman" panose="02020603050405020304" pitchFamily="18" charset="0"/>
+                        <a:cs typeface="Times New Roman" panose="02020603050405020304" pitchFamily="18" charset="0"/>
+                      </a:rPr>
+                      <m:t>x</m:t>
+                    </m:r>
+                    <m:r>
+                      <a:rPr lang="ru-RU" sz="2400" i="0">
+                        <a:effectLst/>
+                        <a:ea typeface="Times New Roman" panose="02020603050405020304" pitchFamily="18" charset="0"/>
+                        <a:cs typeface="Times New Roman" panose="02020603050405020304" pitchFamily="18" charset="0"/>
+                      </a:rPr>
+                      <m:t>∈</m:t>
+                    </m:r>
+                    <m:sSup>
+                      <m:sSupPr>
+                        <m:ctrlPr>
+                          <a:rPr lang="ru-RU" sz="2400" i="1">
+                            <a:effectLst/>
+                          </a:rPr>
+                        </m:ctrlPr>
+                      </m:sSupPr>
+                      <m:e>
+                        <m:r>
+                          <m:rPr>
+                            <m:sty m:val="p"/>
+                          </m:rPr>
+                          <a:rPr lang="ru-RU" sz="2400" i="0">
+                            <a:effectLst/>
+                            <a:ea typeface="Times New Roman" panose="02020603050405020304" pitchFamily="18" charset="0"/>
+                            <a:cs typeface="Times New Roman" panose="02020603050405020304" pitchFamily="18" charset="0"/>
+                          </a:rPr>
+                          <m:t>R</m:t>
+                        </m:r>
+                      </m:e>
+                      <m:sup>
+                        <m:r>
+                          <a:rPr lang="ru-RU" sz="2400" i="0">
+                            <a:effectLst/>
+                            <a:ea typeface="Times New Roman" panose="02020603050405020304" pitchFamily="18" charset="0"/>
+                            <a:cs typeface="Times New Roman" panose="02020603050405020304" pitchFamily="18" charset="0"/>
+                          </a:rPr>
+                          <m:t>2</m:t>
+                        </m:r>
+                      </m:sup>
+                    </m:sSup>
+                    <m:r>
+                      <a:rPr lang="en-US" sz="2400" b="0" i="0" smtClean="0">
+                        <a:effectLst/>
+                        <a:ea typeface="Times New Roman" panose="02020603050405020304" pitchFamily="18" charset="0"/>
+                        <a:cs typeface="Times New Roman" panose="02020603050405020304" pitchFamily="18" charset="0"/>
+                      </a:rPr>
+                      <m:t>. </m:t>
+                    </m:r>
+                    <m:r>
+                      <a:rPr lang="ru-RU" sz="2400" b="0" i="0" smtClean="0">
+                        <a:effectLst/>
+                        <a:ea typeface="Times New Roman" panose="02020603050405020304" pitchFamily="18" charset="0"/>
+                        <a:cs typeface="Times New Roman" panose="02020603050405020304" pitchFamily="18" charset="0"/>
+                      </a:rPr>
+                      <m:t>Нач. приближение </m:t>
+                    </m:r>
+                  </m:oMath>
+                </a14:m>
+                <a:r>
+                  <a:rPr lang="en-US" sz="2400" dirty="0"/>
+                  <a:t> </a:t>
+                </a:r>
+                <a14:m>
+                  <m:oMath xmlns:m="http://schemas.openxmlformats.org/officeDocument/2006/math">
+                    <m:sSub>
+                      <m:sSubPr>
+                        <m:ctrlPr>
+                          <a:rPr lang="ru-RU" sz="2400" i="1"/>
+                        </m:ctrlPr>
+                      </m:sSubPr>
+                      <m:e>
+                        <m:r>
+                          <m:rPr>
+                            <m:sty m:val="p"/>
+                          </m:rPr>
+                          <a:rPr lang="ru-RU" sz="2400" i="0"/>
+                          <m:t>x</m:t>
+                        </m:r>
+                      </m:e>
+                      <m:sub>
+                        <m:r>
+                          <a:rPr lang="ru-RU" sz="2400" i="0"/>
+                          <m:t>0</m:t>
+                        </m:r>
+                      </m:sub>
+                    </m:sSub>
+                    <m:r>
+                      <a:rPr lang="ru-RU" sz="2400" b="0" i="0" smtClean="0"/>
+                      <m:t>=</m:t>
+                    </m:r>
+                    <m:sSup>
+                      <m:sSupPr>
+                        <m:ctrlPr>
+                          <a:rPr lang="ru-RU" sz="2400" i="1"/>
+                        </m:ctrlPr>
+                      </m:sSupPr>
+                      <m:e>
+                        <m:d>
+                          <m:dPr>
+                            <m:begChr m:val="["/>
+                            <m:endChr m:val="]"/>
+                            <m:ctrlPr>
+                              <a:rPr lang="ru-RU" sz="2400" i="1"/>
+                            </m:ctrlPr>
+                          </m:dPr>
+                          <m:e>
+                            <m:r>
+                              <a:rPr lang="en-US" sz="2400" b="0" i="0" smtClean="0">
                                 <a:latin typeface="Cambria Math" panose="02040503050406030204" pitchFamily="18" charset="0"/>
                               </a:rPr>
-                              <m:t>t</m:t>
+                              <m:t>1</m:t>
                             </m:r>
-                          </m:e>
-                          <m:sup>
                             <m:r>
-                              <a:rPr lang="ru-RU" sz="4000" b="0" i="0">
+                              <a:rPr lang="ru-RU" sz="2400" i="0"/>
+                              <m:t>,</m:t>
+                            </m:r>
+                            <m:r>
+                              <a:rPr lang="en-US" sz="2400" b="0" i="1" smtClean="0">
                                 <a:latin typeface="Cambria Math" panose="02040503050406030204" pitchFamily="18" charset="0"/>
                               </a:rPr>
                               <m:t>2</m:t>
                             </m:r>
-                          </m:sup>
-                        </m:sSup>
-                        <m:r>
-                          <a:rPr lang="en-US" sz="4000" b="0" i="0">
-                            <a:latin typeface="Cambria Math" panose="02040503050406030204" pitchFamily="18" charset="0"/>
-                          </a:rPr>
-                          <m:t>𝜕</m:t>
-                        </m:r>
-                      </m:num>
-                      <m:den>
-                        <m:r>
-                          <a:rPr lang="en-US" sz="4000" b="0" i="0">
-                            <a:latin typeface="Cambria Math" panose="02040503050406030204" pitchFamily="18" charset="0"/>
-                          </a:rPr>
-                          <m:t>𝜕</m:t>
-                        </m:r>
+                          </m:e>
+                        </m:d>
+                      </m:e>
+                      <m:sup>
                         <m:r>
                           <m:rPr>
                             <m:sty m:val="p"/>
                           </m:rPr>
-                          <a:rPr lang="en-US" sz="4000" b="0" i="0">
-                            <a:latin typeface="Cambria Math" panose="02040503050406030204" pitchFamily="18" charset="0"/>
-                          </a:rPr>
-                          <m:t>t</m:t>
+                          <a:rPr lang="ru-RU" sz="2400" i="0"/>
+                          <m:t>T</m:t>
                         </m:r>
-                      </m:den>
-                    </m:f>
+                      </m:sup>
+                    </m:sSup>
                     <m:r>
-                      <a:rPr lang="en-US" sz="4000" b="0" i="0">
-                        <a:latin typeface="Cambria Math" panose="02040503050406030204" pitchFamily="18" charset="0"/>
-                      </a:rPr>
-                      <m:t>+</m:t>
+                      <a:rPr lang="ru-RU" sz="2400" b="0" i="0" smtClean="0"/>
+                      <m:t>,</m:t>
                     </m:r>
-                    <m:f>
-                      <m:fPr>
+                  </m:oMath>
+                </a14:m>
+                <a:r>
+                  <a:rPr lang="ru-RU" sz="2400" dirty="0"/>
+                  <a:t> эталонная точка </a:t>
+                </a:r>
+                <a14:m>
+                  <m:oMath xmlns:m="http://schemas.openxmlformats.org/officeDocument/2006/math">
+                    <m:sSup>
+                      <m:sSupPr>
                         <m:ctrlPr>
-                          <a:rPr lang="en-US" sz="4000" i="1">
-                            <a:latin typeface="Cambria Math" panose="02040503050406030204" pitchFamily="18" charset="0"/>
-                          </a:rPr>
+                          <a:rPr lang="ru-RU" sz="2400" i="1"/>
                         </m:ctrlPr>
-                      </m:fPr>
-                      <m:num>
-                        <m:r>
-                          <a:rPr lang="en-US" sz="4000" b="0" i="0">
-                            <a:latin typeface="Cambria Math" panose="02040503050406030204" pitchFamily="18" charset="0"/>
-                          </a:rPr>
-                          <m:t>2</m:t>
-                        </m:r>
+                      </m:sSupPr>
+                      <m:e>
                         <m:r>
                           <m:rPr>
                             <m:sty m:val="p"/>
                           </m:rPr>
-                          <a:rPr lang="en-US" sz="4000" b="0" i="0">
-                            <a:latin typeface="Cambria Math" panose="02040503050406030204" pitchFamily="18" charset="0"/>
-                          </a:rPr>
-                          <m:t>tx</m:t>
+                          <a:rPr lang="ru-RU" sz="2400" i="0"/>
+                          <m:t>x</m:t>
                         </m:r>
+                      </m:e>
+                      <m:sup>
                         <m:r>
-                          <a:rPr lang="en-US" sz="4000" b="0" i="0">
-                            <a:latin typeface="Cambria Math" panose="02040503050406030204" pitchFamily="18" charset="0"/>
-                          </a:rPr>
-                          <m:t>𝜕</m:t>
+                          <a:rPr lang="ru-RU" sz="2400" i="0"/>
+                          <m:t>∗</m:t>
                         </m:r>
-                      </m:num>
-                      <m:den>
-                        <m:r>
-                          <a:rPr lang="en-US" sz="4000" b="0" i="0">
-                            <a:latin typeface="Cambria Math" panose="02040503050406030204" pitchFamily="18" charset="0"/>
-                          </a:rPr>
-                          <m:t>𝜕</m:t>
-                        </m:r>
+                      </m:sup>
+                    </m:sSup>
+                    <m:r>
+                      <a:rPr lang="ru-RU" sz="2400" i="0"/>
+                      <m:t>=</m:t>
+                    </m:r>
+                    <m:sSup>
+                      <m:sSupPr>
+                        <m:ctrlPr>
+                          <a:rPr lang="ru-RU" sz="2400" i="1"/>
+                        </m:ctrlPr>
+                      </m:sSupPr>
+                      <m:e>
+                        <m:d>
+                          <m:dPr>
+                            <m:begChr m:val="["/>
+                            <m:endChr m:val="]"/>
+                            <m:ctrlPr>
+                              <a:rPr lang="ru-RU" sz="2400" i="1"/>
+                            </m:ctrlPr>
+                          </m:dPr>
+                          <m:e>
+                            <m:r>
+                              <a:rPr lang="ru-RU" sz="2400" i="0"/>
+                              <m:t>0,0</m:t>
+                            </m:r>
+                          </m:e>
+                        </m:d>
+                      </m:e>
+                      <m:sup>
                         <m:r>
                           <m:rPr>
                             <m:sty m:val="p"/>
                           </m:rPr>
-                          <a:rPr lang="en-US" sz="4000" b="0" i="0">
-                            <a:latin typeface="Cambria Math" panose="02040503050406030204" pitchFamily="18" charset="0"/>
-                          </a:rPr>
-                          <m:t>x</m:t>
+                          <a:rPr lang="ru-RU" sz="2400" i="0"/>
+                          <m:t>T</m:t>
                         </m:r>
-                      </m:den>
-                    </m:f>
+                      </m:sup>
+                    </m:sSup>
                   </m:oMath>
                 </a14:m>
-                <a:r>
-                  <a:rPr lang="en-US" sz="4000" dirty="0">
-                    <a:latin typeface="Cambria Math" panose="02040503050406030204" pitchFamily="18" charset="0"/>
-                  </a:rPr>
-                  <a:t>+ </a:t>
-                </a:r>
-                <a14:m>
-                  <m:oMath xmlns:m="http://schemas.openxmlformats.org/officeDocument/2006/math">
-                    <m:f>
-                      <m:fPr>
-                        <m:ctrlPr>
-                          <a:rPr lang="en-US" sz="4000" i="1">
-                            <a:latin typeface="Cambria Math" panose="02040503050406030204" pitchFamily="18" charset="0"/>
-                          </a:rPr>
-                        </m:ctrlPr>
-                      </m:fPr>
-                      <m:num>
-                        <m:d>
-                          <m:dPr>
-                            <m:ctrlPr>
-                              <a:rPr lang="en-US" sz="4000" i="1">
-                                <a:latin typeface="Cambria Math" panose="02040503050406030204" pitchFamily="18" charset="0"/>
-                              </a:rPr>
-                            </m:ctrlPr>
-                          </m:dPr>
-                          <m:e>
-                            <m:r>
-                              <a:rPr lang="en-US" sz="4000" b="0" i="0">
-                                <a:latin typeface="Cambria Math" panose="02040503050406030204" pitchFamily="18" charset="0"/>
-                              </a:rPr>
-                              <m:t>−</m:t>
-                            </m:r>
-                            <m:f>
-                              <m:fPr>
-                                <m:ctrlPr>
-                                  <a:rPr lang="en-US" sz="4000" i="1">
-                                    <a:latin typeface="Cambria Math" panose="02040503050406030204" pitchFamily="18" charset="0"/>
-                                  </a:rPr>
-                                </m:ctrlPr>
-                              </m:fPr>
-                              <m:num>
-                                <m:sSup>
-                                  <m:sSupPr>
-                                    <m:ctrlPr>
-                                      <a:rPr lang="en-US" sz="4000" i="1">
-                                        <a:latin typeface="Cambria Math" panose="02040503050406030204" pitchFamily="18" charset="0"/>
-                                      </a:rPr>
-                                    </m:ctrlPr>
-                                  </m:sSupPr>
-                                  <m:e>
-                                    <m:r>
-                                      <m:rPr>
-                                        <m:sty m:val="p"/>
-                                      </m:rPr>
-                                      <a:rPr lang="en-US" sz="4000" b="0" i="0">
-                                        <a:latin typeface="Cambria Math" panose="02040503050406030204" pitchFamily="18" charset="0"/>
-                                      </a:rPr>
-                                      <m:t>x</m:t>
-                                    </m:r>
-                                  </m:e>
-                                  <m:sup>
-                                    <m:r>
-                                      <a:rPr lang="en-US" sz="4000" b="0" i="0">
-                                        <a:latin typeface="Cambria Math" panose="02040503050406030204" pitchFamily="18" charset="0"/>
-                                      </a:rPr>
-                                      <m:t>2</m:t>
-                                    </m:r>
-                                  </m:sup>
-                                </m:sSup>
-                              </m:num>
-                              <m:den>
-                                <m:r>
-                                  <a:rPr lang="en-US" sz="4000" b="0" i="0">
-                                    <a:latin typeface="Cambria Math" panose="02040503050406030204" pitchFamily="18" charset="0"/>
-                                  </a:rPr>
-                                  <m:t>2</m:t>
-                                </m:r>
-                              </m:den>
-                            </m:f>
-                            <m:r>
-                              <a:rPr lang="en-US" sz="4000" b="0" i="0">
-                                <a:latin typeface="Cambria Math" panose="02040503050406030204" pitchFamily="18" charset="0"/>
-                              </a:rPr>
-                              <m:t>+</m:t>
-                            </m:r>
-                            <m:r>
-                              <m:rPr>
-                                <m:sty m:val="p"/>
-                              </m:rPr>
-                              <a:rPr lang="en-US" sz="4000" b="0" i="0">
-                                <a:latin typeface="Cambria Math" panose="02040503050406030204" pitchFamily="18" charset="0"/>
-                              </a:rPr>
-                              <m:t>t</m:t>
-                            </m:r>
-                          </m:e>
-                        </m:d>
-                        <m:r>
-                          <m:rPr>
-                            <m:sty m:val="p"/>
-                          </m:rPr>
-                          <a:rPr lang="en-US" sz="4000" b="0" i="0" smtClean="0">
-                            <a:latin typeface="Cambria Math" panose="02040503050406030204" pitchFamily="18" charset="0"/>
-                          </a:rPr>
-                          <m:t>U</m:t>
-                        </m:r>
-                        <m:r>
-                          <a:rPr lang="en-US" sz="4000" b="0" i="0">
-                            <a:latin typeface="Cambria Math" panose="02040503050406030204" pitchFamily="18" charset="0"/>
-                          </a:rPr>
-                          <m:t>𝜕</m:t>
-                        </m:r>
-                      </m:num>
-                      <m:den>
-                        <m:r>
-                          <a:rPr lang="en-US" sz="4000" b="0" i="0">
-                            <a:latin typeface="Cambria Math" panose="02040503050406030204" pitchFamily="18" charset="0"/>
-                          </a:rPr>
-                          <m:t>𝜕</m:t>
-                        </m:r>
-                        <m:r>
-                          <m:rPr>
-                            <m:sty m:val="p"/>
-                          </m:rPr>
-                          <a:rPr lang="en-US" sz="4000" b="0" i="0">
-                            <a:latin typeface="Cambria Math" panose="02040503050406030204" pitchFamily="18" charset="0"/>
-                          </a:rPr>
-                          <m:t>U</m:t>
-                        </m:r>
-                      </m:den>
-                    </m:f>
-                  </m:oMath>
-                </a14:m>
-                <a:endParaRPr lang="ru-RU" sz="4000" dirty="0">
-                  <a:latin typeface="Cambria Math" panose="02040503050406030204" pitchFamily="18" charset="0"/>
-                </a:endParaRPr>
+                <a:endParaRPr lang="ru-RU" sz="2000" dirty="0"/>
               </a:p>
               <a:p>
-                <a:pPr>
-                  <a:lnSpc>
-                    <a:spcPct val="125000"/>
-                  </a:lnSpc>
-                </a:pPr>
-                <a14:m>
-                  <m:oMathPara xmlns:m="http://schemas.openxmlformats.org/officeDocument/2006/math">
-                    <m:oMathParaPr>
-                      <m:jc m:val="centerGroup"/>
-                    </m:oMathParaPr>
-                    <m:oMath xmlns:m="http://schemas.openxmlformats.org/officeDocument/2006/math">
-                      <m:sSub>
-                        <m:sSubPr>
-                          <m:ctrlPr>
-                            <a:rPr lang="ru-RU" sz="4000" i="1">
-                              <a:latin typeface="Cambria Math" panose="02040503050406030204" pitchFamily="18" charset="0"/>
-                            </a:rPr>
-                          </m:ctrlPr>
-                        </m:sSubPr>
-                        <m:e>
-                          <m:r>
-                            <a:rPr lang="en-US" sz="4000" i="1">
-                              <a:latin typeface="Cambria Math" panose="02040503050406030204" pitchFamily="18" charset="0"/>
-                            </a:rPr>
-                            <m:t>𝑋</m:t>
-                          </m:r>
-                        </m:e>
-                        <m:sub>
-                          <m:r>
-                            <a:rPr lang="ru-RU" sz="4000" i="1">
-                              <a:latin typeface="Cambria Math" panose="02040503050406030204" pitchFamily="18" charset="0"/>
-                            </a:rPr>
-                            <m:t>2</m:t>
-                          </m:r>
-                        </m:sub>
-                      </m:sSub>
-                      <m:r>
-                        <a:rPr lang="en-US" sz="4000" i="1">
-                          <a:latin typeface="Cambria Math" panose="02040503050406030204" pitchFamily="18" charset="0"/>
-                        </a:rPr>
-                        <m:t>=</m:t>
-                      </m:r>
-                      <m:f>
-                        <m:fPr>
-                          <m:ctrlPr>
-                            <a:rPr lang="en-US" sz="4000" i="1">
-                              <a:latin typeface="Cambria Math" panose="02040503050406030204" pitchFamily="18" charset="0"/>
-                            </a:rPr>
-                          </m:ctrlPr>
-                        </m:fPr>
-                        <m:num>
-                          <m:r>
-                            <a:rPr lang="en-US" sz="4000" i="1">
-                              <a:latin typeface="Cambria Math" panose="02040503050406030204" pitchFamily="18" charset="0"/>
-                            </a:rPr>
-                            <m:t>𝑡</m:t>
-                          </m:r>
-                          <m:r>
-                            <a:rPr lang="en-US" sz="4000" i="1">
-                              <a:latin typeface="Cambria Math" panose="02040503050406030204" pitchFamily="18" charset="0"/>
-                            </a:rPr>
-                            <m:t>𝜕</m:t>
-                          </m:r>
-                        </m:num>
-                        <m:den>
-                          <m:r>
-                            <a:rPr lang="en-US" sz="4000" i="1">
-                              <a:latin typeface="Cambria Math" panose="02040503050406030204" pitchFamily="18" charset="0"/>
-                            </a:rPr>
-                            <m:t>𝜕</m:t>
-                          </m:r>
-                          <m:r>
-                            <a:rPr lang="en-US" sz="4000" i="1">
-                              <a:latin typeface="Cambria Math" panose="02040503050406030204" pitchFamily="18" charset="0"/>
-                            </a:rPr>
-                            <m:t>𝑡</m:t>
-                          </m:r>
-                        </m:den>
-                      </m:f>
-                      <m:r>
-                        <a:rPr lang="en-US" sz="4000" i="1">
-                          <a:latin typeface="Cambria Math" panose="02040503050406030204" pitchFamily="18" charset="0"/>
-                        </a:rPr>
-                        <m:t>+</m:t>
-                      </m:r>
-                      <m:f>
-                        <m:fPr>
-                          <m:ctrlPr>
-                            <a:rPr lang="en-US" sz="4000" i="1">
-                              <a:latin typeface="Cambria Math" panose="02040503050406030204" pitchFamily="18" charset="0"/>
-                            </a:rPr>
-                          </m:ctrlPr>
-                        </m:fPr>
-                        <m:num>
-                          <m:r>
-                            <a:rPr lang="en-US" sz="4000" i="1">
-                              <a:latin typeface="Cambria Math" panose="02040503050406030204" pitchFamily="18" charset="0"/>
-                            </a:rPr>
-                            <m:t>𝑥</m:t>
-                          </m:r>
-                          <m:r>
-                            <a:rPr lang="en-US" sz="4000" i="1">
-                              <a:latin typeface="Cambria Math" panose="02040503050406030204" pitchFamily="18" charset="0"/>
-                            </a:rPr>
-                            <m:t>𝜕</m:t>
-                          </m:r>
-                        </m:num>
-                        <m:den>
-                          <m:r>
-                            <a:rPr lang="en-US" sz="4000" i="1">
-                              <a:latin typeface="Cambria Math" panose="02040503050406030204" pitchFamily="18" charset="0"/>
-                            </a:rPr>
-                            <m:t>𝜕</m:t>
-                          </m:r>
-                          <m:r>
-                            <a:rPr lang="en-US" sz="4000" i="1">
-                              <a:latin typeface="Cambria Math" panose="02040503050406030204" pitchFamily="18" charset="0"/>
-                            </a:rPr>
-                            <m:t>𝑥</m:t>
-                          </m:r>
-                        </m:den>
-                      </m:f>
-                    </m:oMath>
-                  </m:oMathPara>
-                </a14:m>
-                <a:endParaRPr lang="ru-RU" sz="4000" i="1" dirty="0">
-                  <a:latin typeface="Cambria Math" panose="02040503050406030204" pitchFamily="18" charset="0"/>
-                </a:endParaRPr>
+                <a:endParaRPr lang="ru-RU" dirty="0"/>
               </a:p>
             </p:txBody>
           </p:sp>
         </mc:Choice>
-        <mc:Fallback xmlns="">
+        <mc:Fallback>
           <p:sp>
             <p:nvSpPr>
               <p:cNvPr id="2" name="Подзаголовок 1">
                 <a:extLst>
                   <a:ext uri="{FF2B5EF4-FFF2-40B4-BE49-F238E27FC236}">
-                    <a16:creationId xmlns:a16="http://schemas.microsoft.com/office/drawing/2014/main" id="{1ED27E7F-B0F3-4F57-8B5A-5823EECD822E}"/>
+                    <a16:creationId xmlns:a16="http://schemas.microsoft.com/office/drawing/2014/main" id="{E17D8F73-FCC8-BE33-0FC6-FE6C39077123}"/>
                   </a:ext>
                 </a:extLst>
               </p:cNvPr>
@@ -13505,10 +12652,6 @@
               </p:nvPr>
             </p:nvSpPr>
             <p:spPr>
-              <a:xfrm>
-                <a:off x="95151" y="1007528"/>
-                <a:ext cx="6048672" cy="4609451"/>
-              </a:xfrm>
               <a:blipFill>
                 <a:blip r:embed="rId2"/>
                 <a:stretch>
@@ -13536,7 +12679,830 @@
           <p:cNvPr id="3" name="Номер слайда 2">
             <a:extLst>
               <a:ext uri="{FF2B5EF4-FFF2-40B4-BE49-F238E27FC236}">
-                <a16:creationId xmlns:a16="http://schemas.microsoft.com/office/drawing/2014/main" id="{28291F2F-0FE1-4CD6-BA86-5F3EF099B213}"/>
+                <a16:creationId xmlns:a16="http://schemas.microsoft.com/office/drawing/2014/main" id="{CB0B53E3-287F-B0DC-4FFA-7F9EB6F59833}"/>
+              </a:ext>
+            </a:extLst>
+          </p:cNvPr>
+          <p:cNvSpPr>
+            <a:spLocks noGrp="1"/>
+          </p:cNvSpPr>
+          <p:nvPr>
+            <p:ph type="sldNum" sz="quarter" idx="12"/>
+          </p:nvPr>
+        </p:nvSpPr>
+        <p:spPr/>
+        <p:txBody>
+          <a:bodyPr/>
+          <a:lstStyle/>
+          <a:p>
+            <a:fld id="{CB07D4DF-2351-4A60-A90B-60ED82532F73}" type="slidenum">
+              <a:rPr lang="ru-RU" smtClean="0"/>
+              <a:pPr/>
+              <a:t>5</a:t>
+            </a:fld>
+            <a:endParaRPr lang="ru-RU" dirty="0"/>
+          </a:p>
+        </p:txBody>
+      </p:sp>
+      <p:sp>
+        <p:nvSpPr>
+          <p:cNvPr id="4" name="Заголовок 3">
+            <a:extLst>
+              <a:ext uri="{FF2B5EF4-FFF2-40B4-BE49-F238E27FC236}">
+                <a16:creationId xmlns:a16="http://schemas.microsoft.com/office/drawing/2014/main" id="{3BE46488-BA4E-8C7A-64BC-0148B4F32FC3}"/>
+              </a:ext>
+            </a:extLst>
+          </p:cNvPr>
+          <p:cNvSpPr>
+            <a:spLocks noGrp="1"/>
+          </p:cNvSpPr>
+          <p:nvPr>
+            <p:ph type="title"/>
+          </p:nvPr>
+        </p:nvSpPr>
+        <p:spPr>
+          <a:xfrm>
+            <a:off x="650679" y="146646"/>
+            <a:ext cx="11591925" cy="527774"/>
+          </a:xfrm>
+        </p:spPr>
+        <p:txBody>
+          <a:bodyPr/>
+          <a:lstStyle/>
+          <a:p>
+            <a:r>
+              <a:rPr lang="ru-RU" dirty="0"/>
+              <a:t>Пример работы на экспериментальных данных </a:t>
+            </a:r>
+          </a:p>
+        </p:txBody>
+      </p:sp>
+      <p:pic>
+        <p:nvPicPr>
+          <p:cNvPr id="5" name="Рисунок 4">
+            <a:extLst>
+              <a:ext uri="{FF2B5EF4-FFF2-40B4-BE49-F238E27FC236}">
+                <a16:creationId xmlns:a16="http://schemas.microsoft.com/office/drawing/2014/main" id="{7320DFC0-131F-917D-D0D6-D9477AC8AB7A}"/>
+              </a:ext>
+            </a:extLst>
+          </p:cNvPr>
+          <p:cNvPicPr>
+            <a:picLocks noChangeAspect="1"/>
+          </p:cNvPicPr>
+          <p:nvPr/>
+        </p:nvPicPr>
+        <p:blipFill>
+          <a:blip r:embed="rId3"/>
+          <a:stretch>
+            <a:fillRect/>
+          </a:stretch>
+        </p:blipFill>
+        <p:spPr>
+          <a:xfrm>
+            <a:off x="6767361" y="1979637"/>
+            <a:ext cx="5718322" cy="4320480"/>
+          </a:xfrm>
+          <a:prstGeom prst="rect">
+            <a:avLst/>
+          </a:prstGeom>
+        </p:spPr>
+      </p:pic>
+      <p:pic>
+        <p:nvPicPr>
+          <p:cNvPr id="6" name="Рисунок 5">
+            <a:extLst>
+              <a:ext uri="{FF2B5EF4-FFF2-40B4-BE49-F238E27FC236}">
+                <a16:creationId xmlns:a16="http://schemas.microsoft.com/office/drawing/2014/main" id="{245BE61B-9531-1B6C-1933-75F28E83E5AC}"/>
+              </a:ext>
+            </a:extLst>
+          </p:cNvPr>
+          <p:cNvPicPr>
+            <a:picLocks noChangeAspect="1"/>
+          </p:cNvPicPr>
+          <p:nvPr/>
+        </p:nvPicPr>
+        <p:blipFill>
+          <a:blip r:embed="rId4"/>
+          <a:stretch>
+            <a:fillRect/>
+          </a:stretch>
+        </p:blipFill>
+        <p:spPr>
+          <a:xfrm>
+            <a:off x="650679" y="2213807"/>
+            <a:ext cx="4793696" cy="4182199"/>
+          </a:xfrm>
+          <a:prstGeom prst="rect">
+            <a:avLst/>
+          </a:prstGeom>
+        </p:spPr>
+      </p:pic>
+    </p:spTree>
+    <p:extLst>
+      <p:ext uri="{BB962C8B-B14F-4D97-AF65-F5344CB8AC3E}">
+        <p14:creationId xmlns:p14="http://schemas.microsoft.com/office/powerpoint/2010/main" val="3144301720"/>
+      </p:ext>
+    </p:extLst>
+  </p:cSld>
+  <p:clrMapOvr>
+    <a:masterClrMapping/>
+  </p:clrMapOvr>
+</p:sld>
+</file>
+
+<file path=ppt/slides/slide6.xml><?xml version="1.0" encoding="utf-8"?>
+<p:sld xmlns:a="http://schemas.openxmlformats.org/drawingml/2006/main" xmlns:r="http://schemas.openxmlformats.org/officeDocument/2006/relationships" xmlns:p="http://schemas.openxmlformats.org/presentationml/2006/main">
+  <p:cSld>
+    <p:spTree>
+      <p:nvGrpSpPr>
+        <p:cNvPr id="1" name=""/>
+        <p:cNvGrpSpPr/>
+        <p:nvPr/>
+      </p:nvGrpSpPr>
+      <p:grpSpPr>
+        <a:xfrm>
+          <a:off x="0" y="0"/>
+          <a:ext cx="0" cy="0"/>
+          <a:chOff x="0" y="0"/>
+          <a:chExt cx="0" cy="0"/>
+        </a:xfrm>
+      </p:grpSpPr>
+      <mc:AlternateContent xmlns:mc="http://schemas.openxmlformats.org/markup-compatibility/2006">
+        <mc:Choice xmlns:a14="http://schemas.microsoft.com/office/drawing/2010/main" Requires="a14">
+          <p:sp>
+            <p:nvSpPr>
+              <p:cNvPr id="2" name="Подзаголовок 1">
+                <a:extLst>
+                  <a:ext uri="{FF2B5EF4-FFF2-40B4-BE49-F238E27FC236}">
+                    <a16:creationId xmlns:a16="http://schemas.microsoft.com/office/drawing/2014/main" id="{EC6CA0C4-50EF-47D4-AA35-9F0186FAC7E9}"/>
+                  </a:ext>
+                </a:extLst>
+              </p:cNvPr>
+              <p:cNvSpPr>
+                <a:spLocks noGrp="1"/>
+              </p:cNvSpPr>
+              <p:nvPr>
+                <p:ph type="subTitle" idx="1"/>
+              </p:nvPr>
+            </p:nvSpPr>
+            <p:spPr>
+              <a:xfrm>
+                <a:off x="651940" y="899517"/>
+                <a:ext cx="12242797" cy="5401539"/>
+              </a:xfrm>
+            </p:spPr>
+            <p:txBody>
+              <a:bodyPr/>
+              <a:lstStyle/>
+              <a:p>
+                <a:pPr/>
+                <a14:m>
+                  <m:oMathPara xmlns:m="http://schemas.openxmlformats.org/officeDocument/2006/math">
+                    <m:oMathParaPr>
+                      <m:jc m:val="left"/>
+                    </m:oMathParaPr>
+                    <m:oMath xmlns:m="http://schemas.openxmlformats.org/officeDocument/2006/math">
+                      <m:r>
+                        <m:rPr>
+                          <m:nor/>
+                        </m:rPr>
+                        <a:rPr lang="ru-RU" smtClean="0"/>
+                        <m:t>Модельные  показания приборов являются нам заданы и являются функциями, представленными в виде </m:t>
+                      </m:r>
+                      <m:r>
+                        <m:rPr>
+                          <m:nor/>
+                        </m:rPr>
+                        <a:rPr lang="en-US" smtClean="0"/>
+                        <m:t>RBF</m:t>
+                      </m:r>
+                      <m:r>
+                        <m:rPr>
+                          <m:nor/>
+                        </m:rPr>
+                        <a:rPr lang="ru-RU" smtClean="0"/>
+                        <m:t>-интерполяции </m:t>
+                      </m:r>
+                      <m:sSub>
+                        <m:sSubPr>
+                          <m:ctrlPr>
+                            <a:rPr lang="ru-RU" i="1"/>
+                          </m:ctrlPr>
+                        </m:sSubPr>
+                        <m:e>
+                          <m:r>
+                            <a:rPr lang="ru-RU" i="1"/>
+                            <m:t>𝐹</m:t>
+                          </m:r>
+                        </m:e>
+                        <m:sub>
+                          <m:r>
+                            <a:rPr lang="ru-RU" i="1"/>
+                            <m:t>𝑖</m:t>
+                          </m:r>
+                        </m:sub>
+                      </m:sSub>
+                      <m:d>
+                        <m:dPr>
+                          <m:ctrlPr>
+                            <a:rPr lang="ru-RU" i="1"/>
+                          </m:ctrlPr>
+                        </m:dPr>
+                        <m:e>
+                          <m:r>
+                            <a:rPr lang="ru-RU" b="1" i="1"/>
+                            <m:t>𝒙</m:t>
+                          </m:r>
+                        </m:e>
+                      </m:d>
+                      <m:r>
+                        <a:rPr lang="ru-RU" i="1"/>
+                        <m:t>=</m:t>
+                      </m:r>
+                      <m:nary>
+                        <m:naryPr>
+                          <m:chr m:val="∑"/>
+                          <m:limLoc m:val="undOvr"/>
+                          <m:ctrlPr>
+                            <a:rPr lang="ru-RU" i="1"/>
+                          </m:ctrlPr>
+                        </m:naryPr>
+                        <m:sub>
+                          <m:r>
+                            <a:rPr lang="ru-RU" i="1"/>
+                            <m:t>𝑘</m:t>
+                          </m:r>
+                          <m:r>
+                            <a:rPr lang="ru-RU" i="1"/>
+                            <m:t>=1</m:t>
+                          </m:r>
+                        </m:sub>
+                        <m:sup>
+                          <m:r>
+                            <a:rPr lang="ru-RU" i="1"/>
+                            <m:t>𝑛</m:t>
+                          </m:r>
+                        </m:sup>
+                        <m:e>
+                          <m:sSub>
+                            <m:sSubPr>
+                              <m:ctrlPr>
+                                <a:rPr lang="ru-RU" i="1"/>
+                              </m:ctrlPr>
+                            </m:sSubPr>
+                            <m:e>
+                              <m:r>
+                                <a:rPr lang="ru-RU" i="1"/>
+                                <m:t>𝑤</m:t>
+                              </m:r>
+                            </m:e>
+                            <m:sub>
+                              <m:r>
+                                <a:rPr lang="ru-RU" i="1"/>
+                                <m:t>𝑖</m:t>
+                              </m:r>
+                              <m:r>
+                                <a:rPr lang="ru-RU" i="1"/>
+                                <m:t>,</m:t>
+                              </m:r>
+                              <m:r>
+                                <a:rPr lang="ru-RU" i="1"/>
+                                <m:t>𝑘</m:t>
+                              </m:r>
+                            </m:sub>
+                          </m:sSub>
+                        </m:e>
+                      </m:nary>
+                      <m:r>
+                        <a:rPr lang="ru-RU" i="1"/>
+                        <m:t>𝑓</m:t>
+                      </m:r>
+                      <m:d>
+                        <m:dPr>
+                          <m:ctrlPr>
+                            <a:rPr lang="ru-RU" i="1"/>
+                          </m:ctrlPr>
+                        </m:dPr>
+                        <m:e>
+                          <m:d>
+                            <m:dPr>
+                              <m:begChr m:val="‖"/>
+                              <m:endChr m:val="‖"/>
+                              <m:ctrlPr>
+                                <a:rPr lang="ru-RU" i="1"/>
+                              </m:ctrlPr>
+                            </m:dPr>
+                            <m:e>
+                              <m:r>
+                                <a:rPr lang="en-US" b="1" i="1"/>
+                                <m:t>𝒙</m:t>
+                              </m:r>
+                              <m:r>
+                                <a:rPr lang="en-US" i="1"/>
+                                <m:t>−</m:t>
+                              </m:r>
+                              <m:sSub>
+                                <m:sSubPr>
+                                  <m:ctrlPr>
+                                    <a:rPr lang="ru-RU" b="1" i="1"/>
+                                  </m:ctrlPr>
+                                </m:sSubPr>
+                                <m:e>
+                                  <m:r>
+                                    <a:rPr lang="en-US" b="1" i="1"/>
+                                    <m:t>𝒙</m:t>
+                                  </m:r>
+                                </m:e>
+                                <m:sub>
+                                  <m:r>
+                                    <a:rPr lang="en-US" b="1" i="1"/>
+                                    <m:t>𝒌</m:t>
+                                  </m:r>
+                                </m:sub>
+                              </m:sSub>
+                            </m:e>
+                          </m:d>
+                        </m:e>
+                      </m:d>
+                      <m:r>
+                        <a:rPr lang="en-US" i="1"/>
+                        <m:t>,  </m:t>
+                      </m:r>
+                      <m:r>
+                        <a:rPr lang="en-US" i="1"/>
+                        <m:t>𝑖</m:t>
+                      </m:r>
+                      <m:r>
+                        <a:rPr lang="en-US" i="1"/>
+                        <m:t>=1,…,</m:t>
+                      </m:r>
+                      <m:r>
+                        <a:rPr lang="en-US" i="1"/>
+                        <m:t>𝑚</m:t>
+                      </m:r>
+                      <m:r>
+                        <a:rPr lang="en-US" i="1"/>
+                        <m:t>. </m:t>
+                      </m:r>
+                    </m:oMath>
+                  </m:oMathPara>
+                </a14:m>
+                <a:endParaRPr lang="ru-RU" dirty="0"/>
+              </a:p>
+              <a:p>
+                <a14:m>
+                  <m:oMath xmlns:m="http://schemas.openxmlformats.org/officeDocument/2006/math">
+                    <m:r>
+                      <m:rPr>
+                        <m:nor/>
+                      </m:rPr>
+                      <a:rPr lang="ru-RU"/>
+                      <m:t>с узловыми точками </m:t>
+                    </m:r>
+                    <m:sSub>
+                      <m:sSubPr>
+                        <m:ctrlPr>
+                          <a:rPr lang="ru-RU" b="1" i="1"/>
+                        </m:ctrlPr>
+                      </m:sSubPr>
+                      <m:e>
+                        <m:r>
+                          <a:rPr lang="en-US" b="1" i="1"/>
+                          <m:t>𝒙</m:t>
+                        </m:r>
+                      </m:e>
+                      <m:sub>
+                        <m:r>
+                          <a:rPr lang="en-US" b="1" i="1"/>
+                          <m:t>𝒌</m:t>
+                        </m:r>
+                      </m:sub>
+                    </m:sSub>
+                    <m:r>
+                      <a:rPr lang="ru-RU" b="1" i="1"/>
+                      <m:t>={</m:t>
+                    </m:r>
+                    <m:sSub>
+                      <m:sSubPr>
+                        <m:ctrlPr>
+                          <a:rPr lang="ru-RU" i="1"/>
+                        </m:ctrlPr>
+                      </m:sSubPr>
+                      <m:e>
+                        <m:r>
+                          <a:rPr lang="en-US" i="1"/>
+                          <m:t>𝑥</m:t>
+                        </m:r>
+                      </m:e>
+                      <m:sub>
+                        <m:r>
+                          <a:rPr lang="en-US" i="1"/>
+                          <m:t>𝑘</m:t>
+                        </m:r>
+                      </m:sub>
+                    </m:sSub>
+                    <m:r>
+                      <a:rPr lang="ru-RU" b="1" i="1"/>
+                      <m:t>,</m:t>
+                    </m:r>
+                    <m:sSub>
+                      <m:sSubPr>
+                        <m:ctrlPr>
+                          <a:rPr lang="ru-RU" i="1"/>
+                        </m:ctrlPr>
+                      </m:sSubPr>
+                      <m:e>
+                        <m:r>
+                          <a:rPr lang="en-US" i="1"/>
+                          <m:t>𝑦</m:t>
+                        </m:r>
+                      </m:e>
+                      <m:sub>
+                        <m:r>
+                          <a:rPr lang="en-US" i="1"/>
+                          <m:t>𝑘</m:t>
+                        </m:r>
+                      </m:sub>
+                    </m:sSub>
+                    <m:r>
+                      <a:rPr lang="ru-RU" i="1"/>
+                      <m:t>,</m:t>
+                    </m:r>
+                    <m:sSub>
+                      <m:sSubPr>
+                        <m:ctrlPr>
+                          <a:rPr lang="ru-RU" i="1"/>
+                        </m:ctrlPr>
+                      </m:sSubPr>
+                      <m:e>
+                        <m:r>
+                          <a:rPr lang="en-US" i="1"/>
+                          <m:t>𝑧</m:t>
+                        </m:r>
+                      </m:e>
+                      <m:sub>
+                        <m:r>
+                          <a:rPr lang="en-US" i="1"/>
+                          <m:t>𝑘</m:t>
+                        </m:r>
+                      </m:sub>
+                    </m:sSub>
+                    <m:r>
+                      <a:rPr lang="ru-RU" b="1" i="1"/>
+                      <m:t>}</m:t>
+                    </m:r>
+                    <m:r>
+                      <m:rPr>
+                        <m:nor/>
+                      </m:rPr>
+                      <a:rPr lang="ru-RU" b="1"/>
+                      <m:t> </m:t>
+                    </m:r>
+                    <m:r>
+                      <m:rPr>
+                        <m:nor/>
+                      </m:rPr>
+                      <a:rPr lang="ru-RU"/>
+                      <m:t>и весами </m:t>
+                    </m:r>
+                    <m:sSub>
+                      <m:sSubPr>
+                        <m:ctrlPr>
+                          <a:rPr lang="ru-RU" i="1"/>
+                        </m:ctrlPr>
+                      </m:sSubPr>
+                      <m:e>
+                        <m:r>
+                          <a:rPr lang="ru-RU" i="1"/>
+                          <m:t>𝑤</m:t>
+                        </m:r>
+                      </m:e>
+                      <m:sub>
+                        <m:r>
+                          <a:rPr lang="ru-RU" i="1"/>
+                          <m:t>𝑖</m:t>
+                        </m:r>
+                        <m:r>
+                          <a:rPr lang="ru-RU" i="1"/>
+                          <m:t>,</m:t>
+                        </m:r>
+                        <m:r>
+                          <a:rPr lang="ru-RU" i="1"/>
+                          <m:t>𝑘</m:t>
+                        </m:r>
+                      </m:sub>
+                    </m:sSub>
+                    <m:r>
+                      <m:rPr>
+                        <m:nor/>
+                      </m:rPr>
+                      <a:rPr lang="ru-RU"/>
+                      <m:t>.В нашем случае ядро радиально-базисной функции имеет вид  </m:t>
+                    </m:r>
+                    <m:r>
+                      <a:rPr lang="ru-RU" i="1"/>
+                      <m:t>𝑓</m:t>
+                    </m:r>
+                    <m:d>
+                      <m:dPr>
+                        <m:ctrlPr>
+                          <a:rPr lang="ru-RU" i="1"/>
+                        </m:ctrlPr>
+                      </m:dPr>
+                      <m:e>
+                        <m:r>
+                          <a:rPr lang="ru-RU" i="1"/>
+                          <m:t>𝑟</m:t>
+                        </m:r>
+                      </m:e>
+                    </m:d>
+                    <m:r>
+                      <a:rPr lang="ru-RU" i="1"/>
+                      <m:t>=</m:t>
+                    </m:r>
+                    <m:rad>
+                      <m:radPr>
+                        <m:degHide m:val="on"/>
+                        <m:ctrlPr>
+                          <a:rPr lang="ru-RU" i="1"/>
+                        </m:ctrlPr>
+                      </m:radPr>
+                      <m:deg/>
+                      <m:e>
+                        <m:r>
+                          <a:rPr lang="ru-RU" i="1"/>
+                          <m:t>1+</m:t>
+                        </m:r>
+                        <m:f>
+                          <m:fPr>
+                            <m:ctrlPr>
+                              <a:rPr lang="ru-RU" i="1"/>
+                            </m:ctrlPr>
+                          </m:fPr>
+                          <m:num>
+                            <m:sSup>
+                              <m:sSupPr>
+                                <m:ctrlPr>
+                                  <a:rPr lang="ru-RU" i="1"/>
+                                </m:ctrlPr>
+                              </m:sSupPr>
+                              <m:e>
+                                <m:r>
+                                  <a:rPr lang="en-US" i="1"/>
+                                  <m:t>𝑟</m:t>
+                                </m:r>
+                              </m:e>
+                              <m:sup>
+                                <m:r>
+                                  <a:rPr lang="ru-RU" i="1"/>
+                                  <m:t>2</m:t>
+                                </m:r>
+                              </m:sup>
+                            </m:sSup>
+                          </m:num>
+                          <m:den>
+                            <m:sSup>
+                              <m:sSupPr>
+                                <m:ctrlPr>
+                                  <a:rPr lang="ru-RU" i="1"/>
+                                </m:ctrlPr>
+                              </m:sSupPr>
+                              <m:e>
+                                <m:r>
+                                  <a:rPr lang="en-US" i="1"/>
+                                  <m:t>𝜀</m:t>
+                                </m:r>
+                              </m:e>
+                              <m:sup>
+                                <m:r>
+                                  <a:rPr lang="ru-RU" i="1"/>
+                                  <m:t>2</m:t>
+                                </m:r>
+                              </m:sup>
+                            </m:sSup>
+                          </m:den>
+                        </m:f>
+                      </m:e>
+                    </m:rad>
+                    <m:r>
+                      <m:rPr>
+                        <m:nor/>
+                      </m:rPr>
+                      <a:rPr lang="ru-RU"/>
+                      <m:t> с известным </m:t>
+                    </m:r>
+                    <m:r>
+                      <a:rPr lang="en-US" i="1"/>
+                      <m:t>𝜀</m:t>
+                    </m:r>
+                    <m:r>
+                      <m:rPr>
+                        <m:nor/>
+                      </m:rPr>
+                      <a:rPr lang="ru-RU"/>
+                      <m:t>.</m:t>
+                    </m:r>
+                  </m:oMath>
+                </a14:m>
+                <a:r>
+                  <a:rPr lang="en-US" dirty="0"/>
+                  <a:t> </a:t>
+                </a:r>
+                <a:r>
+                  <a:rPr lang="ru-RU" dirty="0"/>
+                  <a:t>Нач. приближение </a:t>
+                </a:r>
+                <a14:m>
+                  <m:oMath xmlns:m="http://schemas.openxmlformats.org/officeDocument/2006/math">
+                    <m:sSup>
+                      <m:sSupPr>
+                        <m:ctrlPr>
+                          <a:rPr lang="ru-RU" i="1"/>
+                        </m:ctrlPr>
+                      </m:sSupPr>
+                      <m:e>
+                        <m:r>
+                          <a:rPr lang="ru-RU" i="1"/>
+                          <m:t>𝑥</m:t>
+                        </m:r>
+                      </m:e>
+                      <m:sup>
+                        <m:r>
+                          <a:rPr lang="ru-RU" i="1"/>
+                          <m:t>0</m:t>
+                        </m:r>
+                      </m:sup>
+                    </m:sSup>
+                    <m:r>
+                      <a:rPr lang="ru-RU" i="1"/>
+                      <m:t>=</m:t>
+                    </m:r>
+                    <m:sSup>
+                      <m:sSupPr>
+                        <m:ctrlPr>
+                          <a:rPr lang="ru-RU" i="1"/>
+                        </m:ctrlPr>
+                      </m:sSupPr>
+                      <m:e>
+                        <m:d>
+                          <m:dPr>
+                            <m:begChr m:val="["/>
+                            <m:endChr m:val="]"/>
+                            <m:ctrlPr>
+                              <a:rPr lang="ru-RU" i="1"/>
+                            </m:ctrlPr>
+                          </m:dPr>
+                          <m:e>
+                            <m:r>
+                              <a:rPr lang="ru-RU" i="1"/>
+                              <m:t>10,100,1</m:t>
+                            </m:r>
+                          </m:e>
+                        </m:d>
+                      </m:e>
+                      <m:sup>
+                        <m:r>
+                          <a:rPr lang="ru-RU" i="1"/>
+                          <m:t>𝑇</m:t>
+                        </m:r>
+                      </m:sup>
+                    </m:sSup>
+                    <m:r>
+                      <a:rPr lang="ru-RU" b="0" i="0" smtClean="0">
+                        <a:latin typeface="Cambria Math" panose="02040503050406030204" pitchFamily="18" charset="0"/>
+                      </a:rPr>
+                      <m:t>, </m:t>
+                    </m:r>
+                  </m:oMath>
+                </a14:m>
+                <a:r>
+                  <a:rPr lang="ru-RU" dirty="0"/>
+                  <a:t>эталонная точка </a:t>
+                </a:r>
+                <a14:m>
+                  <m:oMath xmlns:m="http://schemas.openxmlformats.org/officeDocument/2006/math">
+                    <m:sSup>
+                      <m:sSupPr>
+                        <m:ctrlPr>
+                          <a:rPr lang="ru-RU" i="1"/>
+                        </m:ctrlPr>
+                      </m:sSupPr>
+                      <m:e>
+                        <m:r>
+                          <a:rPr lang="ru-RU" i="1"/>
+                          <m:t>𝑥</m:t>
+                        </m:r>
+                      </m:e>
+                      <m:sup>
+                        <m:r>
+                          <a:rPr lang="ru-RU" i="1"/>
+                          <m:t>∗</m:t>
+                        </m:r>
+                      </m:sup>
+                    </m:sSup>
+                    <m:r>
+                      <a:rPr lang="ru-RU" i="1"/>
+                      <m:t>=</m:t>
+                    </m:r>
+                    <m:sSup>
+                      <m:sSupPr>
+                        <m:ctrlPr>
+                          <a:rPr lang="ru-RU" i="1"/>
+                        </m:ctrlPr>
+                      </m:sSupPr>
+                      <m:e>
+                        <m:d>
+                          <m:dPr>
+                            <m:begChr m:val="["/>
+                            <m:endChr m:val="]"/>
+                            <m:ctrlPr>
+                              <a:rPr lang="ru-RU" i="1"/>
+                            </m:ctrlPr>
+                          </m:dPr>
+                          <m:e>
+                            <m:r>
+                              <a:rPr lang="en-US" i="1"/>
+                              <m:t>10.2,12.2,2</m:t>
+                            </m:r>
+                          </m:e>
+                        </m:d>
+                      </m:e>
+                      <m:sup>
+                        <m:r>
+                          <a:rPr lang="en-US" i="1"/>
+                          <m:t>𝑇</m:t>
+                        </m:r>
+                      </m:sup>
+                    </m:sSup>
+                    <m:r>
+                      <a:rPr lang="ru-RU" b="0" i="1" smtClean="0">
+                        <a:latin typeface="Cambria Math" panose="02040503050406030204" pitchFamily="18" charset="0"/>
+                      </a:rPr>
+                      <m:t>.</m:t>
+                    </m:r>
+                  </m:oMath>
+                </a14:m>
+                <a:endParaRPr lang="ru-RU" dirty="0"/>
+              </a:p>
+              <a:p>
+                <a:endParaRPr lang="ru-RU" dirty="0"/>
+              </a:p>
+              <a:p>
+                <a:endParaRPr lang="en-US" dirty="0"/>
+              </a:p>
+            </p:txBody>
+          </p:sp>
+        </mc:Choice>
+        <mc:Fallback>
+          <p:sp>
+            <p:nvSpPr>
+              <p:cNvPr id="2" name="Подзаголовок 1">
+                <a:extLst>
+                  <a:ext uri="{FF2B5EF4-FFF2-40B4-BE49-F238E27FC236}">
+                    <a16:creationId xmlns:a16="http://schemas.microsoft.com/office/drawing/2014/main" id="{EC6CA0C4-50EF-47D4-AA35-9F0186FAC7E9}"/>
+                  </a:ext>
+                </a:extLst>
+              </p:cNvPr>
+              <p:cNvSpPr>
+                <a:spLocks noGrp="1" noRot="1" noChangeAspect="1" noMove="1" noResize="1" noEditPoints="1" noAdjustHandles="1" noChangeArrowheads="1" noChangeShapeType="1" noTextEdit="1"/>
+              </p:cNvSpPr>
+              <p:nvPr>
+                <p:ph type="subTitle" idx="1"/>
+              </p:nvPr>
+            </p:nvSpPr>
+            <p:spPr>
+              <a:xfrm>
+                <a:off x="651940" y="899517"/>
+                <a:ext cx="12242797" cy="5401539"/>
+              </a:xfrm>
+              <a:blipFill>
+                <a:blip r:embed="rId2"/>
+                <a:stretch>
+                  <a:fillRect l="-249"/>
+                </a:stretch>
+              </a:blipFill>
+            </p:spPr>
+            <p:txBody>
+              <a:bodyPr/>
+              <a:lstStyle/>
+              <a:p>
+                <a:r>
+                  <a:rPr lang="ru-RU">
+                    <a:noFill/>
+                  </a:rPr>
+                  <a:t> </a:t>
+                </a:r>
+              </a:p>
+            </p:txBody>
+          </p:sp>
+        </mc:Fallback>
+      </mc:AlternateContent>
+      <p:sp>
+        <p:nvSpPr>
+          <p:cNvPr id="3" name="Номер слайда 2">
+            <a:extLst>
+              <a:ext uri="{FF2B5EF4-FFF2-40B4-BE49-F238E27FC236}">
+                <a16:creationId xmlns:a16="http://schemas.microsoft.com/office/drawing/2014/main" id="{26FF9370-9694-4819-934C-CA2292E291FB}"/>
               </a:ext>
             </a:extLst>
           </p:cNvPr>
@@ -13561,1006 +13527,103 @@
           </a:p>
         </p:txBody>
       </p:sp>
-      <mc:AlternateContent xmlns:mc="http://schemas.openxmlformats.org/markup-compatibility/2006" xmlns:a14="http://schemas.microsoft.com/office/drawing/2010/main">
-        <mc:Choice Requires="a14">
-          <p:sp>
-            <p:nvSpPr>
-              <p:cNvPr id="4" name="Заголовок 3">
-                <a:extLst>
-                  <a:ext uri="{FF2B5EF4-FFF2-40B4-BE49-F238E27FC236}">
-                    <a16:creationId xmlns:a16="http://schemas.microsoft.com/office/drawing/2014/main" id="{F68AB430-F0AF-4E36-94DE-DDFBEA7F8513}"/>
-                  </a:ext>
-                </a:extLst>
-              </p:cNvPr>
-              <p:cNvSpPr>
-                <a:spLocks noGrp="1"/>
-              </p:cNvSpPr>
-              <p:nvPr>
-                <p:ph type="title"/>
-              </p:nvPr>
-            </p:nvSpPr>
-            <p:spPr/>
-            <p:txBody>
-              <a:bodyPr/>
-              <a:lstStyle/>
-              <a:p>
-                <a:r>
-                  <a:rPr lang="ru-RU" dirty="0"/>
-                  <a:t>Группа для</a:t>
-                </a:r>
-                <a:r>
-                  <a:rPr lang="en-US" dirty="0"/>
-                  <a:t> </a:t>
-                </a:r>
-                <a14:m>
-                  <m:oMath xmlns:m="http://schemas.openxmlformats.org/officeDocument/2006/math">
-                    <m:r>
-                      <a:rPr lang="ru-RU" i="1">
-                        <a:effectLst/>
-                        <a:latin typeface="Cambria Math" panose="02040503050406030204" pitchFamily="18" charset="0"/>
-                        <a:ea typeface="Times New Roman" panose="02020603050405020304" pitchFamily="18" charset="0"/>
-                        <a:cs typeface="Times New Roman" panose="02020603050405020304" pitchFamily="18" charset="0"/>
-                      </a:rPr>
-                      <m:t>𝑚</m:t>
-                    </m:r>
-                    <m:r>
-                      <a:rPr lang="en-US" b="0" i="1" smtClean="0">
-                        <a:effectLst/>
-                        <a:latin typeface="Cambria Math" panose="02040503050406030204" pitchFamily="18" charset="0"/>
-                        <a:ea typeface="Times New Roman" panose="02020603050405020304" pitchFamily="18" charset="0"/>
-                        <a:cs typeface="Times New Roman" panose="02020603050405020304" pitchFamily="18" charset="0"/>
-                      </a:rPr>
-                      <m:t>=0</m:t>
-                    </m:r>
-                  </m:oMath>
-                </a14:m>
-                <a:endParaRPr lang="ru-RU" dirty="0"/>
-              </a:p>
-            </p:txBody>
-          </p:sp>
-        </mc:Choice>
-        <mc:Fallback xmlns="">
-          <p:sp>
-            <p:nvSpPr>
-              <p:cNvPr id="4" name="Заголовок 3">
-                <a:extLst>
-                  <a:ext uri="{FF2B5EF4-FFF2-40B4-BE49-F238E27FC236}">
-                    <a16:creationId xmlns:a16="http://schemas.microsoft.com/office/drawing/2014/main" id="{F68AB430-F0AF-4E36-94DE-DDFBEA7F8513}"/>
-                  </a:ext>
-                </a:extLst>
-              </p:cNvPr>
-              <p:cNvSpPr>
-                <a:spLocks noGrp="1" noRot="1" noChangeAspect="1" noMove="1" noResize="1" noEditPoints="1" noAdjustHandles="1" noChangeArrowheads="1" noChangeShapeType="1" noTextEdit="1"/>
-              </p:cNvSpPr>
-              <p:nvPr>
-                <p:ph type="title"/>
-              </p:nvPr>
-            </p:nvSpPr>
-            <p:spPr>
-              <a:blipFill>
-                <a:blip r:embed="rId3"/>
-                <a:stretch>
-                  <a:fillRect l="-1210" t="-19540" b="-29885"/>
-                </a:stretch>
-              </a:blipFill>
-            </p:spPr>
-            <p:txBody>
-              <a:bodyPr/>
-              <a:lstStyle/>
-              <a:p>
-                <a:r>
-                  <a:rPr lang="ru-RU">
-                    <a:noFill/>
-                  </a:rPr>
-                  <a:t> </a:t>
-                </a:r>
-              </a:p>
-            </p:txBody>
-          </p:sp>
-        </mc:Fallback>
-      </mc:AlternateContent>
-      <mc:AlternateContent xmlns:mc="http://schemas.openxmlformats.org/markup-compatibility/2006" xmlns:a14="http://schemas.microsoft.com/office/drawing/2010/main">
-        <mc:Choice Requires="a14">
-          <p:sp>
-            <p:nvSpPr>
-              <p:cNvPr id="7" name="TextBox 6">
-                <a:extLst>
-                  <a:ext uri="{FF2B5EF4-FFF2-40B4-BE49-F238E27FC236}">
-                    <a16:creationId xmlns:a16="http://schemas.microsoft.com/office/drawing/2014/main" id="{BBEF61B2-4EA8-4D2A-998C-E6B71C083683}"/>
-                  </a:ext>
-                </a:extLst>
-              </p:cNvPr>
-              <p:cNvSpPr txBox="1"/>
-              <p:nvPr/>
-            </p:nvSpPr>
-            <p:spPr>
-              <a:xfrm>
-                <a:off x="5200739" y="1231379"/>
-                <a:ext cx="4610516" cy="3018903"/>
-              </a:xfrm>
-              <a:prstGeom prst="rect">
-                <a:avLst/>
-              </a:prstGeom>
-              <a:noFill/>
-            </p:spPr>
-            <p:txBody>
-              <a:bodyPr wrap="square" rtlCol="0">
-                <a:spAutoFit/>
-              </a:bodyPr>
-              <a:lstStyle/>
-              <a:p>
-                <a:pPr defTabSz="755963">
-                  <a:lnSpc>
-                    <a:spcPct val="125000"/>
-                  </a:lnSpc>
-                  <a:spcBef>
-                    <a:spcPts val="827"/>
-                  </a:spcBef>
-                </a:pPr>
-                <a14:m>
-                  <m:oMathPara xmlns:m="http://schemas.openxmlformats.org/officeDocument/2006/math">
-                    <m:oMathParaPr>
-                      <m:jc m:val="centerGroup"/>
-                    </m:oMathParaPr>
-                    <m:oMath xmlns:m="http://schemas.openxmlformats.org/officeDocument/2006/math">
-                      <m:sSub>
-                        <m:sSubPr>
-                          <m:ctrlPr>
-                            <a:rPr lang="ru-RU" sz="4000" i="1" smtClean="0">
-                              <a:solidFill>
-                                <a:srgbClr val="000000"/>
-                              </a:solidFill>
-                              <a:latin typeface="Cambria Math" panose="02040503050406030204" pitchFamily="18" charset="0"/>
-                            </a:rPr>
-                          </m:ctrlPr>
-                        </m:sSubPr>
-                        <m:e>
-                          <m:r>
-                            <a:rPr lang="en-US" sz="4000" i="1">
-                              <a:solidFill>
-                                <a:srgbClr val="000000"/>
-                              </a:solidFill>
-                              <a:latin typeface="Cambria Math" panose="02040503050406030204" pitchFamily="18" charset="0"/>
-                            </a:rPr>
-                            <m:t>𝑋</m:t>
-                          </m:r>
-                        </m:e>
-                        <m:sub>
-                          <m:r>
-                            <a:rPr lang="ru-RU" sz="4000" b="0" i="1" smtClean="0">
-                              <a:solidFill>
-                                <a:srgbClr val="000000"/>
-                              </a:solidFill>
-                              <a:latin typeface="Cambria Math" panose="02040503050406030204" pitchFamily="18" charset="0"/>
-                            </a:rPr>
-                            <m:t>3</m:t>
-                          </m:r>
-                        </m:sub>
-                      </m:sSub>
-                      <m:r>
-                        <a:rPr lang="en-US" sz="4000" i="1">
-                          <a:solidFill>
-                            <a:srgbClr val="000000"/>
-                          </a:solidFill>
-                          <a:latin typeface="Cambria Math" panose="02040503050406030204" pitchFamily="18" charset="0"/>
-                        </a:rPr>
-                        <m:t>=</m:t>
-                      </m:r>
-                      <m:f>
-                        <m:fPr>
-                          <m:ctrlPr>
-                            <a:rPr lang="en-US" sz="4000" i="1">
-                              <a:solidFill>
-                                <a:srgbClr val="000000"/>
-                              </a:solidFill>
-                              <a:latin typeface="Cambria Math" panose="02040503050406030204" pitchFamily="18" charset="0"/>
-                            </a:rPr>
-                          </m:ctrlPr>
-                        </m:fPr>
-                        <m:num>
-                          <m:r>
-                            <a:rPr lang="en-US" sz="4000" i="1">
-                              <a:solidFill>
-                                <a:srgbClr val="000000"/>
-                              </a:solidFill>
-                              <a:latin typeface="Cambria Math" panose="02040503050406030204" pitchFamily="18" charset="0"/>
-                            </a:rPr>
-                            <m:t>𝑡</m:t>
-                          </m:r>
-                          <m:r>
-                            <a:rPr lang="en-US" sz="4000" i="1">
-                              <a:solidFill>
-                                <a:srgbClr val="000000"/>
-                              </a:solidFill>
-                              <a:latin typeface="Cambria Math" panose="02040503050406030204" pitchFamily="18" charset="0"/>
-                            </a:rPr>
-                            <m:t>𝜕</m:t>
-                          </m:r>
-                        </m:num>
-                        <m:den>
-                          <m:r>
-                            <a:rPr lang="en-US" sz="4000" i="1">
-                              <a:solidFill>
-                                <a:srgbClr val="000000"/>
-                              </a:solidFill>
-                              <a:latin typeface="Cambria Math" panose="02040503050406030204" pitchFamily="18" charset="0"/>
-                            </a:rPr>
-                            <m:t>𝜕</m:t>
-                          </m:r>
-                          <m:r>
-                            <a:rPr lang="en-US" sz="4000" i="1">
-                              <a:solidFill>
-                                <a:srgbClr val="000000"/>
-                              </a:solidFill>
-                              <a:latin typeface="Cambria Math" panose="02040503050406030204" pitchFamily="18" charset="0"/>
-                            </a:rPr>
-                            <m:t>𝑡</m:t>
-                          </m:r>
-                        </m:den>
-                      </m:f>
-                    </m:oMath>
-                  </m:oMathPara>
-                </a14:m>
-                <a:endParaRPr lang="ru-RU" sz="4000" i="1" dirty="0">
-                  <a:solidFill>
-                    <a:srgbClr val="000000"/>
-                  </a:solidFill>
-                  <a:latin typeface="Cambria Math" panose="02040503050406030204" pitchFamily="18" charset="0"/>
-                </a:endParaRPr>
-              </a:p>
-              <a:p>
-                <a:pPr defTabSz="755963">
-                  <a:lnSpc>
-                    <a:spcPct val="125000"/>
-                  </a:lnSpc>
-                  <a:spcBef>
-                    <a:spcPts val="827"/>
-                  </a:spcBef>
-                </a:pPr>
-                <a14:m>
-                  <m:oMathPara xmlns:m="http://schemas.openxmlformats.org/officeDocument/2006/math">
-                    <m:oMathParaPr>
-                      <m:jc m:val="centerGroup"/>
-                    </m:oMathParaPr>
-                    <m:oMath xmlns:m="http://schemas.openxmlformats.org/officeDocument/2006/math">
-                      <m:sSub>
-                        <m:sSubPr>
-                          <m:ctrlPr>
-                            <a:rPr lang="ru-RU" sz="4000" i="1">
-                              <a:solidFill>
-                                <a:srgbClr val="000000"/>
-                              </a:solidFill>
-                              <a:latin typeface="Cambria Math" panose="02040503050406030204" pitchFamily="18" charset="0"/>
-                            </a:rPr>
-                          </m:ctrlPr>
-                        </m:sSubPr>
-                        <m:e>
-                          <m:r>
-                            <a:rPr lang="en-US" sz="4000" i="1">
-                              <a:solidFill>
-                                <a:srgbClr val="000000"/>
-                              </a:solidFill>
-                              <a:latin typeface="Cambria Math" panose="02040503050406030204" pitchFamily="18" charset="0"/>
-                            </a:rPr>
-                            <m:t>𝑋</m:t>
-                          </m:r>
-                        </m:e>
-                        <m:sub>
-                          <m:r>
-                            <a:rPr lang="ru-RU" sz="4000" b="0" i="1" smtClean="0">
-                              <a:solidFill>
-                                <a:srgbClr val="000000"/>
-                              </a:solidFill>
-                              <a:latin typeface="Cambria Math" panose="02040503050406030204" pitchFamily="18" charset="0"/>
-                            </a:rPr>
-                            <m:t>4</m:t>
-                          </m:r>
-                        </m:sub>
-                      </m:sSub>
-                      <m:r>
-                        <a:rPr lang="en-US" sz="4000" i="1">
-                          <a:solidFill>
-                            <a:srgbClr val="000000"/>
-                          </a:solidFill>
-                          <a:latin typeface="Cambria Math" panose="02040503050406030204" pitchFamily="18" charset="0"/>
-                        </a:rPr>
-                        <m:t>=</m:t>
-                      </m:r>
-                      <m:f>
-                        <m:fPr>
-                          <m:ctrlPr>
-                            <a:rPr lang="en-US" sz="4000" i="1">
-                              <a:solidFill>
-                                <a:srgbClr val="000000"/>
-                              </a:solidFill>
-                              <a:latin typeface="Cambria Math" panose="02040503050406030204" pitchFamily="18" charset="0"/>
-                            </a:rPr>
-                          </m:ctrlPr>
-                        </m:fPr>
-                        <m:num>
-                          <m:r>
-                            <a:rPr lang="en-US" sz="4000" i="1">
-                              <a:solidFill>
-                                <a:srgbClr val="000000"/>
-                              </a:solidFill>
-                              <a:latin typeface="Cambria Math" panose="02040503050406030204" pitchFamily="18" charset="0"/>
-                            </a:rPr>
-                            <m:t>𝑡</m:t>
-                          </m:r>
-                          <m:r>
-                            <a:rPr lang="en-US" sz="4000" i="1">
-                              <a:solidFill>
-                                <a:srgbClr val="000000"/>
-                              </a:solidFill>
-                              <a:latin typeface="Cambria Math" panose="02040503050406030204" pitchFamily="18" charset="0"/>
-                            </a:rPr>
-                            <m:t>𝜕</m:t>
-                          </m:r>
-                        </m:num>
-                        <m:den>
-                          <m:r>
-                            <a:rPr lang="en-US" sz="4000" i="1">
-                              <a:solidFill>
-                                <a:srgbClr val="000000"/>
-                              </a:solidFill>
-                              <a:latin typeface="Cambria Math" panose="02040503050406030204" pitchFamily="18" charset="0"/>
-                            </a:rPr>
-                            <m:t>𝜕</m:t>
-                          </m:r>
-                          <m:r>
-                            <a:rPr lang="en-US" sz="4000" b="0" i="1" smtClean="0">
-                              <a:solidFill>
-                                <a:srgbClr val="000000"/>
-                              </a:solidFill>
-                              <a:latin typeface="Cambria Math" panose="02040503050406030204" pitchFamily="18" charset="0"/>
-                            </a:rPr>
-                            <m:t>𝑥</m:t>
-                          </m:r>
-                        </m:den>
-                      </m:f>
-                      <m:r>
-                        <a:rPr lang="en-US" sz="4000" i="1">
-                          <a:solidFill>
-                            <a:srgbClr val="000000"/>
-                          </a:solidFill>
-                          <a:latin typeface="Cambria Math" panose="02040503050406030204" pitchFamily="18" charset="0"/>
-                        </a:rPr>
-                        <m:t>+</m:t>
-                      </m:r>
-                      <m:f>
-                        <m:fPr>
-                          <m:ctrlPr>
-                            <a:rPr lang="en-US" sz="4000" i="1">
-                              <a:solidFill>
-                                <a:srgbClr val="000000"/>
-                              </a:solidFill>
-                              <a:latin typeface="Cambria Math" panose="02040503050406030204" pitchFamily="18" charset="0"/>
-                            </a:rPr>
-                          </m:ctrlPr>
-                        </m:fPr>
-                        <m:num>
-                          <m:r>
-                            <a:rPr lang="en-US" sz="4000" b="0" i="1" smtClean="0">
-                              <a:solidFill>
-                                <a:srgbClr val="000000"/>
-                              </a:solidFill>
-                              <a:latin typeface="Cambria Math" panose="02040503050406030204" pitchFamily="18" charset="0"/>
-                            </a:rPr>
-                            <m:t>−</m:t>
-                          </m:r>
-                          <m:r>
-                            <a:rPr lang="en-US" sz="4000" b="0" i="1" smtClean="0">
-                              <a:solidFill>
-                                <a:srgbClr val="000000"/>
-                              </a:solidFill>
-                              <a:latin typeface="Cambria Math" panose="02040503050406030204" pitchFamily="18" charset="0"/>
-                            </a:rPr>
-                            <m:t>𝑥𝑈</m:t>
-                          </m:r>
-                          <m:r>
-                            <a:rPr lang="en-US" sz="4000" i="1">
-                              <a:solidFill>
-                                <a:srgbClr val="000000"/>
-                              </a:solidFill>
-                              <a:latin typeface="Cambria Math" panose="02040503050406030204" pitchFamily="18" charset="0"/>
-                            </a:rPr>
-                            <m:t>𝜕</m:t>
-                          </m:r>
-                        </m:num>
-                        <m:den>
-                          <m:r>
-                            <a:rPr lang="en-US" sz="4000" b="0" i="1" smtClean="0">
-                              <a:solidFill>
-                                <a:srgbClr val="000000"/>
-                              </a:solidFill>
-                              <a:latin typeface="Cambria Math" panose="02040503050406030204" pitchFamily="18" charset="0"/>
-                            </a:rPr>
-                            <m:t>2</m:t>
-                          </m:r>
-                          <m:r>
-                            <a:rPr lang="en-US" sz="4000" i="1">
-                              <a:solidFill>
-                                <a:srgbClr val="000000"/>
-                              </a:solidFill>
-                              <a:latin typeface="Cambria Math" panose="02040503050406030204" pitchFamily="18" charset="0"/>
-                            </a:rPr>
-                            <m:t>𝜕</m:t>
-                          </m:r>
-                          <m:r>
-                            <a:rPr lang="en-US" sz="4000" i="1">
-                              <a:solidFill>
-                                <a:srgbClr val="000000"/>
-                              </a:solidFill>
-                              <a:latin typeface="Cambria Math" panose="02040503050406030204" pitchFamily="18" charset="0"/>
-                            </a:rPr>
-                            <m:t>𝑈</m:t>
-                          </m:r>
-                        </m:den>
-                      </m:f>
-                    </m:oMath>
-                  </m:oMathPara>
-                </a14:m>
-                <a:endParaRPr lang="ru-RU" sz="4000" i="1" dirty="0">
-                  <a:solidFill>
-                    <a:srgbClr val="000000"/>
-                  </a:solidFill>
-                  <a:latin typeface="Cambria Math" panose="02040503050406030204" pitchFamily="18" charset="0"/>
-                </a:endParaRPr>
-              </a:p>
-            </p:txBody>
-          </p:sp>
-        </mc:Choice>
-        <mc:Fallback xmlns="">
-          <p:sp>
-            <p:nvSpPr>
-              <p:cNvPr id="7" name="TextBox 6">
-                <a:extLst>
-                  <a:ext uri="{FF2B5EF4-FFF2-40B4-BE49-F238E27FC236}">
-                    <a16:creationId xmlns:a16="http://schemas.microsoft.com/office/drawing/2014/main" id="{BBEF61B2-4EA8-4D2A-998C-E6B71C083683}"/>
-                  </a:ext>
-                </a:extLst>
-              </p:cNvPr>
-              <p:cNvSpPr txBox="1">
-                <a:spLocks noRot="1" noChangeAspect="1" noMove="1" noResize="1" noEditPoints="1" noAdjustHandles="1" noChangeArrowheads="1" noChangeShapeType="1" noTextEdit="1"/>
-              </p:cNvSpPr>
-              <p:nvPr/>
-            </p:nvSpPr>
-            <p:spPr>
-              <a:xfrm>
-                <a:off x="5200739" y="1231379"/>
-                <a:ext cx="4610516" cy="3018903"/>
-              </a:xfrm>
-              <a:prstGeom prst="rect">
-                <a:avLst/>
-              </a:prstGeom>
-              <a:blipFill>
-                <a:blip r:embed="rId4"/>
-                <a:stretch>
-                  <a:fillRect/>
-                </a:stretch>
-              </a:blipFill>
-            </p:spPr>
-            <p:txBody>
-              <a:bodyPr/>
-              <a:lstStyle/>
-              <a:p>
-                <a:r>
-                  <a:rPr lang="ru-RU">
-                    <a:noFill/>
-                  </a:rPr>
-                  <a:t> </a:t>
-                </a:r>
-              </a:p>
-            </p:txBody>
-          </p:sp>
-        </mc:Fallback>
-      </mc:AlternateContent>
-      <mc:AlternateContent xmlns:mc="http://schemas.openxmlformats.org/markup-compatibility/2006" xmlns:a14="http://schemas.microsoft.com/office/drawing/2010/main">
-        <mc:Choice Requires="a14">
-          <p:sp>
-            <p:nvSpPr>
-              <p:cNvPr id="8" name="TextBox 7">
-                <a:extLst>
-                  <a:ext uri="{FF2B5EF4-FFF2-40B4-BE49-F238E27FC236}">
-                    <a16:creationId xmlns:a16="http://schemas.microsoft.com/office/drawing/2014/main" id="{D5FB9A4E-AE6C-422F-B239-1962A968EE96}"/>
-                  </a:ext>
-                </a:extLst>
-              </p:cNvPr>
-              <p:cNvSpPr txBox="1"/>
-              <p:nvPr/>
-            </p:nvSpPr>
-            <p:spPr>
-              <a:xfrm>
-                <a:off x="9218268" y="1229444"/>
-                <a:ext cx="3024336" cy="3295902"/>
-              </a:xfrm>
-              <a:prstGeom prst="rect">
-                <a:avLst/>
-              </a:prstGeom>
-              <a:noFill/>
-            </p:spPr>
-            <p:txBody>
-              <a:bodyPr wrap="square" rtlCol="0">
-                <a:spAutoFit/>
-              </a:bodyPr>
-              <a:lstStyle/>
-              <a:p>
-                <a:pPr defTabSz="755963">
-                  <a:lnSpc>
-                    <a:spcPct val="125000"/>
-                  </a:lnSpc>
-                  <a:spcBef>
-                    <a:spcPts val="827"/>
-                  </a:spcBef>
-                </a:pPr>
-                <a14:m>
-                  <m:oMathPara xmlns:m="http://schemas.openxmlformats.org/officeDocument/2006/math">
-                    <m:oMathParaPr>
-                      <m:jc m:val="centerGroup"/>
-                    </m:oMathParaPr>
-                    <m:oMath xmlns:m="http://schemas.openxmlformats.org/officeDocument/2006/math">
-                      <m:sSub>
-                        <m:sSubPr>
-                          <m:ctrlPr>
-                            <a:rPr lang="ru-RU" sz="4000" i="1" smtClean="0">
-                              <a:solidFill>
-                                <a:srgbClr val="000000"/>
-                              </a:solidFill>
-                              <a:latin typeface="Cambria Math" panose="02040503050406030204" pitchFamily="18" charset="0"/>
-                            </a:rPr>
-                          </m:ctrlPr>
-                        </m:sSubPr>
-                        <m:e>
-                          <m:r>
-                            <a:rPr lang="en-US" sz="4000" i="1">
-                              <a:solidFill>
-                                <a:srgbClr val="000000"/>
-                              </a:solidFill>
-                              <a:latin typeface="Cambria Math" panose="02040503050406030204" pitchFamily="18" charset="0"/>
-                            </a:rPr>
-                            <m:t>𝑋</m:t>
-                          </m:r>
-                        </m:e>
-                        <m:sub>
-                          <m:r>
-                            <a:rPr lang="ru-RU" sz="4000" b="0" i="1" smtClean="0">
-                              <a:solidFill>
-                                <a:srgbClr val="000000"/>
-                              </a:solidFill>
-                              <a:latin typeface="Cambria Math" panose="02040503050406030204" pitchFamily="18" charset="0"/>
-                            </a:rPr>
-                            <m:t>5</m:t>
-                          </m:r>
-                        </m:sub>
-                      </m:sSub>
-                      <m:r>
-                        <a:rPr lang="en-US" sz="4000" i="1">
-                          <a:solidFill>
-                            <a:srgbClr val="000000"/>
-                          </a:solidFill>
-                          <a:latin typeface="Cambria Math" panose="02040503050406030204" pitchFamily="18" charset="0"/>
-                        </a:rPr>
-                        <m:t>=</m:t>
-                      </m:r>
-                      <m:f>
-                        <m:fPr>
-                          <m:ctrlPr>
-                            <a:rPr lang="en-US" sz="4000" i="1">
-                              <a:solidFill>
-                                <a:srgbClr val="000000"/>
-                              </a:solidFill>
-                              <a:latin typeface="Cambria Math" panose="02040503050406030204" pitchFamily="18" charset="0"/>
-                            </a:rPr>
-                          </m:ctrlPr>
-                        </m:fPr>
-                        <m:num>
-                          <m:r>
-                            <a:rPr lang="en-US" sz="4000" i="1">
-                              <a:solidFill>
-                                <a:srgbClr val="000000"/>
-                              </a:solidFill>
-                              <a:latin typeface="Cambria Math" panose="02040503050406030204" pitchFamily="18" charset="0"/>
-                            </a:rPr>
-                            <m:t>𝜕</m:t>
-                          </m:r>
-                        </m:num>
-                        <m:den>
-                          <m:r>
-                            <a:rPr lang="en-US" sz="4000" i="1">
-                              <a:solidFill>
-                                <a:srgbClr val="000000"/>
-                              </a:solidFill>
-                              <a:latin typeface="Cambria Math" panose="02040503050406030204" pitchFamily="18" charset="0"/>
-                            </a:rPr>
-                            <m:t>𝜕</m:t>
-                          </m:r>
-                          <m:r>
-                            <a:rPr lang="en-US" sz="4000" b="0" i="1" smtClean="0">
-                              <a:solidFill>
-                                <a:srgbClr val="000000"/>
-                              </a:solidFill>
-                              <a:latin typeface="Cambria Math" panose="02040503050406030204" pitchFamily="18" charset="0"/>
-                            </a:rPr>
-                            <m:t>𝑥</m:t>
-                          </m:r>
-                        </m:den>
-                      </m:f>
-                    </m:oMath>
-                  </m:oMathPara>
-                </a14:m>
-                <a:endParaRPr lang="ru-RU" sz="4000" i="1" dirty="0">
-                  <a:solidFill>
-                    <a:srgbClr val="000000"/>
-                  </a:solidFill>
-                  <a:latin typeface="Cambria Math" panose="02040503050406030204" pitchFamily="18" charset="0"/>
-                </a:endParaRPr>
-              </a:p>
-              <a:p>
-                <a:pPr defTabSz="755963">
-                  <a:lnSpc>
-                    <a:spcPct val="125000"/>
-                  </a:lnSpc>
-                  <a:spcBef>
-                    <a:spcPts val="827"/>
-                  </a:spcBef>
-                </a:pPr>
-                <a14:m>
-                  <m:oMathPara xmlns:m="http://schemas.openxmlformats.org/officeDocument/2006/math">
-                    <m:oMathParaPr>
-                      <m:jc m:val="centerGroup"/>
-                    </m:oMathParaPr>
-                    <m:oMath xmlns:m="http://schemas.openxmlformats.org/officeDocument/2006/math">
-                      <m:sSub>
-                        <m:sSubPr>
-                          <m:ctrlPr>
-                            <a:rPr lang="ru-RU" sz="4000" i="1">
-                              <a:solidFill>
-                                <a:srgbClr val="000000"/>
-                              </a:solidFill>
-                              <a:latin typeface="Cambria Math" panose="02040503050406030204" pitchFamily="18" charset="0"/>
-                            </a:rPr>
-                          </m:ctrlPr>
-                        </m:sSubPr>
-                        <m:e>
-                          <m:r>
-                            <a:rPr lang="en-US" sz="4000" i="1">
-                              <a:solidFill>
-                                <a:srgbClr val="000000"/>
-                              </a:solidFill>
-                              <a:latin typeface="Cambria Math" panose="02040503050406030204" pitchFamily="18" charset="0"/>
-                            </a:rPr>
-                            <m:t>𝑋</m:t>
-                          </m:r>
-                        </m:e>
-                        <m:sub>
-                          <m:r>
-                            <a:rPr lang="ru-RU" sz="4000" b="0" i="1" smtClean="0">
-                              <a:solidFill>
-                                <a:srgbClr val="000000"/>
-                              </a:solidFill>
-                              <a:latin typeface="Cambria Math" panose="02040503050406030204" pitchFamily="18" charset="0"/>
-                            </a:rPr>
-                            <m:t>6</m:t>
-                          </m:r>
-                        </m:sub>
-                      </m:sSub>
-                      <m:r>
-                        <a:rPr lang="en-US" sz="4000" i="1">
-                          <a:solidFill>
-                            <a:srgbClr val="000000"/>
-                          </a:solidFill>
-                          <a:latin typeface="Cambria Math" panose="02040503050406030204" pitchFamily="18" charset="0"/>
-                        </a:rPr>
-                        <m:t>=</m:t>
-                      </m:r>
-                      <m:f>
-                        <m:fPr>
-                          <m:ctrlPr>
-                            <a:rPr lang="en-US" sz="4000" i="1">
-                              <a:solidFill>
-                                <a:srgbClr val="000000"/>
-                              </a:solidFill>
-                              <a:latin typeface="Cambria Math" panose="02040503050406030204" pitchFamily="18" charset="0"/>
-                            </a:rPr>
-                          </m:ctrlPr>
-                        </m:fPr>
-                        <m:num>
-                          <m:r>
-                            <a:rPr lang="en-US" sz="4000" b="0" i="1" smtClean="0">
-                              <a:solidFill>
-                                <a:srgbClr val="000000"/>
-                              </a:solidFill>
-                              <a:latin typeface="Cambria Math" panose="02040503050406030204" pitchFamily="18" charset="0"/>
-                            </a:rPr>
-                            <m:t>𝑈</m:t>
-                          </m:r>
-                          <m:r>
-                            <a:rPr lang="en-US" sz="4000" i="1">
-                              <a:solidFill>
-                                <a:srgbClr val="000000"/>
-                              </a:solidFill>
-                              <a:latin typeface="Cambria Math" panose="02040503050406030204" pitchFamily="18" charset="0"/>
-                            </a:rPr>
-                            <m:t>𝜕</m:t>
-                          </m:r>
-                        </m:num>
-                        <m:den>
-                          <m:r>
-                            <a:rPr lang="en-US" sz="4000" i="1">
-                              <a:solidFill>
-                                <a:srgbClr val="000000"/>
-                              </a:solidFill>
-                              <a:latin typeface="Cambria Math" panose="02040503050406030204" pitchFamily="18" charset="0"/>
-                            </a:rPr>
-                            <m:t>𝜕</m:t>
-                          </m:r>
-                          <m:r>
-                            <a:rPr lang="en-US" sz="4000" i="1">
-                              <a:solidFill>
-                                <a:srgbClr val="000000"/>
-                              </a:solidFill>
-                              <a:latin typeface="Cambria Math" panose="02040503050406030204" pitchFamily="18" charset="0"/>
-                            </a:rPr>
-                            <m:t>𝑈</m:t>
-                          </m:r>
-                        </m:den>
-                      </m:f>
-                    </m:oMath>
-                  </m:oMathPara>
-                </a14:m>
-                <a:endParaRPr lang="ru-RU" sz="4000" i="1" dirty="0">
-                  <a:solidFill>
-                    <a:srgbClr val="000000"/>
-                  </a:solidFill>
-                  <a:latin typeface="Cambria Math" panose="02040503050406030204" pitchFamily="18" charset="0"/>
-                </a:endParaRPr>
-              </a:p>
-              <a:p>
-                <a:endParaRPr lang="ru-RU" dirty="0"/>
-              </a:p>
-            </p:txBody>
-          </p:sp>
-        </mc:Choice>
-        <mc:Fallback xmlns="">
-          <p:sp>
-            <p:nvSpPr>
-              <p:cNvPr id="8" name="TextBox 7">
-                <a:extLst>
-                  <a:ext uri="{FF2B5EF4-FFF2-40B4-BE49-F238E27FC236}">
-                    <a16:creationId xmlns:a16="http://schemas.microsoft.com/office/drawing/2014/main" id="{D5FB9A4E-AE6C-422F-B239-1962A968EE96}"/>
-                  </a:ext>
-                </a:extLst>
-              </p:cNvPr>
-              <p:cNvSpPr txBox="1">
-                <a:spLocks noRot="1" noChangeAspect="1" noMove="1" noResize="1" noEditPoints="1" noAdjustHandles="1" noChangeArrowheads="1" noChangeShapeType="1" noTextEdit="1"/>
-              </p:cNvSpPr>
-              <p:nvPr/>
-            </p:nvSpPr>
-            <p:spPr>
-              <a:xfrm>
-                <a:off x="9218268" y="1229444"/>
-                <a:ext cx="3024336" cy="3295902"/>
-              </a:xfrm>
-              <a:prstGeom prst="rect">
-                <a:avLst/>
-              </a:prstGeom>
-              <a:blipFill>
-                <a:blip r:embed="rId5"/>
-                <a:stretch>
-                  <a:fillRect/>
-                </a:stretch>
-              </a:blipFill>
-            </p:spPr>
-            <p:txBody>
-              <a:bodyPr/>
-              <a:lstStyle/>
-              <a:p>
-                <a:r>
-                  <a:rPr lang="ru-RU">
-                    <a:noFill/>
-                  </a:rPr>
-                  <a:t> </a:t>
-                </a:r>
-              </a:p>
-            </p:txBody>
-          </p:sp>
-        </mc:Fallback>
-      </mc:AlternateContent>
-      <mc:AlternateContent xmlns:mc="http://schemas.openxmlformats.org/markup-compatibility/2006" xmlns:a14="http://schemas.microsoft.com/office/drawing/2010/main">
-        <mc:Choice Requires="a14">
-          <p:sp>
-            <p:nvSpPr>
-              <p:cNvPr id="9" name="TextBox 8">
-                <a:extLst>
-                  <a:ext uri="{FF2B5EF4-FFF2-40B4-BE49-F238E27FC236}">
-                    <a16:creationId xmlns:a16="http://schemas.microsoft.com/office/drawing/2014/main" id="{7DD4FCE2-55CC-4B1F-897D-C8AAB3A82A15}"/>
-                  </a:ext>
-                </a:extLst>
-              </p:cNvPr>
-              <p:cNvSpPr txBox="1"/>
-              <p:nvPr/>
-            </p:nvSpPr>
-            <p:spPr>
-              <a:xfrm>
-                <a:off x="998372" y="4694811"/>
-                <a:ext cx="10290901" cy="646331"/>
-              </a:xfrm>
-              <a:prstGeom prst="rect">
-                <a:avLst/>
-              </a:prstGeom>
-              <a:noFill/>
-            </p:spPr>
-            <p:txBody>
-              <a:bodyPr wrap="square" rtlCol="0">
-                <a:spAutoFit/>
-              </a:bodyPr>
-              <a:lstStyle>
-                <a:defPPr>
-                  <a:defRPr lang="ru-RU"/>
-                </a:defPPr>
-              </a:lstStyle>
-              <a:p>
-                <a:r>
-                  <a:rPr lang="ru-RU" sz="3600" dirty="0">
-                    <a:solidFill>
-                      <a:srgbClr val="000000"/>
-                    </a:solidFill>
-                    <a:latin typeface="Cambria Math" panose="02040503050406030204" pitchFamily="18" charset="0"/>
-                  </a:rPr>
-                  <a:t>И бесконечная группа следующая из </a:t>
-                </a:r>
-                <a14:m>
-                  <m:oMath xmlns:m="http://schemas.openxmlformats.org/officeDocument/2006/math">
-                    <m:sSub>
-                      <m:sSubPr>
-                        <m:ctrlPr>
-                          <a:rPr lang="ru-RU" sz="3600" i="1">
-                            <a:solidFill>
-                              <a:srgbClr val="000000"/>
-                            </a:solidFill>
-                            <a:latin typeface="Cambria Math" panose="02040503050406030204" pitchFamily="18" charset="0"/>
-                          </a:rPr>
-                        </m:ctrlPr>
-                      </m:sSubPr>
-                      <m:e>
-                        <m:r>
-                          <m:rPr>
-                            <m:sty m:val="p"/>
-                          </m:rPr>
-                          <a:rPr lang="ru-RU" sz="3600" i="0">
-                            <a:solidFill>
-                              <a:srgbClr val="000000"/>
-                            </a:solidFill>
-                            <a:latin typeface="Cambria Math" panose="02040503050406030204" pitchFamily="18" charset="0"/>
-                          </a:rPr>
-                          <m:t>δ</m:t>
-                        </m:r>
-                      </m:e>
-                      <m:sub>
-                        <m:r>
-                          <m:rPr>
-                            <m:sty m:val="p"/>
-                          </m:rPr>
-                          <a:rPr lang="en-US" sz="3600" i="0">
-                            <a:solidFill>
-                              <a:srgbClr val="000000"/>
-                            </a:solidFill>
-                            <a:latin typeface="Cambria Math" panose="02040503050406030204" pitchFamily="18" charset="0"/>
-                          </a:rPr>
-                          <m:t>t</m:t>
-                        </m:r>
-                      </m:sub>
-                    </m:sSub>
-                    <m:r>
-                      <a:rPr lang="en-US" sz="3600" i="0">
-                        <a:solidFill>
-                          <a:srgbClr val="000000"/>
-                        </a:solidFill>
-                        <a:latin typeface="Cambria Math" panose="02040503050406030204" pitchFamily="18" charset="0"/>
-                      </a:rPr>
-                      <m:t>=</m:t>
-                    </m:r>
-                    <m:sSub>
-                      <m:sSubPr>
-                        <m:ctrlPr>
-                          <a:rPr lang="en-US" sz="3600" i="1">
-                            <a:solidFill>
-                              <a:srgbClr val="000000"/>
-                            </a:solidFill>
-                            <a:latin typeface="Cambria Math" panose="02040503050406030204" pitchFamily="18" charset="0"/>
-                          </a:rPr>
-                        </m:ctrlPr>
-                      </m:sSubPr>
-                      <m:e>
-                        <m:r>
-                          <m:rPr>
-                            <m:sty m:val="p"/>
-                          </m:rPr>
-                          <a:rPr lang="en-US" sz="3600" i="0">
-                            <a:solidFill>
-                              <a:srgbClr val="000000"/>
-                            </a:solidFill>
-                            <a:latin typeface="Cambria Math" panose="02040503050406030204" pitchFamily="18" charset="0"/>
-                          </a:rPr>
-                          <m:t>δ</m:t>
-                        </m:r>
-                      </m:e>
-                      <m:sub>
-                        <m:r>
-                          <m:rPr>
-                            <m:sty m:val="p"/>
-                          </m:rPr>
-                          <a:rPr lang="en-US" sz="3600" i="0">
-                            <a:solidFill>
-                              <a:srgbClr val="000000"/>
-                            </a:solidFill>
-                            <a:latin typeface="Cambria Math" panose="02040503050406030204" pitchFamily="18" charset="0"/>
-                          </a:rPr>
-                          <m:t>xx</m:t>
-                        </m:r>
-                      </m:sub>
-                    </m:sSub>
-                  </m:oMath>
-                </a14:m>
-                <a:endParaRPr lang="ru-RU" sz="3600" dirty="0">
-                  <a:solidFill>
-                    <a:srgbClr val="000000"/>
-                  </a:solidFill>
-                  <a:latin typeface="Cambria Math" panose="02040503050406030204" pitchFamily="18" charset="0"/>
-                </a:endParaRPr>
-              </a:p>
-            </p:txBody>
-          </p:sp>
-        </mc:Choice>
-        <mc:Fallback xmlns="">
-          <p:sp>
-            <p:nvSpPr>
-              <p:cNvPr id="9" name="TextBox 8">
-                <a:extLst>
-                  <a:ext uri="{FF2B5EF4-FFF2-40B4-BE49-F238E27FC236}">
-                    <a16:creationId xmlns:a16="http://schemas.microsoft.com/office/drawing/2014/main" id="{7DD4FCE2-55CC-4B1F-897D-C8AAB3A82A15}"/>
-                  </a:ext>
-                </a:extLst>
-              </p:cNvPr>
-              <p:cNvSpPr txBox="1">
-                <a:spLocks noRot="1" noChangeAspect="1" noMove="1" noResize="1" noEditPoints="1" noAdjustHandles="1" noChangeArrowheads="1" noChangeShapeType="1" noTextEdit="1"/>
-              </p:cNvSpPr>
-              <p:nvPr/>
-            </p:nvSpPr>
-            <p:spPr>
-              <a:xfrm>
-                <a:off x="998372" y="4694811"/>
-                <a:ext cx="10290901" cy="646331"/>
-              </a:xfrm>
-              <a:prstGeom prst="rect">
-                <a:avLst/>
-              </a:prstGeom>
-              <a:blipFill>
-                <a:blip r:embed="rId6"/>
-                <a:stretch>
-                  <a:fillRect l="-1836" t="-14151" b="-34906"/>
-                </a:stretch>
-              </a:blipFill>
-            </p:spPr>
-            <p:txBody>
-              <a:bodyPr/>
-              <a:lstStyle/>
-              <a:p>
-                <a:r>
-                  <a:rPr lang="ru-RU">
-                    <a:noFill/>
-                  </a:rPr>
-                  <a:t> </a:t>
-                </a:r>
-              </a:p>
-            </p:txBody>
-          </p:sp>
-        </mc:Fallback>
-      </mc:AlternateContent>
+      <p:sp>
+        <p:nvSpPr>
+          <p:cNvPr id="4" name="Заголовок 3">
+            <a:extLst>
+              <a:ext uri="{FF2B5EF4-FFF2-40B4-BE49-F238E27FC236}">
+                <a16:creationId xmlns:a16="http://schemas.microsoft.com/office/drawing/2014/main" id="{69395A8B-25A6-423F-AC11-911D80846724}"/>
+              </a:ext>
+            </a:extLst>
+          </p:cNvPr>
+          <p:cNvSpPr>
+            <a:spLocks noGrp="1"/>
+          </p:cNvSpPr>
+          <p:nvPr>
+            <p:ph type="title"/>
+          </p:nvPr>
+        </p:nvSpPr>
+        <p:spPr>
+          <a:xfrm>
+            <a:off x="651940" y="107429"/>
+            <a:ext cx="11591925" cy="527774"/>
+          </a:xfrm>
+        </p:spPr>
+        <p:txBody>
+          <a:bodyPr/>
+          <a:lstStyle/>
+          <a:p>
+            <a:r>
+              <a:rPr lang="ru-RU" dirty="0"/>
+              <a:t>Пример работы на реальных данных</a:t>
+            </a:r>
+          </a:p>
+        </p:txBody>
+      </p:sp>
+      <p:pic>
+        <p:nvPicPr>
+          <p:cNvPr id="11" name="Рисунок 10">
+            <a:extLst>
+              <a:ext uri="{FF2B5EF4-FFF2-40B4-BE49-F238E27FC236}">
+                <a16:creationId xmlns:a16="http://schemas.microsoft.com/office/drawing/2014/main" id="{38C183DF-37B0-C4DA-C18E-05BBB50778B5}"/>
+              </a:ext>
+            </a:extLst>
+          </p:cNvPr>
+          <p:cNvPicPr>
+            <a:picLocks noChangeAspect="1"/>
+          </p:cNvPicPr>
+          <p:nvPr/>
+        </p:nvPicPr>
+        <p:blipFill>
+          <a:blip r:embed="rId3"/>
+          <a:stretch>
+            <a:fillRect/>
+          </a:stretch>
+        </p:blipFill>
+        <p:spPr>
+          <a:xfrm>
+            <a:off x="7574606" y="3489334"/>
+            <a:ext cx="4968553" cy="3755682"/>
+          </a:xfrm>
+          <a:prstGeom prst="rect">
+            <a:avLst/>
+          </a:prstGeom>
+        </p:spPr>
+      </p:pic>
+      <p:pic>
+        <p:nvPicPr>
+          <p:cNvPr id="12" name="Рисунок 11">
+            <a:extLst>
+              <a:ext uri="{FF2B5EF4-FFF2-40B4-BE49-F238E27FC236}">
+                <a16:creationId xmlns:a16="http://schemas.microsoft.com/office/drawing/2014/main" id="{D5FB415A-1DC0-8D1D-C528-83A948106AA2}"/>
+              </a:ext>
+            </a:extLst>
+          </p:cNvPr>
+          <p:cNvPicPr>
+            <a:picLocks noChangeAspect="1"/>
+          </p:cNvPicPr>
+          <p:nvPr/>
+        </p:nvPicPr>
+        <p:blipFill>
+          <a:blip r:embed="rId4"/>
+          <a:stretch>
+            <a:fillRect/>
+          </a:stretch>
+        </p:blipFill>
+        <p:spPr>
+          <a:xfrm>
+            <a:off x="743223" y="3635639"/>
+            <a:ext cx="4320480" cy="3635415"/>
+          </a:xfrm>
+          <a:prstGeom prst="rect">
+            <a:avLst/>
+          </a:prstGeom>
+        </p:spPr>
+      </p:pic>
     </p:spTree>
     <p:extLst>
       <p:ext uri="{BB962C8B-B14F-4D97-AF65-F5344CB8AC3E}">
-        <p14:creationId xmlns:p14="http://schemas.microsoft.com/office/powerpoint/2010/main" val="669607355"/>
+        <p14:creationId xmlns:p14="http://schemas.microsoft.com/office/powerpoint/2010/main" val="1141936530"/>
       </p:ext>
     </p:extLst>
   </p:cSld>
@@ -14610,35 +13673,14 @@
           </a:bodyPr>
           <a:lstStyle/>
           <a:p>
-            <a:pPr indent="450215" defTabSz="914400">
-              <a:lnSpc>
-                <a:spcPct val="115000"/>
-              </a:lnSpc>
-              <a:spcAft>
-                <a:spcPts val="1000"/>
-              </a:spcAft>
-            </a:pPr>
             <a:r>
               <a:rPr lang="ru-RU" sz="2400" dirty="0">
-                <a:latin typeface="Cambria Math"/>
-                <a:ea typeface="Cambria Math"/>
+                <a:effectLst/>
+                <a:ea typeface="Times New Roman" panose="02020603050405020304" pitchFamily="18" charset="0"/>
+                <a:cs typeface="Times New Roman" panose="02020603050405020304" pitchFamily="18" charset="0"/>
               </a:rPr>
-              <a:t>В рамках данной курсовой работы была построена групповая классификация уравнения фильтрации по параметру. Для достижения поставленных целей был </a:t>
+              <a:t>В рамках курсовой работы были изучены и реализованы методы оптимизации, а именно методы Ньютона-Гаусса и Нелдера-Мида. Для каждого метода были реализованы программы на языке программирования C++, которые позволяли провести сравнение методов на сходимость и время выполнения.</a:t>
             </a:r>
-            <a:r>
-              <a:rPr lang="ru-RU" sz="2400">
-                <a:latin typeface="Cambria Math"/>
-                <a:ea typeface="Cambria Math"/>
-              </a:rPr>
-              <a:t>изучен метод групповой классификации.</a:t>
-            </a:r>
-            <a:endParaRPr lang="ru-RU" sz="2400">
-              <a:latin typeface="Cambria Math" panose="02040503050406030204" pitchFamily="18" charset="0"/>
-              <a:ea typeface="Cambria Math"/>
-            </a:endParaRPr>
-          </a:p>
-          <a:p>
-            <a:endParaRPr lang="ru-RU" dirty="0"/>
           </a:p>
         </p:txBody>
       </p:sp>

--- a/doc/presentation.pptx
+++ b/doc/presentation.pptx
@@ -5,19 +5,20 @@
     <p:sldMasterId id="2147483750" r:id="rId1"/>
   </p:sldMasterIdLst>
   <p:notesMasterIdLst>
-    <p:notesMasterId r:id="rId9"/>
+    <p:notesMasterId r:id="rId10"/>
   </p:notesMasterIdLst>
   <p:handoutMasterIdLst>
-    <p:handoutMasterId r:id="rId10"/>
+    <p:handoutMasterId r:id="rId11"/>
   </p:handoutMasterIdLst>
   <p:sldIdLst>
     <p:sldId id="326" r:id="rId2"/>
     <p:sldId id="385" r:id="rId3"/>
     <p:sldId id="376" r:id="rId4"/>
-    <p:sldId id="391" r:id="rId5"/>
-    <p:sldId id="392" r:id="rId6"/>
-    <p:sldId id="390" r:id="rId7"/>
-    <p:sldId id="389" r:id="rId8"/>
+    <p:sldId id="393" r:id="rId5"/>
+    <p:sldId id="391" r:id="rId6"/>
+    <p:sldId id="392" r:id="rId7"/>
+    <p:sldId id="390" r:id="rId8"/>
+    <p:sldId id="389" r:id="rId9"/>
   </p:sldIdLst>
   <p:sldSz cx="13439775" cy="7559675"/>
   <p:notesSz cx="6797675" cy="9926638"/>
@@ -557,6 +558,30 @@
     </pc:docChg>
   </pc:docChgLst>
   <pc:docChgLst>
+    <pc:chgData name="Агзамов Вадим" userId="8ee164391527404c" providerId="Windows Live" clId="Web-{17BFA42C-CF71-4111-8459-96D44A9E8DBC}"/>
+    <pc:docChg chg="modSld">
+      <pc:chgData name="Агзамов Вадим" userId="8ee164391527404c" providerId="Windows Live" clId="Web-{17BFA42C-CF71-4111-8459-96D44A9E8DBC}" dt="2023-12-12T10:08:21.699" v="129" actId="20577"/>
+      <pc:docMkLst>
+        <pc:docMk/>
+      </pc:docMkLst>
+      <pc:sldChg chg="modSp">
+        <pc:chgData name="Агзамов Вадим" userId="8ee164391527404c" providerId="Windows Live" clId="Web-{17BFA42C-CF71-4111-8459-96D44A9E8DBC}" dt="2023-12-12T10:08:21.699" v="129" actId="20577"/>
+        <pc:sldMkLst>
+          <pc:docMk/>
+          <pc:sldMk cId="2689251442" sldId="389"/>
+        </pc:sldMkLst>
+        <pc:spChg chg="mod">
+          <ac:chgData name="Агзамов Вадим" userId="8ee164391527404c" providerId="Windows Live" clId="Web-{17BFA42C-CF71-4111-8459-96D44A9E8DBC}" dt="2023-12-12T10:08:21.699" v="129" actId="20577"/>
+          <ac:spMkLst>
+            <pc:docMk/>
+            <pc:sldMk cId="2689251442" sldId="389"/>
+            <ac:spMk id="3" creationId="{8C6E6E4E-121D-3122-944C-A29B888D893B}"/>
+          </ac:spMkLst>
+        </pc:spChg>
+      </pc:sldChg>
+    </pc:docChg>
+  </pc:docChgLst>
+  <pc:docChgLst>
     <pc:chgData name="Агзамов Вадим" userId="8ee164391527404c" providerId="Windows Live" clId="Web-{8F570F50-9512-47C4-A23A-AC0AA76F6CAF}"/>
     <pc:docChg chg="modSld">
       <pc:chgData name="Агзамов Вадим" userId="8ee164391527404c" providerId="Windows Live" clId="Web-{8F570F50-9512-47C4-A23A-AC0AA76F6CAF}" dt="2023-12-12T08:29:31.155" v="4"/>
@@ -593,30 +618,6 @@
             <ac:picMk id="7" creationId="{5D00B365-5D34-4A4A-91F7-22D64D042DDC}"/>
           </ac:picMkLst>
         </pc:picChg>
-      </pc:sldChg>
-    </pc:docChg>
-  </pc:docChgLst>
-  <pc:docChgLst>
-    <pc:chgData name="Агзамов Вадим" userId="8ee164391527404c" providerId="Windows Live" clId="Web-{17BFA42C-CF71-4111-8459-96D44A9E8DBC}"/>
-    <pc:docChg chg="modSld">
-      <pc:chgData name="Агзамов Вадим" userId="8ee164391527404c" providerId="Windows Live" clId="Web-{17BFA42C-CF71-4111-8459-96D44A9E8DBC}" dt="2023-12-12T10:08:21.699" v="129" actId="20577"/>
-      <pc:docMkLst>
-        <pc:docMk/>
-      </pc:docMkLst>
-      <pc:sldChg chg="modSp">
-        <pc:chgData name="Агзамов Вадим" userId="8ee164391527404c" providerId="Windows Live" clId="Web-{17BFA42C-CF71-4111-8459-96D44A9E8DBC}" dt="2023-12-12T10:08:21.699" v="129" actId="20577"/>
-        <pc:sldMkLst>
-          <pc:docMk/>
-          <pc:sldMk cId="2689251442" sldId="389"/>
-        </pc:sldMkLst>
-        <pc:spChg chg="mod">
-          <ac:chgData name="Агзамов Вадим" userId="8ee164391527404c" providerId="Windows Live" clId="Web-{17BFA42C-CF71-4111-8459-96D44A9E8DBC}" dt="2023-12-12T10:08:21.699" v="129" actId="20577"/>
-          <ac:spMkLst>
-            <pc:docMk/>
-            <pc:sldMk cId="2689251442" sldId="389"/>
-            <ac:spMk id="3" creationId="{8C6E6E4E-121D-3122-944C-A29B888D893B}"/>
-          </ac:spMkLst>
-        </pc:spChg>
       </pc:sldChg>
     </pc:docChg>
   </pc:docChgLst>
@@ -9606,33 +9607,33 @@
           <a:lstStyle/>
           <a:p>
             <a:r>
-              <a:rPr lang="ru-RU" sz="2400" b="1" dirty="0"/>
+              <a:rPr lang="ru-RU" sz="2000" b="1" dirty="0"/>
               <a:t>Цель работы </a:t>
             </a:r>
             <a:r>
-              <a:rPr lang="ru-RU" sz="2400" dirty="0"/>
+              <a:rPr lang="ru-RU" sz="2000" dirty="0"/>
               <a:t>– </a:t>
             </a:r>
             <a:r>
-              <a:rPr lang="ru-RU" sz="2400" dirty="0">
+              <a:rPr lang="ru-RU" sz="2000" dirty="0">
                 <a:effectLst/>
                 <a:ea typeface="Times New Roman" panose="02020603050405020304" pitchFamily="18" charset="0"/>
                 <a:cs typeface="Times New Roman" panose="02020603050405020304" pitchFamily="18" charset="0"/>
               </a:rPr>
               <a:t>реализация и сравнение детерминированных методов для инверсии данных электромагнитного каротажа.</a:t>
             </a:r>
-            <a:endParaRPr lang="ru-RU" sz="2400" dirty="0"/>
+            <a:endParaRPr lang="ru-RU" sz="2000" dirty="0"/>
           </a:p>
           <a:p>
             <a:r>
-              <a:rPr lang="ru-RU" sz="2400" b="1" dirty="0"/>
+              <a:rPr lang="ru-RU" sz="2000" b="1" dirty="0"/>
               <a:t>Задачи</a:t>
             </a:r>
             <a:r>
-              <a:rPr lang="en-US" sz="2400" b="1" dirty="0"/>
+              <a:rPr lang="en-US" sz="2000" b="1" dirty="0"/>
               <a:t>:</a:t>
             </a:r>
-            <a:endParaRPr lang="ru-RU" sz="2400" dirty="0"/>
+            <a:endParaRPr lang="ru-RU" sz="2000" dirty="0"/>
           </a:p>
           <a:p>
             <a:pPr marL="342900" lvl="0" indent="-342900" algn="just">
@@ -9646,7 +9647,7 @@
               <a:buAutoNum type="arabicPeriod"/>
             </a:pPr>
             <a:r>
-              <a:rPr lang="ru-RU" sz="2400" dirty="0">
+              <a:rPr lang="ru-RU" sz="2000" dirty="0">
                 <a:effectLst/>
                 <a:ea typeface="Times New Roman" panose="02020603050405020304" pitchFamily="18" charset="0"/>
                 <a:cs typeface="Times New Roman" panose="02020603050405020304" pitchFamily="18" charset="0"/>
@@ -9654,14 +9655,14 @@
               <a:t>Изуч</a:t>
             </a:r>
             <a:r>
-              <a:rPr lang="ru-RU" sz="2400" dirty="0">
+              <a:rPr lang="ru-RU" sz="2000" dirty="0">
                 <a:ea typeface="Times New Roman" panose="02020603050405020304" pitchFamily="18" charset="0"/>
                 <a:cs typeface="Times New Roman" panose="02020603050405020304" pitchFamily="18" charset="0"/>
               </a:rPr>
               <a:t>ить и реализовать</a:t>
             </a:r>
             <a:r>
-              <a:rPr lang="ru-RU" sz="2400" dirty="0">
+              <a:rPr lang="ru-RU" sz="2000" dirty="0">
                 <a:effectLst/>
                 <a:ea typeface="Times New Roman" panose="02020603050405020304" pitchFamily="18" charset="0"/>
                 <a:cs typeface="Times New Roman" panose="02020603050405020304" pitchFamily="18" charset="0"/>
@@ -9669,7 +9670,7 @@
               <a:t> программно на языке программирования </a:t>
             </a:r>
             <a:r>
-              <a:rPr lang="en-US" sz="2400" dirty="0">
+              <a:rPr lang="en-US" sz="2000" dirty="0">
                 <a:effectLst/>
                 <a:ea typeface="Times New Roman" panose="02020603050405020304" pitchFamily="18" charset="0"/>
                 <a:cs typeface="Times New Roman" panose="02020603050405020304" pitchFamily="18" charset="0"/>
@@ -9677,7 +9678,7 @@
               <a:t>C</a:t>
             </a:r>
             <a:r>
-              <a:rPr lang="ru-RU" sz="2400" dirty="0">
+              <a:rPr lang="ru-RU" sz="2000" dirty="0">
                 <a:effectLst/>
                 <a:ea typeface="Times New Roman" panose="02020603050405020304" pitchFamily="18" charset="0"/>
                 <a:cs typeface="Times New Roman" panose="02020603050405020304" pitchFamily="18" charset="0"/>
@@ -9697,7 +9698,7 @@
               <a:buAutoNum type="arabicPeriod"/>
             </a:pPr>
             <a:r>
-              <a:rPr lang="ru-RU" sz="2400" dirty="0">
+              <a:rPr lang="ru-RU" sz="2000" dirty="0">
                 <a:effectLst/>
                 <a:ea typeface="Times New Roman" panose="02020603050405020304" pitchFamily="18" charset="0"/>
                 <a:cs typeface="Times New Roman" panose="02020603050405020304" pitchFamily="18" charset="0"/>
@@ -9838,16 +9839,16 @@
               </a:bodyPr>
               <a:lstStyle/>
               <a:p>
-                <a:pPr indent="450215" algn="just">
+                <a:pPr algn="just">
                   <a:lnSpc>
-                    <a:spcPct val="115000"/>
+                    <a:spcPct val="150000"/>
                   </a:lnSpc>
                   <a:spcAft>
                     <a:spcPts val="1000"/>
                   </a:spcAft>
                 </a:pPr>
                 <a:r>
-                  <a:rPr lang="ru-RU" sz="2400" dirty="0">
+                  <a:rPr lang="ru-RU" sz="2000" dirty="0">
                     <a:effectLst/>
                     <a:ea typeface="Times New Roman" panose="02020603050405020304" pitchFamily="18" charset="0"/>
                     <a:cs typeface="Times New Roman" panose="02020603050405020304" pitchFamily="18" charset="0"/>
@@ -9857,16 +9858,18 @@
                 <a14:m>
                   <m:oMath xmlns:m="http://schemas.openxmlformats.org/officeDocument/2006/math">
                     <m:r>
-                      <a:rPr lang="ru-RU" sz="2400" i="1">
+                      <a:rPr lang="ru-RU" sz="2000" i="1">
                         <a:effectLst/>
+                        <a:latin typeface="Cambria Math" panose="02040503050406030204" pitchFamily="18" charset="0"/>
                         <a:ea typeface="Times New Roman" panose="02020603050405020304" pitchFamily="18" charset="0"/>
                         <a:cs typeface="Times New Roman" panose="02020603050405020304" pitchFamily="18" charset="0"/>
                       </a:rPr>
                       <m:t>𝑦</m:t>
                     </m:r>
                     <m:r>
-                      <a:rPr lang="ru-RU" sz="2400" i="1">
+                      <a:rPr lang="ru-RU" sz="2000" i="1">
                         <a:effectLst/>
+                        <a:latin typeface="Cambria Math" panose="02040503050406030204" pitchFamily="18" charset="0"/>
                         <a:ea typeface="Times New Roman" panose="02020603050405020304" pitchFamily="18" charset="0"/>
                         <a:cs typeface="Times New Roman" panose="02020603050405020304" pitchFamily="18" charset="0"/>
                       </a:rPr>
@@ -9875,8 +9878,9 @@
                     <m:sSup>
                       <m:sSupPr>
                         <m:ctrlPr>
-                          <a:rPr lang="ru-RU" sz="2400" i="1">
+                          <a:rPr lang="ru-RU" sz="2000" i="1">
                             <a:effectLst/>
+                            <a:latin typeface="Cambria Math" panose="02040503050406030204" pitchFamily="18" charset="0"/>
                             <a:ea typeface="Times New Roman" panose="02020603050405020304" pitchFamily="18" charset="0"/>
                             <a:cs typeface="Times New Roman" panose="02020603050405020304" pitchFamily="18" charset="0"/>
                           </a:rPr>
@@ -9888,8 +9892,9 @@
                             <m:begChr m:val="["/>
                             <m:endChr m:val="]"/>
                             <m:ctrlPr>
-                              <a:rPr lang="ru-RU" sz="2400" i="1">
+                              <a:rPr lang="ru-RU" sz="2000" i="1">
                                 <a:effectLst/>
+                                <a:latin typeface="Cambria Math" panose="02040503050406030204" pitchFamily="18" charset="0"/>
                                 <a:ea typeface="Times New Roman" panose="02020603050405020304" pitchFamily="18" charset="0"/>
                                 <a:cs typeface="Times New Roman" panose="02020603050405020304" pitchFamily="18" charset="0"/>
                               </a:rPr>
@@ -9899,8 +9904,9 @@
                             <m:sSub>
                               <m:sSubPr>
                                 <m:ctrlPr>
-                                  <a:rPr lang="ru-RU" sz="2400" i="1">
+                                  <a:rPr lang="ru-RU" sz="2000" i="1">
                                     <a:effectLst/>
+                                    <a:latin typeface="Cambria Math" panose="02040503050406030204" pitchFamily="18" charset="0"/>
                                     <a:ea typeface="Times New Roman" panose="02020603050405020304" pitchFamily="18" charset="0"/>
                                     <a:cs typeface="Times New Roman" panose="02020603050405020304" pitchFamily="18" charset="0"/>
                                   </a:rPr>
@@ -9908,8 +9914,9 @@
                               </m:sSubPr>
                               <m:e>
                                 <m:r>
-                                  <a:rPr lang="ru-RU" sz="2400" i="1">
+                                  <a:rPr lang="ru-RU" sz="2000" i="1">
                                     <a:effectLst/>
+                                    <a:latin typeface="Cambria Math" panose="02040503050406030204" pitchFamily="18" charset="0"/>
                                     <a:ea typeface="Times New Roman" panose="02020603050405020304" pitchFamily="18" charset="0"/>
                                     <a:cs typeface="Times New Roman" panose="02020603050405020304" pitchFamily="18" charset="0"/>
                                   </a:rPr>
@@ -9918,8 +9925,9 @@
                               </m:e>
                               <m:sub>
                                 <m:r>
-                                  <a:rPr lang="ru-RU" sz="2400" i="1">
+                                  <a:rPr lang="ru-RU" sz="2000" i="1">
                                     <a:effectLst/>
+                                    <a:latin typeface="Cambria Math" panose="02040503050406030204" pitchFamily="18" charset="0"/>
                                     <a:ea typeface="Times New Roman" panose="02020603050405020304" pitchFamily="18" charset="0"/>
                                     <a:cs typeface="Times New Roman" panose="02020603050405020304" pitchFamily="18" charset="0"/>
                                   </a:rPr>
@@ -9928,8 +9936,9 @@
                               </m:sub>
                             </m:sSub>
                             <m:r>
-                              <a:rPr lang="ru-RU" sz="2400" i="1">
+                              <a:rPr lang="ru-RU" sz="2000" i="1">
                                 <a:effectLst/>
+                                <a:latin typeface="Cambria Math" panose="02040503050406030204" pitchFamily="18" charset="0"/>
                                 <a:ea typeface="Times New Roman" panose="02020603050405020304" pitchFamily="18" charset="0"/>
                                 <a:cs typeface="Times New Roman" panose="02020603050405020304" pitchFamily="18" charset="0"/>
                               </a:rPr>
@@ -9938,8 +9947,9 @@
                             <m:sSub>
                               <m:sSubPr>
                                 <m:ctrlPr>
-                                  <a:rPr lang="ru-RU" sz="2400" i="1">
+                                  <a:rPr lang="ru-RU" sz="2000" i="1">
                                     <a:effectLst/>
+                                    <a:latin typeface="Cambria Math" panose="02040503050406030204" pitchFamily="18" charset="0"/>
                                     <a:ea typeface="Times New Roman" panose="02020603050405020304" pitchFamily="18" charset="0"/>
                                     <a:cs typeface="Times New Roman" panose="02020603050405020304" pitchFamily="18" charset="0"/>
                                   </a:rPr>
@@ -9947,8 +9957,9 @@
                               </m:sSubPr>
                               <m:e>
                                 <m:r>
-                                  <a:rPr lang="ru-RU" sz="2400" i="1">
+                                  <a:rPr lang="ru-RU" sz="2000" i="1">
                                     <a:effectLst/>
+                                    <a:latin typeface="Cambria Math" panose="02040503050406030204" pitchFamily="18" charset="0"/>
                                     <a:ea typeface="Times New Roman" panose="02020603050405020304" pitchFamily="18" charset="0"/>
                                     <a:cs typeface="Times New Roman" panose="02020603050405020304" pitchFamily="18" charset="0"/>
                                   </a:rPr>
@@ -9957,8 +9968,9 @@
                               </m:e>
                               <m:sub>
                                 <m:r>
-                                  <a:rPr lang="ru-RU" sz="2400" i="1">
+                                  <a:rPr lang="ru-RU" sz="2000" i="1">
                                     <a:effectLst/>
+                                    <a:latin typeface="Cambria Math" panose="02040503050406030204" pitchFamily="18" charset="0"/>
                                     <a:ea typeface="Times New Roman" panose="02020603050405020304" pitchFamily="18" charset="0"/>
                                     <a:cs typeface="Times New Roman" panose="02020603050405020304" pitchFamily="18" charset="0"/>
                                   </a:rPr>
@@ -9967,8 +9979,9 @@
                               </m:sub>
                             </m:sSub>
                             <m:r>
-                              <a:rPr lang="ru-RU" sz="2400" i="1">
+                              <a:rPr lang="ru-RU" sz="2000" i="1">
                                 <a:effectLst/>
+                                <a:latin typeface="Cambria Math" panose="02040503050406030204" pitchFamily="18" charset="0"/>
                                 <a:ea typeface="Times New Roman" panose="02020603050405020304" pitchFamily="18" charset="0"/>
                                 <a:cs typeface="Times New Roman" panose="02020603050405020304" pitchFamily="18" charset="0"/>
                               </a:rPr>
@@ -9977,8 +9990,9 @@
                             <m:sSub>
                               <m:sSubPr>
                                 <m:ctrlPr>
-                                  <a:rPr lang="ru-RU" sz="2400" i="1">
+                                  <a:rPr lang="ru-RU" sz="2000" i="1">
                                     <a:effectLst/>
+                                    <a:latin typeface="Cambria Math" panose="02040503050406030204" pitchFamily="18" charset="0"/>
                                     <a:ea typeface="Times New Roman" panose="02020603050405020304" pitchFamily="18" charset="0"/>
                                     <a:cs typeface="Times New Roman" panose="02020603050405020304" pitchFamily="18" charset="0"/>
                                   </a:rPr>
@@ -9986,8 +10000,9 @@
                               </m:sSubPr>
                               <m:e>
                                 <m:r>
-                                  <a:rPr lang="ru-RU" sz="2400" i="1">
+                                  <a:rPr lang="ru-RU" sz="2000" i="1">
                                     <a:effectLst/>
+                                    <a:latin typeface="Cambria Math" panose="02040503050406030204" pitchFamily="18" charset="0"/>
                                     <a:ea typeface="Times New Roman" panose="02020603050405020304" pitchFamily="18" charset="0"/>
                                     <a:cs typeface="Times New Roman" panose="02020603050405020304" pitchFamily="18" charset="0"/>
                                   </a:rPr>
@@ -9996,8 +10011,9 @@
                               </m:e>
                               <m:sub>
                                 <m:r>
-                                  <a:rPr lang="ru-RU" sz="2400" i="1">
+                                  <a:rPr lang="ru-RU" sz="2000" i="1">
                                     <a:effectLst/>
+                                    <a:latin typeface="Cambria Math" panose="02040503050406030204" pitchFamily="18" charset="0"/>
                                     <a:ea typeface="Times New Roman" panose="02020603050405020304" pitchFamily="18" charset="0"/>
                                     <a:cs typeface="Times New Roman" panose="02020603050405020304" pitchFamily="18" charset="0"/>
                                   </a:rPr>
@@ -10010,8 +10026,9 @@
                       </m:e>
                       <m:sup>
                         <m:r>
-                          <a:rPr lang="ru-RU" sz="2400" i="1">
+                          <a:rPr lang="ru-RU" sz="2000" i="1">
                             <a:effectLst/>
+                            <a:latin typeface="Cambria Math" panose="02040503050406030204" pitchFamily="18" charset="0"/>
                             <a:ea typeface="Times New Roman" panose="02020603050405020304" pitchFamily="18" charset="0"/>
                             <a:cs typeface="Times New Roman" panose="02020603050405020304" pitchFamily="18" charset="0"/>
                           </a:rPr>
@@ -10022,18 +10039,44 @@
                   </m:oMath>
                 </a14:m>
                 <a:r>
-                  <a:rPr lang="ru-RU" sz="2400" dirty="0">
+                  <a:rPr lang="ru-RU" sz="2000" dirty="0">
                     <a:effectLst/>
                     <a:ea typeface="Times New Roman" panose="02020603050405020304" pitchFamily="18" charset="0"/>
                     <a:cs typeface="Times New Roman" panose="02020603050405020304" pitchFamily="18" charset="0"/>
                   </a:rPr>
-                  <a:t> и вектор-функция </a:t>
+                  <a:t> и вектор-функци</a:t>
                 </a:r>
+                <a:r>
+                  <a:rPr lang="ru-RU" sz="2000" dirty="0">
+                    <a:ea typeface="Times New Roman" panose="02020603050405020304" pitchFamily="18" charset="0"/>
+                    <a:cs typeface="Times New Roman" panose="02020603050405020304" pitchFamily="18" charset="0"/>
+                  </a:rPr>
+                  <a:t>й</a:t>
+                </a:r>
+                <a:r>
+                  <a:rPr lang="ru-RU" sz="2000" dirty="0">
+                    <a:effectLst/>
+                    <a:ea typeface="Times New Roman" panose="02020603050405020304" pitchFamily="18" charset="0"/>
+                    <a:cs typeface="Times New Roman" panose="02020603050405020304" pitchFamily="18" charset="0"/>
+                  </a:rPr>
+                  <a:t> </a:t>
+                </a:r>
+              </a:p>
+              <a:p>
+                <a:pPr algn="just">
+                  <a:lnSpc>
+                    <a:spcPct val="150000"/>
+                  </a:lnSpc>
+                  <a:spcAft>
+                    <a:spcPts val="1000"/>
+                  </a:spcAft>
+                </a:pPr>
                 <a14:m>
                   <m:oMath xmlns:m="http://schemas.openxmlformats.org/officeDocument/2006/math">
                     <m:r>
-                      <a:rPr lang="en-US" sz="2400" i="1">
+                      <a:rPr lang="en-US" sz="2000" i="1">
                         <a:effectLst/>
+                        <a:latin typeface="Cambria Math" panose="02040503050406030204" pitchFamily="18" charset="0"/>
                         <a:ea typeface="Times New Roman" panose="02020603050405020304" pitchFamily="18" charset="0"/>
                         <a:cs typeface="Times New Roman" panose="02020603050405020304" pitchFamily="18" charset="0"/>
                       </a:rPr>
@@ -10042,8 +10085,9 @@
                     <m:d>
                       <m:dPr>
                         <m:ctrlPr>
-                          <a:rPr lang="ru-RU" sz="2400" i="1">
+                          <a:rPr lang="ru-RU" sz="2000" i="1">
                             <a:effectLst/>
+                            <a:latin typeface="Cambria Math" panose="02040503050406030204" pitchFamily="18" charset="0"/>
                             <a:ea typeface="Times New Roman" panose="02020603050405020304" pitchFamily="18" charset="0"/>
                             <a:cs typeface="Times New Roman" panose="02020603050405020304" pitchFamily="18" charset="0"/>
                           </a:rPr>
@@ -10051,8 +10095,9 @@
                       </m:dPr>
                       <m:e>
                         <m:r>
-                          <a:rPr lang="ru-RU" sz="2400" i="1">
+                          <a:rPr lang="ru-RU" sz="2000" i="1">
                             <a:effectLst/>
+                            <a:latin typeface="Cambria Math" panose="02040503050406030204" pitchFamily="18" charset="0"/>
                             <a:ea typeface="Times New Roman" panose="02020603050405020304" pitchFamily="18" charset="0"/>
                             <a:cs typeface="Times New Roman" panose="02020603050405020304" pitchFamily="18" charset="0"/>
                           </a:rPr>
@@ -10061,8 +10106,9 @@
                       </m:e>
                     </m:d>
                     <m:r>
-                      <a:rPr lang="ru-RU" sz="2400" i="1">
+                      <a:rPr lang="ru-RU" sz="2000" i="1">
                         <a:effectLst/>
+                        <a:latin typeface="Cambria Math" panose="02040503050406030204" pitchFamily="18" charset="0"/>
                         <a:ea typeface="Times New Roman" panose="02020603050405020304" pitchFamily="18" charset="0"/>
                         <a:cs typeface="Times New Roman" panose="02020603050405020304" pitchFamily="18" charset="0"/>
                       </a:rPr>
@@ -10071,8 +10117,9 @@
                     <m:sSup>
                       <m:sSupPr>
                         <m:ctrlPr>
-                          <a:rPr lang="ru-RU" sz="2400" i="1">
+                          <a:rPr lang="ru-RU" sz="2000" i="1">
                             <a:effectLst/>
+                            <a:latin typeface="Cambria Math" panose="02040503050406030204" pitchFamily="18" charset="0"/>
                             <a:ea typeface="Times New Roman" panose="02020603050405020304" pitchFamily="18" charset="0"/>
                             <a:cs typeface="Times New Roman" panose="02020603050405020304" pitchFamily="18" charset="0"/>
                           </a:rPr>
@@ -10084,8 +10131,9 @@
                             <m:begChr m:val="["/>
                             <m:endChr m:val="]"/>
                             <m:ctrlPr>
-                              <a:rPr lang="ru-RU" sz="2400" i="1">
+                              <a:rPr lang="ru-RU" sz="2000" i="1">
                                 <a:effectLst/>
+                                <a:latin typeface="Cambria Math" panose="02040503050406030204" pitchFamily="18" charset="0"/>
                                 <a:ea typeface="Times New Roman" panose="02020603050405020304" pitchFamily="18" charset="0"/>
                                 <a:cs typeface="Times New Roman" panose="02020603050405020304" pitchFamily="18" charset="0"/>
                               </a:rPr>
@@ -10095,8 +10143,9 @@
                             <m:sSub>
                               <m:sSubPr>
                                 <m:ctrlPr>
-                                  <a:rPr lang="ru-RU" sz="2400" i="1">
+                                  <a:rPr lang="ru-RU" sz="2000" i="1">
                                     <a:effectLst/>
+                                    <a:latin typeface="Cambria Math" panose="02040503050406030204" pitchFamily="18" charset="0"/>
                                     <a:ea typeface="Times New Roman" panose="02020603050405020304" pitchFamily="18" charset="0"/>
                                     <a:cs typeface="Times New Roman" panose="02020603050405020304" pitchFamily="18" charset="0"/>
                                   </a:rPr>
@@ -10104,8 +10153,9 @@
                               </m:sSubPr>
                               <m:e>
                                 <m:r>
-                                  <a:rPr lang="ru-RU" sz="2400" i="1">
+                                  <a:rPr lang="ru-RU" sz="2000" i="1">
                                     <a:effectLst/>
+                                    <a:latin typeface="Cambria Math" panose="02040503050406030204" pitchFamily="18" charset="0"/>
                                     <a:ea typeface="Times New Roman" panose="02020603050405020304" pitchFamily="18" charset="0"/>
                                     <a:cs typeface="Times New Roman" panose="02020603050405020304" pitchFamily="18" charset="0"/>
                                   </a:rPr>
@@ -10114,8 +10164,9 @@
                               </m:e>
                               <m:sub>
                                 <m:r>
-                                  <a:rPr lang="ru-RU" sz="2400" i="1">
+                                  <a:rPr lang="ru-RU" sz="2000" i="1">
                                     <a:effectLst/>
+                                    <a:latin typeface="Cambria Math" panose="02040503050406030204" pitchFamily="18" charset="0"/>
                                     <a:ea typeface="Times New Roman" panose="02020603050405020304" pitchFamily="18" charset="0"/>
                                     <a:cs typeface="Times New Roman" panose="02020603050405020304" pitchFamily="18" charset="0"/>
                                   </a:rPr>
@@ -10126,8 +10177,9 @@
                             <m:d>
                               <m:dPr>
                                 <m:ctrlPr>
-                                  <a:rPr lang="ru-RU" sz="2400" i="1">
+                                  <a:rPr lang="ru-RU" sz="2000" i="1">
                                     <a:effectLst/>
+                                    <a:latin typeface="Cambria Math" panose="02040503050406030204" pitchFamily="18" charset="0"/>
                                     <a:ea typeface="Times New Roman" panose="02020603050405020304" pitchFamily="18" charset="0"/>
                                     <a:cs typeface="Times New Roman" panose="02020603050405020304" pitchFamily="18" charset="0"/>
                                   </a:rPr>
@@ -10135,8 +10187,9 @@
                               </m:dPr>
                               <m:e>
                                 <m:r>
-                                  <a:rPr lang="en-US" sz="2400" i="1">
+                                  <a:rPr lang="en-US" sz="2000" i="1">
                                     <a:effectLst/>
+                                    <a:latin typeface="Cambria Math" panose="02040503050406030204" pitchFamily="18" charset="0"/>
                                     <a:ea typeface="Times New Roman" panose="02020603050405020304" pitchFamily="18" charset="0"/>
                                     <a:cs typeface="Times New Roman" panose="02020603050405020304" pitchFamily="18" charset="0"/>
                                   </a:rPr>
@@ -10145,8 +10198,9 @@
                               </m:e>
                             </m:d>
                             <m:r>
-                              <a:rPr lang="ru-RU" sz="2400" i="1">
+                              <a:rPr lang="ru-RU" sz="2000" i="1">
                                 <a:effectLst/>
+                                <a:latin typeface="Cambria Math" panose="02040503050406030204" pitchFamily="18" charset="0"/>
                                 <a:ea typeface="Times New Roman" panose="02020603050405020304" pitchFamily="18" charset="0"/>
                                 <a:cs typeface="Times New Roman" panose="02020603050405020304" pitchFamily="18" charset="0"/>
                               </a:rPr>
@@ -10155,8 +10209,9 @@
                             <m:sSub>
                               <m:sSubPr>
                                 <m:ctrlPr>
-                                  <a:rPr lang="ru-RU" sz="2400" i="1">
+                                  <a:rPr lang="ru-RU" sz="2000" i="1">
                                     <a:effectLst/>
+                                    <a:latin typeface="Cambria Math" panose="02040503050406030204" pitchFamily="18" charset="0"/>
                                     <a:ea typeface="Times New Roman" panose="02020603050405020304" pitchFamily="18" charset="0"/>
                                     <a:cs typeface="Times New Roman" panose="02020603050405020304" pitchFamily="18" charset="0"/>
                                   </a:rPr>
@@ -10164,8 +10219,9 @@
                               </m:sSubPr>
                               <m:e>
                                 <m:r>
-                                  <a:rPr lang="en-US" sz="2400" i="1">
+                                  <a:rPr lang="en-US" sz="2000" i="1">
                                     <a:effectLst/>
+                                    <a:latin typeface="Cambria Math" panose="02040503050406030204" pitchFamily="18" charset="0"/>
                                     <a:ea typeface="Times New Roman" panose="02020603050405020304" pitchFamily="18" charset="0"/>
                                     <a:cs typeface="Times New Roman" panose="02020603050405020304" pitchFamily="18" charset="0"/>
                                   </a:rPr>
@@ -10174,8 +10230,9 @@
                               </m:e>
                               <m:sub>
                                 <m:r>
-                                  <a:rPr lang="ru-RU" sz="2400" i="1">
+                                  <a:rPr lang="ru-RU" sz="2000" i="1">
                                     <a:effectLst/>
+                                    <a:latin typeface="Cambria Math" panose="02040503050406030204" pitchFamily="18" charset="0"/>
                                     <a:ea typeface="Times New Roman" panose="02020603050405020304" pitchFamily="18" charset="0"/>
                                     <a:cs typeface="Times New Roman" panose="02020603050405020304" pitchFamily="18" charset="0"/>
                                   </a:rPr>
@@ -10186,8 +10243,9 @@
                             <m:d>
                               <m:dPr>
                                 <m:ctrlPr>
-                                  <a:rPr lang="ru-RU" sz="2400" i="1">
+                                  <a:rPr lang="ru-RU" sz="2000" i="1">
                                     <a:effectLst/>
+                                    <a:latin typeface="Cambria Math" panose="02040503050406030204" pitchFamily="18" charset="0"/>
                                     <a:ea typeface="Times New Roman" panose="02020603050405020304" pitchFamily="18" charset="0"/>
                                     <a:cs typeface="Times New Roman" panose="02020603050405020304" pitchFamily="18" charset="0"/>
                                   </a:rPr>
@@ -10195,8 +10253,9 @@
                               </m:dPr>
                               <m:e>
                                 <m:r>
-                                  <a:rPr lang="en-US" sz="2400" i="1">
+                                  <a:rPr lang="en-US" sz="2000" i="1">
                                     <a:effectLst/>
+                                    <a:latin typeface="Cambria Math" panose="02040503050406030204" pitchFamily="18" charset="0"/>
                                     <a:ea typeface="Times New Roman" panose="02020603050405020304" pitchFamily="18" charset="0"/>
                                     <a:cs typeface="Times New Roman" panose="02020603050405020304" pitchFamily="18" charset="0"/>
                                   </a:rPr>
@@ -10205,8 +10264,9 @@
                               </m:e>
                             </m:d>
                             <m:r>
-                              <a:rPr lang="ru-RU" sz="2400" i="1">
+                              <a:rPr lang="ru-RU" sz="2000" i="1">
                                 <a:effectLst/>
+                                <a:latin typeface="Cambria Math" panose="02040503050406030204" pitchFamily="18" charset="0"/>
                                 <a:ea typeface="Times New Roman" panose="02020603050405020304" pitchFamily="18" charset="0"/>
                                 <a:cs typeface="Times New Roman" panose="02020603050405020304" pitchFamily="18" charset="0"/>
                               </a:rPr>
@@ -10215,8 +10275,9 @@
                             <m:sSub>
                               <m:sSubPr>
                                 <m:ctrlPr>
-                                  <a:rPr lang="ru-RU" sz="2400" i="1">
+                                  <a:rPr lang="ru-RU" sz="2000" i="1">
                                     <a:effectLst/>
+                                    <a:latin typeface="Cambria Math" panose="02040503050406030204" pitchFamily="18" charset="0"/>
                                     <a:ea typeface="Times New Roman" panose="02020603050405020304" pitchFamily="18" charset="0"/>
                                     <a:cs typeface="Times New Roman" panose="02020603050405020304" pitchFamily="18" charset="0"/>
                                   </a:rPr>
@@ -10224,8 +10285,9 @@
                               </m:sSubPr>
                               <m:e>
                                 <m:r>
-                                  <a:rPr lang="en-US" sz="2400" i="1">
+                                  <a:rPr lang="en-US" sz="2000" i="1">
                                     <a:effectLst/>
+                                    <a:latin typeface="Cambria Math" panose="02040503050406030204" pitchFamily="18" charset="0"/>
                                     <a:ea typeface="Times New Roman" panose="02020603050405020304" pitchFamily="18" charset="0"/>
                                     <a:cs typeface="Times New Roman" panose="02020603050405020304" pitchFamily="18" charset="0"/>
                                   </a:rPr>
@@ -10234,8 +10296,9 @@
                               </m:e>
                               <m:sub>
                                 <m:r>
-                                  <a:rPr lang="en-US" sz="2400" i="1">
+                                  <a:rPr lang="en-US" sz="2000" i="1">
                                     <a:effectLst/>
+                                    <a:latin typeface="Cambria Math" panose="02040503050406030204" pitchFamily="18" charset="0"/>
                                     <a:ea typeface="Times New Roman" panose="02020603050405020304" pitchFamily="18" charset="0"/>
                                     <a:cs typeface="Times New Roman" panose="02020603050405020304" pitchFamily="18" charset="0"/>
                                   </a:rPr>
@@ -10246,8 +10309,9 @@
                             <m:d>
                               <m:dPr>
                                 <m:ctrlPr>
-                                  <a:rPr lang="ru-RU" sz="2400" i="1">
+                                  <a:rPr lang="ru-RU" sz="2000" i="1">
                                     <a:effectLst/>
+                                    <a:latin typeface="Cambria Math" panose="02040503050406030204" pitchFamily="18" charset="0"/>
                                     <a:ea typeface="Times New Roman" panose="02020603050405020304" pitchFamily="18" charset="0"/>
                                     <a:cs typeface="Times New Roman" panose="02020603050405020304" pitchFamily="18" charset="0"/>
                                   </a:rPr>
@@ -10255,8 +10319,9 @@
                               </m:dPr>
                               <m:e>
                                 <m:r>
-                                  <a:rPr lang="en-US" sz="2400" i="1">
+                                  <a:rPr lang="en-US" sz="2000" i="1">
                                     <a:effectLst/>
+                                    <a:latin typeface="Cambria Math" panose="02040503050406030204" pitchFamily="18" charset="0"/>
                                     <a:ea typeface="Times New Roman" panose="02020603050405020304" pitchFamily="18" charset="0"/>
                                     <a:cs typeface="Times New Roman" panose="02020603050405020304" pitchFamily="18" charset="0"/>
                                   </a:rPr>
@@ -10269,8 +10334,9 @@
                       </m:e>
                       <m:sup>
                         <m:r>
-                          <a:rPr lang="en-US" sz="2400" i="1">
+                          <a:rPr lang="en-US" sz="2000" i="1">
                             <a:effectLst/>
+                            <a:latin typeface="Cambria Math" panose="02040503050406030204" pitchFamily="18" charset="0"/>
                             <a:ea typeface="Times New Roman" panose="02020603050405020304" pitchFamily="18" charset="0"/>
                             <a:cs typeface="Times New Roman" panose="02020603050405020304" pitchFamily="18" charset="0"/>
                           </a:rPr>
@@ -10279,24 +10345,27 @@
                       </m:sup>
                     </m:sSup>
                     <m:r>
-                      <a:rPr lang="ru-RU" sz="2400" i="1">
+                      <a:rPr lang="ru-RU" sz="2000" i="1">
                         <a:effectLst/>
+                        <a:latin typeface="Cambria Math" panose="02040503050406030204" pitchFamily="18" charset="0"/>
                         <a:ea typeface="Times New Roman" panose="02020603050405020304" pitchFamily="18" charset="0"/>
                         <a:cs typeface="Times New Roman" panose="02020603050405020304" pitchFamily="18" charset="0"/>
                       </a:rPr>
                       <m:t>,где </m:t>
                     </m:r>
                     <m:r>
-                      <a:rPr lang="en-US" sz="2400" i="1">
+                      <a:rPr lang="en-US" sz="2000" i="1">
                         <a:effectLst/>
+                        <a:latin typeface="Cambria Math" panose="02040503050406030204" pitchFamily="18" charset="0"/>
                         <a:ea typeface="Times New Roman" panose="02020603050405020304" pitchFamily="18" charset="0"/>
                         <a:cs typeface="Times New Roman" panose="02020603050405020304" pitchFamily="18" charset="0"/>
                       </a:rPr>
                       <m:t>𝑥</m:t>
                     </m:r>
                     <m:r>
-                      <a:rPr lang="ru-RU" sz="2400" i="1">
+                      <a:rPr lang="ru-RU" sz="2000" i="1">
                         <a:effectLst/>
+                        <a:latin typeface="Cambria Math" panose="02040503050406030204" pitchFamily="18" charset="0"/>
                         <a:ea typeface="Times New Roman" panose="02020603050405020304" pitchFamily="18" charset="0"/>
                         <a:cs typeface="Times New Roman" panose="02020603050405020304" pitchFamily="18" charset="0"/>
                       </a:rPr>
@@ -10305,8 +10374,9 @@
                     <m:sSup>
                       <m:sSupPr>
                         <m:ctrlPr>
-                          <a:rPr lang="ru-RU" sz="2400" i="1">
+                          <a:rPr lang="ru-RU" sz="2000" i="1">
                             <a:effectLst/>
+                            <a:latin typeface="Cambria Math" panose="02040503050406030204" pitchFamily="18" charset="0"/>
                             <a:ea typeface="Times New Roman" panose="02020603050405020304" pitchFamily="18" charset="0"/>
                             <a:cs typeface="Times New Roman" panose="02020603050405020304" pitchFamily="18" charset="0"/>
                           </a:rPr>
@@ -10314,8 +10384,9 @@
                       </m:sSupPr>
                       <m:e>
                         <m:r>
-                          <a:rPr lang="en-US" sz="2400" i="1">
+                          <a:rPr lang="en-US" sz="2000" i="1">
                             <a:effectLst/>
+                            <a:latin typeface="Cambria Math" panose="02040503050406030204" pitchFamily="18" charset="0"/>
                             <a:ea typeface="Times New Roman" panose="02020603050405020304" pitchFamily="18" charset="0"/>
                             <a:cs typeface="Times New Roman" panose="02020603050405020304" pitchFamily="18" charset="0"/>
                           </a:rPr>
@@ -10324,8 +10395,9 @@
                       </m:e>
                       <m:sup>
                         <m:r>
-                          <a:rPr lang="en-US" sz="2400" i="1">
+                          <a:rPr lang="en-US" sz="2000" i="1">
                             <a:effectLst/>
+                            <a:latin typeface="Cambria Math" panose="02040503050406030204" pitchFamily="18" charset="0"/>
                             <a:ea typeface="Times New Roman" panose="02020603050405020304" pitchFamily="18" charset="0"/>
                             <a:cs typeface="Times New Roman" panose="02020603050405020304" pitchFamily="18" charset="0"/>
                           </a:rPr>
@@ -10334,32 +10406,36 @@
                       </m:sup>
                     </m:sSup>
                     <m:r>
-                      <a:rPr lang="ru-RU" sz="2400" i="1">
+                      <a:rPr lang="ru-RU" sz="2000" i="1">
                         <a:effectLst/>
+                        <a:latin typeface="Cambria Math" panose="02040503050406030204" pitchFamily="18" charset="0"/>
                         <a:ea typeface="Times New Roman" panose="02020603050405020304" pitchFamily="18" charset="0"/>
                         <a:cs typeface="Times New Roman" panose="02020603050405020304" pitchFamily="18" charset="0"/>
                       </a:rPr>
                       <m:t>, причем  </m:t>
                     </m:r>
                     <m:r>
-                      <a:rPr lang="en-US" sz="2400" i="1">
+                      <a:rPr lang="en-US" sz="2000" i="1">
                         <a:effectLst/>
+                        <a:latin typeface="Cambria Math" panose="02040503050406030204" pitchFamily="18" charset="0"/>
                         <a:ea typeface="Times New Roman" panose="02020603050405020304" pitchFamily="18" charset="0"/>
                         <a:cs typeface="Times New Roman" panose="02020603050405020304" pitchFamily="18" charset="0"/>
                       </a:rPr>
                       <m:t>𝑚</m:t>
                     </m:r>
                     <m:r>
-                      <a:rPr lang="ru-RU" sz="2400" i="1">
+                      <a:rPr lang="ru-RU" sz="2000" i="1">
                         <a:effectLst/>
+                        <a:latin typeface="Cambria Math" panose="02040503050406030204" pitchFamily="18" charset="0"/>
                         <a:ea typeface="Times New Roman" panose="02020603050405020304" pitchFamily="18" charset="0"/>
                         <a:cs typeface="Times New Roman" panose="02020603050405020304" pitchFamily="18" charset="0"/>
                       </a:rPr>
                       <m:t>≤</m:t>
                     </m:r>
                     <m:r>
-                      <a:rPr lang="en-US" sz="2400" i="1">
+                      <a:rPr lang="en-US" sz="2000" i="1">
                         <a:effectLst/>
+                        <a:latin typeface="Cambria Math" panose="02040503050406030204" pitchFamily="18" charset="0"/>
                         <a:ea typeface="Times New Roman" panose="02020603050405020304" pitchFamily="18" charset="0"/>
                         <a:cs typeface="Times New Roman" panose="02020603050405020304" pitchFamily="18" charset="0"/>
                       </a:rPr>
@@ -10368,7 +10444,7 @@
                   </m:oMath>
                 </a14:m>
                 <a:r>
-                  <a:rPr lang="ru-RU" sz="2400" dirty="0">
+                  <a:rPr lang="ru-RU" sz="2000" dirty="0">
                     <a:effectLst/>
                     <a:ea typeface="Times New Roman" panose="02020603050405020304" pitchFamily="18" charset="0"/>
                     <a:cs typeface="Times New Roman" panose="02020603050405020304" pitchFamily="18" charset="0"/>
@@ -10377,16 +10453,16 @@
                 </a:r>
               </a:p>
               <a:p>
-                <a:pPr indent="450215" algn="just">
+                <a:pPr algn="just">
                   <a:lnSpc>
-                    <a:spcPct val="115000"/>
+                    <a:spcPct val="150000"/>
                   </a:lnSpc>
                   <a:spcAft>
                     <a:spcPts val="1000"/>
                   </a:spcAft>
                 </a:pPr>
                 <a:r>
-                  <a:rPr lang="ru-RU" sz="2400" dirty="0">
+                  <a:rPr lang="ru-RU" sz="2000" dirty="0">
                     <a:effectLst/>
                     <a:ea typeface="Times New Roman" panose="02020603050405020304" pitchFamily="18" charset="0"/>
                     <a:cs typeface="Times New Roman" panose="02020603050405020304" pitchFamily="18" charset="0"/>
@@ -10396,16 +10472,18 @@
                 <a14:m>
                   <m:oMath xmlns:m="http://schemas.openxmlformats.org/officeDocument/2006/math">
                     <m:r>
-                      <a:rPr lang="ru-RU" sz="2400" i="1">
+                      <a:rPr lang="ru-RU" sz="2000" i="1">
                         <a:effectLst/>
+                        <a:latin typeface="Cambria Math" panose="02040503050406030204" pitchFamily="18" charset="0"/>
                         <a:ea typeface="Times New Roman" panose="02020603050405020304" pitchFamily="18" charset="0"/>
                         <a:cs typeface="Times New Roman" panose="02020603050405020304" pitchFamily="18" charset="0"/>
                       </a:rPr>
                       <m:t>𝑥</m:t>
                     </m:r>
                     <m:r>
-                      <a:rPr lang="ru-RU" sz="2400" i="1">
+                      <a:rPr lang="ru-RU" sz="2000" i="1">
                         <a:effectLst/>
+                        <a:latin typeface="Cambria Math" panose="02040503050406030204" pitchFamily="18" charset="0"/>
                         <a:ea typeface="Times New Roman" panose="02020603050405020304" pitchFamily="18" charset="0"/>
                         <a:cs typeface="Times New Roman" panose="02020603050405020304" pitchFamily="18" charset="0"/>
                       </a:rPr>
@@ -10414,8 +10492,9 @@
                     <m:sSup>
                       <m:sSupPr>
                         <m:ctrlPr>
-                          <a:rPr lang="ru-RU" sz="2400" i="1">
+                          <a:rPr lang="ru-RU" sz="2000" i="1">
                             <a:effectLst/>
+                            <a:latin typeface="Cambria Math" panose="02040503050406030204" pitchFamily="18" charset="0"/>
                             <a:ea typeface="Times New Roman" panose="02020603050405020304" pitchFamily="18" charset="0"/>
                             <a:cs typeface="Times New Roman" panose="02020603050405020304" pitchFamily="18" charset="0"/>
                           </a:rPr>
@@ -10423,8 +10502,9 @@
                       </m:sSupPr>
                       <m:e>
                         <m:r>
-                          <a:rPr lang="ru-RU" sz="2400" i="1">
+                          <a:rPr lang="ru-RU" sz="2000" i="1">
                             <a:effectLst/>
+                            <a:latin typeface="Cambria Math" panose="02040503050406030204" pitchFamily="18" charset="0"/>
                             <a:ea typeface="Times New Roman" panose="02020603050405020304" pitchFamily="18" charset="0"/>
                             <a:cs typeface="Times New Roman" panose="02020603050405020304" pitchFamily="18" charset="0"/>
                           </a:rPr>
@@ -10433,8 +10513,9 @@
                       </m:e>
                       <m:sup>
                         <m:r>
-                          <a:rPr lang="ru-RU" sz="2400" i="1">
+                          <a:rPr lang="ru-RU" sz="2000" i="1">
                             <a:effectLst/>
+                            <a:latin typeface="Cambria Math" panose="02040503050406030204" pitchFamily="18" charset="0"/>
                             <a:ea typeface="Times New Roman" panose="02020603050405020304" pitchFamily="18" charset="0"/>
                             <a:cs typeface="Times New Roman" panose="02020603050405020304" pitchFamily="18" charset="0"/>
                           </a:rPr>
@@ -10445,7 +10526,7 @@
                   </m:oMath>
                 </a14:m>
                 <a:r>
-                  <a:rPr lang="ru-RU" sz="2400" dirty="0">
+                  <a:rPr lang="ru-RU" sz="2000" dirty="0">
                     <a:effectLst/>
                     <a:ea typeface="Times New Roman" panose="02020603050405020304" pitchFamily="18" charset="0"/>
                     <a:cs typeface="Times New Roman" panose="02020603050405020304" pitchFamily="18" charset="0"/>
@@ -10454,9 +10535,9 @@
                 </a:r>
               </a:p>
               <a:p>
-                <a:pPr indent="450215" algn="just">
+                <a:pPr algn="just">
                   <a:lnSpc>
-                    <a:spcPct val="115000"/>
+                    <a:spcPct val="150000"/>
                   </a:lnSpc>
                   <a:spcAft>
                     <a:spcPts val="1000"/>
@@ -10471,8 +10552,9 @@
                       <m:eqArr>
                         <m:eqArrPr>
                           <m:ctrlPr>
-                            <a:rPr lang="ru-RU" sz="2400" i="1" smtClean="0">
+                            <a:rPr lang="ru-RU" sz="2000" i="1" smtClean="0">
                               <a:effectLst/>
+                              <a:latin typeface="Cambria Math" panose="02040503050406030204" pitchFamily="18" charset="0"/>
                               <a:ea typeface="Times New Roman" panose="02020603050405020304" pitchFamily="18" charset="0"/>
                               <a:cs typeface="Times New Roman" panose="02020603050405020304" pitchFamily="18" charset="0"/>
                             </a:rPr>
@@ -10480,8 +10562,9 @@
                         </m:eqArrPr>
                         <m:e>
                           <m:r>
-                            <a:rPr lang="en-US" sz="2400" i="1">
+                            <a:rPr lang="en-US" sz="2000" i="1">
                               <a:effectLst/>
+                              <a:latin typeface="Cambria Math" panose="02040503050406030204" pitchFamily="18" charset="0"/>
                               <a:ea typeface="Times New Roman" panose="02020603050405020304" pitchFamily="18" charset="0"/>
                               <a:cs typeface="Times New Roman" panose="02020603050405020304" pitchFamily="18" charset="0"/>
                             </a:rPr>
@@ -10490,8 +10573,9 @@
                           <m:d>
                             <m:dPr>
                               <m:ctrlPr>
-                                <a:rPr lang="ru-RU" sz="2400" i="1">
+                                <a:rPr lang="ru-RU" sz="2000" i="1">
                                   <a:effectLst/>
+                                  <a:latin typeface="Cambria Math" panose="02040503050406030204" pitchFamily="18" charset="0"/>
                                   <a:ea typeface="Times New Roman" panose="02020603050405020304" pitchFamily="18" charset="0"/>
                                   <a:cs typeface="Times New Roman" panose="02020603050405020304" pitchFamily="18" charset="0"/>
                                 </a:rPr>
@@ -10499,8 +10583,9 @@
                             </m:dPr>
                             <m:e>
                               <m:r>
-                                <a:rPr lang="en-US" sz="2400" i="1">
+                                <a:rPr lang="en-US" sz="2000" i="1">
                                   <a:effectLst/>
+                                  <a:latin typeface="Cambria Math" panose="02040503050406030204" pitchFamily="18" charset="0"/>
                                   <a:ea typeface="Times New Roman" panose="02020603050405020304" pitchFamily="18" charset="0"/>
                                   <a:cs typeface="Times New Roman" panose="02020603050405020304" pitchFamily="18" charset="0"/>
                                 </a:rPr>
@@ -10509,8 +10594,9 @@
                             </m:e>
                           </m:d>
                           <m:r>
-                            <a:rPr lang="en-US" sz="2400" i="1">
+                            <a:rPr lang="en-US" sz="2000" i="1">
                               <a:effectLst/>
+                              <a:latin typeface="Cambria Math" panose="02040503050406030204" pitchFamily="18" charset="0"/>
                               <a:ea typeface="Times New Roman" panose="02020603050405020304" pitchFamily="18" charset="0"/>
                               <a:cs typeface="Times New Roman" panose="02020603050405020304" pitchFamily="18" charset="0"/>
                             </a:rPr>
@@ -10520,8 +10606,9 @@
                             <m:naryPr>
                               <m:chr m:val="∑"/>
                               <m:ctrlPr>
-                                <a:rPr lang="ru-RU" sz="2400" i="1">
+                                <a:rPr lang="ru-RU" sz="2000" i="1">
                                   <a:effectLst/>
+                                  <a:latin typeface="Cambria Math" panose="02040503050406030204" pitchFamily="18" charset="0"/>
                                   <a:ea typeface="Times New Roman" panose="02020603050405020304" pitchFamily="18" charset="0"/>
                                   <a:cs typeface="Times New Roman" panose="02020603050405020304" pitchFamily="18" charset="0"/>
                                 </a:rPr>
@@ -10529,16 +10616,18 @@
                             </m:naryPr>
                             <m:sub>
                               <m:r>
-                                <a:rPr lang="en-US" sz="2400" i="1">
+                                <a:rPr lang="en-US" sz="2000" i="1">
                                   <a:effectLst/>
+                                  <a:latin typeface="Cambria Math" panose="02040503050406030204" pitchFamily="18" charset="0"/>
                                   <a:ea typeface="Times New Roman" panose="02020603050405020304" pitchFamily="18" charset="0"/>
                                   <a:cs typeface="Times New Roman" panose="02020603050405020304" pitchFamily="18" charset="0"/>
                                 </a:rPr>
                                 <m:t>𝑖</m:t>
                               </m:r>
                               <m:r>
-                                <a:rPr lang="en-US" sz="2400" i="1">
+                                <a:rPr lang="en-US" sz="2000" i="1">
                                   <a:effectLst/>
+                                  <a:latin typeface="Cambria Math" panose="02040503050406030204" pitchFamily="18" charset="0"/>
                                   <a:ea typeface="Times New Roman" panose="02020603050405020304" pitchFamily="18" charset="0"/>
                                   <a:cs typeface="Times New Roman" panose="02020603050405020304" pitchFamily="18" charset="0"/>
                                 </a:rPr>
@@ -10547,8 +10636,9 @@
                             </m:sub>
                             <m:sup>
                               <m:r>
-                                <a:rPr lang="en-US" sz="2400" i="1">
+                                <a:rPr lang="en-US" sz="2000" i="1">
                                   <a:effectLst/>
+                                  <a:latin typeface="Cambria Math" panose="02040503050406030204" pitchFamily="18" charset="0"/>
                                   <a:ea typeface="Times New Roman" panose="02020603050405020304" pitchFamily="18" charset="0"/>
                                   <a:cs typeface="Times New Roman" panose="02020603050405020304" pitchFamily="18" charset="0"/>
                                 </a:rPr>
@@ -10557,8 +10647,9 @@
                             </m:sup>
                             <m:e>
                               <m:r>
-                                <a:rPr lang="en-US" sz="2400" i="1">
+                                <a:rPr lang="en-US" sz="2000" i="1">
                                   <a:effectLst/>
+                                  <a:latin typeface="Cambria Math" panose="02040503050406030204" pitchFamily="18" charset="0"/>
                                   <a:ea typeface="Times New Roman" panose="02020603050405020304" pitchFamily="18" charset="0"/>
                                   <a:cs typeface="Times New Roman" panose="02020603050405020304" pitchFamily="18" charset="0"/>
                                 </a:rPr>
@@ -10567,8 +10658,9 @@
                               <m:sSub>
                                 <m:sSubPr>
                                   <m:ctrlPr>
-                                    <a:rPr lang="ru-RU" sz="2400" i="1">
+                                    <a:rPr lang="ru-RU" sz="2000" i="1">
                                       <a:effectLst/>
+                                      <a:latin typeface="Cambria Math" panose="02040503050406030204" pitchFamily="18" charset="0"/>
                                       <a:ea typeface="Times New Roman" panose="02020603050405020304" pitchFamily="18" charset="0"/>
                                       <a:cs typeface="Times New Roman" panose="02020603050405020304" pitchFamily="18" charset="0"/>
                                     </a:rPr>
@@ -10576,8 +10668,9 @@
                                 </m:sSubPr>
                                 <m:e>
                                   <m:r>
-                                    <a:rPr lang="en-US" sz="2400" i="1">
+                                    <a:rPr lang="en-US" sz="2000" i="1">
                                       <a:effectLst/>
+                                      <a:latin typeface="Cambria Math" panose="02040503050406030204" pitchFamily="18" charset="0"/>
                                       <a:ea typeface="Times New Roman" panose="02020603050405020304" pitchFamily="18" charset="0"/>
                                       <a:cs typeface="Times New Roman" panose="02020603050405020304" pitchFamily="18" charset="0"/>
                                     </a:rPr>
@@ -10586,8 +10679,9 @@
                                 </m:e>
                                 <m:sub>
                                   <m:r>
-                                    <a:rPr lang="en-US" sz="2400" i="1">
+                                    <a:rPr lang="en-US" sz="2000" i="1">
                                       <a:effectLst/>
+                                      <a:latin typeface="Cambria Math" panose="02040503050406030204" pitchFamily="18" charset="0"/>
                                       <a:ea typeface="Times New Roman" panose="02020603050405020304" pitchFamily="18" charset="0"/>
                                       <a:cs typeface="Times New Roman" panose="02020603050405020304" pitchFamily="18" charset="0"/>
                                     </a:rPr>
@@ -10596,8 +10690,9 @@
                                 </m:sub>
                               </m:sSub>
                               <m:r>
-                                <a:rPr lang="en-US" sz="2400" i="1">
+                                <a:rPr lang="en-US" sz="2000" i="1">
                                   <a:effectLst/>
+                                  <a:latin typeface="Cambria Math" panose="02040503050406030204" pitchFamily="18" charset="0"/>
                                   <a:ea typeface="Times New Roman" panose="02020603050405020304" pitchFamily="18" charset="0"/>
                                   <a:cs typeface="Times New Roman" panose="02020603050405020304" pitchFamily="18" charset="0"/>
                                 </a:rPr>
@@ -10606,8 +10701,9 @@
                               <m:sSub>
                                 <m:sSubPr>
                                   <m:ctrlPr>
-                                    <a:rPr lang="ru-RU" sz="2400" i="1">
+                                    <a:rPr lang="ru-RU" sz="2000" i="1">
                                       <a:effectLst/>
+                                      <a:latin typeface="Cambria Math" panose="02040503050406030204" pitchFamily="18" charset="0"/>
                                       <a:ea typeface="Times New Roman" panose="02020603050405020304" pitchFamily="18" charset="0"/>
                                       <a:cs typeface="Times New Roman" panose="02020603050405020304" pitchFamily="18" charset="0"/>
                                     </a:rPr>
@@ -10615,8 +10711,9 @@
                                 </m:sSubPr>
                                 <m:e>
                                   <m:r>
-                                    <a:rPr lang="en-US" sz="2400" i="1">
+                                    <a:rPr lang="en-US" sz="2000" i="1">
                                       <a:effectLst/>
+                                      <a:latin typeface="Cambria Math" panose="02040503050406030204" pitchFamily="18" charset="0"/>
                                       <a:ea typeface="Times New Roman" panose="02020603050405020304" pitchFamily="18" charset="0"/>
                                       <a:cs typeface="Times New Roman" panose="02020603050405020304" pitchFamily="18" charset="0"/>
                                     </a:rPr>
@@ -10625,8 +10722,9 @@
                                 </m:e>
                                 <m:sub>
                                   <m:r>
-                                    <a:rPr lang="en-US" sz="2400" i="1">
+                                    <a:rPr lang="en-US" sz="2000" i="1">
                                       <a:effectLst/>
+                                      <a:latin typeface="Cambria Math" panose="02040503050406030204" pitchFamily="18" charset="0"/>
                                       <a:ea typeface="Times New Roman" panose="02020603050405020304" pitchFamily="18" charset="0"/>
                                       <a:cs typeface="Times New Roman" panose="02020603050405020304" pitchFamily="18" charset="0"/>
                                     </a:rPr>
@@ -10637,8 +10735,9 @@
                               <m:sSup>
                                 <m:sSupPr>
                                   <m:ctrlPr>
-                                    <a:rPr lang="ru-RU" sz="2400" i="1">
+                                    <a:rPr lang="ru-RU" sz="2000" i="1">
                                       <a:effectLst/>
+                                      <a:latin typeface="Cambria Math" panose="02040503050406030204" pitchFamily="18" charset="0"/>
                                       <a:ea typeface="Times New Roman" panose="02020603050405020304" pitchFamily="18" charset="0"/>
                                       <a:cs typeface="Times New Roman" panose="02020603050405020304" pitchFamily="18" charset="0"/>
                                     </a:rPr>
@@ -10648,8 +10747,9 @@
                                   <m:d>
                                     <m:dPr>
                                       <m:ctrlPr>
-                                        <a:rPr lang="ru-RU" sz="2400" i="1">
+                                        <a:rPr lang="ru-RU" sz="2000" i="1">
                                           <a:effectLst/>
+                                          <a:latin typeface="Cambria Math" panose="02040503050406030204" pitchFamily="18" charset="0"/>
                                           <a:ea typeface="Times New Roman" panose="02020603050405020304" pitchFamily="18" charset="0"/>
                                           <a:cs typeface="Times New Roman" panose="02020603050405020304" pitchFamily="18" charset="0"/>
                                         </a:rPr>
@@ -10657,8 +10757,9 @@
                                     </m:dPr>
                                     <m:e>
                                       <m:r>
-                                        <a:rPr lang="en-US" sz="2400" i="1">
+                                        <a:rPr lang="en-US" sz="2000" i="1">
                                           <a:effectLst/>
+                                          <a:latin typeface="Cambria Math" panose="02040503050406030204" pitchFamily="18" charset="0"/>
                                           <a:ea typeface="Times New Roman" panose="02020603050405020304" pitchFamily="18" charset="0"/>
                                           <a:cs typeface="Times New Roman" panose="02020603050405020304" pitchFamily="18" charset="0"/>
                                         </a:rPr>
@@ -10667,8 +10768,9 @@
                                     </m:e>
                                   </m:d>
                                   <m:r>
-                                    <a:rPr lang="en-US" sz="2400" i="1">
+                                    <a:rPr lang="en-US" sz="2000" i="1">
                                       <a:effectLst/>
+                                      <a:latin typeface="Cambria Math" panose="02040503050406030204" pitchFamily="18" charset="0"/>
                                       <a:ea typeface="Times New Roman" panose="02020603050405020304" pitchFamily="18" charset="0"/>
                                       <a:cs typeface="Times New Roman" panose="02020603050405020304" pitchFamily="18" charset="0"/>
                                     </a:rPr>
@@ -10677,8 +10779,9 @@
                                 </m:e>
                                 <m:sup>
                                   <m:r>
-                                    <a:rPr lang="en-US" sz="2400" i="1">
+                                    <a:rPr lang="en-US" sz="2000" i="1">
                                       <a:effectLst/>
+                                      <a:latin typeface="Cambria Math" panose="02040503050406030204" pitchFamily="18" charset="0"/>
                                       <a:ea typeface="Times New Roman" panose="02020603050405020304" pitchFamily="18" charset="0"/>
                                       <a:cs typeface="Times New Roman" panose="02020603050405020304" pitchFamily="18" charset="0"/>
                                     </a:rPr>
@@ -10687,8 +10790,9 @@
                                 </m:sup>
                               </m:sSup>
                               <m:r>
-                                <a:rPr lang="en-US" sz="2400" i="1">
+                                <a:rPr lang="en-US" sz="2000" i="1">
                                   <a:effectLst/>
+                                  <a:latin typeface="Cambria Math" panose="02040503050406030204" pitchFamily="18" charset="0"/>
                                   <a:ea typeface="Times New Roman" panose="02020603050405020304" pitchFamily="18" charset="0"/>
                                   <a:cs typeface="Times New Roman" panose="02020603050405020304" pitchFamily="18" charset="0"/>
                                 </a:rPr>
@@ -10698,8 +10802,9 @@
                                 <m:rPr>
                                   <m:sty m:val="p"/>
                                 </m:rPr>
-                                <a:rPr lang="en-US" sz="2400">
+                                <a:rPr lang="en-US" sz="2000">
                                   <a:effectLst/>
+                                  <a:latin typeface="Cambria Math" panose="02040503050406030204" pitchFamily="18" charset="0"/>
                                   <a:ea typeface="Times New Roman" panose="02020603050405020304" pitchFamily="18" charset="0"/>
                                   <a:cs typeface="Times New Roman" panose="02020603050405020304" pitchFamily="18" charset="0"/>
                                 </a:rPr>
@@ -10707,12 +10812,21 @@
                               </m:r>
                             </m:e>
                           </m:nary>
+                          <m:r>
+                            <a:rPr lang="en-US" sz="2000" b="0" i="1" smtClean="0">
+                              <a:effectLst/>
+                              <a:latin typeface="Cambria Math" panose="02040503050406030204" pitchFamily="18" charset="0"/>
+                              <a:ea typeface="Times New Roman" panose="02020603050405020304" pitchFamily="18" charset="0"/>
+                              <a:cs typeface="Times New Roman" panose="02020603050405020304" pitchFamily="18" charset="0"/>
+                            </a:rPr>
+                            <m:t>,</m:t>
+                          </m:r>
                         </m:e>
                       </m:eqArr>
                     </m:oMath>
                   </m:oMathPara>
                 </a14:m>
-                <a:endParaRPr lang="ru-RU" sz="2400" dirty="0">
+                <a:endParaRPr lang="ru-RU" sz="2000" dirty="0">
                   <a:effectLst/>
                   <a:ea typeface="Times New Roman" panose="02020603050405020304" pitchFamily="18" charset="0"/>
                   <a:cs typeface="Times New Roman" panose="02020603050405020304" pitchFamily="18" charset="0"/>
@@ -10721,14 +10835,14 @@
               <a:p>
                 <a:pPr algn="just">
                   <a:lnSpc>
-                    <a:spcPct val="115000"/>
+                    <a:spcPct val="150000"/>
                   </a:lnSpc>
                   <a:spcAft>
                     <a:spcPts val="1000"/>
                   </a:spcAft>
                 </a:pPr>
                 <a:r>
-                  <a:rPr lang="ru-RU" sz="2400" dirty="0">
+                  <a:rPr lang="ru-RU" sz="2000" dirty="0">
                     <a:effectLst/>
                     <a:ea typeface="Times New Roman" panose="02020603050405020304" pitchFamily="18" charset="0"/>
                     <a:cs typeface="Times New Roman" panose="02020603050405020304" pitchFamily="18" charset="0"/>
@@ -10738,8 +10852,9 @@
                 <a14:m>
                   <m:oMath xmlns:m="http://schemas.openxmlformats.org/officeDocument/2006/math">
                     <m:r>
-                      <a:rPr lang="ru-RU" sz="2400" i="1">
+                      <a:rPr lang="ru-RU" sz="2000" i="1">
                         <a:effectLst/>
+                        <a:latin typeface="Cambria Math" panose="02040503050406030204" pitchFamily="18" charset="0"/>
                         <a:ea typeface="Times New Roman" panose="02020603050405020304" pitchFamily="18" charset="0"/>
                         <a:cs typeface="Times New Roman" panose="02020603050405020304" pitchFamily="18" charset="0"/>
                       </a:rPr>
@@ -10748,8 +10863,9 @@
                     <m:d>
                       <m:dPr>
                         <m:ctrlPr>
-                          <a:rPr lang="ru-RU" sz="2400" i="1">
+                          <a:rPr lang="ru-RU" sz="2000" i="1">
                             <a:effectLst/>
+                            <a:latin typeface="Cambria Math" panose="02040503050406030204" pitchFamily="18" charset="0"/>
                             <a:ea typeface="Times New Roman" panose="02020603050405020304" pitchFamily="18" charset="0"/>
                             <a:cs typeface="Times New Roman" panose="02020603050405020304" pitchFamily="18" charset="0"/>
                           </a:rPr>
@@ -10757,8 +10873,9 @@
                       </m:dPr>
                       <m:e>
                         <m:r>
-                          <a:rPr lang="ru-RU" sz="2400" i="1">
+                          <a:rPr lang="ru-RU" sz="2000" i="1">
                             <a:effectLst/>
+                            <a:latin typeface="Cambria Math" panose="02040503050406030204" pitchFamily="18" charset="0"/>
                             <a:ea typeface="Times New Roman" panose="02020603050405020304" pitchFamily="18" charset="0"/>
                             <a:cs typeface="Times New Roman" panose="02020603050405020304" pitchFamily="18" charset="0"/>
                           </a:rPr>
@@ -10769,7 +10886,7 @@
                   </m:oMath>
                 </a14:m>
                 <a:r>
-                  <a:rPr lang="ru-RU" sz="2400" dirty="0">
+                  <a:rPr lang="ru-RU" sz="2000" dirty="0">
                     <a:effectLst/>
                     <a:ea typeface="Times New Roman" panose="02020603050405020304" pitchFamily="18" charset="0"/>
                     <a:cs typeface="Times New Roman" panose="02020603050405020304" pitchFamily="18" charset="0"/>
@@ -10823,7 +10940,7 @@
               <a:blipFill>
                 <a:blip r:embed="rId2"/>
                 <a:stretch>
-                  <a:fillRect l="-797" t="-226"/>
+                  <a:fillRect l="-548"/>
                 </a:stretch>
               </a:blipFill>
             </p:spPr>
@@ -10937,6 +11054,1034 @@
               <p:cNvPr id="2" name="Подзаголовок 1">
                 <a:extLst>
                   <a:ext uri="{FF2B5EF4-FFF2-40B4-BE49-F238E27FC236}">
+                    <a16:creationId xmlns:a16="http://schemas.microsoft.com/office/drawing/2014/main" id="{AE59004E-DFF2-C3C3-5EF1-40FD253CEEA5}"/>
+                  </a:ext>
+                </a:extLst>
+              </p:cNvPr>
+              <p:cNvSpPr>
+                <a:spLocks noGrp="1"/>
+              </p:cNvSpPr>
+              <p:nvPr>
+                <p:ph type="subTitle" idx="1"/>
+              </p:nvPr>
+            </p:nvSpPr>
+            <p:spPr>
+              <a:xfrm>
+                <a:off x="650679" y="899517"/>
+                <a:ext cx="12242797" cy="6120680"/>
+              </a:xfrm>
+            </p:spPr>
+            <p:txBody>
+              <a:bodyPr>
+                <a:noAutofit/>
+              </a:bodyPr>
+              <a:lstStyle/>
+              <a:p>
+                <a:r>
+                  <a:rPr lang="ru-RU" sz="2000" b="1" dirty="0"/>
+                  <a:t>Метод </a:t>
+                </a:r>
+                <a:r>
+                  <a:rPr lang="ru-RU" sz="2000" b="1" dirty="0" err="1"/>
+                  <a:t>Нелдера</a:t>
+                </a:r>
+                <a:r>
+                  <a:rPr lang="ru-RU" sz="2000" b="1" dirty="0"/>
+                  <a:t>-Нида</a:t>
+                </a:r>
+              </a:p>
+              <a:p>
+                <a:r>
+                  <a:rPr lang="ru-RU" sz="2000" b="0" i="0" dirty="0">
+                    <a:solidFill>
+                      <a:srgbClr val="333333"/>
+                    </a:solidFill>
+                    <a:effectLst/>
+                  </a:rPr>
+                  <a:t>Алгоритм заключается в формировании симплекса и последующего его деформирования в направлении минимума, посредством трех операций:</a:t>
+                </a:r>
+                <a:br>
+                  <a:rPr lang="ru-RU" sz="2000" dirty="0"/>
+                </a:br>
+                <a:r>
+                  <a:rPr lang="ru-RU" sz="2000" i="0" dirty="0">
+                    <a:solidFill>
+                      <a:srgbClr val="333333"/>
+                    </a:solidFill>
+                    <a:effectLst/>
+                  </a:rPr>
+                  <a:t>1) Отражение </a:t>
+                </a:r>
+                <a:br>
+                  <a:rPr lang="ru-RU" sz="2000" dirty="0"/>
+                </a:br>
+                <a:r>
+                  <a:rPr lang="ru-RU" sz="2000" i="0" dirty="0">
+                    <a:solidFill>
+                      <a:srgbClr val="333333"/>
+                    </a:solidFill>
+                    <a:effectLst/>
+                  </a:rPr>
+                  <a:t>2) Растяжение </a:t>
+                </a:r>
+                <a:br>
+                  <a:rPr lang="ru-RU" sz="2000" dirty="0"/>
+                </a:br>
+                <a:r>
+                  <a:rPr lang="ru-RU" sz="2000" i="0" dirty="0">
+                    <a:solidFill>
+                      <a:srgbClr val="333333"/>
+                    </a:solidFill>
+                    <a:effectLst/>
+                  </a:rPr>
+                  <a:t>3) Сжатие </a:t>
+                </a:r>
+                <a:br>
+                  <a:rPr lang="ru-RU" sz="2000" dirty="0"/>
+                </a:br>
+                <a:r>
+                  <a:rPr lang="ru-RU" sz="2000" b="0" i="0" dirty="0">
+                    <a:solidFill>
+                      <a:srgbClr val="333333"/>
+                    </a:solidFill>
+                    <a:effectLst/>
+                  </a:rPr>
+                  <a:t>Симплекс представляет из себя геометрическую фигуру, являющуюся n — мерным обобщением треугольника. Для одномерного пространства — это отрезок, для двумерного — треугольник. Таким образом n — мерный симплекс имеет n + 1 вершину.</a:t>
+                </a:r>
+                <a:endParaRPr lang="ru-RU" sz="2000" dirty="0"/>
+              </a:p>
+              <a:p>
+                <a:r>
+                  <a:rPr lang="ru-RU" sz="2000" b="1" dirty="0"/>
+                  <a:t>Метод Ньютона-Гаусса</a:t>
+                </a:r>
+              </a:p>
+              <a:p>
+                <a:r>
+                  <a:rPr lang="ru-RU" sz="2000" dirty="0"/>
+                  <a:t>Пусть задано </a:t>
+                </a:r>
+                <a:r>
+                  <a:rPr lang="en-US" sz="2000" dirty="0"/>
+                  <a:t>m </a:t>
+                </a:r>
+                <a:r>
+                  <a:rPr lang="ru-RU" sz="2000" dirty="0"/>
+                  <a:t>функций</a:t>
+                </a:r>
+                <a:r>
+                  <a:rPr lang="en-US" sz="2000" dirty="0"/>
+                  <a:t> </a:t>
+                </a:r>
+                <a:r>
+                  <a:rPr lang="ru-RU" sz="2000" dirty="0"/>
+                  <a:t>невязки </a:t>
+                </a:r>
+                <a:r>
+                  <a:rPr lang="en-US" sz="2000" dirty="0"/>
+                  <a:t> </a:t>
+                </a:r>
+                <a14:m>
+                  <m:oMath xmlns:m="http://schemas.openxmlformats.org/officeDocument/2006/math">
+                    <m:r>
+                      <m:rPr>
+                        <m:sty m:val="p"/>
+                      </m:rPr>
+                      <a:rPr lang="en-US" sz="2000" b="0" i="0" smtClean="0"/>
+                      <m:t>r</m:t>
+                    </m:r>
+                    <m:r>
+                      <a:rPr lang="en-US" sz="2000" b="0" i="1" smtClean="0"/>
+                      <m:t>=(</m:t>
+                    </m:r>
+                    <m:sSub>
+                      <m:sSubPr>
+                        <m:ctrlPr>
+                          <a:rPr lang="en-US" sz="2000" b="0" i="1" smtClean="0"/>
+                        </m:ctrlPr>
+                      </m:sSubPr>
+                      <m:e>
+                        <m:r>
+                          <a:rPr lang="en-US" sz="2000" b="0" i="1" smtClean="0"/>
+                          <m:t>𝑟</m:t>
+                        </m:r>
+                      </m:e>
+                      <m:sub>
+                        <m:r>
+                          <a:rPr lang="en-US" sz="2000" b="0" i="1" smtClean="0"/>
+                          <m:t>1</m:t>
+                        </m:r>
+                      </m:sub>
+                    </m:sSub>
+                    <m:r>
+                      <a:rPr lang="en-US" sz="2000" b="0" i="1" smtClean="0"/>
+                      <m:t>,</m:t>
+                    </m:r>
+                    <m:sSub>
+                      <m:sSubPr>
+                        <m:ctrlPr>
+                          <a:rPr lang="en-US" sz="2000" b="0" i="1" smtClean="0"/>
+                        </m:ctrlPr>
+                      </m:sSubPr>
+                      <m:e>
+                        <m:r>
+                          <a:rPr lang="en-US" sz="2000" b="0" i="1" smtClean="0"/>
+                          <m:t>𝑟</m:t>
+                        </m:r>
+                      </m:e>
+                      <m:sub>
+                        <m:r>
+                          <a:rPr lang="en-US" sz="2000" b="0" i="1" smtClean="0"/>
+                          <m:t>2</m:t>
+                        </m:r>
+                      </m:sub>
+                    </m:sSub>
+                    <m:r>
+                      <a:rPr lang="en-US" sz="2000" b="0" i="1" smtClean="0"/>
+                      <m:t>,…,</m:t>
+                    </m:r>
+                    <m:sSub>
+                      <m:sSubPr>
+                        <m:ctrlPr>
+                          <a:rPr lang="en-US" sz="2000" b="0" i="1" smtClean="0"/>
+                        </m:ctrlPr>
+                      </m:sSubPr>
+                      <m:e>
+                        <m:r>
+                          <a:rPr lang="en-US" sz="2000" b="0" i="1" smtClean="0"/>
+                          <m:t>𝑟</m:t>
+                        </m:r>
+                      </m:e>
+                      <m:sub>
+                        <m:r>
+                          <a:rPr lang="en-US" sz="2000" b="0" i="1" smtClean="0"/>
+                          <m:t>𝑚</m:t>
+                        </m:r>
+                      </m:sub>
+                    </m:sSub>
+                    <m:r>
+                      <a:rPr lang="en-US" sz="2000" b="0" i="1" smtClean="0"/>
+                      <m:t>)</m:t>
+                    </m:r>
+                  </m:oMath>
+                </a14:m>
+                <a:r>
+                  <a:rPr lang="ru-RU" sz="2000" dirty="0"/>
+                  <a:t> от </a:t>
+                </a:r>
+                <a:r>
+                  <a:rPr lang="en-US" sz="2000" dirty="0"/>
+                  <a:t>n </a:t>
+                </a:r>
+                <a:r>
+                  <a:rPr lang="ru-RU" sz="2000" dirty="0"/>
+                  <a:t>переменных </a:t>
+                </a:r>
+                <a14:m>
+                  <m:oMath xmlns:m="http://schemas.openxmlformats.org/officeDocument/2006/math">
+                    <m:r>
+                      <a:rPr lang="en-US" sz="2000" b="0" i="1" smtClean="0"/>
+                      <m:t>𝑥</m:t>
+                    </m:r>
+                    <m:r>
+                      <a:rPr lang="en-US" sz="2000" b="0" i="0" smtClean="0"/>
+                      <m:t>=(</m:t>
+                    </m:r>
+                    <m:sSub>
+                      <m:sSubPr>
+                        <m:ctrlPr>
+                          <a:rPr lang="en-US" sz="2000" b="0" i="0" smtClean="0"/>
+                        </m:ctrlPr>
+                      </m:sSubPr>
+                      <m:e>
+                        <m:r>
+                          <m:rPr>
+                            <m:sty m:val="p"/>
+                          </m:rPr>
+                          <a:rPr lang="en-US" sz="2000" b="0" i="0" smtClean="0"/>
+                          <m:t>x</m:t>
+                        </m:r>
+                      </m:e>
+                      <m:sub>
+                        <m:r>
+                          <a:rPr lang="en-US" sz="2000" b="0" i="0" smtClean="0"/>
+                          <m:t>1</m:t>
+                        </m:r>
+                      </m:sub>
+                    </m:sSub>
+                    <m:r>
+                      <a:rPr lang="en-US" sz="2000" b="0" i="0" smtClean="0"/>
+                      <m:t>,</m:t>
+                    </m:r>
+                    <m:sSub>
+                      <m:sSubPr>
+                        <m:ctrlPr>
+                          <a:rPr lang="en-US" sz="2000" b="0" i="0" smtClean="0"/>
+                        </m:ctrlPr>
+                      </m:sSubPr>
+                      <m:e>
+                        <m:r>
+                          <m:rPr>
+                            <m:sty m:val="p"/>
+                          </m:rPr>
+                          <a:rPr lang="en-US" sz="2000" b="0" i="0" smtClean="0"/>
+                          <m:t>x</m:t>
+                        </m:r>
+                      </m:e>
+                      <m:sub>
+                        <m:r>
+                          <a:rPr lang="en-US" sz="2000" b="0" i="0" smtClean="0"/>
+                          <m:t>2</m:t>
+                        </m:r>
+                      </m:sub>
+                    </m:sSub>
+                    <m:r>
+                      <a:rPr lang="en-US" sz="2000" b="0" i="0" smtClean="0"/>
+                      <m:t>,…,</m:t>
+                    </m:r>
+                    <m:sSub>
+                      <m:sSubPr>
+                        <m:ctrlPr>
+                          <a:rPr lang="en-US" sz="2000" b="0" i="0" smtClean="0"/>
+                        </m:ctrlPr>
+                      </m:sSubPr>
+                      <m:e>
+                        <m:r>
+                          <m:rPr>
+                            <m:sty m:val="p"/>
+                          </m:rPr>
+                          <a:rPr lang="en-US" sz="2000" b="0" i="0" smtClean="0"/>
+                          <m:t>x</m:t>
+                        </m:r>
+                      </m:e>
+                      <m:sub>
+                        <m:r>
+                          <m:rPr>
+                            <m:sty m:val="p"/>
+                          </m:rPr>
+                          <a:rPr lang="en-US" sz="2000" b="0" i="0" smtClean="0"/>
+                          <m:t>n</m:t>
+                        </m:r>
+                      </m:sub>
+                    </m:sSub>
+                    <m:r>
+                      <a:rPr lang="en-US" sz="2000" b="0" i="0" smtClean="0"/>
+                      <m:t>) </m:t>
+                    </m:r>
+                  </m:oMath>
+                </a14:m>
+                <a:r>
+                  <a:rPr lang="en-US" sz="2000" dirty="0"/>
+                  <a:t> </a:t>
+                </a:r>
+                <a:r>
+                  <a:rPr lang="ru-RU" sz="2000" dirty="0"/>
+                  <a:t>при </a:t>
+                </a:r>
+                <a14:m>
+                  <m:oMath xmlns:m="http://schemas.openxmlformats.org/officeDocument/2006/math">
+                    <m:r>
+                      <a:rPr lang="en-US" sz="2000" b="0" i="1" smtClean="0"/>
+                      <m:t>𝑚</m:t>
+                    </m:r>
+                    <m:r>
+                      <a:rPr lang="en-US" sz="2000" b="0" i="1" smtClean="0"/>
+                      <m:t>≥</m:t>
+                    </m:r>
+                    <m:r>
+                      <a:rPr lang="en-US" sz="2000" b="0" i="1" smtClean="0"/>
+                      <m:t>𝑛</m:t>
+                    </m:r>
+                  </m:oMath>
+                </a14:m>
+                <a:r>
+                  <a:rPr lang="en-US" sz="2000" dirty="0"/>
+                  <a:t>. </a:t>
+                </a:r>
+                <a:r>
+                  <a:rPr lang="ru-RU" sz="2000" dirty="0"/>
+                  <a:t>Алгоритм Ньютона Гаусса итеративно находит значения переменных, которые минимизируют сумму квадратов </a:t>
+                </a:r>
+              </a:p>
+              <a:p>
+                <a14:m>
+                  <m:oMathPara xmlns:m="http://schemas.openxmlformats.org/officeDocument/2006/math">
+                    <m:oMathParaPr>
+                      <m:jc m:val="centerGroup"/>
+                    </m:oMathParaPr>
+                    <m:oMath xmlns:m="http://schemas.openxmlformats.org/officeDocument/2006/math">
+                      <m:r>
+                        <a:rPr lang="en-US" sz="2000" b="0" i="1" smtClean="0"/>
+                        <m:t>𝑆</m:t>
+                      </m:r>
+                      <m:d>
+                        <m:dPr>
+                          <m:ctrlPr>
+                            <a:rPr lang="en-US" sz="2000" b="0" i="1" smtClean="0"/>
+                          </m:ctrlPr>
+                        </m:dPr>
+                        <m:e>
+                          <m:r>
+                            <a:rPr lang="en-US" sz="2000" b="0" i="1" smtClean="0"/>
+                            <m:t>𝑥</m:t>
+                          </m:r>
+                        </m:e>
+                      </m:d>
+                      <m:r>
+                        <a:rPr lang="en-US" sz="2000" b="0" i="1" smtClean="0"/>
+                        <m:t>=</m:t>
+                      </m:r>
+                      <m:nary>
+                        <m:naryPr>
+                          <m:chr m:val="∑"/>
+                          <m:ctrlPr>
+                            <a:rPr lang="en-US" sz="2000" b="0" i="1" smtClean="0"/>
+                          </m:ctrlPr>
+                        </m:naryPr>
+                        <m:sub>
+                          <m:r>
+                            <a:rPr lang="en-US" sz="2000" b="0" i="1" smtClean="0"/>
+                            <m:t>𝑖</m:t>
+                          </m:r>
+                          <m:r>
+                            <a:rPr lang="en-US" sz="2000" b="0" i="1" smtClean="0"/>
+                            <m:t>=1</m:t>
+                          </m:r>
+                        </m:sub>
+                        <m:sup>
+                          <m:r>
+                            <a:rPr lang="en-US" sz="2000" b="0" i="1" smtClean="0"/>
+                            <m:t>𝑛</m:t>
+                          </m:r>
+                        </m:sup>
+                        <m:e>
+                          <m:sSubSup>
+                            <m:sSubSupPr>
+                              <m:ctrlPr>
+                                <a:rPr lang="en-US" sz="2000" b="0" i="1" smtClean="0"/>
+                              </m:ctrlPr>
+                            </m:sSubSupPr>
+                            <m:e>
+                              <m:r>
+                                <a:rPr lang="en-US" sz="2000" b="0" i="1" smtClean="0"/>
+                                <m:t>𝑟</m:t>
+                              </m:r>
+                            </m:e>
+                            <m:sub>
+                              <m:r>
+                                <a:rPr lang="en-US" sz="2000" b="0" i="1" smtClean="0"/>
+                                <m:t>𝑖</m:t>
+                              </m:r>
+                            </m:sub>
+                            <m:sup>
+                              <m:r>
+                                <a:rPr lang="en-US" sz="2000" b="0" i="1" smtClean="0"/>
+                                <m:t>2</m:t>
+                              </m:r>
+                            </m:sup>
+                          </m:sSubSup>
+                          <m:d>
+                            <m:dPr>
+                              <m:ctrlPr>
+                                <a:rPr lang="en-US" sz="2000" b="0" i="1" smtClean="0"/>
+                              </m:ctrlPr>
+                            </m:dPr>
+                            <m:e>
+                              <m:r>
+                                <a:rPr lang="en-US" sz="2000" b="0" i="1" smtClean="0"/>
+                                <m:t>𝑥</m:t>
+                              </m:r>
+                            </m:e>
+                          </m:d>
+                          <m:r>
+                            <a:rPr lang="en-US" sz="2000" b="0" i="1" smtClean="0"/>
+                            <m:t> </m:t>
+                          </m:r>
+                        </m:e>
+                      </m:nary>
+                    </m:oMath>
+                  </m:oMathPara>
+                </a14:m>
+                <a:endParaRPr lang="en-US" sz="2000" dirty="0"/>
+              </a:p>
+              <a:p>
+                <a:r>
+                  <a:rPr lang="ru-RU" sz="2000" dirty="0"/>
+                  <a:t>Начав с некоторого</a:t>
+                </a:r>
+                <a:r>
+                  <a:rPr lang="en-US" sz="2000" dirty="0"/>
+                  <a:t> </a:t>
+                </a:r>
+                <a:r>
+                  <a:rPr lang="ru-RU" sz="2000" dirty="0"/>
+                  <a:t>начального приближения </a:t>
+                </a:r>
+                <a14:m>
+                  <m:oMath xmlns:m="http://schemas.openxmlformats.org/officeDocument/2006/math">
+                    <m:sSup>
+                      <m:sSupPr>
+                        <m:ctrlPr>
+                          <a:rPr lang="en-US" sz="2000" b="0" i="1" smtClean="0"/>
+                        </m:ctrlPr>
+                      </m:sSupPr>
+                      <m:e>
+                        <m:r>
+                          <a:rPr lang="en-US" sz="2000" b="0" i="1" smtClean="0"/>
+                          <m:t>𝑥</m:t>
+                        </m:r>
+                      </m:e>
+                      <m:sup>
+                        <m:r>
+                          <a:rPr lang="en-US" sz="2000" b="0" i="1" smtClean="0"/>
+                          <m:t>0</m:t>
+                        </m:r>
+                      </m:sup>
+                    </m:sSup>
+                  </m:oMath>
+                </a14:m>
+                <a:r>
+                  <a:rPr lang="ru-RU" sz="2000" dirty="0"/>
+                  <a:t>, метод осуществляет итерации </a:t>
+                </a:r>
+              </a:p>
+              <a:p>
+                <a:pPr algn="ctr"/>
+                <a14:m>
+                  <m:oMath xmlns:m="http://schemas.openxmlformats.org/officeDocument/2006/math">
+                    <m:r>
+                      <a:rPr lang="ru-RU" sz="2000" b="0" i="1" smtClean="0"/>
+                      <m:t> </m:t>
+                    </m:r>
+                    <m:sSup>
+                      <m:sSupPr>
+                        <m:ctrlPr>
+                          <a:rPr lang="en-US" sz="2000" b="0" i="1" smtClean="0"/>
+                        </m:ctrlPr>
+                      </m:sSupPr>
+                      <m:e>
+                        <m:r>
+                          <a:rPr lang="en-US" sz="2000" b="0" i="1" smtClean="0"/>
+                          <m:t>𝑥</m:t>
+                        </m:r>
+                      </m:e>
+                      <m:sup>
+                        <m:d>
+                          <m:dPr>
+                            <m:ctrlPr>
+                              <a:rPr lang="en-US" sz="2000" b="0" i="1" smtClean="0"/>
+                            </m:ctrlPr>
+                          </m:dPr>
+                          <m:e>
+                            <m:r>
+                              <a:rPr lang="en-US" sz="2000" b="0" i="1" smtClean="0"/>
+                              <m:t>𝑠</m:t>
+                            </m:r>
+                            <m:r>
+                              <a:rPr lang="en-US" sz="2000" b="0" i="1" smtClean="0"/>
+                              <m:t>+1</m:t>
+                            </m:r>
+                          </m:e>
+                        </m:d>
+                      </m:sup>
+                    </m:sSup>
+                    <m:r>
+                      <a:rPr lang="en-US" sz="2000" b="0" i="1" smtClean="0"/>
+                      <m:t>=</m:t>
+                    </m:r>
+                    <m:sSup>
+                      <m:sSupPr>
+                        <m:ctrlPr>
+                          <a:rPr lang="en-US" sz="2000" b="0" i="1" smtClean="0"/>
+                        </m:ctrlPr>
+                      </m:sSupPr>
+                      <m:e>
+                        <m:r>
+                          <a:rPr lang="en-US" sz="2000" b="0" i="1" smtClean="0"/>
+                          <m:t>𝑥</m:t>
+                        </m:r>
+                      </m:e>
+                      <m:sup>
+                        <m:d>
+                          <m:dPr>
+                            <m:ctrlPr>
+                              <a:rPr lang="en-US" sz="2000" b="0" i="1" smtClean="0"/>
+                            </m:ctrlPr>
+                          </m:dPr>
+                          <m:e>
+                            <m:r>
+                              <a:rPr lang="en-US" sz="2000" b="0" i="1" smtClean="0"/>
+                              <m:t>𝑠</m:t>
+                            </m:r>
+                          </m:e>
+                        </m:d>
+                      </m:sup>
+                    </m:sSup>
+                    <m:r>
+                      <a:rPr lang="en-US" sz="2000" b="0" i="1" smtClean="0"/>
+                      <m:t>−</m:t>
+                    </m:r>
+                    <m:sSup>
+                      <m:sSupPr>
+                        <m:ctrlPr>
+                          <a:rPr lang="en-US" sz="2000" b="0" i="1" smtClean="0"/>
+                        </m:ctrlPr>
+                      </m:sSupPr>
+                      <m:e>
+                        <m:d>
+                          <m:dPr>
+                            <m:ctrlPr>
+                              <a:rPr lang="en-US" sz="2000" b="0" i="1" smtClean="0"/>
+                            </m:ctrlPr>
+                          </m:dPr>
+                          <m:e>
+                            <m:sSubSup>
+                              <m:sSubSupPr>
+                                <m:ctrlPr>
+                                  <a:rPr lang="en-US" sz="2000" b="0" i="1" smtClean="0"/>
+                                </m:ctrlPr>
+                              </m:sSubSupPr>
+                              <m:e>
+                                <m:r>
+                                  <a:rPr lang="en-US" sz="2000" b="0" i="1" smtClean="0"/>
+                                  <m:t>𝐽</m:t>
+                                </m:r>
+                              </m:e>
+                              <m:sub>
+                                <m:r>
+                                  <a:rPr lang="en-US" sz="2000" b="0" i="1" smtClean="0"/>
+                                  <m:t>𝑟</m:t>
+                                </m:r>
+                              </m:sub>
+                              <m:sup>
+                                <m:r>
+                                  <a:rPr lang="en-US" sz="2000" b="0" i="1" smtClean="0"/>
+                                  <m:t>𝑇</m:t>
+                                </m:r>
+                              </m:sup>
+                            </m:sSubSup>
+                            <m:sSub>
+                              <m:sSubPr>
+                                <m:ctrlPr>
+                                  <a:rPr lang="en-US" sz="2000" b="0" i="1" smtClean="0"/>
+                                </m:ctrlPr>
+                              </m:sSubPr>
+                              <m:e>
+                                <m:r>
+                                  <a:rPr lang="en-US" sz="2000" b="0" i="1" smtClean="0"/>
+                                  <m:t>𝐽</m:t>
+                                </m:r>
+                              </m:e>
+                              <m:sub>
+                                <m:r>
+                                  <a:rPr lang="en-US" sz="2000" b="0" i="1" smtClean="0"/>
+                                  <m:t>𝑟</m:t>
+                                </m:r>
+                              </m:sub>
+                            </m:sSub>
+                          </m:e>
+                        </m:d>
+                      </m:e>
+                      <m:sup>
+                        <m:r>
+                          <a:rPr lang="en-US" sz="2000" b="0" i="1" smtClean="0"/>
+                          <m:t>−1</m:t>
+                        </m:r>
+                      </m:sup>
+                    </m:sSup>
+                    <m:sSubSup>
+                      <m:sSubSupPr>
+                        <m:ctrlPr>
+                          <a:rPr lang="en-US" sz="2000" b="0" i="1" smtClean="0"/>
+                        </m:ctrlPr>
+                      </m:sSubSupPr>
+                      <m:e>
+                        <m:r>
+                          <a:rPr lang="en-US" sz="2000" b="0" i="1" smtClean="0"/>
+                          <m:t>𝐽</m:t>
+                        </m:r>
+                      </m:e>
+                      <m:sub>
+                        <m:r>
+                          <a:rPr lang="en-US" sz="2000" b="0" i="1" smtClean="0"/>
+                          <m:t>𝑟</m:t>
+                        </m:r>
+                      </m:sub>
+                      <m:sup>
+                        <m:r>
+                          <a:rPr lang="en-US" sz="2000" b="0" i="1" smtClean="0"/>
+                          <m:t>𝑇</m:t>
+                        </m:r>
+                      </m:sup>
+                    </m:sSubSup>
+                    <m:r>
+                      <a:rPr lang="en-US" sz="2000" b="0" i="1" smtClean="0"/>
+                      <m:t>𝑟</m:t>
+                    </m:r>
+                    <m:r>
+                      <a:rPr lang="en-US" sz="2000" b="0" i="1" smtClean="0"/>
+                      <m:t>(</m:t>
+                    </m:r>
+                    <m:sSup>
+                      <m:sSupPr>
+                        <m:ctrlPr>
+                          <a:rPr lang="en-US" sz="2000" b="0" i="1" smtClean="0"/>
+                        </m:ctrlPr>
+                      </m:sSupPr>
+                      <m:e>
+                        <m:r>
+                          <a:rPr lang="en-US" sz="2000" b="0" i="1" smtClean="0"/>
+                          <m:t>𝑥</m:t>
+                        </m:r>
+                      </m:e>
+                      <m:sup>
+                        <m:d>
+                          <m:dPr>
+                            <m:ctrlPr>
+                              <a:rPr lang="en-US" sz="2000" b="0" i="1" smtClean="0"/>
+                            </m:ctrlPr>
+                          </m:dPr>
+                          <m:e>
+                            <m:r>
+                              <a:rPr lang="en-US" sz="2000" b="0" i="1" smtClean="0"/>
+                              <m:t>𝑠</m:t>
+                            </m:r>
+                          </m:e>
+                        </m:d>
+                      </m:sup>
+                    </m:sSup>
+                    <m:r>
+                      <a:rPr lang="en-US" sz="2000" b="0" i="1" smtClean="0"/>
+                      <m:t>)</m:t>
+                    </m:r>
+                  </m:oMath>
+                </a14:m>
+                <a:r>
+                  <a:rPr lang="ru-RU" sz="2000" dirty="0"/>
+                  <a:t> </a:t>
+                </a:r>
+                <a:r>
+                  <a:rPr lang="en-US" sz="2000" dirty="0"/>
+                  <a:t>,</a:t>
+                </a:r>
+                <a:r>
+                  <a:rPr lang="ru-RU" sz="2000" dirty="0"/>
+                  <a:t> где</a:t>
+                </a:r>
+                <a:r>
+                  <a:rPr lang="en-US" sz="2000" dirty="0"/>
+                  <a:t> </a:t>
+                </a:r>
+                <a14:m>
+                  <m:oMath xmlns:m="http://schemas.openxmlformats.org/officeDocument/2006/math">
+                    <m:sSub>
+                      <m:sSubPr>
+                        <m:ctrlPr>
+                          <a:rPr lang="en-US" sz="2000" b="0" i="1" smtClean="0"/>
+                        </m:ctrlPr>
+                      </m:sSubPr>
+                      <m:e>
+                        <m:d>
+                          <m:dPr>
+                            <m:ctrlPr>
+                              <a:rPr lang="en-US" sz="2000" b="0" i="1" smtClean="0"/>
+                            </m:ctrlPr>
+                          </m:dPr>
+                          <m:e>
+                            <m:sSub>
+                              <m:sSubPr>
+                                <m:ctrlPr>
+                                  <a:rPr lang="en-US" sz="2000" b="0" i="1" smtClean="0"/>
+                                </m:ctrlPr>
+                              </m:sSubPr>
+                              <m:e>
+                                <m:r>
+                                  <a:rPr lang="en-US" sz="2000" b="0" i="1" smtClean="0"/>
+                                  <m:t>𝐽</m:t>
+                                </m:r>
+                              </m:e>
+                              <m:sub>
+                                <m:r>
+                                  <a:rPr lang="en-US" sz="2000" b="0" i="1" smtClean="0"/>
+                                  <m:t>𝑟</m:t>
+                                </m:r>
+                              </m:sub>
+                            </m:sSub>
+                          </m:e>
+                        </m:d>
+                      </m:e>
+                      <m:sub>
+                        <m:r>
+                          <a:rPr lang="en-US" sz="2000" b="0" i="1" smtClean="0"/>
+                          <m:t>𝑖𝑗</m:t>
+                        </m:r>
+                      </m:sub>
+                    </m:sSub>
+                    <m:r>
+                      <a:rPr lang="en-US" sz="2000" b="0" i="1" smtClean="0"/>
+                      <m:t>=</m:t>
+                    </m:r>
+                    <m:f>
+                      <m:fPr>
+                        <m:ctrlPr>
+                          <a:rPr lang="en-US" sz="2000" b="0" i="1" smtClean="0"/>
+                        </m:ctrlPr>
+                      </m:fPr>
+                      <m:num>
+                        <m:r>
+                          <a:rPr lang="en-US" sz="2000" b="0" i="1" smtClean="0"/>
+                          <m:t>𝜕</m:t>
+                        </m:r>
+                        <m:sSub>
+                          <m:sSubPr>
+                            <m:ctrlPr>
+                              <a:rPr lang="en-US" sz="2000" b="0" i="1" smtClean="0"/>
+                            </m:ctrlPr>
+                          </m:sSubPr>
+                          <m:e>
+                            <m:r>
+                              <a:rPr lang="en-US" sz="2000" b="0" i="1" smtClean="0"/>
+                              <m:t>𝑟</m:t>
+                            </m:r>
+                          </m:e>
+                          <m:sub>
+                            <m:r>
+                              <a:rPr lang="en-US" sz="2000" b="0" i="1" smtClean="0"/>
+                              <m:t>𝑖</m:t>
+                            </m:r>
+                          </m:sub>
+                        </m:sSub>
+                        <m:d>
+                          <m:dPr>
+                            <m:ctrlPr>
+                              <a:rPr lang="en-US" sz="2000" b="0" i="1" smtClean="0"/>
+                            </m:ctrlPr>
+                          </m:dPr>
+                          <m:e>
+                            <m:sSup>
+                              <m:sSupPr>
+                                <m:ctrlPr>
+                                  <a:rPr lang="en-US" sz="2000" b="0" i="1" smtClean="0"/>
+                                </m:ctrlPr>
+                              </m:sSupPr>
+                              <m:e>
+                                <m:r>
+                                  <a:rPr lang="en-US" sz="2000" b="0" i="1" smtClean="0"/>
+                                  <m:t>𝑥</m:t>
+                                </m:r>
+                              </m:e>
+                              <m:sup>
+                                <m:d>
+                                  <m:dPr>
+                                    <m:ctrlPr>
+                                      <a:rPr lang="en-US" sz="2000" b="0" i="1" smtClean="0"/>
+                                    </m:ctrlPr>
+                                  </m:dPr>
+                                  <m:e>
+                                    <m:r>
+                                      <a:rPr lang="en-US" sz="2000" b="0" i="1" smtClean="0"/>
+                                      <m:t>𝑠</m:t>
+                                    </m:r>
+                                  </m:e>
+                                </m:d>
+                              </m:sup>
+                            </m:sSup>
+                          </m:e>
+                        </m:d>
+                      </m:num>
+                      <m:den>
+                        <m:r>
+                          <a:rPr lang="en-US" sz="2000" b="0" i="1" smtClean="0"/>
+                          <m:t>𝜕</m:t>
+                        </m:r>
+                        <m:sSub>
+                          <m:sSubPr>
+                            <m:ctrlPr>
+                              <a:rPr lang="en-US" sz="2000" b="0" i="1" smtClean="0"/>
+                            </m:ctrlPr>
+                          </m:sSubPr>
+                          <m:e>
+                            <m:r>
+                              <a:rPr lang="en-US" sz="2000" b="0" i="1" smtClean="0"/>
+                              <m:t>𝑥</m:t>
+                            </m:r>
+                          </m:e>
+                          <m:sub>
+                            <m:r>
+                              <a:rPr lang="en-US" sz="2000" b="0" i="1" smtClean="0"/>
+                              <m:t>𝑗</m:t>
+                            </m:r>
+                          </m:sub>
+                        </m:sSub>
+                      </m:den>
+                    </m:f>
+                    <m:r>
+                      <a:rPr lang="en-US" sz="2000" b="0" i="0" smtClean="0"/>
+                      <m:t> </m:t>
+                    </m:r>
+                    <m:r>
+                      <a:rPr lang="ru-RU" sz="2000" b="0" i="0" smtClean="0"/>
+                      <m:t>−матрица Якоби</m:t>
+                    </m:r>
+                  </m:oMath>
+                </a14:m>
+                <a:endParaRPr lang="en-US" sz="2000" dirty="0"/>
+              </a:p>
+              <a:p>
+                <a:r>
+                  <a:rPr lang="ru-RU" sz="2000" b="1" dirty="0"/>
+                  <a:t>Гибридный метод</a:t>
+                </a:r>
+              </a:p>
+              <a:p>
+                <a:r>
+                  <a:rPr lang="ru-RU" sz="2000" dirty="0"/>
+                  <a:t>Используют несколько итераций метода Нелдера-Мида для поиска оптимального начального приближения и продолжает вычисления с помощью метода Ньютона-Гаусса.  </a:t>
+                </a:r>
+                <a:endParaRPr lang="ru-RU" sz="2000" b="1" dirty="0"/>
+              </a:p>
+            </p:txBody>
+          </p:sp>
+        </mc:Choice>
+        <mc:Fallback>
+          <p:sp>
+            <p:nvSpPr>
+              <p:cNvPr id="2" name="Подзаголовок 1">
+                <a:extLst>
+                  <a:ext uri="{FF2B5EF4-FFF2-40B4-BE49-F238E27FC236}">
+                    <a16:creationId xmlns:a16="http://schemas.microsoft.com/office/drawing/2014/main" id="{AE59004E-DFF2-C3C3-5EF1-40FD253CEEA5}"/>
+                  </a:ext>
+                </a:extLst>
+              </p:cNvPr>
+              <p:cNvSpPr>
+                <a:spLocks noGrp="1" noRot="1" noChangeAspect="1" noMove="1" noResize="1" noEditPoints="1" noAdjustHandles="1" noChangeArrowheads="1" noChangeShapeType="1" noTextEdit="1"/>
+              </p:cNvSpPr>
+              <p:nvPr>
+                <p:ph type="subTitle" idx="1"/>
+              </p:nvPr>
+            </p:nvSpPr>
+            <p:spPr>
+              <a:xfrm>
+                <a:off x="650679" y="899517"/>
+                <a:ext cx="12242797" cy="6120680"/>
+              </a:xfrm>
+              <a:blipFill>
+                <a:blip r:embed="rId2"/>
+                <a:stretch>
+                  <a:fillRect l="-548" t="-1096" r="-797" b="-7371"/>
+                </a:stretch>
+              </a:blipFill>
+            </p:spPr>
+            <p:txBody>
+              <a:bodyPr/>
+              <a:lstStyle/>
+              <a:p>
+                <a:r>
+                  <a:rPr lang="ru-RU">
+                    <a:noFill/>
+                  </a:rPr>
+                  <a:t> </a:t>
+                </a:r>
+              </a:p>
+            </p:txBody>
+          </p:sp>
+        </mc:Fallback>
+      </mc:AlternateContent>
+      <p:sp>
+        <p:nvSpPr>
+          <p:cNvPr id="3" name="Номер слайда 2">
+            <a:extLst>
+              <a:ext uri="{FF2B5EF4-FFF2-40B4-BE49-F238E27FC236}">
+                <a16:creationId xmlns:a16="http://schemas.microsoft.com/office/drawing/2014/main" id="{307A7B30-9988-5436-3D8D-7D77D872DBA2}"/>
+              </a:ext>
+            </a:extLst>
+          </p:cNvPr>
+          <p:cNvSpPr>
+            <a:spLocks noGrp="1"/>
+          </p:cNvSpPr>
+          <p:nvPr>
+            <p:ph type="sldNum" sz="quarter" idx="12"/>
+          </p:nvPr>
+        </p:nvSpPr>
+        <p:spPr/>
+        <p:txBody>
+          <a:bodyPr/>
+          <a:lstStyle/>
+          <a:p>
+            <a:fld id="{CB07D4DF-2351-4A60-A90B-60ED82532F73}" type="slidenum">
+              <a:rPr lang="ru-RU" smtClean="0"/>
+              <a:pPr/>
+              <a:t>4</a:t>
+            </a:fld>
+            <a:endParaRPr lang="ru-RU" dirty="0"/>
+          </a:p>
+        </p:txBody>
+      </p:sp>
+      <p:sp>
+        <p:nvSpPr>
+          <p:cNvPr id="4" name="Заголовок 3">
+            <a:extLst>
+              <a:ext uri="{FF2B5EF4-FFF2-40B4-BE49-F238E27FC236}">
+                <a16:creationId xmlns:a16="http://schemas.microsoft.com/office/drawing/2014/main" id="{0C5D133A-01A8-FDD2-1254-5E65A655AE35}"/>
+              </a:ext>
+            </a:extLst>
+          </p:cNvPr>
+          <p:cNvSpPr>
+            <a:spLocks noGrp="1"/>
+          </p:cNvSpPr>
+          <p:nvPr>
+            <p:ph type="title"/>
+          </p:nvPr>
+        </p:nvSpPr>
+        <p:spPr/>
+        <p:txBody>
+          <a:bodyPr/>
+          <a:lstStyle/>
+          <a:p>
+            <a:r>
+              <a:rPr lang="ru-RU" dirty="0"/>
+              <a:t>Методы оптимизации</a:t>
+            </a:r>
+          </a:p>
+        </p:txBody>
+      </p:sp>
+    </p:spTree>
+    <p:extLst>
+      <p:ext uri="{BB962C8B-B14F-4D97-AF65-F5344CB8AC3E}">
+        <p14:creationId xmlns:p14="http://schemas.microsoft.com/office/powerpoint/2010/main" val="1615944335"/>
+      </p:ext>
+    </p:extLst>
+  </p:cSld>
+  <p:clrMapOvr>
+    <a:masterClrMapping/>
+  </p:clrMapOvr>
+</p:sld>
+</file>
+
+<file path=ppt/slides/slide5.xml><?xml version="1.0" encoding="utf-8"?>
+<p:sld xmlns:a="http://schemas.openxmlformats.org/drawingml/2006/main" xmlns:r="http://schemas.openxmlformats.org/officeDocument/2006/relationships" xmlns:p="http://schemas.openxmlformats.org/presentationml/2006/main">
+  <p:cSld>
+    <p:spTree>
+      <p:nvGrpSpPr>
+        <p:cNvPr id="1" name=""/>
+        <p:cNvGrpSpPr/>
+        <p:nvPr/>
+      </p:nvGrpSpPr>
+      <p:grpSpPr>
+        <a:xfrm>
+          <a:off x="0" y="0"/>
+          <a:ext cx="0" cy="0"/>
+          <a:chOff x="0" y="0"/>
+          <a:chExt cx="0" cy="0"/>
+        </a:xfrm>
+      </p:grpSpPr>
+      <mc:AlternateContent xmlns:mc="http://schemas.openxmlformats.org/markup-compatibility/2006">
+        <mc:Choice xmlns:a14="http://schemas.microsoft.com/office/drawing/2010/main" Requires="a14">
+          <p:sp>
+            <p:nvSpPr>
+              <p:cNvPr id="2" name="Подзаголовок 1">
+                <a:extLst>
+                  <a:ext uri="{FF2B5EF4-FFF2-40B4-BE49-F238E27FC236}">
                     <a16:creationId xmlns:a16="http://schemas.microsoft.com/office/drawing/2014/main" id="{218A2FEE-0478-427F-9D6D-6061F771DBC8}"/>
                   </a:ext>
                 </a:extLst>
@@ -10950,8 +12095,8 @@
             </p:nvSpPr>
             <p:spPr>
               <a:xfrm>
-                <a:off x="628845" y="143860"/>
-                <a:ext cx="12643769" cy="4939607"/>
+                <a:off x="628846" y="143860"/>
+                <a:ext cx="12283730" cy="4939607"/>
               </a:xfrm>
             </p:spPr>
             <p:txBody>
@@ -10979,16 +12124,16 @@
                 </a:endParaRPr>
               </a:p>
               <a:p>
-                <a:pPr indent="450215" algn="just">
+                <a:pPr algn="just">
                   <a:lnSpc>
-                    <a:spcPct val="115000"/>
+                    <a:spcPct val="150000"/>
                   </a:lnSpc>
                   <a:spcAft>
                     <a:spcPts val="1000"/>
                   </a:spcAft>
                 </a:pPr>
                 <a:r>
-                  <a:rPr lang="ru-RU" sz="2400" dirty="0">
+                  <a:rPr lang="ru-RU" sz="2000" dirty="0">
                     <a:effectLst/>
                     <a:ea typeface="Times New Roman" panose="02020603050405020304" pitchFamily="18" charset="0"/>
                     <a:cs typeface="Times New Roman" panose="02020603050405020304" pitchFamily="18" charset="0"/>
@@ -10998,7 +12143,7 @@
                 <a14:m>
                   <m:oMath xmlns:m="http://schemas.openxmlformats.org/officeDocument/2006/math">
                     <m:r>
-                      <a:rPr lang="ru-RU" sz="2400" i="0">
+                      <a:rPr lang="ru-RU" sz="2000" i="0">
                         <a:effectLst/>
                         <a:ea typeface="Times New Roman" panose="02020603050405020304" pitchFamily="18" charset="0"/>
                         <a:cs typeface="Times New Roman" panose="02020603050405020304" pitchFamily="18" charset="0"/>
@@ -11009,7 +12154,7 @@
                       <m:rPr>
                         <m:sty m:val="p"/>
                       </m:rPr>
-                      <a:rPr lang="en-US" sz="2400" i="0">
+                      <a:rPr lang="en-US" sz="2000" i="0">
                         <a:effectLst/>
                         <a:ea typeface="Times New Roman" panose="02020603050405020304" pitchFamily="18" charset="0"/>
                         <a:cs typeface="Times New Roman" panose="02020603050405020304" pitchFamily="18" charset="0"/>
@@ -11017,7 +12162,7 @@
                       <m:t>n</m:t>
                     </m:r>
                     <m:r>
-                      <a:rPr lang="ru-RU" sz="2400" i="0">
+                      <a:rPr lang="ru-RU" sz="2000" i="0">
                         <a:effectLst/>
                         <a:ea typeface="Times New Roman" panose="02020603050405020304" pitchFamily="18" charset="0"/>
                         <a:cs typeface="Times New Roman" panose="02020603050405020304" pitchFamily="18" charset="0"/>
@@ -11028,7 +12173,7 @@
                       <m:rPr>
                         <m:sty m:val="p"/>
                       </m:rPr>
-                      <a:rPr lang="en-US" sz="2400" i="0">
+                      <a:rPr lang="en-US" sz="2000" i="0">
                         <a:effectLst/>
                         <a:ea typeface="Times New Roman" panose="02020603050405020304" pitchFamily="18" charset="0"/>
                         <a:cs typeface="Times New Roman" panose="02020603050405020304" pitchFamily="18" charset="0"/>
@@ -11036,7 +12181,7 @@
                       <m:t>m</m:t>
                     </m:r>
                     <m:r>
-                      <a:rPr lang="ru-RU" sz="2400" i="0">
+                      <a:rPr lang="ru-RU" sz="2000" i="0">
                         <a:effectLst/>
                         <a:ea typeface="Times New Roman" panose="02020603050405020304" pitchFamily="18" charset="0"/>
                         <a:cs typeface="Times New Roman" panose="02020603050405020304" pitchFamily="18" charset="0"/>
@@ -11044,28 +12189,18 @@
                       <m:t>=2</m:t>
                     </m:r>
                     <m:r>
-                      <a:rPr lang="ru-RU" sz="2400" b="0" i="0" smtClean="0">
+                      <a:rPr lang="ru-RU" sz="2000" b="0" i="0" smtClean="0">
                         <a:effectLst/>
                         <a:ea typeface="Times New Roman" panose="02020603050405020304" pitchFamily="18" charset="0"/>
                         <a:cs typeface="Times New Roman" panose="02020603050405020304" pitchFamily="18" charset="0"/>
                       </a:rPr>
-                      <m:t>. </m:t>
-                    </m:r>
-                    <m:r>
-                      <a:rPr lang="ru-RU" sz="2400" b="0" i="0" smtClean="0">
-                        <a:effectLst/>
-                        <a:latin typeface="Cambria Math" panose="02040503050406030204" pitchFamily="18" charset="0"/>
-                        <a:ea typeface="Times New Roman" panose="02020603050405020304" pitchFamily="18" charset="0"/>
-                        <a:cs typeface="Times New Roman" panose="02020603050405020304" pitchFamily="18" charset="0"/>
-                      </a:rPr>
-                      <m:t> Тогда </m:t>
+                      <m:t>.  Тогда </m:t>
                     </m:r>
                     <m:sSub>
                       <m:sSubPr>
                         <m:ctrlPr>
-                          <a:rPr lang="en-US" sz="2400" b="0" i="1" smtClean="0">
+                          <a:rPr lang="en-US" sz="2000" b="0" i="1" smtClean="0">
                             <a:effectLst/>
-                            <a:latin typeface="Cambria Math" panose="02040503050406030204" pitchFamily="18" charset="0"/>
                             <a:ea typeface="Times New Roman" panose="02020603050405020304" pitchFamily="18" charset="0"/>
                             <a:cs typeface="Times New Roman" panose="02020603050405020304" pitchFamily="18" charset="0"/>
                           </a:rPr>
@@ -11073,9 +12208,8 @@
                       </m:sSubPr>
                       <m:e>
                         <m:r>
-                          <a:rPr lang="en-US" sz="2400" b="0" i="1" smtClean="0">
+                          <a:rPr lang="en-US" sz="2000" b="0" i="1" smtClean="0">
                             <a:effectLst/>
-                            <a:latin typeface="Cambria Math" panose="02040503050406030204" pitchFamily="18" charset="0"/>
                             <a:ea typeface="Times New Roman" panose="02020603050405020304" pitchFamily="18" charset="0"/>
                             <a:cs typeface="Times New Roman" panose="02020603050405020304" pitchFamily="18" charset="0"/>
                           </a:rPr>
@@ -11084,9 +12218,8 @@
                       </m:e>
                       <m:sub>
                         <m:r>
-                          <a:rPr lang="en-US" sz="2400" b="0" i="0" smtClean="0">
+                          <a:rPr lang="en-US" sz="2000" b="0" i="0" smtClean="0">
                             <a:effectLst/>
-                            <a:latin typeface="Cambria Math" panose="02040503050406030204" pitchFamily="18" charset="0"/>
                             <a:ea typeface="Times New Roman" panose="02020603050405020304" pitchFamily="18" charset="0"/>
                             <a:cs typeface="Times New Roman" panose="02020603050405020304" pitchFamily="18" charset="0"/>
                           </a:rPr>
@@ -11097,9 +12230,8 @@
                     <m:d>
                       <m:dPr>
                         <m:ctrlPr>
-                          <a:rPr lang="en-US" sz="2400" b="0" i="1" smtClean="0">
+                          <a:rPr lang="en-US" sz="2000" b="0" i="1" smtClean="0">
                             <a:effectLst/>
-                            <a:latin typeface="Cambria Math" panose="02040503050406030204" pitchFamily="18" charset="0"/>
                             <a:ea typeface="Times New Roman" panose="02020603050405020304" pitchFamily="18" charset="0"/>
                             <a:cs typeface="Times New Roman" panose="02020603050405020304" pitchFamily="18" charset="0"/>
                           </a:rPr>
@@ -11107,9 +12239,8 @@
                       </m:dPr>
                       <m:e>
                         <m:r>
-                          <a:rPr lang="en-US" sz="2400" b="0" i="1" smtClean="0">
+                          <a:rPr lang="en-US" sz="2000" b="0" i="1" smtClean="0">
                             <a:effectLst/>
-                            <a:latin typeface="Cambria Math" panose="02040503050406030204" pitchFamily="18" charset="0"/>
                             <a:ea typeface="Times New Roman" panose="02020603050405020304" pitchFamily="18" charset="0"/>
                             <a:cs typeface="Times New Roman" panose="02020603050405020304" pitchFamily="18" charset="0"/>
                           </a:rPr>
@@ -11118,9 +12249,8 @@
                       </m:e>
                     </m:d>
                     <m:r>
-                      <a:rPr lang="en-US" sz="2400" b="0" i="1" smtClean="0">
+                      <a:rPr lang="en-US" sz="2000" b="0" i="1" smtClean="0">
                         <a:effectLst/>
-                        <a:latin typeface="Cambria Math" panose="02040503050406030204" pitchFamily="18" charset="0"/>
                         <a:ea typeface="Times New Roman" panose="02020603050405020304" pitchFamily="18" charset="0"/>
                         <a:cs typeface="Times New Roman" panose="02020603050405020304" pitchFamily="18" charset="0"/>
                       </a:rPr>
@@ -11129,9 +12259,8 @@
                     <m:sSup>
                       <m:sSupPr>
                         <m:ctrlPr>
-                          <a:rPr lang="en-US" sz="2400" b="0" i="0" smtClean="0">
+                          <a:rPr lang="en-US" sz="2000" b="0" i="1" smtClean="0">
                             <a:effectLst/>
-                            <a:latin typeface="Cambria Math" panose="02040503050406030204" pitchFamily="18" charset="0"/>
                             <a:ea typeface="Times New Roman" panose="02020603050405020304" pitchFamily="18" charset="0"/>
                             <a:cs typeface="Times New Roman" panose="02020603050405020304" pitchFamily="18" charset="0"/>
                           </a:rPr>
@@ -11142,9 +12271,8 @@
                           <m:rPr>
                             <m:sty m:val="p"/>
                           </m:rPr>
-                          <a:rPr lang="en-US" sz="2400" b="0" i="0" smtClean="0">
+                          <a:rPr lang="en-US" sz="2000" b="0" i="0" smtClean="0">
                             <a:effectLst/>
-                            <a:latin typeface="Cambria Math" panose="02040503050406030204" pitchFamily="18" charset="0"/>
                             <a:ea typeface="Times New Roman" panose="02020603050405020304" pitchFamily="18" charset="0"/>
                             <a:cs typeface="Times New Roman" panose="02020603050405020304" pitchFamily="18" charset="0"/>
                           </a:rPr>
@@ -11155,9 +12283,8 @@
                         <m:sSubSup>
                           <m:sSubSupPr>
                             <m:ctrlPr>
-                              <a:rPr lang="en-US" sz="2400" b="0" i="0" smtClean="0">
+                              <a:rPr lang="en-US" sz="2000" b="0" i="1" smtClean="0">
                                 <a:effectLst/>
-                                <a:latin typeface="Cambria Math" panose="02040503050406030204" pitchFamily="18" charset="0"/>
                                 <a:ea typeface="Times New Roman" panose="02020603050405020304" pitchFamily="18" charset="0"/>
                                 <a:cs typeface="Times New Roman" panose="02020603050405020304" pitchFamily="18" charset="0"/>
                               </a:rPr>
@@ -11165,9 +12292,8 @@
                           </m:sSubSupPr>
                           <m:e>
                             <m:r>
-                              <a:rPr lang="en-US" sz="2400" b="0" i="0" smtClean="0">
+                              <a:rPr lang="en-US" sz="2000" b="0" i="0" smtClean="0">
                                 <a:effectLst/>
-                                <a:latin typeface="Cambria Math" panose="02040503050406030204" pitchFamily="18" charset="0"/>
                                 <a:ea typeface="Times New Roman" panose="02020603050405020304" pitchFamily="18" charset="0"/>
                                 <a:cs typeface="Times New Roman" panose="02020603050405020304" pitchFamily="18" charset="0"/>
                               </a:rPr>
@@ -11177,9 +12303,8 @@
                               <m:rPr>
                                 <m:sty m:val="p"/>
                               </m:rPr>
-                              <a:rPr lang="en-US" sz="2400" b="0" i="0" smtClean="0">
+                              <a:rPr lang="en-US" sz="2000" b="0" i="0" smtClean="0">
                                 <a:effectLst/>
-                                <a:latin typeface="Cambria Math" panose="02040503050406030204" pitchFamily="18" charset="0"/>
                                 <a:ea typeface="Times New Roman" panose="02020603050405020304" pitchFamily="18" charset="0"/>
                                 <a:cs typeface="Times New Roman" panose="02020603050405020304" pitchFamily="18" charset="0"/>
                               </a:rPr>
@@ -11188,9 +12313,8 @@
                           </m:e>
                           <m:sub>
                             <m:r>
-                              <a:rPr lang="en-US" sz="2400" b="0" i="0" smtClean="0">
+                              <a:rPr lang="en-US" sz="2000" b="0" i="0" smtClean="0">
                                 <a:effectLst/>
-                                <a:latin typeface="Cambria Math" panose="02040503050406030204" pitchFamily="18" charset="0"/>
                                 <a:ea typeface="Times New Roman" panose="02020603050405020304" pitchFamily="18" charset="0"/>
                                 <a:cs typeface="Times New Roman" panose="02020603050405020304" pitchFamily="18" charset="0"/>
                               </a:rPr>
@@ -11199,9 +12323,8 @@
                           </m:sub>
                           <m:sup>
                             <m:r>
-                              <a:rPr lang="en-US" sz="2400" b="0" i="0" smtClean="0">
+                              <a:rPr lang="en-US" sz="2000" b="0" i="0" smtClean="0">
                                 <a:effectLst/>
-                                <a:latin typeface="Cambria Math" panose="02040503050406030204" pitchFamily="18" charset="0"/>
                                 <a:ea typeface="Times New Roman" panose="02020603050405020304" pitchFamily="18" charset="0"/>
                                 <a:cs typeface="Times New Roman" panose="02020603050405020304" pitchFamily="18" charset="0"/>
                               </a:rPr>
@@ -11210,9 +12333,8 @@
                           </m:sup>
                         </m:sSubSup>
                         <m:r>
-                          <a:rPr lang="en-US" sz="2400" b="0" i="0" smtClean="0">
+                          <a:rPr lang="en-US" sz="2000" b="0" i="0" smtClean="0">
                             <a:effectLst/>
-                            <a:latin typeface="Cambria Math" panose="02040503050406030204" pitchFamily="18" charset="0"/>
                             <a:ea typeface="Times New Roman" panose="02020603050405020304" pitchFamily="18" charset="0"/>
                             <a:cs typeface="Times New Roman" panose="02020603050405020304" pitchFamily="18" charset="0"/>
                           </a:rPr>
@@ -11221,9 +12343,8 @@
                         <m:sSubSup>
                           <m:sSubSupPr>
                             <m:ctrlPr>
-                              <a:rPr lang="en-US" sz="2400" b="0" i="0" smtClean="0">
+                              <a:rPr lang="en-US" sz="2000" b="0" i="1" smtClean="0">
                                 <a:effectLst/>
-                                <a:latin typeface="Cambria Math" panose="02040503050406030204" pitchFamily="18" charset="0"/>
                                 <a:ea typeface="Times New Roman" panose="02020603050405020304" pitchFamily="18" charset="0"/>
                                 <a:cs typeface="Times New Roman" panose="02020603050405020304" pitchFamily="18" charset="0"/>
                               </a:rPr>
@@ -11234,9 +12355,8 @@
                               <m:rPr>
                                 <m:sty m:val="p"/>
                               </m:rPr>
-                              <a:rPr lang="en-US" sz="2400" b="0" i="0" smtClean="0">
+                              <a:rPr lang="en-US" sz="2000" b="0" i="0" smtClean="0">
                                 <a:effectLst/>
-                                <a:latin typeface="Cambria Math" panose="02040503050406030204" pitchFamily="18" charset="0"/>
                                 <a:ea typeface="Times New Roman" panose="02020603050405020304" pitchFamily="18" charset="0"/>
                                 <a:cs typeface="Times New Roman" panose="02020603050405020304" pitchFamily="18" charset="0"/>
                               </a:rPr>
@@ -11245,9 +12365,8 @@
                           </m:e>
                           <m:sub>
                             <m:r>
-                              <a:rPr lang="en-US" sz="2400" b="0" i="0" smtClean="0">
+                              <a:rPr lang="en-US" sz="2000" b="0" i="0" smtClean="0">
                                 <a:effectLst/>
-                                <a:latin typeface="Cambria Math" panose="02040503050406030204" pitchFamily="18" charset="0"/>
                                 <a:ea typeface="Times New Roman" panose="02020603050405020304" pitchFamily="18" charset="0"/>
                                 <a:cs typeface="Times New Roman" panose="02020603050405020304" pitchFamily="18" charset="0"/>
                               </a:rPr>
@@ -11256,9 +12375,8 @@
                           </m:sub>
                           <m:sup>
                             <m:r>
-                              <a:rPr lang="en-US" sz="2400" b="0" i="0" smtClean="0">
+                              <a:rPr lang="en-US" sz="2000" b="0" i="0" smtClean="0">
                                 <a:effectLst/>
-                                <a:latin typeface="Cambria Math" panose="02040503050406030204" pitchFamily="18" charset="0"/>
                                 <a:ea typeface="Times New Roman" panose="02020603050405020304" pitchFamily="18" charset="0"/>
                                 <a:cs typeface="Times New Roman" panose="02020603050405020304" pitchFamily="18" charset="0"/>
                               </a:rPr>
@@ -11269,9 +12387,8 @@
                       </m:sup>
                     </m:sSup>
                     <m:r>
-                      <a:rPr lang="en-US" sz="2400" b="0" i="0" smtClean="0">
+                      <a:rPr lang="en-US" sz="2000" b="0" i="0" smtClean="0">
                         <a:effectLst/>
-                        <a:latin typeface="Cambria Math" panose="02040503050406030204" pitchFamily="18" charset="0"/>
                         <a:ea typeface="Times New Roman" panose="02020603050405020304" pitchFamily="18" charset="0"/>
                         <a:cs typeface="Times New Roman" panose="02020603050405020304" pitchFamily="18" charset="0"/>
                       </a:rPr>
@@ -11280,9 +12397,8 @@
                     <m:sSub>
                       <m:sSubPr>
                         <m:ctrlPr>
-                          <a:rPr lang="en-US" sz="2400" b="0" i="0" smtClean="0">
+                          <a:rPr lang="en-US" sz="2000" b="0" i="1" smtClean="0">
                             <a:effectLst/>
-                            <a:latin typeface="Cambria Math" panose="02040503050406030204" pitchFamily="18" charset="0"/>
                             <a:ea typeface="Times New Roman" panose="02020603050405020304" pitchFamily="18" charset="0"/>
                             <a:cs typeface="Times New Roman" panose="02020603050405020304" pitchFamily="18" charset="0"/>
                           </a:rPr>
@@ -11293,9 +12409,8 @@
                           <m:rPr>
                             <m:sty m:val="p"/>
                           </m:rPr>
-                          <a:rPr lang="en-US" sz="2400" b="0" i="0" smtClean="0">
+                          <a:rPr lang="en-US" sz="2000" b="0" i="0" smtClean="0">
                             <a:effectLst/>
-                            <a:latin typeface="Cambria Math" panose="02040503050406030204" pitchFamily="18" charset="0"/>
                             <a:ea typeface="Times New Roman" panose="02020603050405020304" pitchFamily="18" charset="0"/>
                             <a:cs typeface="Times New Roman" panose="02020603050405020304" pitchFamily="18" charset="0"/>
                           </a:rPr>
@@ -11304,9 +12419,8 @@
                       </m:e>
                       <m:sub>
                         <m:r>
-                          <a:rPr lang="en-US" sz="2400" b="0" i="0" smtClean="0">
+                          <a:rPr lang="en-US" sz="2000" b="0" i="0" smtClean="0">
                             <a:effectLst/>
-                            <a:latin typeface="Cambria Math" panose="02040503050406030204" pitchFamily="18" charset="0"/>
                             <a:ea typeface="Times New Roman" panose="02020603050405020304" pitchFamily="18" charset="0"/>
                             <a:cs typeface="Times New Roman" panose="02020603050405020304" pitchFamily="18" charset="0"/>
                           </a:rPr>
@@ -11317,9 +12431,8 @@
                     <m:d>
                       <m:dPr>
                         <m:ctrlPr>
-                          <a:rPr lang="en-US" sz="2400" b="0" i="0" smtClean="0">
+                          <a:rPr lang="en-US" sz="2000" b="0" i="1" smtClean="0">
                             <a:effectLst/>
-                            <a:latin typeface="Cambria Math" panose="02040503050406030204" pitchFamily="18" charset="0"/>
                             <a:ea typeface="Times New Roman" panose="02020603050405020304" pitchFamily="18" charset="0"/>
                             <a:cs typeface="Times New Roman" panose="02020603050405020304" pitchFamily="18" charset="0"/>
                           </a:rPr>
@@ -11330,9 +12443,8 @@
                           <m:rPr>
                             <m:sty m:val="p"/>
                           </m:rPr>
-                          <a:rPr lang="en-US" sz="2400" b="0" i="0" smtClean="0">
+                          <a:rPr lang="en-US" sz="2000" b="0" i="0" smtClean="0">
                             <a:effectLst/>
-                            <a:latin typeface="Cambria Math" panose="02040503050406030204" pitchFamily="18" charset="0"/>
                             <a:ea typeface="Times New Roman" panose="02020603050405020304" pitchFamily="18" charset="0"/>
                             <a:cs typeface="Times New Roman" panose="02020603050405020304" pitchFamily="18" charset="0"/>
                           </a:rPr>
@@ -11341,9 +12453,8 @@
                       </m:e>
                     </m:d>
                     <m:r>
-                      <a:rPr lang="en-US" sz="2400" b="0" i="0" smtClean="0">
+                      <a:rPr lang="en-US" sz="2000" b="0" i="0" smtClean="0">
                         <a:effectLst/>
-                        <a:latin typeface="Cambria Math" panose="02040503050406030204" pitchFamily="18" charset="0"/>
                         <a:ea typeface="Times New Roman" panose="02020603050405020304" pitchFamily="18" charset="0"/>
                         <a:cs typeface="Times New Roman" panose="02020603050405020304" pitchFamily="18" charset="0"/>
                       </a:rPr>
@@ -11352,9 +12463,8 @@
                     <m:sSup>
                       <m:sSupPr>
                         <m:ctrlPr>
-                          <a:rPr lang="en-US" sz="2400" b="0" i="0" smtClean="0">
+                          <a:rPr lang="en-US" sz="2000" b="0" i="1" smtClean="0">
                             <a:effectLst/>
-                            <a:latin typeface="Cambria Math" panose="02040503050406030204" pitchFamily="18" charset="0"/>
                             <a:ea typeface="Times New Roman" panose="02020603050405020304" pitchFamily="18" charset="0"/>
                             <a:cs typeface="Times New Roman" panose="02020603050405020304" pitchFamily="18" charset="0"/>
                           </a:rPr>
@@ -11365,9 +12475,8 @@
                           <m:rPr>
                             <m:sty m:val="p"/>
                           </m:rPr>
-                          <a:rPr lang="en-US" sz="2400" b="0" i="0" smtClean="0">
+                          <a:rPr lang="en-US" sz="2000" b="0" i="0" smtClean="0">
                             <a:effectLst/>
-                            <a:latin typeface="Cambria Math" panose="02040503050406030204" pitchFamily="18" charset="0"/>
                             <a:ea typeface="Times New Roman" panose="02020603050405020304" pitchFamily="18" charset="0"/>
                             <a:cs typeface="Times New Roman" panose="02020603050405020304" pitchFamily="18" charset="0"/>
                           </a:rPr>
@@ -11378,9 +12487,8 @@
                         <m:sSub>
                           <m:sSubPr>
                             <m:ctrlPr>
-                              <a:rPr lang="en-US" sz="2400" b="0" i="0" smtClean="0">
+                              <a:rPr lang="en-US" sz="2000" b="0" i="1" smtClean="0">
                                 <a:effectLst/>
-                                <a:latin typeface="Cambria Math" panose="02040503050406030204" pitchFamily="18" charset="0"/>
                                 <a:ea typeface="Times New Roman" panose="02020603050405020304" pitchFamily="18" charset="0"/>
                                 <a:cs typeface="Times New Roman" panose="02020603050405020304" pitchFamily="18" charset="0"/>
                               </a:rPr>
@@ -11391,9 +12499,8 @@
                               <m:rPr>
                                 <m:sty m:val="p"/>
                               </m:rPr>
-                              <a:rPr lang="en-US" sz="2400" b="0" i="0" smtClean="0">
+                              <a:rPr lang="en-US" sz="2000" b="0" i="0" smtClean="0">
                                 <a:effectLst/>
-                                <a:latin typeface="Cambria Math" panose="02040503050406030204" pitchFamily="18" charset="0"/>
                                 <a:ea typeface="Times New Roman" panose="02020603050405020304" pitchFamily="18" charset="0"/>
                                 <a:cs typeface="Times New Roman" panose="02020603050405020304" pitchFamily="18" charset="0"/>
                               </a:rPr>
@@ -11402,9 +12509,8 @@
                           </m:e>
                           <m:sub>
                             <m:r>
-                              <a:rPr lang="en-US" sz="2400" b="0" i="0" smtClean="0">
+                              <a:rPr lang="en-US" sz="2000" b="0" i="0" smtClean="0">
                                 <a:effectLst/>
-                                <a:latin typeface="Cambria Math" panose="02040503050406030204" pitchFamily="18" charset="0"/>
                                 <a:ea typeface="Times New Roman" panose="02020603050405020304" pitchFamily="18" charset="0"/>
                                 <a:cs typeface="Times New Roman" panose="02020603050405020304" pitchFamily="18" charset="0"/>
                               </a:rPr>
@@ -11415,9 +12521,8 @@
                         <m:sSub>
                           <m:sSubPr>
                             <m:ctrlPr>
-                              <a:rPr lang="en-US" sz="2400" b="0" i="0" smtClean="0">
+                              <a:rPr lang="en-US" sz="2000" b="0" i="1" smtClean="0">
                                 <a:effectLst/>
-                                <a:latin typeface="Cambria Math" panose="02040503050406030204" pitchFamily="18" charset="0"/>
                                 <a:ea typeface="Times New Roman" panose="02020603050405020304" pitchFamily="18" charset="0"/>
                                 <a:cs typeface="Times New Roman" panose="02020603050405020304" pitchFamily="18" charset="0"/>
                               </a:rPr>
@@ -11428,9 +12533,8 @@
                               <m:rPr>
                                 <m:sty m:val="p"/>
                               </m:rPr>
-                              <a:rPr lang="en-US" sz="2400" b="0" i="0" smtClean="0">
+                              <a:rPr lang="en-US" sz="2000" b="0" i="0" smtClean="0">
                                 <a:effectLst/>
-                                <a:latin typeface="Cambria Math" panose="02040503050406030204" pitchFamily="18" charset="0"/>
                                 <a:ea typeface="Times New Roman" panose="02020603050405020304" pitchFamily="18" charset="0"/>
                                 <a:cs typeface="Times New Roman" panose="02020603050405020304" pitchFamily="18" charset="0"/>
                               </a:rPr>
@@ -11439,9 +12543,8 @@
                           </m:e>
                           <m:sub>
                             <m:r>
-                              <a:rPr lang="en-US" sz="2400" b="0" i="0" smtClean="0">
+                              <a:rPr lang="en-US" sz="2000" b="0" i="0" smtClean="0">
                                 <a:effectLst/>
-                                <a:latin typeface="Cambria Math" panose="02040503050406030204" pitchFamily="18" charset="0"/>
                                 <a:ea typeface="Times New Roman" panose="02020603050405020304" pitchFamily="18" charset="0"/>
                                 <a:cs typeface="Times New Roman" panose="02020603050405020304" pitchFamily="18" charset="0"/>
                               </a:rPr>
@@ -11452,7 +12555,7 @@
                       </m:sup>
                     </m:sSup>
                     <m:r>
-                      <a:rPr lang="en-US" sz="2400" b="0" i="0" smtClean="0">
+                      <a:rPr lang="en-US" sz="2000" b="0" i="0" smtClean="0">
                         <a:effectLst/>
                         <a:ea typeface="Times New Roman" panose="02020603050405020304" pitchFamily="18" charset="0"/>
                         <a:cs typeface="Times New Roman" panose="02020603050405020304" pitchFamily="18" charset="0"/>
@@ -11462,7 +12565,7 @@
                   </m:oMath>
                 </a14:m>
                 <a:r>
-                  <a:rPr lang="ru-RU" sz="2400" dirty="0">
+                  <a:rPr lang="ru-RU" sz="2000" dirty="0">
                     <a:effectLst/>
                     <a:ea typeface="Times New Roman" panose="02020603050405020304" pitchFamily="18" charset="0"/>
                   </a:rPr>
@@ -11474,7 +12577,7 @@
                       <m:rPr>
                         <m:sty m:val="p"/>
                       </m:rPr>
-                      <a:rPr lang="ru-RU" sz="2400" i="0">
+                      <a:rPr lang="ru-RU" sz="2000" i="0">
                         <a:effectLst/>
                         <a:ea typeface="Times New Roman" panose="02020603050405020304" pitchFamily="18" charset="0"/>
                         <a:cs typeface="Times New Roman" panose="02020603050405020304" pitchFamily="18" charset="0"/>
@@ -11482,7 +12585,7 @@
                       <m:t>x</m:t>
                     </m:r>
                     <m:r>
-                      <a:rPr lang="ru-RU" sz="2400" i="0">
+                      <a:rPr lang="ru-RU" sz="2000" i="0">
                         <a:effectLst/>
                         <a:ea typeface="Times New Roman" panose="02020603050405020304" pitchFamily="18" charset="0"/>
                         <a:cs typeface="Times New Roman" panose="02020603050405020304" pitchFamily="18" charset="0"/>
@@ -11492,7 +12595,7 @@
                     <m:sSup>
                       <m:sSupPr>
                         <m:ctrlPr>
-                          <a:rPr lang="ru-RU" sz="2400">
+                          <a:rPr lang="ru-RU" sz="2000" i="1">
                             <a:effectLst/>
                           </a:rPr>
                         </m:ctrlPr>
@@ -11502,7 +12605,7 @@
                           <m:rPr>
                             <m:sty m:val="p"/>
                           </m:rPr>
-                          <a:rPr lang="ru-RU" sz="2400" i="0">
+                          <a:rPr lang="ru-RU" sz="2000" i="0">
                             <a:effectLst/>
                             <a:ea typeface="Times New Roman" panose="02020603050405020304" pitchFamily="18" charset="0"/>
                             <a:cs typeface="Times New Roman" panose="02020603050405020304" pitchFamily="18" charset="0"/>
@@ -11512,7 +12615,7 @@
                       </m:e>
                       <m:sup>
                         <m:r>
-                          <a:rPr lang="ru-RU" sz="2400" i="0">
+                          <a:rPr lang="ru-RU" sz="2000" i="0">
                             <a:effectLst/>
                             <a:ea typeface="Times New Roman" panose="02020603050405020304" pitchFamily="18" charset="0"/>
                             <a:cs typeface="Times New Roman" panose="02020603050405020304" pitchFamily="18" charset="0"/>
@@ -11522,7 +12625,7 @@
                       </m:sup>
                     </m:sSup>
                     <m:r>
-                      <a:rPr lang="en-US" sz="2400" b="0" i="0" smtClean="0">
+                      <a:rPr lang="en-US" sz="2000" b="0" i="0" smtClean="0">
                         <a:effectLst/>
                         <a:ea typeface="Times New Roman" panose="02020603050405020304" pitchFamily="18" charset="0"/>
                         <a:cs typeface="Times New Roman" panose="02020603050405020304" pitchFamily="18" charset="0"/>
@@ -11530,7 +12633,7 @@
                       <m:t>. </m:t>
                     </m:r>
                     <m:r>
-                      <a:rPr lang="ru-RU" sz="2400" b="0" i="0" smtClean="0">
+                      <a:rPr lang="ru-RU" sz="2000" b="0" i="0" smtClean="0">
                         <a:effectLst/>
                         <a:ea typeface="Times New Roman" panose="02020603050405020304" pitchFamily="18" charset="0"/>
                         <a:cs typeface="Times New Roman" panose="02020603050405020304" pitchFamily="18" charset="0"/>
@@ -11540,7 +12643,7 @@
                   </m:oMath>
                 </a14:m>
                 <a:r>
-                  <a:rPr lang="en-US" sz="2400" dirty="0"/>
+                  <a:rPr lang="en-US" sz="2000" dirty="0"/>
                   <a:t> </a:t>
                 </a:r>
                 <a14:m>
@@ -11548,7 +12651,7 @@
                     <m:sSub>
                       <m:sSubPr>
                         <m:ctrlPr>
-                          <a:rPr lang="ru-RU" sz="2400"/>
+                          <a:rPr lang="ru-RU" sz="2000" i="1"/>
                         </m:ctrlPr>
                       </m:sSubPr>
                       <m:e>
@@ -11556,25 +12659,25 @@
                           <m:rPr>
                             <m:sty m:val="p"/>
                           </m:rPr>
-                          <a:rPr lang="ru-RU" sz="2400" i="0"/>
+                          <a:rPr lang="ru-RU" sz="2000" i="0"/>
                           <m:t>x</m:t>
                         </m:r>
                       </m:e>
                       <m:sub>
                         <m:r>
-                          <a:rPr lang="ru-RU" sz="2400" i="0"/>
+                          <a:rPr lang="ru-RU" sz="2000" i="0"/>
                           <m:t>0</m:t>
                         </m:r>
                       </m:sub>
                     </m:sSub>
                     <m:r>
-                      <a:rPr lang="ru-RU" sz="2400" b="0" i="0" smtClean="0"/>
+                      <a:rPr lang="ru-RU" sz="2000" b="0" i="0" smtClean="0"/>
                       <m:t>=</m:t>
                     </m:r>
                     <m:sSup>
                       <m:sSupPr>
                         <m:ctrlPr>
-                          <a:rPr lang="ru-RU" sz="2400"/>
+                          <a:rPr lang="ru-RU" sz="2000" i="1"/>
                         </m:ctrlPr>
                       </m:sSupPr>
                       <m:e>
@@ -11583,12 +12686,12 @@
                             <m:begChr m:val="["/>
                             <m:endChr m:val="]"/>
                             <m:ctrlPr>
-                              <a:rPr lang="ru-RU" sz="2400"/>
+                              <a:rPr lang="ru-RU" sz="2000" i="1"/>
                             </m:ctrlPr>
                           </m:dPr>
                           <m:e>
                             <m:r>
-                              <a:rPr lang="ru-RU" sz="2400" i="0"/>
+                              <a:rPr lang="ru-RU" sz="2000" i="0"/>
                               <m:t>−1,1</m:t>
                             </m:r>
                           </m:e>
@@ -11599,19 +12702,19 @@
                           <m:rPr>
                             <m:sty m:val="p"/>
                           </m:rPr>
-                          <a:rPr lang="ru-RU" sz="2400" i="0"/>
+                          <a:rPr lang="ru-RU" sz="2000" i="0"/>
                           <m:t>T</m:t>
                         </m:r>
                       </m:sup>
                     </m:sSup>
                     <m:r>
-                      <a:rPr lang="ru-RU" sz="2400" b="0" i="0" smtClean="0"/>
+                      <a:rPr lang="ru-RU" sz="2000" b="0" i="0" smtClean="0"/>
                       <m:t>,</m:t>
                     </m:r>
                   </m:oMath>
                 </a14:m>
                 <a:r>
-                  <a:rPr lang="ru-RU" sz="2400" dirty="0"/>
+                  <a:rPr lang="ru-RU" sz="2000" dirty="0"/>
                   <a:t> эталонная точка </a:t>
                 </a:r>
                 <a14:m>
@@ -11619,7 +12722,7 @@
                     <m:sSup>
                       <m:sSupPr>
                         <m:ctrlPr>
-                          <a:rPr lang="ru-RU" sz="2400"/>
+                          <a:rPr lang="ru-RU" sz="2000" i="1"/>
                         </m:ctrlPr>
                       </m:sSupPr>
                       <m:e>
@@ -11627,25 +12730,25 @@
                           <m:rPr>
                             <m:sty m:val="p"/>
                           </m:rPr>
-                          <a:rPr lang="ru-RU" sz="2400" i="0"/>
+                          <a:rPr lang="ru-RU" sz="2000" i="0"/>
                           <m:t>x</m:t>
                         </m:r>
                       </m:e>
                       <m:sup>
                         <m:r>
-                          <a:rPr lang="ru-RU" sz="2400" i="0"/>
+                          <a:rPr lang="ru-RU" sz="2000" i="0"/>
                           <m:t>∗</m:t>
                         </m:r>
                       </m:sup>
                     </m:sSup>
                     <m:r>
-                      <a:rPr lang="ru-RU" sz="2400" i="0"/>
+                      <a:rPr lang="ru-RU" sz="2000" i="0"/>
                       <m:t>=</m:t>
                     </m:r>
                     <m:sSup>
                       <m:sSupPr>
                         <m:ctrlPr>
-                          <a:rPr lang="ru-RU" sz="2400"/>
+                          <a:rPr lang="ru-RU" sz="2000" i="1"/>
                         </m:ctrlPr>
                       </m:sSupPr>
                       <m:e>
@@ -11654,12 +12757,12 @@
                             <m:begChr m:val="["/>
                             <m:endChr m:val="]"/>
                             <m:ctrlPr>
-                              <a:rPr lang="ru-RU" sz="2400"/>
+                              <a:rPr lang="ru-RU" sz="2000" i="1"/>
                             </m:ctrlPr>
                           </m:dPr>
                           <m:e>
                             <m:r>
-                              <a:rPr lang="ru-RU" sz="2400" i="0"/>
+                              <a:rPr lang="ru-RU" sz="2000" i="0"/>
                               <m:t>0,0</m:t>
                             </m:r>
                           </m:e>
@@ -11670,14 +12773,14 @@
                           <m:rPr>
                             <m:sty m:val="p"/>
                           </m:rPr>
-                          <a:rPr lang="ru-RU" sz="2400" i="0"/>
+                          <a:rPr lang="ru-RU" sz="2000" i="0"/>
                           <m:t>T</m:t>
                         </m:r>
                       </m:sup>
                     </m:sSup>
                   </m:oMath>
                 </a14:m>
-                <a:endParaRPr lang="ru-RU" sz="2400" dirty="0"/>
+                <a:endParaRPr lang="ru-RU" sz="2000" dirty="0"/>
               </a:p>
               <a:p>
                 <a:pPr indent="450215">
@@ -11712,13 +12815,13 @@
             </p:nvSpPr>
             <p:spPr>
               <a:xfrm>
-                <a:off x="628845" y="143860"/>
-                <a:ext cx="12643769" cy="4939607"/>
+                <a:off x="628846" y="143860"/>
+                <a:ext cx="12283730" cy="4939607"/>
               </a:xfrm>
               <a:blipFill>
                 <a:blip r:embed="rId2"/>
                 <a:stretch>
-                  <a:fillRect/>
+                  <a:fillRect l="-496" r="-546"/>
                 </a:stretch>
               </a:blipFill>
             </p:spPr>
@@ -11761,7 +12864,7 @@
             <a:fld id="{CB07D4DF-2351-4A60-A90B-60ED82532F73}" type="slidenum">
               <a:rPr lang="ru-RU" smtClean="0"/>
               <a:pPr/>
-              <a:t>4</a:t>
+              <a:t>5</a:t>
             </a:fld>
             <a:endParaRPr lang="ru-RU" dirty="0"/>
           </a:p>
@@ -11918,7 +13021,7 @@
 </p:sld>
 </file>
 
-<file path=ppt/slides/slide5.xml><?xml version="1.0" encoding="utf-8"?>
+<file path=ppt/slides/slide6.xml><?xml version="1.0" encoding="utf-8"?>
 <p:sld xmlns:a="http://schemas.openxmlformats.org/drawingml/2006/main" xmlns:r="http://schemas.openxmlformats.org/officeDocument/2006/relationships" xmlns:p="http://schemas.openxmlformats.org/presentationml/2006/main">
   <p:cSld>
     <p:spTree>
@@ -11958,16 +13061,16 @@
               <a:bodyPr/>
               <a:lstStyle/>
               <a:p>
-                <a:pPr indent="450215" algn="just">
+                <a:pPr algn="just">
                   <a:lnSpc>
-                    <a:spcPct val="115000"/>
+                    <a:spcPct val="150000"/>
                   </a:lnSpc>
                   <a:spcAft>
                     <a:spcPts val="1000"/>
                   </a:spcAft>
                 </a:pPr>
                 <a:r>
-                  <a:rPr lang="ru-RU" sz="2400" dirty="0">
+                  <a:rPr lang="ru-RU" sz="2000" dirty="0">
                     <a:effectLst/>
                     <a:ea typeface="Times New Roman" panose="02020603050405020304" pitchFamily="18" charset="0"/>
                     <a:cs typeface="Times New Roman" panose="02020603050405020304" pitchFamily="18" charset="0"/>
@@ -11977,7 +13080,7 @@
                 <a14:m>
                   <m:oMath xmlns:m="http://schemas.openxmlformats.org/officeDocument/2006/math">
                     <m:r>
-                      <a:rPr lang="ru-RU" sz="2400" i="0">
+                      <a:rPr lang="ru-RU" sz="2000" i="0">
                         <a:effectLst/>
                         <a:ea typeface="Times New Roman" panose="02020603050405020304" pitchFamily="18" charset="0"/>
                         <a:cs typeface="Times New Roman" panose="02020603050405020304" pitchFamily="18" charset="0"/>
@@ -11988,7 +13091,7 @@
                       <m:rPr>
                         <m:sty m:val="p"/>
                       </m:rPr>
-                      <a:rPr lang="en-US" sz="2400" i="0">
+                      <a:rPr lang="en-US" sz="2000" i="0">
                         <a:effectLst/>
                         <a:ea typeface="Times New Roman" panose="02020603050405020304" pitchFamily="18" charset="0"/>
                         <a:cs typeface="Times New Roman" panose="02020603050405020304" pitchFamily="18" charset="0"/>
@@ -11996,7 +13099,7 @@
                       <m:t>n</m:t>
                     </m:r>
                     <m:r>
-                      <a:rPr lang="ru-RU" sz="2400" i="0">
+                      <a:rPr lang="ru-RU" sz="2000" i="0">
                         <a:effectLst/>
                         <a:ea typeface="Times New Roman" panose="02020603050405020304" pitchFamily="18" charset="0"/>
                         <a:cs typeface="Times New Roman" panose="02020603050405020304" pitchFamily="18" charset="0"/>
@@ -12007,7 +13110,7 @@
                       <m:rPr>
                         <m:sty m:val="p"/>
                       </m:rPr>
-                      <a:rPr lang="en-US" sz="2400" i="0">
+                      <a:rPr lang="en-US" sz="2000" i="0">
                         <a:effectLst/>
                         <a:ea typeface="Times New Roman" panose="02020603050405020304" pitchFamily="18" charset="0"/>
                         <a:cs typeface="Times New Roman" panose="02020603050405020304" pitchFamily="18" charset="0"/>
@@ -12015,7 +13118,7 @@
                       <m:t>m</m:t>
                     </m:r>
                     <m:r>
-                      <a:rPr lang="ru-RU" sz="2400" i="0">
+                      <a:rPr lang="ru-RU" sz="2000" i="0">
                         <a:effectLst/>
                         <a:ea typeface="Times New Roman" panose="02020603050405020304" pitchFamily="18" charset="0"/>
                         <a:cs typeface="Times New Roman" panose="02020603050405020304" pitchFamily="18" charset="0"/>
@@ -12023,7 +13126,7 @@
                       <m:t>=2</m:t>
                     </m:r>
                     <m:r>
-                      <a:rPr lang="ru-RU" sz="2400" b="0" i="0" smtClean="0">
+                      <a:rPr lang="ru-RU" sz="2000" b="0" i="0" smtClean="0">
                         <a:effectLst/>
                         <a:ea typeface="Times New Roman" panose="02020603050405020304" pitchFamily="18" charset="0"/>
                         <a:cs typeface="Times New Roman" panose="02020603050405020304" pitchFamily="18" charset="0"/>
@@ -12033,7 +13136,7 @@
                     <m:sSub>
                       <m:sSubPr>
                         <m:ctrlPr>
-                          <a:rPr lang="en-US" sz="2400" b="0" i="1" smtClean="0">
+                          <a:rPr lang="en-US" sz="2000" b="0" i="1" smtClean="0">
                             <a:effectLst/>
                             <a:ea typeface="Times New Roman" panose="02020603050405020304" pitchFamily="18" charset="0"/>
                             <a:cs typeface="Times New Roman" panose="02020603050405020304" pitchFamily="18" charset="0"/>
@@ -12042,7 +13145,7 @@
                       </m:sSubPr>
                       <m:e>
                         <m:r>
-                          <a:rPr lang="en-US" sz="2400" b="0" i="1" smtClean="0">
+                          <a:rPr lang="en-US" sz="2000" b="0" i="1" smtClean="0">
                             <a:effectLst/>
                             <a:ea typeface="Times New Roman" panose="02020603050405020304" pitchFamily="18" charset="0"/>
                             <a:cs typeface="Times New Roman" panose="02020603050405020304" pitchFamily="18" charset="0"/>
@@ -12052,7 +13155,7 @@
                       </m:e>
                       <m:sub>
                         <m:r>
-                          <a:rPr lang="en-US" sz="2400" b="0" i="0" smtClean="0">
+                          <a:rPr lang="en-US" sz="2000" b="0" i="0" smtClean="0">
                             <a:effectLst/>
                             <a:ea typeface="Times New Roman" panose="02020603050405020304" pitchFamily="18" charset="0"/>
                             <a:cs typeface="Times New Roman" panose="02020603050405020304" pitchFamily="18" charset="0"/>
@@ -12064,7 +13167,7 @@
                     <m:d>
                       <m:dPr>
                         <m:ctrlPr>
-                          <a:rPr lang="en-US" sz="2400" b="0" i="1" smtClean="0">
+                          <a:rPr lang="en-US" sz="2000" b="0" i="1" smtClean="0">
                             <a:effectLst/>
                             <a:ea typeface="Times New Roman" panose="02020603050405020304" pitchFamily="18" charset="0"/>
                             <a:cs typeface="Times New Roman" panose="02020603050405020304" pitchFamily="18" charset="0"/>
@@ -12073,7 +13176,7 @@
                       </m:dPr>
                       <m:e>
                         <m:r>
-                          <a:rPr lang="en-US" sz="2400" b="0" i="1" smtClean="0">
+                          <a:rPr lang="en-US" sz="2000" b="0" i="1" smtClean="0">
                             <a:effectLst/>
                             <a:ea typeface="Times New Roman" panose="02020603050405020304" pitchFamily="18" charset="0"/>
                             <a:cs typeface="Times New Roman" panose="02020603050405020304" pitchFamily="18" charset="0"/>
@@ -12083,7 +13186,7 @@
                       </m:e>
                     </m:d>
                     <m:r>
-                      <a:rPr lang="en-US" sz="2400" b="0" i="1" smtClean="0">
+                      <a:rPr lang="en-US" sz="2000" b="0" i="1" smtClean="0">
                         <a:effectLst/>
                         <a:ea typeface="Times New Roman" panose="02020603050405020304" pitchFamily="18" charset="0"/>
                         <a:cs typeface="Times New Roman" panose="02020603050405020304" pitchFamily="18" charset="0"/>
@@ -12093,7 +13196,7 @@
                     <m:sSup>
                       <m:sSupPr>
                         <m:ctrlPr>
-                          <a:rPr lang="en-US" sz="2400" b="0" i="1" smtClean="0">
+                          <a:rPr lang="en-US" sz="2000" b="0" i="1" smtClean="0">
                             <a:effectLst/>
                             <a:ea typeface="Times New Roman" panose="02020603050405020304" pitchFamily="18" charset="0"/>
                             <a:cs typeface="Times New Roman" panose="02020603050405020304" pitchFamily="18" charset="0"/>
@@ -12105,7 +13208,7 @@
                           <m:rPr>
                             <m:sty m:val="p"/>
                           </m:rPr>
-                          <a:rPr lang="en-US" sz="2400" b="0" i="0" smtClean="0">
+                          <a:rPr lang="en-US" sz="2000" b="0" i="0" smtClean="0">
                             <a:effectLst/>
                             <a:ea typeface="Times New Roman" panose="02020603050405020304" pitchFamily="18" charset="0"/>
                             <a:cs typeface="Times New Roman" panose="02020603050405020304" pitchFamily="18" charset="0"/>
@@ -12117,7 +13220,7 @@
                         <m:sSubSup>
                           <m:sSubSupPr>
                             <m:ctrlPr>
-                              <a:rPr lang="en-US" sz="2400" b="0" i="1" smtClean="0">
+                              <a:rPr lang="en-US" sz="2000" b="0" i="1" smtClean="0">
                                 <a:effectLst/>
                                 <a:ea typeface="Times New Roman" panose="02020603050405020304" pitchFamily="18" charset="0"/>
                                 <a:cs typeface="Times New Roman" panose="02020603050405020304" pitchFamily="18" charset="0"/>
@@ -12126,7 +13229,7 @@
                           </m:sSubSupPr>
                           <m:e>
                             <m:r>
-                              <a:rPr lang="en-US" sz="2400" b="0" i="0" smtClean="0">
+                              <a:rPr lang="en-US" sz="2000" b="0" i="0" smtClean="0">
                                 <a:effectLst/>
                                 <a:ea typeface="Times New Roman" panose="02020603050405020304" pitchFamily="18" charset="0"/>
                                 <a:cs typeface="Times New Roman" panose="02020603050405020304" pitchFamily="18" charset="0"/>
@@ -12137,7 +13240,7 @@
                               <m:rPr>
                                 <m:sty m:val="p"/>
                               </m:rPr>
-                              <a:rPr lang="en-US" sz="2400" b="0" i="0" smtClean="0">
+                              <a:rPr lang="en-US" sz="2000" b="0" i="0" smtClean="0">
                                 <a:effectLst/>
                                 <a:ea typeface="Times New Roman" panose="02020603050405020304" pitchFamily="18" charset="0"/>
                                 <a:cs typeface="Times New Roman" panose="02020603050405020304" pitchFamily="18" charset="0"/>
@@ -12147,7 +13250,7 @@
                           </m:e>
                           <m:sub>
                             <m:r>
-                              <a:rPr lang="en-US" sz="2400" b="0" i="0" smtClean="0">
+                              <a:rPr lang="en-US" sz="2000" b="0" i="0" smtClean="0">
                                 <a:effectLst/>
                                 <a:ea typeface="Times New Roman" panose="02020603050405020304" pitchFamily="18" charset="0"/>
                                 <a:cs typeface="Times New Roman" panose="02020603050405020304" pitchFamily="18" charset="0"/>
@@ -12157,7 +13260,7 @@
                           </m:sub>
                           <m:sup>
                             <m:r>
-                              <a:rPr lang="en-US" sz="2400" b="0" i="0" smtClean="0">
+                              <a:rPr lang="en-US" sz="2000" b="0" i="0" smtClean="0">
                                 <a:effectLst/>
                                 <a:ea typeface="Times New Roman" panose="02020603050405020304" pitchFamily="18" charset="0"/>
                                 <a:cs typeface="Times New Roman" panose="02020603050405020304" pitchFamily="18" charset="0"/>
@@ -12167,7 +13270,7 @@
                           </m:sup>
                         </m:sSubSup>
                         <m:r>
-                          <a:rPr lang="en-US" sz="2400" b="0" i="0" smtClean="0">
+                          <a:rPr lang="en-US" sz="2000" b="0" i="0" smtClean="0">
                             <a:effectLst/>
                             <a:ea typeface="Times New Roman" panose="02020603050405020304" pitchFamily="18" charset="0"/>
                             <a:cs typeface="Times New Roman" panose="02020603050405020304" pitchFamily="18" charset="0"/>
@@ -12177,7 +13280,7 @@
                         <m:sSubSup>
                           <m:sSubSupPr>
                             <m:ctrlPr>
-                              <a:rPr lang="en-US" sz="2400" b="0" i="1" smtClean="0">
+                              <a:rPr lang="en-US" sz="2000" b="0" i="1" smtClean="0">
                                 <a:effectLst/>
                                 <a:ea typeface="Times New Roman" panose="02020603050405020304" pitchFamily="18" charset="0"/>
                                 <a:cs typeface="Times New Roman" panose="02020603050405020304" pitchFamily="18" charset="0"/>
@@ -12189,7 +13292,7 @@
                               <m:rPr>
                                 <m:sty m:val="p"/>
                               </m:rPr>
-                              <a:rPr lang="en-US" sz="2400" b="0" i="0" smtClean="0">
+                              <a:rPr lang="en-US" sz="2000" b="0" i="0" smtClean="0">
                                 <a:effectLst/>
                                 <a:ea typeface="Times New Roman" panose="02020603050405020304" pitchFamily="18" charset="0"/>
                                 <a:cs typeface="Times New Roman" panose="02020603050405020304" pitchFamily="18" charset="0"/>
@@ -12199,7 +13302,7 @@
                           </m:e>
                           <m:sub>
                             <m:r>
-                              <a:rPr lang="en-US" sz="2400" b="0" i="0" smtClean="0">
+                              <a:rPr lang="en-US" sz="2000" b="0" i="0" smtClean="0">
                                 <a:effectLst/>
                                 <a:ea typeface="Times New Roman" panose="02020603050405020304" pitchFamily="18" charset="0"/>
                                 <a:cs typeface="Times New Roman" panose="02020603050405020304" pitchFamily="18" charset="0"/>
@@ -12209,7 +13312,7 @@
                           </m:sub>
                           <m:sup>
                             <m:r>
-                              <a:rPr lang="en-US" sz="2400" b="0" i="0" smtClean="0">
+                              <a:rPr lang="en-US" sz="2000" b="0" i="0" smtClean="0">
                                 <a:effectLst/>
                                 <a:ea typeface="Times New Roman" panose="02020603050405020304" pitchFamily="18" charset="0"/>
                                 <a:cs typeface="Times New Roman" panose="02020603050405020304" pitchFamily="18" charset="0"/>
@@ -12221,7 +13324,7 @@
                       </m:sup>
                     </m:sSup>
                     <m:r>
-                      <a:rPr lang="en-US" sz="2400" b="0" i="0" smtClean="0">
+                      <a:rPr lang="en-US" sz="2000" b="0" i="0" smtClean="0">
                         <a:effectLst/>
                         <a:ea typeface="Times New Roman" panose="02020603050405020304" pitchFamily="18" charset="0"/>
                         <a:cs typeface="Times New Roman" panose="02020603050405020304" pitchFamily="18" charset="0"/>
@@ -12231,7 +13334,7 @@
                     <m:sSub>
                       <m:sSubPr>
                         <m:ctrlPr>
-                          <a:rPr lang="en-US" sz="2400" b="0" i="1" smtClean="0">
+                          <a:rPr lang="en-US" sz="2000" b="0" i="1" smtClean="0">
                             <a:effectLst/>
                             <a:ea typeface="Times New Roman" panose="02020603050405020304" pitchFamily="18" charset="0"/>
                             <a:cs typeface="Times New Roman" panose="02020603050405020304" pitchFamily="18" charset="0"/>
@@ -12243,7 +13346,7 @@
                           <m:rPr>
                             <m:sty m:val="p"/>
                           </m:rPr>
-                          <a:rPr lang="en-US" sz="2400" b="0" i="0" smtClean="0">
+                          <a:rPr lang="en-US" sz="2000" b="0" i="0" smtClean="0">
                             <a:effectLst/>
                             <a:ea typeface="Times New Roman" panose="02020603050405020304" pitchFamily="18" charset="0"/>
                             <a:cs typeface="Times New Roman" panose="02020603050405020304" pitchFamily="18" charset="0"/>
@@ -12253,7 +13356,7 @@
                       </m:e>
                       <m:sub>
                         <m:r>
-                          <a:rPr lang="en-US" sz="2400" b="0" i="0" smtClean="0">
+                          <a:rPr lang="en-US" sz="2000" b="0" i="0" smtClean="0">
                             <a:effectLst/>
                             <a:ea typeface="Times New Roman" panose="02020603050405020304" pitchFamily="18" charset="0"/>
                             <a:cs typeface="Times New Roman" panose="02020603050405020304" pitchFamily="18" charset="0"/>
@@ -12265,7 +13368,7 @@
                     <m:d>
                       <m:dPr>
                         <m:ctrlPr>
-                          <a:rPr lang="en-US" sz="2400" b="0" i="1" smtClean="0">
+                          <a:rPr lang="en-US" sz="2000" b="0" i="1" smtClean="0">
                             <a:effectLst/>
                             <a:ea typeface="Times New Roman" panose="02020603050405020304" pitchFamily="18" charset="0"/>
                             <a:cs typeface="Times New Roman" panose="02020603050405020304" pitchFamily="18" charset="0"/>
@@ -12277,7 +13380,7 @@
                           <m:rPr>
                             <m:sty m:val="p"/>
                           </m:rPr>
-                          <a:rPr lang="en-US" sz="2400" b="0" i="0" smtClean="0">
+                          <a:rPr lang="en-US" sz="2000" b="0" i="0" smtClean="0">
                             <a:effectLst/>
                             <a:ea typeface="Times New Roman" panose="02020603050405020304" pitchFamily="18" charset="0"/>
                             <a:cs typeface="Times New Roman" panose="02020603050405020304" pitchFamily="18" charset="0"/>
@@ -12287,7 +13390,7 @@
                       </m:e>
                     </m:d>
                     <m:r>
-                      <a:rPr lang="en-US" sz="2400" b="0" i="0" smtClean="0">
+                      <a:rPr lang="en-US" sz="2000" b="0" i="0" smtClean="0">
                         <a:effectLst/>
                         <a:ea typeface="Times New Roman" panose="02020603050405020304" pitchFamily="18" charset="0"/>
                         <a:cs typeface="Times New Roman" panose="02020603050405020304" pitchFamily="18" charset="0"/>
@@ -12297,7 +13400,7 @@
                     <m:sSup>
                       <m:sSupPr>
                         <m:ctrlPr>
-                          <a:rPr lang="en-US" sz="2400" b="0" i="1" smtClean="0">
+                          <a:rPr lang="en-US" sz="2000" b="0" i="1" smtClean="0">
                             <a:effectLst/>
                             <a:ea typeface="Times New Roman" panose="02020603050405020304" pitchFamily="18" charset="0"/>
                             <a:cs typeface="Times New Roman" panose="02020603050405020304" pitchFamily="18" charset="0"/>
@@ -12309,7 +13412,7 @@
                           <m:rPr>
                             <m:sty m:val="p"/>
                           </m:rPr>
-                          <a:rPr lang="en-US" sz="2400" b="0" i="0" smtClean="0">
+                          <a:rPr lang="en-US" sz="2000" b="0" i="0" smtClean="0">
                             <a:effectLst/>
                             <a:ea typeface="Times New Roman" panose="02020603050405020304" pitchFamily="18" charset="0"/>
                             <a:cs typeface="Times New Roman" panose="02020603050405020304" pitchFamily="18" charset="0"/>
@@ -12321,7 +13424,7 @@
                         <m:sSub>
                           <m:sSubPr>
                             <m:ctrlPr>
-                              <a:rPr lang="en-US" sz="2400" b="0" i="1" smtClean="0">
+                              <a:rPr lang="en-US" sz="2000" b="0" i="1" smtClean="0">
                                 <a:effectLst/>
                                 <a:ea typeface="Times New Roman" panose="02020603050405020304" pitchFamily="18" charset="0"/>
                                 <a:cs typeface="Times New Roman" panose="02020603050405020304" pitchFamily="18" charset="0"/>
@@ -12333,7 +13436,7 @@
                               <m:rPr>
                                 <m:sty m:val="p"/>
                               </m:rPr>
-                              <a:rPr lang="en-US" sz="2400" b="0" i="0" smtClean="0">
+                              <a:rPr lang="en-US" sz="2000" b="0" i="0" smtClean="0">
                                 <a:effectLst/>
                                 <a:ea typeface="Times New Roman" panose="02020603050405020304" pitchFamily="18" charset="0"/>
                                 <a:cs typeface="Times New Roman" panose="02020603050405020304" pitchFamily="18" charset="0"/>
@@ -12343,7 +13446,7 @@
                           </m:e>
                           <m:sub>
                             <m:r>
-                              <a:rPr lang="en-US" sz="2400" b="0" i="0" smtClean="0">
+                              <a:rPr lang="en-US" sz="2000" b="0" i="0" smtClean="0">
                                 <a:effectLst/>
                                 <a:ea typeface="Times New Roman" panose="02020603050405020304" pitchFamily="18" charset="0"/>
                                 <a:cs typeface="Times New Roman" panose="02020603050405020304" pitchFamily="18" charset="0"/>
@@ -12355,7 +13458,7 @@
                         <m:sSub>
                           <m:sSubPr>
                             <m:ctrlPr>
-                              <a:rPr lang="en-US" sz="2400" b="0" i="1" smtClean="0">
+                              <a:rPr lang="en-US" sz="2000" b="0" i="1" smtClean="0">
                                 <a:effectLst/>
                                 <a:ea typeface="Times New Roman" panose="02020603050405020304" pitchFamily="18" charset="0"/>
                                 <a:cs typeface="Times New Roman" panose="02020603050405020304" pitchFamily="18" charset="0"/>
@@ -12367,7 +13470,7 @@
                               <m:rPr>
                                 <m:sty m:val="p"/>
                               </m:rPr>
-                              <a:rPr lang="en-US" sz="2400" b="0" i="0" smtClean="0">
+                              <a:rPr lang="en-US" sz="2000" b="0" i="0" smtClean="0">
                                 <a:effectLst/>
                                 <a:ea typeface="Times New Roman" panose="02020603050405020304" pitchFamily="18" charset="0"/>
                                 <a:cs typeface="Times New Roman" panose="02020603050405020304" pitchFamily="18" charset="0"/>
@@ -12377,7 +13480,7 @@
                           </m:e>
                           <m:sub>
                             <m:r>
-                              <a:rPr lang="en-US" sz="2400" b="0" i="0" smtClean="0">
+                              <a:rPr lang="en-US" sz="2000" b="0" i="0" smtClean="0">
                                 <a:effectLst/>
                                 <a:ea typeface="Times New Roman" panose="02020603050405020304" pitchFamily="18" charset="0"/>
                                 <a:cs typeface="Times New Roman" panose="02020603050405020304" pitchFamily="18" charset="0"/>
@@ -12389,7 +13492,7 @@
                       </m:sup>
                     </m:sSup>
                     <m:r>
-                      <a:rPr lang="en-US" sz="2400" b="0" i="0" smtClean="0">
+                      <a:rPr lang="en-US" sz="2000" b="0" i="0" smtClean="0">
                         <a:effectLst/>
                         <a:ea typeface="Times New Roman" panose="02020603050405020304" pitchFamily="18" charset="0"/>
                         <a:cs typeface="Times New Roman" panose="02020603050405020304" pitchFamily="18" charset="0"/>
@@ -12399,7 +13502,7 @@
                   </m:oMath>
                 </a14:m>
                 <a:r>
-                  <a:rPr lang="ru-RU" sz="2400" dirty="0">
+                  <a:rPr lang="ru-RU" sz="2000" dirty="0">
                     <a:effectLst/>
                     <a:ea typeface="Times New Roman" panose="02020603050405020304" pitchFamily="18" charset="0"/>
                   </a:rPr>
@@ -12411,7 +13514,7 @@
                       <m:rPr>
                         <m:sty m:val="p"/>
                       </m:rPr>
-                      <a:rPr lang="ru-RU" sz="2400" i="0">
+                      <a:rPr lang="ru-RU" sz="2000" i="0">
                         <a:effectLst/>
                         <a:ea typeface="Times New Roman" panose="02020603050405020304" pitchFamily="18" charset="0"/>
                         <a:cs typeface="Times New Roman" panose="02020603050405020304" pitchFamily="18" charset="0"/>
@@ -12419,7 +13522,7 @@
                       <m:t>x</m:t>
                     </m:r>
                     <m:r>
-                      <a:rPr lang="ru-RU" sz="2400" i="0">
+                      <a:rPr lang="ru-RU" sz="2000" i="0">
                         <a:effectLst/>
                         <a:ea typeface="Times New Roman" panose="02020603050405020304" pitchFamily="18" charset="0"/>
                         <a:cs typeface="Times New Roman" panose="02020603050405020304" pitchFamily="18" charset="0"/>
@@ -12429,7 +13532,7 @@
                     <m:sSup>
                       <m:sSupPr>
                         <m:ctrlPr>
-                          <a:rPr lang="ru-RU" sz="2400" i="1">
+                          <a:rPr lang="ru-RU" sz="2000" i="1">
                             <a:effectLst/>
                           </a:rPr>
                         </m:ctrlPr>
@@ -12439,7 +13542,7 @@
                           <m:rPr>
                             <m:sty m:val="p"/>
                           </m:rPr>
-                          <a:rPr lang="ru-RU" sz="2400" i="0">
+                          <a:rPr lang="ru-RU" sz="2000" i="0">
                             <a:effectLst/>
                             <a:ea typeface="Times New Roman" panose="02020603050405020304" pitchFamily="18" charset="0"/>
                             <a:cs typeface="Times New Roman" panose="02020603050405020304" pitchFamily="18" charset="0"/>
@@ -12449,7 +13552,7 @@
                       </m:e>
                       <m:sup>
                         <m:r>
-                          <a:rPr lang="ru-RU" sz="2400" i="0">
+                          <a:rPr lang="ru-RU" sz="2000" i="0">
                             <a:effectLst/>
                             <a:ea typeface="Times New Roman" panose="02020603050405020304" pitchFamily="18" charset="0"/>
                             <a:cs typeface="Times New Roman" panose="02020603050405020304" pitchFamily="18" charset="0"/>
@@ -12459,7 +13562,7 @@
                       </m:sup>
                     </m:sSup>
                     <m:r>
-                      <a:rPr lang="en-US" sz="2400" b="0" i="0" smtClean="0">
+                      <a:rPr lang="en-US" sz="2000" b="0" i="0" smtClean="0">
                         <a:effectLst/>
                         <a:ea typeface="Times New Roman" panose="02020603050405020304" pitchFamily="18" charset="0"/>
                         <a:cs typeface="Times New Roman" panose="02020603050405020304" pitchFamily="18" charset="0"/>
@@ -12467,7 +13570,7 @@
                       <m:t>. </m:t>
                     </m:r>
                     <m:r>
-                      <a:rPr lang="ru-RU" sz="2400" b="0" i="0" smtClean="0">
+                      <a:rPr lang="ru-RU" sz="2000" b="0" i="0" smtClean="0">
                         <a:effectLst/>
                         <a:ea typeface="Times New Roman" panose="02020603050405020304" pitchFamily="18" charset="0"/>
                         <a:cs typeface="Times New Roman" panose="02020603050405020304" pitchFamily="18" charset="0"/>
@@ -12477,7 +13580,7 @@
                   </m:oMath>
                 </a14:m>
                 <a:r>
-                  <a:rPr lang="en-US" sz="2400" dirty="0"/>
+                  <a:rPr lang="en-US" sz="2000" dirty="0"/>
                   <a:t> </a:t>
                 </a:r>
                 <a14:m>
@@ -12485,7 +13588,7 @@
                     <m:sSub>
                       <m:sSubPr>
                         <m:ctrlPr>
-                          <a:rPr lang="ru-RU" sz="2400" i="1"/>
+                          <a:rPr lang="ru-RU" sz="2000" i="1"/>
                         </m:ctrlPr>
                       </m:sSubPr>
                       <m:e>
@@ -12493,25 +13596,25 @@
                           <m:rPr>
                             <m:sty m:val="p"/>
                           </m:rPr>
-                          <a:rPr lang="ru-RU" sz="2400" i="0"/>
+                          <a:rPr lang="ru-RU" sz="2000" i="0"/>
                           <m:t>x</m:t>
                         </m:r>
                       </m:e>
                       <m:sub>
                         <m:r>
-                          <a:rPr lang="ru-RU" sz="2400" i="0"/>
+                          <a:rPr lang="ru-RU" sz="2000" i="0"/>
                           <m:t>0</m:t>
                         </m:r>
                       </m:sub>
                     </m:sSub>
                     <m:r>
-                      <a:rPr lang="ru-RU" sz="2400" b="0" i="0" smtClean="0"/>
+                      <a:rPr lang="ru-RU" sz="2000" b="0" i="0" smtClean="0"/>
                       <m:t>=</m:t>
                     </m:r>
                     <m:sSup>
                       <m:sSupPr>
                         <m:ctrlPr>
-                          <a:rPr lang="ru-RU" sz="2400" i="1"/>
+                          <a:rPr lang="ru-RU" sz="2000" i="1"/>
                         </m:ctrlPr>
                       </m:sSupPr>
                       <m:e>
@@ -12520,24 +13623,20 @@
                             <m:begChr m:val="["/>
                             <m:endChr m:val="]"/>
                             <m:ctrlPr>
-                              <a:rPr lang="ru-RU" sz="2400" i="1"/>
+                              <a:rPr lang="ru-RU" sz="2000" i="1"/>
                             </m:ctrlPr>
                           </m:dPr>
                           <m:e>
                             <m:r>
-                              <a:rPr lang="en-US" sz="2400" b="0" i="0" smtClean="0">
-                                <a:latin typeface="Cambria Math" panose="02040503050406030204" pitchFamily="18" charset="0"/>
-                              </a:rPr>
+                              <a:rPr lang="en-US" sz="2000" b="0" i="0" smtClean="0"/>
                               <m:t>1</m:t>
                             </m:r>
                             <m:r>
-                              <a:rPr lang="ru-RU" sz="2400" i="0"/>
+                              <a:rPr lang="ru-RU" sz="2000" i="0"/>
                               <m:t>,</m:t>
                             </m:r>
                             <m:r>
-                              <a:rPr lang="en-US" sz="2400" b="0" i="1" smtClean="0">
-                                <a:latin typeface="Cambria Math" panose="02040503050406030204" pitchFamily="18" charset="0"/>
-                              </a:rPr>
+                              <a:rPr lang="en-US" sz="2000" b="0" i="1" smtClean="0"/>
                               <m:t>2</m:t>
                             </m:r>
                           </m:e>
@@ -12548,19 +13647,19 @@
                           <m:rPr>
                             <m:sty m:val="p"/>
                           </m:rPr>
-                          <a:rPr lang="ru-RU" sz="2400" i="0"/>
+                          <a:rPr lang="ru-RU" sz="2000" i="0"/>
                           <m:t>T</m:t>
                         </m:r>
                       </m:sup>
                     </m:sSup>
                     <m:r>
-                      <a:rPr lang="ru-RU" sz="2400" b="0" i="0" smtClean="0"/>
+                      <a:rPr lang="ru-RU" sz="2000" b="0" i="0" smtClean="0"/>
                       <m:t>,</m:t>
                     </m:r>
                   </m:oMath>
                 </a14:m>
                 <a:r>
-                  <a:rPr lang="ru-RU" sz="2400" dirty="0"/>
+                  <a:rPr lang="ru-RU" sz="2000" dirty="0"/>
                   <a:t> эталонная точка </a:t>
                 </a:r>
                 <a14:m>
@@ -12568,7 +13667,7 @@
                     <m:sSup>
                       <m:sSupPr>
                         <m:ctrlPr>
-                          <a:rPr lang="ru-RU" sz="2400" i="1"/>
+                          <a:rPr lang="ru-RU" sz="2000" i="1"/>
                         </m:ctrlPr>
                       </m:sSupPr>
                       <m:e>
@@ -12576,25 +13675,25 @@
                           <m:rPr>
                             <m:sty m:val="p"/>
                           </m:rPr>
-                          <a:rPr lang="ru-RU" sz="2400" i="0"/>
+                          <a:rPr lang="ru-RU" sz="2000" i="0"/>
                           <m:t>x</m:t>
                         </m:r>
                       </m:e>
                       <m:sup>
                         <m:r>
-                          <a:rPr lang="ru-RU" sz="2400" i="0"/>
+                          <a:rPr lang="ru-RU" sz="2000" i="0"/>
                           <m:t>∗</m:t>
                         </m:r>
                       </m:sup>
                     </m:sSup>
                     <m:r>
-                      <a:rPr lang="ru-RU" sz="2400" i="0"/>
+                      <a:rPr lang="ru-RU" sz="2000" i="0"/>
                       <m:t>=</m:t>
                     </m:r>
                     <m:sSup>
                       <m:sSupPr>
                         <m:ctrlPr>
-                          <a:rPr lang="ru-RU" sz="2400" i="1"/>
+                          <a:rPr lang="ru-RU" sz="2000" i="1"/>
                         </m:ctrlPr>
                       </m:sSupPr>
                       <m:e>
@@ -12603,12 +13702,12 @@
                             <m:begChr m:val="["/>
                             <m:endChr m:val="]"/>
                             <m:ctrlPr>
-                              <a:rPr lang="ru-RU" sz="2400" i="1"/>
+                              <a:rPr lang="ru-RU" sz="2000" i="1"/>
                             </m:ctrlPr>
                           </m:dPr>
                           <m:e>
                             <m:r>
-                              <a:rPr lang="ru-RU" sz="2400" i="0"/>
+                              <a:rPr lang="ru-RU" sz="2000" i="0"/>
                               <m:t>0,0</m:t>
                             </m:r>
                           </m:e>
@@ -12619,7 +13718,7 @@
                           <m:rPr>
                             <m:sty m:val="p"/>
                           </m:rPr>
-                          <a:rPr lang="ru-RU" sz="2400" i="0"/>
+                          <a:rPr lang="ru-RU" sz="2000" i="0"/>
                           <m:t>T</m:t>
                         </m:r>
                       </m:sup>
@@ -12655,7 +13754,7 @@
               <a:blipFill>
                 <a:blip r:embed="rId2"/>
                 <a:stretch>
-                  <a:fillRect/>
+                  <a:fillRect l="-548" r="-498"/>
                 </a:stretch>
               </a:blipFill>
             </p:spPr>
@@ -12698,7 +13797,7 @@
             <a:fld id="{CB07D4DF-2351-4A60-A90B-60ED82532F73}" type="slidenum">
               <a:rPr lang="ru-RU" smtClean="0"/>
               <a:pPr/>
-              <a:t>5</a:t>
+              <a:t>6</a:t>
             </a:fld>
             <a:endParaRPr lang="ru-RU" dirty="0"/>
           </a:p>
@@ -12789,8 +13888,8 @@
         </p:blipFill>
         <p:spPr>
           <a:xfrm>
-            <a:off x="650679" y="2213807"/>
-            <a:ext cx="4793696" cy="4182199"/>
+            <a:off x="675310" y="2213808"/>
+            <a:ext cx="4604417" cy="4017066"/>
           </a:xfrm>
           <a:prstGeom prst="rect">
             <a:avLst/>
@@ -12810,7 +13909,7 @@
 </p:sld>
 </file>
 
-<file path=ppt/slides/slide6.xml><?xml version="1.0" encoding="utf-8"?>
+<file path=ppt/slides/slide7.xml><?xml version="1.0" encoding="utf-8"?>
 <p:sld xmlns:a="http://schemas.openxmlformats.org/drawingml/2006/main" xmlns:r="http://schemas.openxmlformats.org/officeDocument/2006/relationships" xmlns:p="http://schemas.openxmlformats.org/presentationml/2006/main">
   <p:cSld>
     <p:spTree>
@@ -12855,7 +13954,11 @@
               <a:bodyPr/>
               <a:lstStyle/>
               <a:p>
-                <a:pPr/>
+                <a:pPr algn="just">
+                  <a:lnSpc>
+                    <a:spcPct val="100000"/>
+                  </a:lnSpc>
+                </a:pPr>
                 <a14:m>
                   <m:oMathPara xmlns:m="http://schemas.openxmlformats.org/officeDocument/2006/math">
                     <m:oMathParaPr>
@@ -12866,38 +13969,38 @@
                         <m:rPr>
                           <m:nor/>
                         </m:rPr>
-                        <a:rPr lang="ru-RU" smtClean="0"/>
+                        <a:rPr lang="ru-RU" sz="2000" smtClean="0"/>
                         <m:t>Модельные  показания приборов являются нам заданы и являются функциями, представленными в виде </m:t>
                       </m:r>
                       <m:r>
                         <m:rPr>
                           <m:nor/>
                         </m:rPr>
-                        <a:rPr lang="en-US" smtClean="0"/>
+                        <a:rPr lang="en-US" sz="2000" smtClean="0"/>
                         <m:t>RBF</m:t>
                       </m:r>
                       <m:r>
                         <m:rPr>
                           <m:nor/>
                         </m:rPr>
-                        <a:rPr lang="ru-RU" smtClean="0"/>
-                        <m:t>-интерполяции </m:t>
+                        <a:rPr lang="ru-RU" sz="2000" smtClean="0"/>
+                        <m:t>−интерполяции </m:t>
                       </m:r>
                       <m:sSub>
                         <m:sSubPr>
                           <m:ctrlPr>
-                            <a:rPr lang="ru-RU" i="1"/>
+                            <a:rPr lang="ru-RU" sz="2000" i="1"/>
                           </m:ctrlPr>
                         </m:sSubPr>
                         <m:e>
                           <m:r>
-                            <a:rPr lang="ru-RU" i="1"/>
+                            <a:rPr lang="ru-RU" sz="2000" i="1"/>
                             <m:t>𝐹</m:t>
                           </m:r>
                         </m:e>
                         <m:sub>
                           <m:r>
-                            <a:rPr lang="ru-RU" i="1"/>
+                            <a:rPr lang="ru-RU" sz="2000" i="1"/>
                             <m:t>𝑖</m:t>
                           </m:r>
                         </m:sub>
@@ -12905,18 +14008,18 @@
                       <m:d>
                         <m:dPr>
                           <m:ctrlPr>
-                            <a:rPr lang="ru-RU" i="1"/>
+                            <a:rPr lang="ru-RU" sz="2000" i="1"/>
                           </m:ctrlPr>
                         </m:dPr>
                         <m:e>
                           <m:r>
-                            <a:rPr lang="ru-RU" b="1" i="1"/>
+                            <a:rPr lang="ru-RU" sz="2000" b="1" i="1"/>
                             <m:t>𝒙</m:t>
                           </m:r>
                         </m:e>
                       </m:d>
                       <m:r>
-                        <a:rPr lang="ru-RU" i="1"/>
+                        <a:rPr lang="ru-RU" sz="2000" i="1"/>
                         <m:t>=</m:t>
                       </m:r>
                       <m:nary>
@@ -12924,22 +14027,22 @@
                           <m:chr m:val="∑"/>
                           <m:limLoc m:val="undOvr"/>
                           <m:ctrlPr>
-                            <a:rPr lang="ru-RU" i="1"/>
+                            <a:rPr lang="ru-RU" sz="2000" i="1"/>
                           </m:ctrlPr>
                         </m:naryPr>
                         <m:sub>
                           <m:r>
-                            <a:rPr lang="ru-RU" i="1"/>
+                            <a:rPr lang="ru-RU" sz="2000" i="1"/>
                             <m:t>𝑘</m:t>
                           </m:r>
                           <m:r>
-                            <a:rPr lang="ru-RU" i="1"/>
+                            <a:rPr lang="ru-RU" sz="2000" i="1"/>
                             <m:t>=1</m:t>
                           </m:r>
                         </m:sub>
                         <m:sup>
                           <m:r>
-                            <a:rPr lang="ru-RU" i="1"/>
+                            <a:rPr lang="ru-RU" sz="2000" i="1"/>
                             <m:t>𝑛</m:t>
                           </m:r>
                         </m:sup>
@@ -12947,26 +14050,26 @@
                           <m:sSub>
                             <m:sSubPr>
                               <m:ctrlPr>
-                                <a:rPr lang="ru-RU" i="1"/>
+                                <a:rPr lang="ru-RU" sz="2000" i="1"/>
                               </m:ctrlPr>
                             </m:sSubPr>
                             <m:e>
                               <m:r>
-                                <a:rPr lang="ru-RU" i="1"/>
+                                <a:rPr lang="ru-RU" sz="2000" i="1"/>
                                 <m:t>𝑤</m:t>
                               </m:r>
                             </m:e>
                             <m:sub>
                               <m:r>
-                                <a:rPr lang="ru-RU" i="1"/>
+                                <a:rPr lang="ru-RU" sz="2000" i="1"/>
                                 <m:t>𝑖</m:t>
                               </m:r>
                               <m:r>
-                                <a:rPr lang="ru-RU" i="1"/>
+                                <a:rPr lang="ru-RU" sz="2000" i="1"/>
                                 <m:t>,</m:t>
                               </m:r>
                               <m:r>
-                                <a:rPr lang="ru-RU" i="1"/>
+                                <a:rPr lang="ru-RU" sz="2000" i="1"/>
                                 <m:t>𝑘</m:t>
                               </m:r>
                             </m:sub>
@@ -12974,13 +14077,13 @@
                         </m:e>
                       </m:nary>
                       <m:r>
-                        <a:rPr lang="ru-RU" i="1"/>
+                        <a:rPr lang="ru-RU" sz="2000" i="1"/>
                         <m:t>𝑓</m:t>
                       </m:r>
                       <m:d>
                         <m:dPr>
                           <m:ctrlPr>
-                            <a:rPr lang="ru-RU" i="1"/>
+                            <a:rPr lang="ru-RU" sz="2000" i="1"/>
                           </m:ctrlPr>
                         </m:dPr>
                         <m:e>
@@ -12989,33 +14092,33 @@
                               <m:begChr m:val="‖"/>
                               <m:endChr m:val="‖"/>
                               <m:ctrlPr>
-                                <a:rPr lang="ru-RU" i="1"/>
+                                <a:rPr lang="ru-RU" sz="2000" i="1"/>
                               </m:ctrlPr>
                             </m:dPr>
                             <m:e>
                               <m:r>
-                                <a:rPr lang="en-US" b="1" i="1"/>
+                                <a:rPr lang="en-US" sz="2000" b="1" i="1"/>
                                 <m:t>𝒙</m:t>
                               </m:r>
                               <m:r>
-                                <a:rPr lang="en-US" i="1"/>
+                                <a:rPr lang="en-US" sz="2000" i="1"/>
                                 <m:t>−</m:t>
                               </m:r>
                               <m:sSub>
                                 <m:sSubPr>
                                   <m:ctrlPr>
-                                    <a:rPr lang="ru-RU" b="1" i="1"/>
+                                    <a:rPr lang="ru-RU" sz="2000" b="1" i="1"/>
                                   </m:ctrlPr>
                                 </m:sSubPr>
                                 <m:e>
                                   <m:r>
-                                    <a:rPr lang="en-US" b="1" i="1"/>
+                                    <a:rPr lang="en-US" sz="2000" b="1" i="1"/>
                                     <m:t>𝒙</m:t>
                                   </m:r>
                                 </m:e>
                                 <m:sub>
                                   <m:r>
-                                    <a:rPr lang="en-US" b="1" i="1"/>
+                                    <a:rPr lang="en-US" sz="2000" b="1" i="1"/>
                                     <m:t>𝒌</m:t>
                                   </m:r>
                                 </m:sub>
@@ -13025,169 +14128,174 @@
                         </m:e>
                       </m:d>
                       <m:r>
-                        <a:rPr lang="en-US" i="1"/>
+                        <a:rPr lang="en-US" sz="2000" i="1"/>
                         <m:t>,  </m:t>
                       </m:r>
                       <m:r>
-                        <a:rPr lang="en-US" i="1"/>
+                        <a:rPr lang="en-US" sz="2000" i="1"/>
                         <m:t>𝑖</m:t>
                       </m:r>
                       <m:r>
-                        <a:rPr lang="en-US" i="1"/>
+                        <a:rPr lang="en-US" sz="2000" i="1"/>
                         <m:t>=1,…,</m:t>
                       </m:r>
                       <m:r>
-                        <a:rPr lang="en-US" i="1"/>
+                        <a:rPr lang="en-US" sz="2000" i="1"/>
                         <m:t>𝑚</m:t>
                       </m:r>
                       <m:r>
-                        <a:rPr lang="en-US" i="1"/>
+                        <a:rPr lang="en-US" sz="2000" i="1"/>
                         <m:t>. </m:t>
                       </m:r>
                     </m:oMath>
                   </m:oMathPara>
                 </a14:m>
-                <a:endParaRPr lang="ru-RU" dirty="0"/>
+                <a:endParaRPr lang="ru-RU" sz="2000" dirty="0"/>
               </a:p>
               <a:p>
+                <a:pPr algn="just">
+                  <a:lnSpc>
+                    <a:spcPct val="100000"/>
+                  </a:lnSpc>
+                </a:pPr>
                 <a14:m>
                   <m:oMath xmlns:m="http://schemas.openxmlformats.org/officeDocument/2006/math">
                     <m:r>
                       <m:rPr>
                         <m:nor/>
                       </m:rPr>
-                      <a:rPr lang="ru-RU"/>
+                      <a:rPr lang="ru-RU" sz="2000"/>
                       <m:t>с узловыми точками </m:t>
                     </m:r>
                     <m:sSub>
                       <m:sSubPr>
                         <m:ctrlPr>
-                          <a:rPr lang="ru-RU" b="1" i="1"/>
+                          <a:rPr lang="ru-RU" sz="2000" b="1" i="1"/>
                         </m:ctrlPr>
                       </m:sSubPr>
                       <m:e>
                         <m:r>
-                          <a:rPr lang="en-US" b="1" i="1"/>
+                          <a:rPr lang="en-US" sz="2000" b="1" i="1"/>
                           <m:t>𝒙</m:t>
                         </m:r>
                       </m:e>
                       <m:sub>
                         <m:r>
-                          <a:rPr lang="en-US" b="1" i="1"/>
+                          <a:rPr lang="en-US" sz="2000" b="1" i="1"/>
                           <m:t>𝒌</m:t>
                         </m:r>
                       </m:sub>
                     </m:sSub>
                     <m:r>
-                      <a:rPr lang="ru-RU" b="1" i="1"/>
+                      <a:rPr lang="ru-RU" sz="2000" b="1" i="1"/>
                       <m:t>={</m:t>
                     </m:r>
                     <m:sSub>
                       <m:sSubPr>
                         <m:ctrlPr>
-                          <a:rPr lang="ru-RU" i="1"/>
+                          <a:rPr lang="ru-RU" sz="2000" i="1"/>
                         </m:ctrlPr>
                       </m:sSubPr>
                       <m:e>
                         <m:r>
-                          <a:rPr lang="en-US" i="1"/>
+                          <a:rPr lang="en-US" sz="2000" i="1"/>
                           <m:t>𝑥</m:t>
                         </m:r>
                       </m:e>
                       <m:sub>
                         <m:r>
-                          <a:rPr lang="en-US" i="1"/>
+                          <a:rPr lang="en-US" sz="2000" i="1"/>
                           <m:t>𝑘</m:t>
                         </m:r>
                       </m:sub>
                     </m:sSub>
                     <m:r>
-                      <a:rPr lang="ru-RU" b="1" i="1"/>
+                      <a:rPr lang="ru-RU" sz="2000" b="1" i="1"/>
                       <m:t>,</m:t>
                     </m:r>
                     <m:sSub>
                       <m:sSubPr>
                         <m:ctrlPr>
-                          <a:rPr lang="ru-RU" i="1"/>
+                          <a:rPr lang="ru-RU" sz="2000" i="1"/>
                         </m:ctrlPr>
                       </m:sSubPr>
                       <m:e>
                         <m:r>
-                          <a:rPr lang="en-US" i="1"/>
+                          <a:rPr lang="en-US" sz="2000" i="1"/>
                           <m:t>𝑦</m:t>
                         </m:r>
                       </m:e>
                       <m:sub>
                         <m:r>
-                          <a:rPr lang="en-US" i="1"/>
+                          <a:rPr lang="en-US" sz="2000" i="1"/>
                           <m:t>𝑘</m:t>
                         </m:r>
                       </m:sub>
                     </m:sSub>
                     <m:r>
-                      <a:rPr lang="ru-RU" i="1"/>
+                      <a:rPr lang="ru-RU" sz="2000" i="1"/>
                       <m:t>,</m:t>
                     </m:r>
                     <m:sSub>
                       <m:sSubPr>
                         <m:ctrlPr>
-                          <a:rPr lang="ru-RU" i="1"/>
+                          <a:rPr lang="ru-RU" sz="2000" i="1"/>
                         </m:ctrlPr>
                       </m:sSubPr>
                       <m:e>
                         <m:r>
-                          <a:rPr lang="en-US" i="1"/>
+                          <a:rPr lang="en-US" sz="2000" i="1"/>
                           <m:t>𝑧</m:t>
                         </m:r>
                       </m:e>
                       <m:sub>
                         <m:r>
-                          <a:rPr lang="en-US" i="1"/>
+                          <a:rPr lang="en-US" sz="2000" i="1"/>
                           <m:t>𝑘</m:t>
                         </m:r>
                       </m:sub>
                     </m:sSub>
                     <m:r>
-                      <a:rPr lang="ru-RU" b="1" i="1"/>
+                      <a:rPr lang="ru-RU" sz="2000" b="1" i="1"/>
                       <m:t>}</m:t>
                     </m:r>
                     <m:r>
                       <m:rPr>
                         <m:nor/>
                       </m:rPr>
-                      <a:rPr lang="ru-RU" b="1"/>
+                      <a:rPr lang="ru-RU" sz="2000" b="1"/>
                       <m:t> </m:t>
                     </m:r>
                     <m:r>
                       <m:rPr>
                         <m:nor/>
                       </m:rPr>
-                      <a:rPr lang="ru-RU"/>
+                      <a:rPr lang="ru-RU" sz="2000"/>
                       <m:t>и весами </m:t>
                     </m:r>
                     <m:sSub>
                       <m:sSubPr>
                         <m:ctrlPr>
-                          <a:rPr lang="ru-RU" i="1"/>
+                          <a:rPr lang="ru-RU" sz="2000" i="1"/>
                         </m:ctrlPr>
                       </m:sSubPr>
                       <m:e>
                         <m:r>
-                          <a:rPr lang="ru-RU" i="1"/>
+                          <a:rPr lang="ru-RU" sz="2000" i="1"/>
                           <m:t>𝑤</m:t>
                         </m:r>
                       </m:e>
                       <m:sub>
                         <m:r>
-                          <a:rPr lang="ru-RU" i="1"/>
+                          <a:rPr lang="ru-RU" sz="2000" i="1"/>
                           <m:t>𝑖</m:t>
                         </m:r>
                         <m:r>
-                          <a:rPr lang="ru-RU" i="1"/>
+                          <a:rPr lang="ru-RU" sz="2000" i="1"/>
                           <m:t>,</m:t>
                         </m:r>
                         <m:r>
-                          <a:rPr lang="ru-RU" i="1"/>
+                          <a:rPr lang="ru-RU" sz="2000" i="1"/>
                           <m:t>𝑘</m:t>
                         </m:r>
                       </m:sub>
@@ -13196,65 +14304,65 @@
                       <m:rPr>
                         <m:nor/>
                       </m:rPr>
-                      <a:rPr lang="ru-RU"/>
-                      <m:t>.В нашем случае ядро радиально-базисной функции имеет вид  </m:t>
+                      <a:rPr lang="ru-RU" sz="2000"/>
+                      <m:t>.В нашем случае ядро радиально−базисной функции имеет вид  </m:t>
                     </m:r>
                     <m:r>
-                      <a:rPr lang="ru-RU" i="1"/>
+                      <a:rPr lang="ru-RU" sz="2000" i="1"/>
                       <m:t>𝑓</m:t>
                     </m:r>
                     <m:d>
                       <m:dPr>
                         <m:ctrlPr>
-                          <a:rPr lang="ru-RU" i="1"/>
+                          <a:rPr lang="ru-RU" sz="2000" i="1"/>
                         </m:ctrlPr>
                       </m:dPr>
                       <m:e>
                         <m:r>
-                          <a:rPr lang="ru-RU" i="1"/>
+                          <a:rPr lang="ru-RU" sz="2000" i="1"/>
                           <m:t>𝑟</m:t>
                         </m:r>
                       </m:e>
                     </m:d>
                     <m:r>
-                      <a:rPr lang="ru-RU" i="1"/>
+                      <a:rPr lang="ru-RU" sz="2000" i="1"/>
                       <m:t>=</m:t>
                     </m:r>
                     <m:rad>
                       <m:radPr>
                         <m:degHide m:val="on"/>
                         <m:ctrlPr>
-                          <a:rPr lang="ru-RU" i="1"/>
+                          <a:rPr lang="ru-RU" sz="2000" i="1"/>
                         </m:ctrlPr>
                       </m:radPr>
                       <m:deg/>
                       <m:e>
                         <m:r>
-                          <a:rPr lang="ru-RU" i="1"/>
+                          <a:rPr lang="ru-RU" sz="2000" i="1"/>
                           <m:t>1+</m:t>
                         </m:r>
                         <m:f>
                           <m:fPr>
                             <m:ctrlPr>
-                              <a:rPr lang="ru-RU" i="1"/>
+                              <a:rPr lang="ru-RU" sz="2000" i="1"/>
                             </m:ctrlPr>
                           </m:fPr>
                           <m:num>
                             <m:sSup>
                               <m:sSupPr>
                                 <m:ctrlPr>
-                                  <a:rPr lang="ru-RU" i="1"/>
+                                  <a:rPr lang="ru-RU" sz="2000" i="1"/>
                                 </m:ctrlPr>
                               </m:sSupPr>
                               <m:e>
                                 <m:r>
-                                  <a:rPr lang="en-US" i="1"/>
+                                  <a:rPr lang="en-US" sz="2000" i="1"/>
                                   <m:t>𝑟</m:t>
                                 </m:r>
                               </m:e>
                               <m:sup>
                                 <m:r>
-                                  <a:rPr lang="ru-RU" i="1"/>
+                                  <a:rPr lang="ru-RU" sz="2000" i="1"/>
                                   <m:t>2</m:t>
                                 </m:r>
                               </m:sup>
@@ -13264,18 +14372,18 @@
                             <m:sSup>
                               <m:sSupPr>
                                 <m:ctrlPr>
-                                  <a:rPr lang="ru-RU" i="1"/>
+                                  <a:rPr lang="ru-RU" sz="2000" i="1"/>
                                 </m:ctrlPr>
                               </m:sSupPr>
                               <m:e>
                                 <m:r>
-                                  <a:rPr lang="en-US" i="1"/>
+                                  <a:rPr lang="en-US" sz="2000" i="1"/>
                                   <m:t>𝜀</m:t>
                                 </m:r>
                               </m:e>
                               <m:sup>
                                 <m:r>
-                                  <a:rPr lang="ru-RU" i="1"/>
+                                  <a:rPr lang="ru-RU" sz="2000" i="1"/>
                                   <m:t>2</m:t>
                                 </m:r>
                               </m:sup>
@@ -13288,28 +14396,28 @@
                       <m:rPr>
                         <m:nor/>
                       </m:rPr>
-                      <a:rPr lang="ru-RU"/>
+                      <a:rPr lang="ru-RU" sz="2000"/>
                       <m:t> с известным </m:t>
                     </m:r>
                     <m:r>
-                      <a:rPr lang="en-US" i="1"/>
+                      <a:rPr lang="en-US" sz="2000" i="1"/>
                       <m:t>𝜀</m:t>
                     </m:r>
                     <m:r>
                       <m:rPr>
                         <m:nor/>
                       </m:rPr>
-                      <a:rPr lang="ru-RU"/>
+                      <a:rPr lang="ru-RU" sz="2000"/>
                       <m:t>.</m:t>
                     </m:r>
                   </m:oMath>
                 </a14:m>
                 <a:r>
-                  <a:rPr lang="en-US" dirty="0"/>
+                  <a:rPr lang="en-US" sz="2000" dirty="0"/>
                   <a:t> </a:t>
                 </a:r>
                 <a:r>
-                  <a:rPr lang="ru-RU" dirty="0"/>
+                  <a:rPr lang="ru-RU" sz="2000" dirty="0"/>
                   <a:t>Нач. приближение </a:t>
                 </a:r>
                 <a14:m>
@@ -13317,30 +14425,30 @@
                     <m:sSup>
                       <m:sSupPr>
                         <m:ctrlPr>
-                          <a:rPr lang="ru-RU" i="1"/>
+                          <a:rPr lang="ru-RU" sz="2000" i="1"/>
                         </m:ctrlPr>
                       </m:sSupPr>
                       <m:e>
                         <m:r>
-                          <a:rPr lang="ru-RU" i="1"/>
+                          <a:rPr lang="ru-RU" sz="2000" i="1"/>
                           <m:t>𝑥</m:t>
                         </m:r>
                       </m:e>
                       <m:sup>
                         <m:r>
-                          <a:rPr lang="ru-RU" i="1"/>
+                          <a:rPr lang="ru-RU" sz="2000" i="1"/>
                           <m:t>0</m:t>
                         </m:r>
                       </m:sup>
                     </m:sSup>
                     <m:r>
-                      <a:rPr lang="ru-RU" i="1"/>
+                      <a:rPr lang="ru-RU" sz="2000" i="1"/>
                       <m:t>=</m:t>
                     </m:r>
                     <m:sSup>
                       <m:sSupPr>
                         <m:ctrlPr>
-                          <a:rPr lang="ru-RU" i="1"/>
+                          <a:rPr lang="ru-RU" sz="2000" i="1"/>
                         </m:ctrlPr>
                       </m:sSupPr>
                       <m:e>
@@ -13349,12 +14457,12 @@
                             <m:begChr m:val="["/>
                             <m:endChr m:val="]"/>
                             <m:ctrlPr>
-                              <a:rPr lang="ru-RU" i="1"/>
+                              <a:rPr lang="ru-RU" sz="2000" i="1"/>
                             </m:ctrlPr>
                           </m:dPr>
                           <m:e>
                             <m:r>
-                              <a:rPr lang="ru-RU" i="1"/>
+                              <a:rPr lang="ru-RU" sz="2000" i="1"/>
                               <m:t>10,100,1</m:t>
                             </m:r>
                           </m:e>
@@ -13362,21 +14470,19 @@
                       </m:e>
                       <m:sup>
                         <m:r>
-                          <a:rPr lang="ru-RU" i="1"/>
+                          <a:rPr lang="ru-RU" sz="2000" i="1"/>
                           <m:t>𝑇</m:t>
                         </m:r>
                       </m:sup>
                     </m:sSup>
                     <m:r>
-                      <a:rPr lang="ru-RU" b="0" i="0" smtClean="0">
-                        <a:latin typeface="Cambria Math" panose="02040503050406030204" pitchFamily="18" charset="0"/>
-                      </a:rPr>
+                      <a:rPr lang="ru-RU" sz="2000" b="0" i="0" smtClean="0"/>
                       <m:t>, </m:t>
                     </m:r>
                   </m:oMath>
                 </a14:m>
                 <a:r>
-                  <a:rPr lang="ru-RU" dirty="0"/>
+                  <a:rPr lang="ru-RU" sz="2000" dirty="0"/>
                   <a:t>эталонная точка </a:t>
                 </a:r>
                 <a14:m>
@@ -13384,30 +14490,30 @@
                     <m:sSup>
                       <m:sSupPr>
                         <m:ctrlPr>
-                          <a:rPr lang="ru-RU" i="1"/>
+                          <a:rPr lang="ru-RU" sz="2000" i="1"/>
                         </m:ctrlPr>
                       </m:sSupPr>
                       <m:e>
                         <m:r>
-                          <a:rPr lang="ru-RU" i="1"/>
+                          <a:rPr lang="ru-RU" sz="2000" i="1"/>
                           <m:t>𝑥</m:t>
                         </m:r>
                       </m:e>
                       <m:sup>
                         <m:r>
-                          <a:rPr lang="ru-RU" i="1"/>
+                          <a:rPr lang="ru-RU" sz="2000" i="1"/>
                           <m:t>∗</m:t>
                         </m:r>
                       </m:sup>
                     </m:sSup>
                     <m:r>
-                      <a:rPr lang="ru-RU" i="1"/>
+                      <a:rPr lang="ru-RU" sz="2000" i="1"/>
                       <m:t>=</m:t>
                     </m:r>
                     <m:sSup>
                       <m:sSupPr>
                         <m:ctrlPr>
-                          <a:rPr lang="ru-RU" i="1"/>
+                          <a:rPr lang="ru-RU" sz="2000" i="1"/>
                         </m:ctrlPr>
                       </m:sSupPr>
                       <m:e>
@@ -13416,12 +14522,12 @@
                             <m:begChr m:val="["/>
                             <m:endChr m:val="]"/>
                             <m:ctrlPr>
-                              <a:rPr lang="ru-RU" i="1"/>
+                              <a:rPr lang="ru-RU" sz="2000" i="1"/>
                             </m:ctrlPr>
                           </m:dPr>
                           <m:e>
                             <m:r>
-                              <a:rPr lang="en-US" i="1"/>
+                              <a:rPr lang="en-US" sz="2000" i="1"/>
                               <m:t>10.2,12.2,2</m:t>
                             </m:r>
                           </m:e>
@@ -13429,22 +14535,25 @@
                       </m:e>
                       <m:sup>
                         <m:r>
-                          <a:rPr lang="en-US" i="1"/>
+                          <a:rPr lang="en-US" sz="2000" i="1"/>
                           <m:t>𝑇</m:t>
                         </m:r>
                       </m:sup>
                     </m:sSup>
                     <m:r>
-                      <a:rPr lang="ru-RU" b="0" i="1" smtClean="0">
-                        <a:latin typeface="Cambria Math" panose="02040503050406030204" pitchFamily="18" charset="0"/>
-                      </a:rPr>
+                      <a:rPr lang="ru-RU" sz="2000" b="0" i="1" smtClean="0"/>
                       <m:t>.</m:t>
                     </m:r>
                   </m:oMath>
                 </a14:m>
-                <a:endParaRPr lang="ru-RU" dirty="0"/>
+                <a:endParaRPr lang="ru-RU" sz="2000" dirty="0"/>
               </a:p>
               <a:p>
+                <a:pPr>
+                  <a:lnSpc>
+                    <a:spcPct val="100000"/>
+                  </a:lnSpc>
+                </a:pPr>
                 <a:endParaRPr lang="ru-RU" dirty="0"/>
               </a:p>
               <a:p>
@@ -13478,7 +14587,7 @@
               <a:blipFill>
                 <a:blip r:embed="rId2"/>
                 <a:stretch>
-                  <a:fillRect l="-249"/>
+                  <a:fillRect l="-149"/>
                 </a:stretch>
               </a:blipFill>
             </p:spPr>
@@ -13521,7 +14630,7 @@
             <a:fld id="{CB07D4DF-2351-4A60-A90B-60ED82532F73}" type="slidenum">
               <a:rPr lang="ru-RU" smtClean="0"/>
               <a:pPr/>
-              <a:t>6</a:t>
+              <a:t>7</a:t>
             </a:fld>
             <a:endParaRPr lang="ru-RU" dirty="0"/>
           </a:p>
@@ -13582,7 +14691,7 @@
         </p:blipFill>
         <p:spPr>
           <a:xfrm>
-            <a:off x="7574606" y="3489334"/>
+            <a:off x="7508265" y="3203905"/>
             <a:ext cx="4968553" cy="3755682"/>
           </a:xfrm>
           <a:prstGeom prst="rect">
@@ -13612,8 +14721,8 @@
         </p:blipFill>
         <p:spPr>
           <a:xfrm>
-            <a:off x="743223" y="3635639"/>
-            <a:ext cx="4320480" cy="3635415"/>
+            <a:off x="743223" y="3197948"/>
+            <a:ext cx="4392488" cy="3696005"/>
           </a:xfrm>
           <a:prstGeom prst="rect">
             <a:avLst/>
@@ -13633,7 +14742,7 @@
 </p:sld>
 </file>
 
-<file path=ppt/slides/slide7.xml><?xml version="1.0" encoding="utf-8"?>
+<file path=ppt/slides/slide8.xml><?xml version="1.0" encoding="utf-8"?>
 <p:sld xmlns:a="http://schemas.openxmlformats.org/drawingml/2006/main" xmlns:r="http://schemas.openxmlformats.org/officeDocument/2006/relationships" xmlns:p="http://schemas.openxmlformats.org/presentationml/2006/main">
   <p:cSld>
     <p:spTree>
@@ -13682,6 +14791,93 @@
               <a:t>В рамках курсовой работы были изучены и реализованы методы оптимизации, а именно методы Ньютона-Гаусса и Нелдера-Мида. Для каждого метода были реализованы программы на языке программирования C++, которые позволяли провести сравнение методов на сходимость и время выполнения.</a:t>
             </a:r>
           </a:p>
+          <a:p>
+            <a:r>
+              <a:rPr lang="ru-RU" sz="2400" dirty="0">
+                <a:effectLst/>
+                <a:ea typeface="Times New Roman" panose="02020603050405020304" pitchFamily="18" charset="0"/>
+                <a:cs typeface="Times New Roman" panose="02020603050405020304" pitchFamily="18" charset="0"/>
+              </a:rPr>
+              <a:t>Исследование показало</a:t>
+            </a:r>
+            <a:r>
+              <a:rPr lang="en-US" sz="2400" dirty="0">
+                <a:effectLst/>
+                <a:ea typeface="Times New Roman" panose="02020603050405020304" pitchFamily="18" charset="0"/>
+                <a:cs typeface="Times New Roman" panose="02020603050405020304" pitchFamily="18" charset="0"/>
+              </a:rPr>
+              <a:t>:</a:t>
+            </a:r>
+          </a:p>
+          <a:p>
+            <a:pPr marL="342900" indent="-342900">
+              <a:buFont typeface="Arial" panose="020B0604020202020204" pitchFamily="34" charset="0"/>
+              <a:buChar char="•"/>
+            </a:pPr>
+            <a:r>
+              <a:rPr lang="ru-RU" sz="2400" dirty="0">
+                <a:ea typeface="Times New Roman" panose="02020603050405020304" pitchFamily="18" charset="0"/>
+                <a:cs typeface="Times New Roman" panose="02020603050405020304" pitchFamily="18" charset="0"/>
+              </a:rPr>
+              <a:t>Метод Нелдера-Мида сходится к правильному ответу почти всюду, кроме случаев, когда симплекс находится далеко от оптимальной точки</a:t>
+            </a:r>
+          </a:p>
+          <a:p>
+            <a:pPr marL="342900" indent="-342900">
+              <a:buFont typeface="Arial" panose="020B0604020202020204" pitchFamily="34" charset="0"/>
+              <a:buChar char="•"/>
+            </a:pPr>
+            <a:r>
+              <a:rPr lang="ru-RU" sz="2400" dirty="0">
+                <a:effectLst/>
+                <a:ea typeface="Times New Roman" panose="02020603050405020304" pitchFamily="18" charset="0"/>
+                <a:cs typeface="Times New Roman" panose="02020603050405020304" pitchFamily="18" charset="0"/>
+              </a:rPr>
+              <a:t>Метод Нелдера</a:t>
+            </a:r>
+            <a:r>
+              <a:rPr lang="ru-RU" sz="2400" dirty="0">
+                <a:ea typeface="Times New Roman" panose="02020603050405020304" pitchFamily="18" charset="0"/>
+                <a:cs typeface="Times New Roman" panose="02020603050405020304" pitchFamily="18" charset="0"/>
+              </a:rPr>
+              <a:t>-Мида дает сильное уменьшение функции уже на первых итерациях, что позволяет его использовать совместно с методами сильно зависящими от начальных данных</a:t>
+            </a:r>
+          </a:p>
+          <a:p>
+            <a:pPr marL="342900" indent="-342900">
+              <a:buFont typeface="Arial" panose="020B0604020202020204" pitchFamily="34" charset="0"/>
+              <a:buChar char="•"/>
+            </a:pPr>
+            <a:r>
+              <a:rPr lang="ru-RU" sz="2400" dirty="0">
+                <a:effectLst/>
+                <a:ea typeface="Times New Roman" panose="02020603050405020304" pitchFamily="18" charset="0"/>
+                <a:cs typeface="Times New Roman" panose="02020603050405020304" pitchFamily="18" charset="0"/>
+              </a:rPr>
+              <a:t>Метод Ньютон-Гаусса зависит от гладкости функции и начального приближения</a:t>
+            </a:r>
+          </a:p>
+          <a:p>
+            <a:pPr marL="342900" indent="-342900">
+              <a:buFont typeface="Arial" panose="020B0604020202020204" pitchFamily="34" charset="0"/>
+              <a:buChar char="•"/>
+            </a:pPr>
+            <a:r>
+              <a:rPr lang="ru-RU" sz="2400" dirty="0">
+                <a:ea typeface="Times New Roman" panose="02020603050405020304" pitchFamily="18" charset="0"/>
+                <a:cs typeface="Times New Roman" panose="02020603050405020304" pitchFamily="18" charset="0"/>
+              </a:rPr>
+              <a:t>М</a:t>
+            </a:r>
+            <a:r>
+              <a:rPr lang="ru-RU" sz="2400" dirty="0">
+                <a:effectLst/>
+                <a:ea typeface="Times New Roman" panose="02020603050405020304" pitchFamily="18" charset="0"/>
+                <a:cs typeface="Times New Roman" panose="02020603050405020304" pitchFamily="18" charset="0"/>
+              </a:rPr>
+              <a:t>етод Нелдера-Мида и Ньютона-Гаусса позволяет найти решение в большинстве случаев</a:t>
+            </a:r>
+          </a:p>
         </p:txBody>
       </p:sp>
       <p:sp>
@@ -13708,7 +14904,7 @@
             <a:fld id="{E740A2E3-E6F3-463E-AE97-471E4C898C8B}" type="slidenum">
               <a:rPr lang="ru-RU" smtClean="0"/>
               <a:pPr/>
-              <a:t>7</a:t>
+              <a:t>8</a:t>
             </a:fld>
             <a:endParaRPr lang="ru-RU"/>
           </a:p>
